--- a/src/HBB-did-url-spec v0.6.pptx
+++ b/src/HBB-did-url-spec v0.6.pptx
@@ -5,7 +5,7 @@
     <p:sldMasterId id="2147483684" r:id="rId1"/>
   </p:sldMasterIdLst>
   <p:notesMasterIdLst>
-    <p:notesMasterId r:id="rId61"/>
+    <p:notesMasterId r:id="rId64"/>
   </p:notesMasterIdLst>
   <p:sldIdLst>
     <p:sldId id="613" r:id="rId2"/>
@@ -37,36 +37,39 @@
     <p:sldId id="666" r:id="rId28"/>
     <p:sldId id="667" r:id="rId29"/>
     <p:sldId id="656" r:id="rId30"/>
-    <p:sldId id="625" r:id="rId31"/>
-    <p:sldId id="627" r:id="rId32"/>
-    <p:sldId id="622" r:id="rId33"/>
-    <p:sldId id="623" r:id="rId34"/>
-    <p:sldId id="624" r:id="rId35"/>
-    <p:sldId id="657" r:id="rId36"/>
-    <p:sldId id="658" r:id="rId37"/>
-    <p:sldId id="659" r:id="rId38"/>
+    <p:sldId id="627" r:id="rId31"/>
+    <p:sldId id="622" r:id="rId32"/>
+    <p:sldId id="623" r:id="rId33"/>
+    <p:sldId id="624" r:id="rId34"/>
+    <p:sldId id="657" r:id="rId35"/>
+    <p:sldId id="658" r:id="rId36"/>
+    <p:sldId id="659" r:id="rId37"/>
+    <p:sldId id="670" r:id="rId38"/>
     <p:sldId id="660" r:id="rId39"/>
     <p:sldId id="646" r:id="rId40"/>
-    <p:sldId id="636" r:id="rId41"/>
-    <p:sldId id="637" r:id="rId42"/>
-    <p:sldId id="638" r:id="rId43"/>
-    <p:sldId id="639" r:id="rId44"/>
-    <p:sldId id="640" r:id="rId45"/>
-    <p:sldId id="642" r:id="rId46"/>
-    <p:sldId id="643" r:id="rId47"/>
-    <p:sldId id="644" r:id="rId48"/>
-    <p:sldId id="645" r:id="rId49"/>
-    <p:sldId id="647" r:id="rId50"/>
-    <p:sldId id="662" r:id="rId51"/>
-    <p:sldId id="648" r:id="rId52"/>
-    <p:sldId id="628" r:id="rId53"/>
-    <p:sldId id="668" r:id="rId54"/>
-    <p:sldId id="621" r:id="rId55"/>
-    <p:sldId id="620" r:id="rId56"/>
-    <p:sldId id="608" r:id="rId57"/>
-    <p:sldId id="669" r:id="rId58"/>
-    <p:sldId id="598" r:id="rId59"/>
-    <p:sldId id="612" r:id="rId60"/>
+    <p:sldId id="625" r:id="rId41"/>
+    <p:sldId id="671" r:id="rId42"/>
+    <p:sldId id="672" r:id="rId43"/>
+    <p:sldId id="636" r:id="rId44"/>
+    <p:sldId id="637" r:id="rId45"/>
+    <p:sldId id="638" r:id="rId46"/>
+    <p:sldId id="639" r:id="rId47"/>
+    <p:sldId id="640" r:id="rId48"/>
+    <p:sldId id="642" r:id="rId49"/>
+    <p:sldId id="643" r:id="rId50"/>
+    <p:sldId id="644" r:id="rId51"/>
+    <p:sldId id="645" r:id="rId52"/>
+    <p:sldId id="647" r:id="rId53"/>
+    <p:sldId id="662" r:id="rId54"/>
+    <p:sldId id="648" r:id="rId55"/>
+    <p:sldId id="628" r:id="rId56"/>
+    <p:sldId id="668" r:id="rId57"/>
+    <p:sldId id="621" r:id="rId58"/>
+    <p:sldId id="620" r:id="rId59"/>
+    <p:sldId id="608" r:id="rId60"/>
+    <p:sldId id="669" r:id="rId61"/>
+    <p:sldId id="598" r:id="rId62"/>
+    <p:sldId id="612" r:id="rId63"/>
   </p:sldIdLst>
   <p:sldSz cx="17279938" cy="9720263"/>
   <p:notesSz cx="6858000" cy="9144000"/>
@@ -211,7 +214,6 @@
             <p14:sldId id="666"/>
             <p14:sldId id="667"/>
             <p14:sldId id="656"/>
-            <p14:sldId id="625"/>
           </p14:sldIdLst>
         </p14:section>
         <p14:section name="An Example" id="{EC5C8AD2-C12B-4AE7-9B07-441A18C75470}">
@@ -228,15 +230,19 @@
             <p14:sldId id="658"/>
           </p14:sldIdLst>
         </p14:section>
-        <p14:section name="Higher-level Use Cases" id="{055ECFCA-BE50-48CF-9E66-6D3F6BD6A154}">
+        <p14:section name="Higher-level DID Use Cases" id="{055ECFCA-BE50-48CF-9E66-6D3F6BD6A154}">
           <p14:sldIdLst>
             <p14:sldId id="659"/>
+            <p14:sldId id="670"/>
             <p14:sldId id="660"/>
           </p14:sldIdLst>
         </p14:section>
         <p14:section name="Lower-level `did-url` Use Cases" id="{4FC64E60-1BA5-46E2-848E-3E90230D460B}">
           <p14:sldIdLst>
             <p14:sldId id="646"/>
+            <p14:sldId id="625"/>
+            <p14:sldId id="671"/>
+            <p14:sldId id="672"/>
             <p14:sldId id="636"/>
             <p14:sldId id="637"/>
             <p14:sldId id="638"/>
@@ -8609,7 +8615,7 @@
             </a:r>
             <a:r>
               <a:rPr lang="en-US" dirty="0"/>
-              <a:t> use cases) will be guided/driven by the specific higher-level use case documents listed below. See Principle 1.2 above.</a:t>
+              <a:t> use cases) will be guided/driven by the specific higher-level DID user scenarios documents listed below. See Principle 1.2 above.</a:t>
             </a:r>
           </a:p>
         </p:txBody>
@@ -22581,7 +22587,7 @@
           <p:cNvPr id="2" name="Title 1">
             <a:extLst>
               <a:ext uri="{FF2B5EF4-FFF2-40B4-BE49-F238E27FC236}">
-                <a16:creationId xmlns:a16="http://schemas.microsoft.com/office/drawing/2014/main" id="{57C072EA-CF34-4403-9DC0-CCC1BCFB395B}"/>
+                <a16:creationId xmlns:a16="http://schemas.microsoft.com/office/drawing/2014/main" id="{C29FC834-6430-4E4A-83B7-97BA43C29D37}"/>
               </a:ext>
             </a:extLst>
           </p:cNvPr>
@@ -22589,28 +22595,52 @@
             <a:spLocks noGrp="1"/>
           </p:cNvSpPr>
           <p:nvPr>
-            <p:ph type="title"/>
+            <p:ph type="ctrTitle"/>
           </p:nvPr>
         </p:nvSpPr>
-        <p:spPr/>
-        <p:txBody>
-          <a:bodyPr/>
+        <p:spPr>
+          <a:xfrm>
+            <a:off x="723900" y="1137147"/>
+            <a:ext cx="16173450" cy="3602126"/>
+          </a:xfrm>
+        </p:spPr>
+        <p:txBody>
+          <a:bodyPr>
+            <a:normAutofit/>
+          </a:bodyPr>
           <a:lstStyle/>
           <a:p>
             <a:r>
-              <a:rPr lang="en-CA" dirty="0"/>
-              <a:t>DID Document Examples</a:t>
-            </a:r>
-            <a:endParaRPr lang="en-US" dirty="0"/>
-          </a:p>
-        </p:txBody>
-      </p:sp>
-      <p:sp>
-        <p:nvSpPr>
-          <p:cNvPr id="3" name="Content Placeholder 2">
+              <a:rPr lang="en-CA" sz="6600" dirty="0">
+                <a:solidFill>
+                  <a:srgbClr val="1D326D"/>
+                </a:solidFill>
+                <a:sym typeface="Wingdings" panose="05000000000000000000" pitchFamily="2" charset="2"/>
+              </a:rPr>
+              <a:t></a:t>
+            </a:r>
+            <a:r>
+              <a:rPr lang="en-CA" sz="6600" dirty="0">
+                <a:solidFill>
+                  <a:srgbClr val="1D326D"/>
+                </a:solidFill>
+              </a:rPr>
+              <a:t> An Example</a:t>
+            </a:r>
+            <a:endParaRPr lang="en-US" sz="6600" dirty="0">
+              <a:solidFill>
+                <a:srgbClr val="1D326D"/>
+              </a:solidFill>
+            </a:endParaRPr>
+          </a:p>
+        </p:txBody>
+      </p:sp>
+      <p:sp>
+        <p:nvSpPr>
+          <p:cNvPr id="3" name="Subtitle 2">
             <a:extLst>
               <a:ext uri="{FF2B5EF4-FFF2-40B4-BE49-F238E27FC236}">
-                <a16:creationId xmlns:a16="http://schemas.microsoft.com/office/drawing/2014/main" id="{EB723C81-2617-40AB-8C81-20AF37778331}"/>
+                <a16:creationId xmlns:a16="http://schemas.microsoft.com/office/drawing/2014/main" id="{C660EB17-2854-4658-9BE6-4D698F62714C}"/>
               </a:ext>
             </a:extLst>
           </p:cNvPr>
@@ -22618,54 +22648,317 @@
             <a:spLocks noGrp="1"/>
           </p:cNvSpPr>
           <p:nvPr>
-            <p:ph idx="1"/>
+            <p:ph type="subTitle" idx="1"/>
           </p:nvPr>
         </p:nvSpPr>
-        <p:spPr/>
-        <p:txBody>
-          <a:bodyPr/>
+        <p:spPr>
+          <a:xfrm>
+            <a:off x="723900" y="5462192"/>
+            <a:ext cx="14944338" cy="1385642"/>
+          </a:xfrm>
+        </p:spPr>
+        <p:txBody>
+          <a:bodyPr>
+            <a:normAutofit fontScale="70000" lnSpcReduction="20000"/>
+          </a:bodyPr>
           <a:lstStyle/>
           <a:p>
-            <a:pPr marL="514350" indent="-514350">
-              <a:buFont typeface="+mj-lt"/>
-              <a:buAutoNum type="arabicPeriod"/>
-            </a:pPr>
+            <a:r>
+              <a:rPr lang="en-CA" dirty="0"/>
+              <a:t>Michael Herman</a:t>
+            </a:r>
+          </a:p>
+          <a:p>
+            <a:r>
+              <a:rPr lang="en-CA" dirty="0"/>
+              <a:t>Independent Blockchain Architect</a:t>
+            </a:r>
+          </a:p>
+          <a:p>
+            <a:r>
+              <a:rPr lang="en-CA" dirty="0"/>
+              <a:t>mwherman@parallelspace.net</a:t>
+            </a:r>
+            <a:endParaRPr lang="en-US" dirty="0"/>
+          </a:p>
+        </p:txBody>
+      </p:sp>
+      <p:sp>
+        <p:nvSpPr>
+          <p:cNvPr id="6" name="Date Placeholder 2">
+            <a:extLst>
+              <a:ext uri="{FF2B5EF4-FFF2-40B4-BE49-F238E27FC236}">
+                <a16:creationId xmlns:a16="http://schemas.microsoft.com/office/drawing/2014/main" id="{2AD3D6DA-1F42-48CB-B93A-E92BA6EE4652}"/>
+              </a:ext>
+            </a:extLst>
+          </p:cNvPr>
+          <p:cNvSpPr txBox="1">
+            <a:spLocks/>
+          </p:cNvSpPr>
+          <p:nvPr/>
+        </p:nvSpPr>
+        <p:spPr>
+          <a:xfrm>
+            <a:off x="10706614" y="9018020"/>
+            <a:ext cx="5868474" cy="436742"/>
+          </a:xfrm>
+          <a:prstGeom prst="rect">
+            <a:avLst/>
+          </a:prstGeom>
+        </p:spPr>
+        <p:txBody>
+          <a:bodyPr vert="horz" lIns="91440" tIns="45720" rIns="91440" bIns="45720" rtlCol="0" anchor="ctr"/>
+          <a:lstStyle>
+            <a:defPPr>
+              <a:defRPr lang="en-US"/>
+            </a:defPPr>
+            <a:lvl1pPr marL="0" algn="r" defTabSz="457200" rtl="0" eaLnBrk="1" latinLnBrk="0" hangingPunct="1">
+              <a:defRPr sz="1417" kern="1200">
+                <a:solidFill>
+                  <a:schemeClr val="tx1">
+                    <a:tint val="75000"/>
+                  </a:schemeClr>
+                </a:solidFill>
+                <a:latin typeface="+mn-lt"/>
+                <a:ea typeface="+mn-ea"/>
+                <a:cs typeface="+mn-cs"/>
+              </a:defRPr>
+            </a:lvl1pPr>
+            <a:lvl2pPr marL="457200" algn="l" defTabSz="457200" rtl="0" eaLnBrk="1" latinLnBrk="0" hangingPunct="1">
+              <a:defRPr sz="1800" kern="1200">
+                <a:solidFill>
+                  <a:schemeClr val="tx1"/>
+                </a:solidFill>
+                <a:latin typeface="+mn-lt"/>
+                <a:ea typeface="+mn-ea"/>
+                <a:cs typeface="+mn-cs"/>
+              </a:defRPr>
+            </a:lvl2pPr>
+            <a:lvl3pPr marL="914400" algn="l" defTabSz="457200" rtl="0" eaLnBrk="1" latinLnBrk="0" hangingPunct="1">
+              <a:defRPr sz="1800" kern="1200">
+                <a:solidFill>
+                  <a:schemeClr val="tx1"/>
+                </a:solidFill>
+                <a:latin typeface="+mn-lt"/>
+                <a:ea typeface="+mn-ea"/>
+                <a:cs typeface="+mn-cs"/>
+              </a:defRPr>
+            </a:lvl3pPr>
+            <a:lvl4pPr marL="1371600" algn="l" defTabSz="457200" rtl="0" eaLnBrk="1" latinLnBrk="0" hangingPunct="1">
+              <a:defRPr sz="1800" kern="1200">
+                <a:solidFill>
+                  <a:schemeClr val="tx1"/>
+                </a:solidFill>
+                <a:latin typeface="+mn-lt"/>
+                <a:ea typeface="+mn-ea"/>
+                <a:cs typeface="+mn-cs"/>
+              </a:defRPr>
+            </a:lvl4pPr>
+            <a:lvl5pPr marL="1828800" algn="l" defTabSz="457200" rtl="0" eaLnBrk="1" latinLnBrk="0" hangingPunct="1">
+              <a:defRPr sz="1800" kern="1200">
+                <a:solidFill>
+                  <a:schemeClr val="tx1"/>
+                </a:solidFill>
+                <a:latin typeface="+mn-lt"/>
+                <a:ea typeface="+mn-ea"/>
+                <a:cs typeface="+mn-cs"/>
+              </a:defRPr>
+            </a:lvl5pPr>
+            <a:lvl6pPr marL="2286000" algn="l" defTabSz="457200" rtl="0" eaLnBrk="1" latinLnBrk="0" hangingPunct="1">
+              <a:defRPr sz="1800" kern="1200">
+                <a:solidFill>
+                  <a:schemeClr val="tx1"/>
+                </a:solidFill>
+                <a:latin typeface="+mn-lt"/>
+                <a:ea typeface="+mn-ea"/>
+                <a:cs typeface="+mn-cs"/>
+              </a:defRPr>
+            </a:lvl6pPr>
+            <a:lvl7pPr marL="2743200" algn="l" defTabSz="457200" rtl="0" eaLnBrk="1" latinLnBrk="0" hangingPunct="1">
+              <a:defRPr sz="1800" kern="1200">
+                <a:solidFill>
+                  <a:schemeClr val="tx1"/>
+                </a:solidFill>
+                <a:latin typeface="+mn-lt"/>
+                <a:ea typeface="+mn-ea"/>
+                <a:cs typeface="+mn-cs"/>
+              </a:defRPr>
+            </a:lvl7pPr>
+            <a:lvl8pPr marL="3200400" algn="l" defTabSz="457200" rtl="0" eaLnBrk="1" latinLnBrk="0" hangingPunct="1">
+              <a:defRPr sz="1800" kern="1200">
+                <a:solidFill>
+                  <a:schemeClr val="tx1"/>
+                </a:solidFill>
+                <a:latin typeface="+mn-lt"/>
+                <a:ea typeface="+mn-ea"/>
+                <a:cs typeface="+mn-cs"/>
+              </a:defRPr>
+            </a:lvl8pPr>
+            <a:lvl9pPr marL="3657600" algn="l" defTabSz="457200" rtl="0" eaLnBrk="1" latinLnBrk="0" hangingPunct="1">
+              <a:defRPr sz="1800" kern="1200">
+                <a:solidFill>
+                  <a:schemeClr val="tx1"/>
+                </a:solidFill>
+                <a:latin typeface="+mn-lt"/>
+                <a:ea typeface="+mn-ea"/>
+                <a:cs typeface="+mn-cs"/>
+              </a:defRPr>
+            </a:lvl9pPr>
+          </a:lstStyle>
+          <a:p>
+            <a:fld id="{E35A9342-8D2C-4F03-BE33-2A71AE2A9EC4}" type="datetime1">
+              <a:rPr lang="en-CA" smtClean="0">
+                <a:solidFill>
+                  <a:schemeClr val="bg1"/>
+                </a:solidFill>
+              </a:rPr>
+              <a:pPr/>
+              <a:t>2019-03-24</a:t>
+            </a:fld>
+            <a:endParaRPr lang="en-CA" dirty="0">
+              <a:solidFill>
+                <a:schemeClr val="bg1"/>
+              </a:solidFill>
+            </a:endParaRPr>
+          </a:p>
+        </p:txBody>
+      </p:sp>
+      <p:sp>
+        <p:nvSpPr>
+          <p:cNvPr id="7" name="Footer Placeholder 3">
+            <a:extLst>
+              <a:ext uri="{FF2B5EF4-FFF2-40B4-BE49-F238E27FC236}">
+                <a16:creationId xmlns:a16="http://schemas.microsoft.com/office/drawing/2014/main" id="{099A2DE6-9372-44F1-A841-744407BCBCC7}"/>
+              </a:ext>
+            </a:extLst>
+          </p:cNvPr>
+          <p:cNvSpPr txBox="1">
+            <a:spLocks/>
+          </p:cNvSpPr>
+          <p:nvPr/>
+        </p:nvSpPr>
+        <p:spPr>
+          <a:xfrm>
+            <a:off x="2057349" y="9019515"/>
+            <a:ext cx="8233240" cy="435247"/>
+          </a:xfrm>
+          <a:prstGeom prst="rect">
+            <a:avLst/>
+          </a:prstGeom>
+        </p:spPr>
+        <p:txBody>
+          <a:bodyPr vert="horz" lIns="91440" tIns="45720" rIns="91440" bIns="45720" rtlCol="0" anchor="ctr"/>
+          <a:lstStyle>
+            <a:defPPr>
+              <a:defRPr lang="en-US"/>
+            </a:defPPr>
+            <a:lvl1pPr marL="0" algn="l" defTabSz="457200" rtl="0" eaLnBrk="1" latinLnBrk="0" hangingPunct="1">
+              <a:defRPr sz="1417" kern="1200">
+                <a:solidFill>
+                  <a:schemeClr val="tx1">
+                    <a:tint val="75000"/>
+                  </a:schemeClr>
+                </a:solidFill>
+                <a:latin typeface="+mn-lt"/>
+                <a:ea typeface="+mn-ea"/>
+                <a:cs typeface="+mn-cs"/>
+              </a:defRPr>
+            </a:lvl1pPr>
+            <a:lvl2pPr marL="457200" algn="l" defTabSz="457200" rtl="0" eaLnBrk="1" latinLnBrk="0" hangingPunct="1">
+              <a:defRPr sz="1800" kern="1200">
+                <a:solidFill>
+                  <a:schemeClr val="tx1"/>
+                </a:solidFill>
+                <a:latin typeface="+mn-lt"/>
+                <a:ea typeface="+mn-ea"/>
+                <a:cs typeface="+mn-cs"/>
+              </a:defRPr>
+            </a:lvl2pPr>
+            <a:lvl3pPr marL="914400" algn="l" defTabSz="457200" rtl="0" eaLnBrk="1" latinLnBrk="0" hangingPunct="1">
+              <a:defRPr sz="1800" kern="1200">
+                <a:solidFill>
+                  <a:schemeClr val="tx1"/>
+                </a:solidFill>
+                <a:latin typeface="+mn-lt"/>
+                <a:ea typeface="+mn-ea"/>
+                <a:cs typeface="+mn-cs"/>
+              </a:defRPr>
+            </a:lvl3pPr>
+            <a:lvl4pPr marL="1371600" algn="l" defTabSz="457200" rtl="0" eaLnBrk="1" latinLnBrk="0" hangingPunct="1">
+              <a:defRPr sz="1800" kern="1200">
+                <a:solidFill>
+                  <a:schemeClr val="tx1"/>
+                </a:solidFill>
+                <a:latin typeface="+mn-lt"/>
+                <a:ea typeface="+mn-ea"/>
+                <a:cs typeface="+mn-cs"/>
+              </a:defRPr>
+            </a:lvl4pPr>
+            <a:lvl5pPr marL="1828800" algn="l" defTabSz="457200" rtl="0" eaLnBrk="1" latinLnBrk="0" hangingPunct="1">
+              <a:defRPr sz="1800" kern="1200">
+                <a:solidFill>
+                  <a:schemeClr val="tx1"/>
+                </a:solidFill>
+                <a:latin typeface="+mn-lt"/>
+                <a:ea typeface="+mn-ea"/>
+                <a:cs typeface="+mn-cs"/>
+              </a:defRPr>
+            </a:lvl5pPr>
+            <a:lvl6pPr marL="2286000" algn="l" defTabSz="457200" rtl="0" eaLnBrk="1" latinLnBrk="0" hangingPunct="1">
+              <a:defRPr sz="1800" kern="1200">
+                <a:solidFill>
+                  <a:schemeClr val="tx1"/>
+                </a:solidFill>
+                <a:latin typeface="+mn-lt"/>
+                <a:ea typeface="+mn-ea"/>
+                <a:cs typeface="+mn-cs"/>
+              </a:defRPr>
+            </a:lvl6pPr>
+            <a:lvl7pPr marL="2743200" algn="l" defTabSz="457200" rtl="0" eaLnBrk="1" latinLnBrk="0" hangingPunct="1">
+              <a:defRPr sz="1800" kern="1200">
+                <a:solidFill>
+                  <a:schemeClr val="tx1"/>
+                </a:solidFill>
+                <a:latin typeface="+mn-lt"/>
+                <a:ea typeface="+mn-ea"/>
+                <a:cs typeface="+mn-cs"/>
+              </a:defRPr>
+            </a:lvl7pPr>
+            <a:lvl8pPr marL="3200400" algn="l" defTabSz="457200" rtl="0" eaLnBrk="1" latinLnBrk="0" hangingPunct="1">
+              <a:defRPr sz="1800" kern="1200">
+                <a:solidFill>
+                  <a:schemeClr val="tx1"/>
+                </a:solidFill>
+                <a:latin typeface="+mn-lt"/>
+                <a:ea typeface="+mn-ea"/>
+                <a:cs typeface="+mn-cs"/>
+              </a:defRPr>
+            </a:lvl8pPr>
+            <a:lvl9pPr marL="3657600" algn="l" defTabSz="457200" rtl="0" eaLnBrk="1" latinLnBrk="0" hangingPunct="1">
+              <a:defRPr sz="1800" kern="1200">
+                <a:solidFill>
+                  <a:schemeClr val="tx1"/>
+                </a:solidFill>
+                <a:latin typeface="+mn-lt"/>
+                <a:ea typeface="+mn-ea"/>
+                <a:cs typeface="+mn-cs"/>
+              </a:defRPr>
+            </a:lvl9pPr>
+          </a:lstStyle>
+          <a:p>
             <a:r>
               <a:rPr lang="en-US" dirty="0">
-                <a:hlinkClick r:id="rId2"/>
+                <a:solidFill>
+                  <a:schemeClr val="bg1"/>
+                </a:solidFill>
               </a:rPr>
-              <a:t>DID Spec - Example 16</a:t>
-            </a:r>
-            <a:endParaRPr lang="en-US" dirty="0"/>
-          </a:p>
-          <a:p>
-            <a:pPr marL="514350" indent="-514350">
-              <a:buFont typeface="+mj-lt"/>
-              <a:buAutoNum type="arabicPeriod"/>
-            </a:pPr>
-            <a:r>
-              <a:rPr lang="en-US" dirty="0">
-                <a:hlinkClick r:id="rId3"/>
-              </a:rPr>
-              <a:t>INDY-ARM Example</a:t>
-            </a:r>
-            <a:endParaRPr lang="en-US" dirty="0"/>
-          </a:p>
-          <a:p>
-            <a:pPr marL="514350" indent="-514350">
-              <a:buFont typeface="+mj-lt"/>
-              <a:buAutoNum type="arabicPeriod"/>
-            </a:pPr>
-            <a:r>
-              <a:rPr lang="en-US" dirty="0">
-                <a:hlinkClick r:id="rId4"/>
-              </a:rPr>
-              <a:t>Windley Article Example</a:t>
-            </a:r>
-            <a:endParaRPr lang="en-US" dirty="0"/>
-          </a:p>
-          <a:p>
-            <a:endParaRPr lang="en-US" dirty="0"/>
+              <a:t>Decentralized Identifier URL Specification (did-url-spec)</a:t>
+            </a:r>
+            <a:endParaRPr lang="en-CA" dirty="0">
+              <a:solidFill>
+                <a:schemeClr val="bg1"/>
+              </a:solidFill>
+            </a:endParaRPr>
           </a:p>
         </p:txBody>
       </p:sp>
@@ -22674,7 +22967,7 @@
           <p:cNvPr id="4" name="Date Placeholder 3">
             <a:extLst>
               <a:ext uri="{FF2B5EF4-FFF2-40B4-BE49-F238E27FC236}">
-                <a16:creationId xmlns:a16="http://schemas.microsoft.com/office/drawing/2014/main" id="{7C690622-0616-4CAB-B8D4-B33A1AEEFE11}"/>
+                <a16:creationId xmlns:a16="http://schemas.microsoft.com/office/drawing/2014/main" id="{25097914-E7A8-451B-871F-7A79EDBFC107}"/>
               </a:ext>
             </a:extLst>
           </p:cNvPr>
@@ -22690,7 +22983,7 @@
           <a:bodyPr/>
           <a:lstStyle/>
           <a:p>
-            <a:fld id="{98157B10-97E2-4274-83A8-1C44952536E0}" type="datetime1">
+            <a:fld id="{E07209E4-D74F-47B4-809B-0E6FCDD23DBB}" type="datetime1">
               <a:rPr lang="en-CA" smtClean="0"/>
               <a:t>2019-03-24</a:t>
             </a:fld>
@@ -22703,7 +22996,7 @@
           <p:cNvPr id="5" name="Footer Placeholder 4">
             <a:extLst>
               <a:ext uri="{FF2B5EF4-FFF2-40B4-BE49-F238E27FC236}">
-                <a16:creationId xmlns:a16="http://schemas.microsoft.com/office/drawing/2014/main" id="{176EE2FF-D229-4BE3-AFBB-AD8EE70A3E7F}"/>
+                <a16:creationId xmlns:a16="http://schemas.microsoft.com/office/drawing/2014/main" id="{A95A161B-8200-41B8-9645-293CA8E68BE7}"/>
               </a:ext>
             </a:extLst>
           </p:cNvPr>
@@ -22730,7 +23023,7 @@
     </p:spTree>
     <p:extLst>
       <p:ext uri="{BB962C8B-B14F-4D97-AF65-F5344CB8AC3E}">
-        <p14:creationId xmlns:p14="http://schemas.microsoft.com/office/powerpoint/2010/main" val="975830508"/>
+        <p14:creationId xmlns:p14="http://schemas.microsoft.com/office/powerpoint/2010/main" val="3679845901"/>
       </p:ext>
     </p:extLst>
   </p:cSld>
@@ -22762,7 +23055,7 @@
           <p:cNvPr id="2" name="Title 1">
             <a:extLst>
               <a:ext uri="{FF2B5EF4-FFF2-40B4-BE49-F238E27FC236}">
-                <a16:creationId xmlns:a16="http://schemas.microsoft.com/office/drawing/2014/main" id="{C29FC834-6430-4E4A-83B7-97BA43C29D37}"/>
+                <a16:creationId xmlns:a16="http://schemas.microsoft.com/office/drawing/2014/main" id="{9C245188-36CE-4095-BE7E-44B8B49B275F}"/>
               </a:ext>
             </a:extLst>
           </p:cNvPr>
@@ -22770,52 +23063,39 @@
             <a:spLocks noGrp="1"/>
           </p:cNvSpPr>
           <p:nvPr>
-            <p:ph type="ctrTitle"/>
+            <p:ph type="title"/>
           </p:nvPr>
         </p:nvSpPr>
-        <p:spPr>
-          <a:xfrm>
-            <a:off x="723900" y="1137147"/>
-            <a:ext cx="16173450" cy="3602126"/>
-          </a:xfrm>
-        </p:spPr>
+        <p:spPr/>
         <p:txBody>
           <a:bodyPr>
-            <a:normAutofit/>
+            <a:normAutofit fontScale="90000"/>
           </a:bodyPr>
           <a:lstStyle/>
           <a:p>
             <a:r>
-              <a:rPr lang="en-CA" sz="6600" dirty="0">
-                <a:solidFill>
-                  <a:srgbClr val="1D326D"/>
-                </a:solidFill>
-                <a:sym typeface="Wingdings" panose="05000000000000000000" pitchFamily="2" charset="2"/>
+              <a:rPr lang="en-US" cap="none" dirty="0">
+                <a:latin typeface="Consolas" panose="020B0609020204030204" pitchFamily="49" charset="0"/>
               </a:rPr>
-              <a:t></a:t>
-            </a:r>
-            <a:r>
-              <a:rPr lang="en-CA" sz="6600" dirty="0">
-                <a:solidFill>
-                  <a:srgbClr val="1D326D"/>
-                </a:solidFill>
-              </a:rPr>
-              <a:t> An Example</a:t>
-            </a:r>
-            <a:endParaRPr lang="en-US" sz="6600" dirty="0">
-              <a:solidFill>
-                <a:srgbClr val="1D326D"/>
-              </a:solidFill>
-            </a:endParaRPr>
-          </a:p>
-        </p:txBody>
-      </p:sp>
-      <p:sp>
-        <p:nvSpPr>
-          <p:cNvPr id="3" name="Subtitle 2">
+              <a:t>did-url</a:t>
+            </a:r>
+            <a:r>
+              <a:rPr lang="en-US" dirty="0"/>
+              <a:t> Service Endpoint Transformers: Use Cases</a:t>
+            </a:r>
+            <a:br>
+              <a:rPr lang="en-US" dirty="0"/>
+            </a:br>
+            <a:endParaRPr lang="en-US" dirty="0"/>
+          </a:p>
+        </p:txBody>
+      </p:sp>
+      <p:sp>
+        <p:nvSpPr>
+          <p:cNvPr id="3" name="Content Placeholder 2">
             <a:extLst>
               <a:ext uri="{FF2B5EF4-FFF2-40B4-BE49-F238E27FC236}">
-                <a16:creationId xmlns:a16="http://schemas.microsoft.com/office/drawing/2014/main" id="{C660EB17-2854-4658-9BE6-4D698F62714C}"/>
+                <a16:creationId xmlns:a16="http://schemas.microsoft.com/office/drawing/2014/main" id="{1F714308-1FD2-476B-88F9-F49BAD6F45DC}"/>
               </a:ext>
             </a:extLst>
           </p:cNvPr>
@@ -22823,326 +23103,78 @@
             <a:spLocks noGrp="1"/>
           </p:cNvSpPr>
           <p:nvPr>
-            <p:ph type="subTitle" idx="1"/>
+            <p:ph idx="1"/>
           </p:nvPr>
         </p:nvSpPr>
         <p:spPr>
           <a:xfrm>
-            <a:off x="723900" y="5462192"/>
-            <a:ext cx="14944338" cy="1385642"/>
+            <a:off x="704850" y="1238250"/>
+            <a:ext cx="15870238" cy="7446885"/>
           </a:xfrm>
         </p:spPr>
         <p:txBody>
           <a:bodyPr>
-            <a:normAutofit fontScale="70000" lnSpcReduction="20000"/>
+            <a:normAutofit/>
           </a:bodyPr>
           <a:lstStyle/>
           <a:p>
             <a:r>
-              <a:rPr lang="en-CA" dirty="0"/>
-              <a:t>Michael Herman</a:t>
-            </a:r>
-          </a:p>
-          <a:p>
-            <a:r>
-              <a:rPr lang="en-CA" dirty="0"/>
-              <a:t>Independent Blockchain Architect</a:t>
-            </a:r>
-          </a:p>
-          <a:p>
-            <a:r>
-              <a:rPr lang="en-CA" dirty="0"/>
-              <a:t>mwherman@parallelspace.net</a:t>
-            </a:r>
-            <a:endParaRPr lang="en-US" dirty="0"/>
-          </a:p>
-        </p:txBody>
-      </p:sp>
-      <p:sp>
-        <p:nvSpPr>
-          <p:cNvPr id="6" name="Date Placeholder 2">
+              <a:rPr lang="en-US" dirty="0"/>
+              <a:t>H. DID URL Service Endpoint Transformation Use Cases (using "!" transformer (pipe) option and $serviceId transform option)</a:t>
+            </a:r>
+          </a:p>
+          <a:p>
+            <a:r>
+              <a:rPr lang="en-US" dirty="0"/>
+              <a:t>These following use cases use the "!" transformer (pipe) option and $serviceId transformer (pipe) option (aka $serviceId transformer). These tokens immediately follow is formally the text that matches be the did rule. The semantics are: take the did text (up to the "!" pipe option) and pass it through a transformation represented by the transform options that follow the "!" transformer (pipe) option.</a:t>
+            </a:r>
+          </a:p>
+          <a:p>
+            <a:r>
+              <a:rPr lang="en-US" dirty="0"/>
+              <a:t>For example, if the transformer is $serviceId="&lt;service-id&gt;", the effect would be to produce the resolved URL/URI for, in this case, the service endpoint corresponding service-id. See the table below for more specific examples of the syntax.</a:t>
+            </a:r>
+          </a:p>
+          <a:p>
+            <a:r>
+              <a:rPr lang="en-US" dirty="0"/>
+              <a:t>Conceptually, the processing is:</a:t>
+            </a:r>
+            <a:br>
+              <a:rPr lang="en-US" dirty="0"/>
+            </a:br>
+            <a:br>
+              <a:rPr lang="en-US" dirty="0"/>
+            </a:br>
+            <a:r>
+              <a:rPr lang="en-US" dirty="0"/>
+              <a:t>	</a:t>
+            </a:r>
+            <a:r>
+              <a:rPr lang="en-US" dirty="0">
+                <a:latin typeface="Consolas" panose="020B0609020204030204" pitchFamily="49" charset="0"/>
+              </a:rPr>
+              <a:t>did-url | transform(tranformOptions) </a:t>
+            </a:r>
+            <a:r>
+              <a:rPr lang="en-US" dirty="0"/>
+              <a:t>to produce a </a:t>
+            </a:r>
+            <a:r>
+              <a:rPr lang="en-US" dirty="0">
+                <a:latin typeface="Consolas" panose="020B0609020204030204" pitchFamily="49" charset="0"/>
+              </a:rPr>
+              <a:t>transformed-url</a:t>
+            </a:r>
+          </a:p>
+        </p:txBody>
+      </p:sp>
+      <p:sp>
+        <p:nvSpPr>
+          <p:cNvPr id="4" name="Date Placeholder 3">
             <a:extLst>
               <a:ext uri="{FF2B5EF4-FFF2-40B4-BE49-F238E27FC236}">
-                <a16:creationId xmlns:a16="http://schemas.microsoft.com/office/drawing/2014/main" id="{2AD3D6DA-1F42-48CB-B93A-E92BA6EE4652}"/>
-              </a:ext>
-            </a:extLst>
-          </p:cNvPr>
-          <p:cNvSpPr txBox="1">
-            <a:spLocks/>
-          </p:cNvSpPr>
-          <p:nvPr/>
-        </p:nvSpPr>
-        <p:spPr>
-          <a:xfrm>
-            <a:off x="10706614" y="9018020"/>
-            <a:ext cx="5868474" cy="436742"/>
-          </a:xfrm>
-          <a:prstGeom prst="rect">
-            <a:avLst/>
-          </a:prstGeom>
-        </p:spPr>
-        <p:txBody>
-          <a:bodyPr vert="horz" lIns="91440" tIns="45720" rIns="91440" bIns="45720" rtlCol="0" anchor="ctr"/>
-          <a:lstStyle>
-            <a:defPPr>
-              <a:defRPr lang="en-US"/>
-            </a:defPPr>
-            <a:lvl1pPr marL="0" algn="r" defTabSz="457200" rtl="0" eaLnBrk="1" latinLnBrk="0" hangingPunct="1">
-              <a:defRPr sz="1417" kern="1200">
-                <a:solidFill>
-                  <a:schemeClr val="tx1">
-                    <a:tint val="75000"/>
-                  </a:schemeClr>
-                </a:solidFill>
-                <a:latin typeface="+mn-lt"/>
-                <a:ea typeface="+mn-ea"/>
-                <a:cs typeface="+mn-cs"/>
-              </a:defRPr>
-            </a:lvl1pPr>
-            <a:lvl2pPr marL="457200" algn="l" defTabSz="457200" rtl="0" eaLnBrk="1" latinLnBrk="0" hangingPunct="1">
-              <a:defRPr sz="1800" kern="1200">
-                <a:solidFill>
-                  <a:schemeClr val="tx1"/>
-                </a:solidFill>
-                <a:latin typeface="+mn-lt"/>
-                <a:ea typeface="+mn-ea"/>
-                <a:cs typeface="+mn-cs"/>
-              </a:defRPr>
-            </a:lvl2pPr>
-            <a:lvl3pPr marL="914400" algn="l" defTabSz="457200" rtl="0" eaLnBrk="1" latinLnBrk="0" hangingPunct="1">
-              <a:defRPr sz="1800" kern="1200">
-                <a:solidFill>
-                  <a:schemeClr val="tx1"/>
-                </a:solidFill>
-                <a:latin typeface="+mn-lt"/>
-                <a:ea typeface="+mn-ea"/>
-                <a:cs typeface="+mn-cs"/>
-              </a:defRPr>
-            </a:lvl3pPr>
-            <a:lvl4pPr marL="1371600" algn="l" defTabSz="457200" rtl="0" eaLnBrk="1" latinLnBrk="0" hangingPunct="1">
-              <a:defRPr sz="1800" kern="1200">
-                <a:solidFill>
-                  <a:schemeClr val="tx1"/>
-                </a:solidFill>
-                <a:latin typeface="+mn-lt"/>
-                <a:ea typeface="+mn-ea"/>
-                <a:cs typeface="+mn-cs"/>
-              </a:defRPr>
-            </a:lvl4pPr>
-            <a:lvl5pPr marL="1828800" algn="l" defTabSz="457200" rtl="0" eaLnBrk="1" latinLnBrk="0" hangingPunct="1">
-              <a:defRPr sz="1800" kern="1200">
-                <a:solidFill>
-                  <a:schemeClr val="tx1"/>
-                </a:solidFill>
-                <a:latin typeface="+mn-lt"/>
-                <a:ea typeface="+mn-ea"/>
-                <a:cs typeface="+mn-cs"/>
-              </a:defRPr>
-            </a:lvl5pPr>
-            <a:lvl6pPr marL="2286000" algn="l" defTabSz="457200" rtl="0" eaLnBrk="1" latinLnBrk="0" hangingPunct="1">
-              <a:defRPr sz="1800" kern="1200">
-                <a:solidFill>
-                  <a:schemeClr val="tx1"/>
-                </a:solidFill>
-                <a:latin typeface="+mn-lt"/>
-                <a:ea typeface="+mn-ea"/>
-                <a:cs typeface="+mn-cs"/>
-              </a:defRPr>
-            </a:lvl6pPr>
-            <a:lvl7pPr marL="2743200" algn="l" defTabSz="457200" rtl="0" eaLnBrk="1" latinLnBrk="0" hangingPunct="1">
-              <a:defRPr sz="1800" kern="1200">
-                <a:solidFill>
-                  <a:schemeClr val="tx1"/>
-                </a:solidFill>
-                <a:latin typeface="+mn-lt"/>
-                <a:ea typeface="+mn-ea"/>
-                <a:cs typeface="+mn-cs"/>
-              </a:defRPr>
-            </a:lvl7pPr>
-            <a:lvl8pPr marL="3200400" algn="l" defTabSz="457200" rtl="0" eaLnBrk="1" latinLnBrk="0" hangingPunct="1">
-              <a:defRPr sz="1800" kern="1200">
-                <a:solidFill>
-                  <a:schemeClr val="tx1"/>
-                </a:solidFill>
-                <a:latin typeface="+mn-lt"/>
-                <a:ea typeface="+mn-ea"/>
-                <a:cs typeface="+mn-cs"/>
-              </a:defRPr>
-            </a:lvl8pPr>
-            <a:lvl9pPr marL="3657600" algn="l" defTabSz="457200" rtl="0" eaLnBrk="1" latinLnBrk="0" hangingPunct="1">
-              <a:defRPr sz="1800" kern="1200">
-                <a:solidFill>
-                  <a:schemeClr val="tx1"/>
-                </a:solidFill>
-                <a:latin typeface="+mn-lt"/>
-                <a:ea typeface="+mn-ea"/>
-                <a:cs typeface="+mn-cs"/>
-              </a:defRPr>
-            </a:lvl9pPr>
-          </a:lstStyle>
-          <a:p>
-            <a:fld id="{E35A9342-8D2C-4F03-BE33-2A71AE2A9EC4}" type="datetime1">
-              <a:rPr lang="en-CA" smtClean="0">
-                <a:solidFill>
-                  <a:schemeClr val="bg1"/>
-                </a:solidFill>
-              </a:rPr>
-              <a:pPr/>
-              <a:t>2019-03-24</a:t>
-            </a:fld>
-            <a:endParaRPr lang="en-CA" dirty="0">
-              <a:solidFill>
-                <a:schemeClr val="bg1"/>
-              </a:solidFill>
-            </a:endParaRPr>
-          </a:p>
-        </p:txBody>
-      </p:sp>
-      <p:sp>
-        <p:nvSpPr>
-          <p:cNvPr id="7" name="Footer Placeholder 3">
-            <a:extLst>
-              <a:ext uri="{FF2B5EF4-FFF2-40B4-BE49-F238E27FC236}">
-                <a16:creationId xmlns:a16="http://schemas.microsoft.com/office/drawing/2014/main" id="{099A2DE6-9372-44F1-A841-744407BCBCC7}"/>
-              </a:ext>
-            </a:extLst>
-          </p:cNvPr>
-          <p:cNvSpPr txBox="1">
-            <a:spLocks/>
-          </p:cNvSpPr>
-          <p:nvPr/>
-        </p:nvSpPr>
-        <p:spPr>
-          <a:xfrm>
-            <a:off x="2057349" y="9019515"/>
-            <a:ext cx="8233240" cy="435247"/>
-          </a:xfrm>
-          <a:prstGeom prst="rect">
-            <a:avLst/>
-          </a:prstGeom>
-        </p:spPr>
-        <p:txBody>
-          <a:bodyPr vert="horz" lIns="91440" tIns="45720" rIns="91440" bIns="45720" rtlCol="0" anchor="ctr"/>
-          <a:lstStyle>
-            <a:defPPr>
-              <a:defRPr lang="en-US"/>
-            </a:defPPr>
-            <a:lvl1pPr marL="0" algn="l" defTabSz="457200" rtl="0" eaLnBrk="1" latinLnBrk="0" hangingPunct="1">
-              <a:defRPr sz="1417" kern="1200">
-                <a:solidFill>
-                  <a:schemeClr val="tx1">
-                    <a:tint val="75000"/>
-                  </a:schemeClr>
-                </a:solidFill>
-                <a:latin typeface="+mn-lt"/>
-                <a:ea typeface="+mn-ea"/>
-                <a:cs typeface="+mn-cs"/>
-              </a:defRPr>
-            </a:lvl1pPr>
-            <a:lvl2pPr marL="457200" algn="l" defTabSz="457200" rtl="0" eaLnBrk="1" latinLnBrk="0" hangingPunct="1">
-              <a:defRPr sz="1800" kern="1200">
-                <a:solidFill>
-                  <a:schemeClr val="tx1"/>
-                </a:solidFill>
-                <a:latin typeface="+mn-lt"/>
-                <a:ea typeface="+mn-ea"/>
-                <a:cs typeface="+mn-cs"/>
-              </a:defRPr>
-            </a:lvl2pPr>
-            <a:lvl3pPr marL="914400" algn="l" defTabSz="457200" rtl="0" eaLnBrk="1" latinLnBrk="0" hangingPunct="1">
-              <a:defRPr sz="1800" kern="1200">
-                <a:solidFill>
-                  <a:schemeClr val="tx1"/>
-                </a:solidFill>
-                <a:latin typeface="+mn-lt"/>
-                <a:ea typeface="+mn-ea"/>
-                <a:cs typeface="+mn-cs"/>
-              </a:defRPr>
-            </a:lvl3pPr>
-            <a:lvl4pPr marL="1371600" algn="l" defTabSz="457200" rtl="0" eaLnBrk="1" latinLnBrk="0" hangingPunct="1">
-              <a:defRPr sz="1800" kern="1200">
-                <a:solidFill>
-                  <a:schemeClr val="tx1"/>
-                </a:solidFill>
-                <a:latin typeface="+mn-lt"/>
-                <a:ea typeface="+mn-ea"/>
-                <a:cs typeface="+mn-cs"/>
-              </a:defRPr>
-            </a:lvl4pPr>
-            <a:lvl5pPr marL="1828800" algn="l" defTabSz="457200" rtl="0" eaLnBrk="1" latinLnBrk="0" hangingPunct="1">
-              <a:defRPr sz="1800" kern="1200">
-                <a:solidFill>
-                  <a:schemeClr val="tx1"/>
-                </a:solidFill>
-                <a:latin typeface="+mn-lt"/>
-                <a:ea typeface="+mn-ea"/>
-                <a:cs typeface="+mn-cs"/>
-              </a:defRPr>
-            </a:lvl5pPr>
-            <a:lvl6pPr marL="2286000" algn="l" defTabSz="457200" rtl="0" eaLnBrk="1" latinLnBrk="0" hangingPunct="1">
-              <a:defRPr sz="1800" kern="1200">
-                <a:solidFill>
-                  <a:schemeClr val="tx1"/>
-                </a:solidFill>
-                <a:latin typeface="+mn-lt"/>
-                <a:ea typeface="+mn-ea"/>
-                <a:cs typeface="+mn-cs"/>
-              </a:defRPr>
-            </a:lvl6pPr>
-            <a:lvl7pPr marL="2743200" algn="l" defTabSz="457200" rtl="0" eaLnBrk="1" latinLnBrk="0" hangingPunct="1">
-              <a:defRPr sz="1800" kern="1200">
-                <a:solidFill>
-                  <a:schemeClr val="tx1"/>
-                </a:solidFill>
-                <a:latin typeface="+mn-lt"/>
-                <a:ea typeface="+mn-ea"/>
-                <a:cs typeface="+mn-cs"/>
-              </a:defRPr>
-            </a:lvl7pPr>
-            <a:lvl8pPr marL="3200400" algn="l" defTabSz="457200" rtl="0" eaLnBrk="1" latinLnBrk="0" hangingPunct="1">
-              <a:defRPr sz="1800" kern="1200">
-                <a:solidFill>
-                  <a:schemeClr val="tx1"/>
-                </a:solidFill>
-                <a:latin typeface="+mn-lt"/>
-                <a:ea typeface="+mn-ea"/>
-                <a:cs typeface="+mn-cs"/>
-              </a:defRPr>
-            </a:lvl8pPr>
-            <a:lvl9pPr marL="3657600" algn="l" defTabSz="457200" rtl="0" eaLnBrk="1" latinLnBrk="0" hangingPunct="1">
-              <a:defRPr sz="1800" kern="1200">
-                <a:solidFill>
-                  <a:schemeClr val="tx1"/>
-                </a:solidFill>
-                <a:latin typeface="+mn-lt"/>
-                <a:ea typeface="+mn-ea"/>
-                <a:cs typeface="+mn-cs"/>
-              </a:defRPr>
-            </a:lvl9pPr>
-          </a:lstStyle>
-          <a:p>
-            <a:r>
-              <a:rPr lang="en-US" dirty="0">
-                <a:solidFill>
-                  <a:schemeClr val="bg1"/>
-                </a:solidFill>
-              </a:rPr>
-              <a:t>Decentralized Identifier URL Specification (did-url-spec)</a:t>
-            </a:r>
-            <a:endParaRPr lang="en-CA" dirty="0">
-              <a:solidFill>
-                <a:schemeClr val="bg1"/>
-              </a:solidFill>
-            </a:endParaRPr>
-          </a:p>
-        </p:txBody>
-      </p:sp>
-      <p:sp>
-        <p:nvSpPr>
-          <p:cNvPr id="4" name="Date Placeholder 3">
-            <a:extLst>
-              <a:ext uri="{FF2B5EF4-FFF2-40B4-BE49-F238E27FC236}">
-                <a16:creationId xmlns:a16="http://schemas.microsoft.com/office/drawing/2014/main" id="{25097914-E7A8-451B-871F-7A79EDBFC107}"/>
+                <a16:creationId xmlns:a16="http://schemas.microsoft.com/office/drawing/2014/main" id="{25972F7E-1B52-4E73-897B-C592AE24C6A8}"/>
               </a:ext>
             </a:extLst>
           </p:cNvPr>
@@ -23158,7 +23190,7 @@
           <a:bodyPr/>
           <a:lstStyle/>
           <a:p>
-            <a:fld id="{E07209E4-D74F-47B4-809B-0E6FCDD23DBB}" type="datetime1">
+            <a:fld id="{C6875D96-AD83-46D2-B1D3-DA9297AD9CA7}" type="datetime1">
               <a:rPr lang="en-CA" smtClean="0"/>
               <a:t>2019-03-24</a:t>
             </a:fld>
@@ -23171,7 +23203,7 @@
           <p:cNvPr id="5" name="Footer Placeholder 4">
             <a:extLst>
               <a:ext uri="{FF2B5EF4-FFF2-40B4-BE49-F238E27FC236}">
-                <a16:creationId xmlns:a16="http://schemas.microsoft.com/office/drawing/2014/main" id="{A95A161B-8200-41B8-9645-293CA8E68BE7}"/>
+                <a16:creationId xmlns:a16="http://schemas.microsoft.com/office/drawing/2014/main" id="{A5E8703B-8379-455E-8454-C36D3FB66A5A}"/>
               </a:ext>
             </a:extLst>
           </p:cNvPr>
@@ -23198,7 +23230,7 @@
     </p:spTree>
     <p:extLst>
       <p:ext uri="{BB962C8B-B14F-4D97-AF65-F5344CB8AC3E}">
-        <p14:creationId xmlns:p14="http://schemas.microsoft.com/office/powerpoint/2010/main" val="3679845901"/>
+        <p14:creationId xmlns:p14="http://schemas.microsoft.com/office/powerpoint/2010/main" val="3472485332"/>
       </p:ext>
     </p:extLst>
   </p:cSld>
@@ -23241,7 +23273,12 @@
             <p:ph type="title"/>
           </p:nvPr>
         </p:nvSpPr>
-        <p:spPr/>
+        <p:spPr>
+          <a:xfrm>
+            <a:off x="704850" y="263995"/>
+            <a:ext cx="15870238" cy="1487145"/>
+          </a:xfrm>
+        </p:spPr>
         <p:txBody>
           <a:bodyPr>
             <a:normAutofit fontScale="90000"/>
@@ -23256,7 +23293,7 @@
             </a:r>
             <a:r>
               <a:rPr lang="en-US" dirty="0"/>
-              <a:t> Service Endpoint Transformers: Use Cases</a:t>
+              <a:t> Service Endpoint Transformers: Examples</a:t>
             </a:r>
             <a:br>
               <a:rPr lang="en-US" dirty="0"/>
@@ -23283,63 +23320,123 @@
         </p:nvSpPr>
         <p:spPr>
           <a:xfrm>
-            <a:off x="704850" y="1238250"/>
-            <a:ext cx="15870238" cy="7446885"/>
+            <a:off x="704850" y="968007"/>
+            <a:ext cx="16575088" cy="6648245"/>
           </a:xfrm>
         </p:spPr>
         <p:txBody>
           <a:bodyPr>
-            <a:normAutofit/>
+            <a:noAutofit/>
           </a:bodyPr>
           <a:lstStyle/>
           <a:p>
             <a:r>
               <a:rPr lang="en-US" dirty="0"/>
-              <a:t>H. DID URL Service Endpoint Transformation Use Cases (using "!" transformer (pipe) option and $serviceId transform option)</a:t>
+              <a:t>Here's are 2 specific examples based on the Windley examples. These examples also make clear the difference between the transformer approach and the ';' approach. The subject DID document is from Windley article.</a:t>
+            </a:r>
+          </a:p>
+          <a:p>
+            <a:r>
+              <a:rPr lang="en-US" b="1" dirty="0"/>
+              <a:t>Approach	Example</a:t>
             </a:r>
           </a:p>
           <a:p>
             <a:r>
               <a:rPr lang="en-US" dirty="0"/>
-              <a:t>These following use cases use the "!" transformer (pipe) option and $serviceId transformer (pipe) option (aka $serviceId transformer). These tokens immediately follow is formally the text that matches be the did rule. The semantics are: take the did text (up to the "!" pipe option) and pass it through a transformation represented by the transform options that follow the "!" transformer (pipe) option.</a:t>
-            </a:r>
-          </a:p>
-          <a:p>
-            <a:r>
-              <a:rPr lang="en-US" dirty="0"/>
-              <a:t>For example, if the transformer is $serviceId="&lt;service-id&gt;", the effect would be to produce the resolved URL/URI for, in this case, the service endpoint corresponding service-id. See the table below for more specific examples of the syntax.</a:t>
-            </a:r>
-          </a:p>
-          <a:p>
-            <a:r>
-              <a:rPr lang="en-US" dirty="0"/>
-              <a:t>Conceptually, the processing is:</a:t>
-            </a:r>
-            <a:br>
-              <a:rPr lang="en-US" dirty="0"/>
-            </a:br>
-            <a:br>
-              <a:rPr lang="en-US" dirty="0"/>
-            </a:br>
-            <a:r>
-              <a:rPr lang="en-US" dirty="0"/>
-              <a:t>	</a:t>
+              <a:t>Windley	</a:t>
             </a:r>
             <a:r>
               <a:rPr lang="en-US" dirty="0">
                 <a:latin typeface="Consolas" panose="020B0609020204030204" pitchFamily="49" charset="0"/>
               </a:rPr>
-              <a:t>did-url | transform(tranformOptions) </a:t>
-            </a:r>
+              <a:t>did:sov:123456789abcdefghij;exam_svc</a:t>
+            </a:r>
+          </a:p>
+          <a:p>
             <a:r>
               <a:rPr lang="en-US" dirty="0"/>
-              <a:t>to produce a </a:t>
+              <a:t>Transformer	</a:t>
             </a:r>
             <a:r>
               <a:rPr lang="en-US" dirty="0">
                 <a:latin typeface="Consolas" panose="020B0609020204030204" pitchFamily="49" charset="0"/>
               </a:rPr>
-              <a:t>transformed-url</a:t>
+              <a:t>did:sov:123456789abcdefghij!$serviceId="exam_svc"</a:t>
+            </a:r>
+          </a:p>
+          <a:p>
+            <a:r>
+              <a:rPr lang="en-US" dirty="0"/>
+              <a:t>Both of the above </a:t>
+            </a:r>
+            <a:r>
+              <a:rPr lang="en-US" dirty="0">
+                <a:latin typeface="Consolas" panose="020B0609020204030204" pitchFamily="49" charset="0"/>
+              </a:rPr>
+              <a:t>did-url</a:t>
+            </a:r>
+            <a:r>
+              <a:rPr lang="en-US" dirty="0"/>
+              <a:t>’s resolve (dereference) to the same URI/URL: </a:t>
+            </a:r>
+            <a:r>
+              <a:rPr lang="en-US" dirty="0">
+                <a:latin typeface="Consolas" panose="020B0609020204030204" pitchFamily="49" charset="0"/>
+              </a:rPr>
+              <a:t>https://example.com/endpoint/8377464</a:t>
+            </a:r>
+          </a:p>
+          <a:p>
+            <a:r>
+              <a:rPr lang="en-US" b="1" dirty="0"/>
+              <a:t>Approach	Example</a:t>
+            </a:r>
+          </a:p>
+          <a:p>
+            <a:r>
+              <a:rPr lang="en-US" dirty="0"/>
+              <a:t>Windley	</a:t>
+            </a:r>
+            <a:r>
+              <a:rPr lang="en-US" dirty="0">
+                <a:latin typeface="Consolas" panose="020B0609020204030204" pitchFamily="49" charset="0"/>
+              </a:rPr>
+              <a:t>did:sov:123456789abcdefghij;exam_svc/foo/bar?a=1#flip</a:t>
+            </a:r>
+          </a:p>
+          <a:p>
+            <a:r>
+              <a:rPr lang="en-US" dirty="0"/>
+              <a:t>Transformer	</a:t>
+            </a:r>
+            <a:r>
+              <a:rPr lang="en-US" dirty="0">
+                <a:latin typeface="Consolas" panose="020B0609020204030204" pitchFamily="49" charset="0"/>
+              </a:rPr>
+              <a:t>did:sov:123456789abcdefghij!$serviceId="exam_svc"/foo/bar?a=1#flip</a:t>
+            </a:r>
+          </a:p>
+          <a:p>
+            <a:r>
+              <a:rPr lang="en-US" dirty="0"/>
+              <a:t>Both of the above </a:t>
+            </a:r>
+            <a:r>
+              <a:rPr lang="en-US" dirty="0">
+                <a:latin typeface="Consolas" panose="020B0609020204030204" pitchFamily="49" charset="0"/>
+              </a:rPr>
+              <a:t>did-url</a:t>
+            </a:r>
+            <a:r>
+              <a:rPr lang="en-US" dirty="0"/>
+              <a:t>’s resolve (dereference) to the same URI/URL: </a:t>
+            </a:r>
+            <a:r>
+              <a:rPr lang="en-US" dirty="0">
+                <a:latin typeface="Consolas" panose="020B0609020204030204" pitchFamily="49" charset="0"/>
+              </a:rPr>
+              <a:t>https://example.com/endpoint/8377464/foo/bar?a=1#flip</a:t>
             </a:r>
           </a:p>
         </p:txBody>
@@ -23365,7 +23462,7 @@
           <a:bodyPr/>
           <a:lstStyle/>
           <a:p>
-            <a:fld id="{C6875D96-AD83-46D2-B1D3-DA9297AD9CA7}" type="datetime1">
+            <a:fld id="{5ADFDE84-57A8-466F-B932-BD5582B22791}" type="datetime1">
               <a:rPr lang="en-CA" smtClean="0"/>
               <a:t>2019-03-24</a:t>
             </a:fld>
@@ -23405,7 +23502,7 @@
     </p:spTree>
     <p:extLst>
       <p:ext uri="{BB962C8B-B14F-4D97-AF65-F5344CB8AC3E}">
-        <p14:creationId xmlns:p14="http://schemas.microsoft.com/office/powerpoint/2010/main" val="3472485332"/>
+        <p14:creationId xmlns:p14="http://schemas.microsoft.com/office/powerpoint/2010/main" val="2622083452"/>
       </p:ext>
     </p:extLst>
   </p:cSld>
@@ -23437,7 +23534,7 @@
           <p:cNvPr id="2" name="Title 1">
             <a:extLst>
               <a:ext uri="{FF2B5EF4-FFF2-40B4-BE49-F238E27FC236}">
-                <a16:creationId xmlns:a16="http://schemas.microsoft.com/office/drawing/2014/main" id="{9C245188-36CE-4095-BE7E-44B8B49B275F}"/>
+                <a16:creationId xmlns:a16="http://schemas.microsoft.com/office/drawing/2014/main" id="{DB58C028-0AA5-448F-8693-648498959224}"/>
               </a:ext>
             </a:extLst>
           </p:cNvPr>
@@ -23450,13 +23547,13 @@
         </p:nvSpPr>
         <p:spPr>
           <a:xfrm>
-            <a:off x="704850" y="263995"/>
-            <a:ext cx="15870238" cy="1487145"/>
+            <a:off x="704850" y="549745"/>
+            <a:ext cx="16575088" cy="1487145"/>
           </a:xfrm>
         </p:spPr>
         <p:txBody>
           <a:bodyPr>
-            <a:normAutofit fontScale="90000"/>
+            <a:noAutofit/>
           </a:bodyPr>
           <a:lstStyle/>
           <a:p>
@@ -23468,12 +23565,8 @@
             </a:r>
             <a:r>
               <a:rPr lang="en-US" dirty="0"/>
-              <a:t> Service Endpoint Transformers: Examples</a:t>
-            </a:r>
-            <a:br>
-              <a:rPr lang="en-US" dirty="0"/>
-            </a:br>
-            <a:endParaRPr lang="en-US" dirty="0"/>
+              <a:t> Service Endpoint Transformers: NOTES</a:t>
+            </a:r>
           </a:p>
         </p:txBody>
       </p:sp>
@@ -23482,7 +23575,7 @@
           <p:cNvPr id="3" name="Content Placeholder 2">
             <a:extLst>
               <a:ext uri="{FF2B5EF4-FFF2-40B4-BE49-F238E27FC236}">
-                <a16:creationId xmlns:a16="http://schemas.microsoft.com/office/drawing/2014/main" id="{1F714308-1FD2-476B-88F9-F49BAD6F45DC}"/>
+                <a16:creationId xmlns:a16="http://schemas.microsoft.com/office/drawing/2014/main" id="{507B2109-1060-4132-ACD9-6C87368CAF49}"/>
               </a:ext>
             </a:extLst>
           </p:cNvPr>
@@ -23493,125 +23586,26 @@
             <p:ph idx="1"/>
           </p:nvPr>
         </p:nvSpPr>
-        <p:spPr>
-          <a:xfrm>
-            <a:off x="704850" y="968007"/>
-            <a:ext cx="16575088" cy="6648245"/>
-          </a:xfrm>
-        </p:spPr>
-        <p:txBody>
-          <a:bodyPr>
-            <a:noAutofit/>
-          </a:bodyPr>
+        <p:spPr/>
+        <p:txBody>
+          <a:bodyPr/>
           <a:lstStyle/>
           <a:p>
             <a:r>
               <a:rPr lang="en-US" dirty="0"/>
-              <a:t>Here's are 2 specific examples based on the Windley examples. These examples also make clear the difference between the transformer approach and the ';' approach. The subject DID document is from Windley article.</a:t>
-            </a:r>
-          </a:p>
-          <a:p>
-            <a:r>
-              <a:rPr lang="en-US" b="1" dirty="0"/>
-              <a:t>Approach	Example</a:t>
+              <a:t>NOTE: DID schemes and/or DID Resolvers can define additional transform options. They are not limited by the syntax specification.</a:t>
             </a:r>
           </a:p>
           <a:p>
             <a:r>
               <a:rPr lang="en-US" dirty="0"/>
-              <a:t>Windley	</a:t>
-            </a:r>
-            <a:r>
-              <a:rPr lang="en-US" dirty="0">
-                <a:latin typeface="Consolas" panose="020B0609020204030204" pitchFamily="49" charset="0"/>
-              </a:rPr>
-              <a:t>did:sov:123456789abcdefghij;exam_svc</a:t>
+              <a:t>NOTE: The ";" token is no longer used anywhere in DID syntax patterns represented across all of the use case categories.</a:t>
             </a:r>
           </a:p>
           <a:p>
             <a:r>
               <a:rPr lang="en-US" dirty="0"/>
-              <a:t>Transformer	</a:t>
-            </a:r>
-            <a:r>
-              <a:rPr lang="en-US" dirty="0">
-                <a:latin typeface="Consolas" panose="020B0609020204030204" pitchFamily="49" charset="0"/>
-              </a:rPr>
-              <a:t>did:sov:123456789abcdefghij!$serviceId="exam_svc"</a:t>
-            </a:r>
-          </a:p>
-          <a:p>
-            <a:r>
-              <a:rPr lang="en-US" dirty="0"/>
-              <a:t>Both of the above </a:t>
-            </a:r>
-            <a:r>
-              <a:rPr lang="en-US" dirty="0">
-                <a:latin typeface="Consolas" panose="020B0609020204030204" pitchFamily="49" charset="0"/>
-              </a:rPr>
-              <a:t>did-url</a:t>
-            </a:r>
-            <a:r>
-              <a:rPr lang="en-US" dirty="0"/>
-              <a:t>’s resolve (dereference) to the same URI/URL: </a:t>
-            </a:r>
-            <a:r>
-              <a:rPr lang="en-US" dirty="0">
-                <a:latin typeface="Consolas" panose="020B0609020204030204" pitchFamily="49" charset="0"/>
-              </a:rPr>
-              <a:t>https://example.com/endpoint/8377464</a:t>
-            </a:r>
-          </a:p>
-          <a:p>
-            <a:r>
-              <a:rPr lang="en-US" b="1" dirty="0"/>
-              <a:t>Approach	Example</a:t>
-            </a:r>
-          </a:p>
-          <a:p>
-            <a:r>
-              <a:rPr lang="en-US" dirty="0"/>
-              <a:t>Windley	</a:t>
-            </a:r>
-            <a:r>
-              <a:rPr lang="en-US" dirty="0">
-                <a:latin typeface="Consolas" panose="020B0609020204030204" pitchFamily="49" charset="0"/>
-              </a:rPr>
-              <a:t>did:sov:123456789abcdefghij;exam_svc/foo/bar?a=1#flip</a:t>
-            </a:r>
-          </a:p>
-          <a:p>
-            <a:r>
-              <a:rPr lang="en-US" dirty="0"/>
-              <a:t>Transformer	</a:t>
-            </a:r>
-            <a:r>
-              <a:rPr lang="en-US" dirty="0">
-                <a:latin typeface="Consolas" panose="020B0609020204030204" pitchFamily="49" charset="0"/>
-              </a:rPr>
-              <a:t>did:sov:123456789abcdefghij!$serviceId="exam_svc"/foo/bar?a=1#flip</a:t>
-            </a:r>
-          </a:p>
-          <a:p>
-            <a:r>
-              <a:rPr lang="en-US" dirty="0"/>
-              <a:t>Both of the above </a:t>
-            </a:r>
-            <a:r>
-              <a:rPr lang="en-US" dirty="0">
-                <a:latin typeface="Consolas" panose="020B0609020204030204" pitchFamily="49" charset="0"/>
-              </a:rPr>
-              <a:t>did-url</a:t>
-            </a:r>
-            <a:r>
-              <a:rPr lang="en-US" dirty="0"/>
-              <a:t>’s resolve (dereference) to the same URI/URL: </a:t>
-            </a:r>
-            <a:r>
-              <a:rPr lang="en-US" dirty="0">
-                <a:latin typeface="Consolas" panose="020B0609020204030204" pitchFamily="49" charset="0"/>
-              </a:rPr>
-              <a:t>https://example.com/endpoint/8377464/foo/bar?a=1#flip</a:t>
+              <a:t>NOTE: Related (and reflecting the views of @dhh128 in comment https://github.com/w3c-ccg/did-spec/pull/168#issuecomment-471655338), there should no longer be a need to use ";' or any special symbol (other than "#") in the id attribute of a service endpoint in a DID Document.</a:t>
             </a:r>
           </a:p>
         </p:txBody>
@@ -23621,7 +23615,7 @@
           <p:cNvPr id="4" name="Date Placeholder 3">
             <a:extLst>
               <a:ext uri="{FF2B5EF4-FFF2-40B4-BE49-F238E27FC236}">
-                <a16:creationId xmlns:a16="http://schemas.microsoft.com/office/drawing/2014/main" id="{25972F7E-1B52-4E73-897B-C592AE24C6A8}"/>
+                <a16:creationId xmlns:a16="http://schemas.microsoft.com/office/drawing/2014/main" id="{609D3861-5ECD-4C03-A11C-6036A8C079BC}"/>
               </a:ext>
             </a:extLst>
           </p:cNvPr>
@@ -23637,7 +23631,7 @@
           <a:bodyPr/>
           <a:lstStyle/>
           <a:p>
-            <a:fld id="{5ADFDE84-57A8-466F-B932-BD5582B22791}" type="datetime1">
+            <a:fld id="{0AB951CB-3FF4-4ECC-A5B4-C928F6C82605}" type="datetime1">
               <a:rPr lang="en-CA" smtClean="0"/>
               <a:t>2019-03-24</a:t>
             </a:fld>
@@ -23650,7 +23644,7 @@
           <p:cNvPr id="5" name="Footer Placeholder 4">
             <a:extLst>
               <a:ext uri="{FF2B5EF4-FFF2-40B4-BE49-F238E27FC236}">
-                <a16:creationId xmlns:a16="http://schemas.microsoft.com/office/drawing/2014/main" id="{A5E8703B-8379-455E-8454-C36D3FB66A5A}"/>
+                <a16:creationId xmlns:a16="http://schemas.microsoft.com/office/drawing/2014/main" id="{AF92E9A6-C60B-48BC-8162-9430919E49FF}"/>
               </a:ext>
             </a:extLst>
           </p:cNvPr>
@@ -23677,7 +23671,7 @@
     </p:spTree>
     <p:extLst>
       <p:ext uri="{BB962C8B-B14F-4D97-AF65-F5344CB8AC3E}">
-        <p14:creationId xmlns:p14="http://schemas.microsoft.com/office/powerpoint/2010/main" val="2622083452"/>
+        <p14:creationId xmlns:p14="http://schemas.microsoft.com/office/powerpoint/2010/main" val="2966170295"/>
       </p:ext>
     </p:extLst>
   </p:cSld>
@@ -23709,7 +23703,7 @@
           <p:cNvPr id="2" name="Title 1">
             <a:extLst>
               <a:ext uri="{FF2B5EF4-FFF2-40B4-BE49-F238E27FC236}">
-                <a16:creationId xmlns:a16="http://schemas.microsoft.com/office/drawing/2014/main" id="{DB58C028-0AA5-448F-8693-648498959224}"/>
+                <a16:creationId xmlns:a16="http://schemas.microsoft.com/office/drawing/2014/main" id="{C29FC834-6430-4E4A-83B7-97BA43C29D37}"/>
               </a:ext>
             </a:extLst>
           </p:cNvPr>
@@ -23717,40 +23711,52 @@
             <a:spLocks noGrp="1"/>
           </p:cNvSpPr>
           <p:nvPr>
-            <p:ph type="title"/>
+            <p:ph type="ctrTitle"/>
           </p:nvPr>
         </p:nvSpPr>
         <p:spPr>
           <a:xfrm>
-            <a:off x="704850" y="549745"/>
-            <a:ext cx="16575088" cy="1487145"/>
+            <a:off x="723900" y="1137147"/>
+            <a:ext cx="16173450" cy="3602126"/>
           </a:xfrm>
         </p:spPr>
         <p:txBody>
           <a:bodyPr>
-            <a:noAutofit/>
+            <a:normAutofit/>
           </a:bodyPr>
           <a:lstStyle/>
           <a:p>
             <a:r>
-              <a:rPr lang="en-US" cap="none" dirty="0">
-                <a:latin typeface="Consolas" panose="020B0609020204030204" pitchFamily="49" charset="0"/>
+              <a:rPr lang="en-CA" sz="6600" dirty="0">
+                <a:solidFill>
+                  <a:srgbClr val="1D326D"/>
+                </a:solidFill>
+                <a:sym typeface="Wingdings" panose="05000000000000000000" pitchFamily="2" charset="2"/>
               </a:rPr>
-              <a:t>did-url</a:t>
-            </a:r>
-            <a:r>
-              <a:rPr lang="en-US" dirty="0"/>
-              <a:t> Service Endpoint Transformers: NOTES</a:t>
-            </a:r>
-          </a:p>
-        </p:txBody>
-      </p:sp>
-      <p:sp>
-        <p:nvSpPr>
-          <p:cNvPr id="3" name="Content Placeholder 2">
+              <a:t></a:t>
+            </a:r>
+            <a:r>
+              <a:rPr lang="en-CA" sz="6600" dirty="0">
+                <a:solidFill>
+                  <a:srgbClr val="1D326D"/>
+                </a:solidFill>
+              </a:rPr>
+              <a:t> Use Case Analysis</a:t>
+            </a:r>
+            <a:endParaRPr lang="en-US" sz="6600" dirty="0">
+              <a:solidFill>
+                <a:srgbClr val="1D326D"/>
+              </a:solidFill>
+            </a:endParaRPr>
+          </a:p>
+        </p:txBody>
+      </p:sp>
+      <p:sp>
+        <p:nvSpPr>
+          <p:cNvPr id="3" name="Subtitle 2">
             <a:extLst>
               <a:ext uri="{FF2B5EF4-FFF2-40B4-BE49-F238E27FC236}">
-                <a16:creationId xmlns:a16="http://schemas.microsoft.com/office/drawing/2014/main" id="{507B2109-1060-4132-ACD9-6C87368CAF49}"/>
+                <a16:creationId xmlns:a16="http://schemas.microsoft.com/office/drawing/2014/main" id="{C660EB17-2854-4658-9BE6-4D698F62714C}"/>
               </a:ext>
             </a:extLst>
           </p:cNvPr>
@@ -23758,30 +23764,317 @@
             <a:spLocks noGrp="1"/>
           </p:cNvSpPr>
           <p:nvPr>
-            <p:ph idx="1"/>
+            <p:ph type="subTitle" idx="1"/>
           </p:nvPr>
         </p:nvSpPr>
-        <p:spPr/>
-        <p:txBody>
-          <a:bodyPr/>
+        <p:spPr>
+          <a:xfrm>
+            <a:off x="723900" y="5462192"/>
+            <a:ext cx="14944338" cy="1385642"/>
+          </a:xfrm>
+        </p:spPr>
+        <p:txBody>
+          <a:bodyPr>
+            <a:normAutofit fontScale="70000" lnSpcReduction="20000"/>
+          </a:bodyPr>
           <a:lstStyle/>
           <a:p>
             <a:r>
-              <a:rPr lang="en-US" dirty="0"/>
-              <a:t>NOTE: DID schemes and/or DID Resolvers can define additional transform options. They are not limited by the syntax specification.</a:t>
-            </a:r>
-          </a:p>
-          <a:p>
-            <a:r>
-              <a:rPr lang="en-US" dirty="0"/>
-              <a:t>NOTE: The ";" token is no longer used anywhere in DID syntax patterns represented across all of the use case categories.</a:t>
-            </a:r>
-          </a:p>
-          <a:p>
-            <a:r>
-              <a:rPr lang="en-US" dirty="0"/>
-              <a:t>NOTE: Related (and reflecting the views of @dhh128 in comment https://github.com/w3c-ccg/did-spec/pull/168#issuecomment-471655338), there should no longer be a need to use ";' or any special symbol (other than "#") in the id attribute of a service endpoint in a DID Document.</a:t>
-            </a:r>
+              <a:rPr lang="en-CA" dirty="0"/>
+              <a:t>Michael Herman</a:t>
+            </a:r>
+          </a:p>
+          <a:p>
+            <a:r>
+              <a:rPr lang="en-CA" dirty="0"/>
+              <a:t>Independent Blockchain Architect</a:t>
+            </a:r>
+          </a:p>
+          <a:p>
+            <a:r>
+              <a:rPr lang="en-CA" dirty="0"/>
+              <a:t>mwherman@parallelspace.net</a:t>
+            </a:r>
+            <a:endParaRPr lang="en-US" dirty="0"/>
+          </a:p>
+        </p:txBody>
+      </p:sp>
+      <p:sp>
+        <p:nvSpPr>
+          <p:cNvPr id="6" name="Date Placeholder 2">
+            <a:extLst>
+              <a:ext uri="{FF2B5EF4-FFF2-40B4-BE49-F238E27FC236}">
+                <a16:creationId xmlns:a16="http://schemas.microsoft.com/office/drawing/2014/main" id="{2AD3D6DA-1F42-48CB-B93A-E92BA6EE4652}"/>
+              </a:ext>
+            </a:extLst>
+          </p:cNvPr>
+          <p:cNvSpPr txBox="1">
+            <a:spLocks/>
+          </p:cNvSpPr>
+          <p:nvPr/>
+        </p:nvSpPr>
+        <p:spPr>
+          <a:xfrm>
+            <a:off x="10706614" y="9018020"/>
+            <a:ext cx="5868474" cy="436742"/>
+          </a:xfrm>
+          <a:prstGeom prst="rect">
+            <a:avLst/>
+          </a:prstGeom>
+        </p:spPr>
+        <p:txBody>
+          <a:bodyPr vert="horz" lIns="91440" tIns="45720" rIns="91440" bIns="45720" rtlCol="0" anchor="ctr"/>
+          <a:lstStyle>
+            <a:defPPr>
+              <a:defRPr lang="en-US"/>
+            </a:defPPr>
+            <a:lvl1pPr marL="0" algn="r" defTabSz="457200" rtl="0" eaLnBrk="1" latinLnBrk="0" hangingPunct="1">
+              <a:defRPr sz="1417" kern="1200">
+                <a:solidFill>
+                  <a:schemeClr val="tx1">
+                    <a:tint val="75000"/>
+                  </a:schemeClr>
+                </a:solidFill>
+                <a:latin typeface="+mn-lt"/>
+                <a:ea typeface="+mn-ea"/>
+                <a:cs typeface="+mn-cs"/>
+              </a:defRPr>
+            </a:lvl1pPr>
+            <a:lvl2pPr marL="457200" algn="l" defTabSz="457200" rtl="0" eaLnBrk="1" latinLnBrk="0" hangingPunct="1">
+              <a:defRPr sz="1800" kern="1200">
+                <a:solidFill>
+                  <a:schemeClr val="tx1"/>
+                </a:solidFill>
+                <a:latin typeface="+mn-lt"/>
+                <a:ea typeface="+mn-ea"/>
+                <a:cs typeface="+mn-cs"/>
+              </a:defRPr>
+            </a:lvl2pPr>
+            <a:lvl3pPr marL="914400" algn="l" defTabSz="457200" rtl="0" eaLnBrk="1" latinLnBrk="0" hangingPunct="1">
+              <a:defRPr sz="1800" kern="1200">
+                <a:solidFill>
+                  <a:schemeClr val="tx1"/>
+                </a:solidFill>
+                <a:latin typeface="+mn-lt"/>
+                <a:ea typeface="+mn-ea"/>
+                <a:cs typeface="+mn-cs"/>
+              </a:defRPr>
+            </a:lvl3pPr>
+            <a:lvl4pPr marL="1371600" algn="l" defTabSz="457200" rtl="0" eaLnBrk="1" latinLnBrk="0" hangingPunct="1">
+              <a:defRPr sz="1800" kern="1200">
+                <a:solidFill>
+                  <a:schemeClr val="tx1"/>
+                </a:solidFill>
+                <a:latin typeface="+mn-lt"/>
+                <a:ea typeface="+mn-ea"/>
+                <a:cs typeface="+mn-cs"/>
+              </a:defRPr>
+            </a:lvl4pPr>
+            <a:lvl5pPr marL="1828800" algn="l" defTabSz="457200" rtl="0" eaLnBrk="1" latinLnBrk="0" hangingPunct="1">
+              <a:defRPr sz="1800" kern="1200">
+                <a:solidFill>
+                  <a:schemeClr val="tx1"/>
+                </a:solidFill>
+                <a:latin typeface="+mn-lt"/>
+                <a:ea typeface="+mn-ea"/>
+                <a:cs typeface="+mn-cs"/>
+              </a:defRPr>
+            </a:lvl5pPr>
+            <a:lvl6pPr marL="2286000" algn="l" defTabSz="457200" rtl="0" eaLnBrk="1" latinLnBrk="0" hangingPunct="1">
+              <a:defRPr sz="1800" kern="1200">
+                <a:solidFill>
+                  <a:schemeClr val="tx1"/>
+                </a:solidFill>
+                <a:latin typeface="+mn-lt"/>
+                <a:ea typeface="+mn-ea"/>
+                <a:cs typeface="+mn-cs"/>
+              </a:defRPr>
+            </a:lvl6pPr>
+            <a:lvl7pPr marL="2743200" algn="l" defTabSz="457200" rtl="0" eaLnBrk="1" latinLnBrk="0" hangingPunct="1">
+              <a:defRPr sz="1800" kern="1200">
+                <a:solidFill>
+                  <a:schemeClr val="tx1"/>
+                </a:solidFill>
+                <a:latin typeface="+mn-lt"/>
+                <a:ea typeface="+mn-ea"/>
+                <a:cs typeface="+mn-cs"/>
+              </a:defRPr>
+            </a:lvl7pPr>
+            <a:lvl8pPr marL="3200400" algn="l" defTabSz="457200" rtl="0" eaLnBrk="1" latinLnBrk="0" hangingPunct="1">
+              <a:defRPr sz="1800" kern="1200">
+                <a:solidFill>
+                  <a:schemeClr val="tx1"/>
+                </a:solidFill>
+                <a:latin typeface="+mn-lt"/>
+                <a:ea typeface="+mn-ea"/>
+                <a:cs typeface="+mn-cs"/>
+              </a:defRPr>
+            </a:lvl8pPr>
+            <a:lvl9pPr marL="3657600" algn="l" defTabSz="457200" rtl="0" eaLnBrk="1" latinLnBrk="0" hangingPunct="1">
+              <a:defRPr sz="1800" kern="1200">
+                <a:solidFill>
+                  <a:schemeClr val="tx1"/>
+                </a:solidFill>
+                <a:latin typeface="+mn-lt"/>
+                <a:ea typeface="+mn-ea"/>
+                <a:cs typeface="+mn-cs"/>
+              </a:defRPr>
+            </a:lvl9pPr>
+          </a:lstStyle>
+          <a:p>
+            <a:fld id="{E35A9342-8D2C-4F03-BE33-2A71AE2A9EC4}" type="datetime1">
+              <a:rPr lang="en-CA" smtClean="0">
+                <a:solidFill>
+                  <a:schemeClr val="bg1"/>
+                </a:solidFill>
+              </a:rPr>
+              <a:pPr/>
+              <a:t>2019-03-24</a:t>
+            </a:fld>
+            <a:endParaRPr lang="en-CA" dirty="0">
+              <a:solidFill>
+                <a:schemeClr val="bg1"/>
+              </a:solidFill>
+            </a:endParaRPr>
+          </a:p>
+        </p:txBody>
+      </p:sp>
+      <p:sp>
+        <p:nvSpPr>
+          <p:cNvPr id="7" name="Footer Placeholder 3">
+            <a:extLst>
+              <a:ext uri="{FF2B5EF4-FFF2-40B4-BE49-F238E27FC236}">
+                <a16:creationId xmlns:a16="http://schemas.microsoft.com/office/drawing/2014/main" id="{099A2DE6-9372-44F1-A841-744407BCBCC7}"/>
+              </a:ext>
+            </a:extLst>
+          </p:cNvPr>
+          <p:cNvSpPr txBox="1">
+            <a:spLocks/>
+          </p:cNvSpPr>
+          <p:nvPr/>
+        </p:nvSpPr>
+        <p:spPr>
+          <a:xfrm>
+            <a:off x="2057349" y="9019515"/>
+            <a:ext cx="8233240" cy="435247"/>
+          </a:xfrm>
+          <a:prstGeom prst="rect">
+            <a:avLst/>
+          </a:prstGeom>
+        </p:spPr>
+        <p:txBody>
+          <a:bodyPr vert="horz" lIns="91440" tIns="45720" rIns="91440" bIns="45720" rtlCol="0" anchor="ctr"/>
+          <a:lstStyle>
+            <a:defPPr>
+              <a:defRPr lang="en-US"/>
+            </a:defPPr>
+            <a:lvl1pPr marL="0" algn="l" defTabSz="457200" rtl="0" eaLnBrk="1" latinLnBrk="0" hangingPunct="1">
+              <a:defRPr sz="1417" kern="1200">
+                <a:solidFill>
+                  <a:schemeClr val="tx1">
+                    <a:tint val="75000"/>
+                  </a:schemeClr>
+                </a:solidFill>
+                <a:latin typeface="+mn-lt"/>
+                <a:ea typeface="+mn-ea"/>
+                <a:cs typeface="+mn-cs"/>
+              </a:defRPr>
+            </a:lvl1pPr>
+            <a:lvl2pPr marL="457200" algn="l" defTabSz="457200" rtl="0" eaLnBrk="1" latinLnBrk="0" hangingPunct="1">
+              <a:defRPr sz="1800" kern="1200">
+                <a:solidFill>
+                  <a:schemeClr val="tx1"/>
+                </a:solidFill>
+                <a:latin typeface="+mn-lt"/>
+                <a:ea typeface="+mn-ea"/>
+                <a:cs typeface="+mn-cs"/>
+              </a:defRPr>
+            </a:lvl2pPr>
+            <a:lvl3pPr marL="914400" algn="l" defTabSz="457200" rtl="0" eaLnBrk="1" latinLnBrk="0" hangingPunct="1">
+              <a:defRPr sz="1800" kern="1200">
+                <a:solidFill>
+                  <a:schemeClr val="tx1"/>
+                </a:solidFill>
+                <a:latin typeface="+mn-lt"/>
+                <a:ea typeface="+mn-ea"/>
+                <a:cs typeface="+mn-cs"/>
+              </a:defRPr>
+            </a:lvl3pPr>
+            <a:lvl4pPr marL="1371600" algn="l" defTabSz="457200" rtl="0" eaLnBrk="1" latinLnBrk="0" hangingPunct="1">
+              <a:defRPr sz="1800" kern="1200">
+                <a:solidFill>
+                  <a:schemeClr val="tx1"/>
+                </a:solidFill>
+                <a:latin typeface="+mn-lt"/>
+                <a:ea typeface="+mn-ea"/>
+                <a:cs typeface="+mn-cs"/>
+              </a:defRPr>
+            </a:lvl4pPr>
+            <a:lvl5pPr marL="1828800" algn="l" defTabSz="457200" rtl="0" eaLnBrk="1" latinLnBrk="0" hangingPunct="1">
+              <a:defRPr sz="1800" kern="1200">
+                <a:solidFill>
+                  <a:schemeClr val="tx1"/>
+                </a:solidFill>
+                <a:latin typeface="+mn-lt"/>
+                <a:ea typeface="+mn-ea"/>
+                <a:cs typeface="+mn-cs"/>
+              </a:defRPr>
+            </a:lvl5pPr>
+            <a:lvl6pPr marL="2286000" algn="l" defTabSz="457200" rtl="0" eaLnBrk="1" latinLnBrk="0" hangingPunct="1">
+              <a:defRPr sz="1800" kern="1200">
+                <a:solidFill>
+                  <a:schemeClr val="tx1"/>
+                </a:solidFill>
+                <a:latin typeface="+mn-lt"/>
+                <a:ea typeface="+mn-ea"/>
+                <a:cs typeface="+mn-cs"/>
+              </a:defRPr>
+            </a:lvl6pPr>
+            <a:lvl7pPr marL="2743200" algn="l" defTabSz="457200" rtl="0" eaLnBrk="1" latinLnBrk="0" hangingPunct="1">
+              <a:defRPr sz="1800" kern="1200">
+                <a:solidFill>
+                  <a:schemeClr val="tx1"/>
+                </a:solidFill>
+                <a:latin typeface="+mn-lt"/>
+                <a:ea typeface="+mn-ea"/>
+                <a:cs typeface="+mn-cs"/>
+              </a:defRPr>
+            </a:lvl7pPr>
+            <a:lvl8pPr marL="3200400" algn="l" defTabSz="457200" rtl="0" eaLnBrk="1" latinLnBrk="0" hangingPunct="1">
+              <a:defRPr sz="1800" kern="1200">
+                <a:solidFill>
+                  <a:schemeClr val="tx1"/>
+                </a:solidFill>
+                <a:latin typeface="+mn-lt"/>
+                <a:ea typeface="+mn-ea"/>
+                <a:cs typeface="+mn-cs"/>
+              </a:defRPr>
+            </a:lvl8pPr>
+            <a:lvl9pPr marL="3657600" algn="l" defTabSz="457200" rtl="0" eaLnBrk="1" latinLnBrk="0" hangingPunct="1">
+              <a:defRPr sz="1800" kern="1200">
+                <a:solidFill>
+                  <a:schemeClr val="tx1"/>
+                </a:solidFill>
+                <a:latin typeface="+mn-lt"/>
+                <a:ea typeface="+mn-ea"/>
+                <a:cs typeface="+mn-cs"/>
+              </a:defRPr>
+            </a:lvl9pPr>
+          </a:lstStyle>
+          <a:p>
+            <a:r>
+              <a:rPr lang="en-US" dirty="0">
+                <a:solidFill>
+                  <a:schemeClr val="bg1"/>
+                </a:solidFill>
+              </a:rPr>
+              <a:t>Decentralized Identifier URL Specification (did-url-spec)</a:t>
+            </a:r>
+            <a:endParaRPr lang="en-CA" dirty="0">
+              <a:solidFill>
+                <a:schemeClr val="bg1"/>
+              </a:solidFill>
+            </a:endParaRPr>
           </a:p>
         </p:txBody>
       </p:sp>
@@ -23790,7 +24083,7 @@
           <p:cNvPr id="4" name="Date Placeholder 3">
             <a:extLst>
               <a:ext uri="{FF2B5EF4-FFF2-40B4-BE49-F238E27FC236}">
-                <a16:creationId xmlns:a16="http://schemas.microsoft.com/office/drawing/2014/main" id="{609D3861-5ECD-4C03-A11C-6036A8C079BC}"/>
+                <a16:creationId xmlns:a16="http://schemas.microsoft.com/office/drawing/2014/main" id="{B1C213DA-64BB-49C7-8F01-A4380C832A74}"/>
               </a:ext>
             </a:extLst>
           </p:cNvPr>
@@ -23806,7 +24099,7 @@
           <a:bodyPr/>
           <a:lstStyle/>
           <a:p>
-            <a:fld id="{0AB951CB-3FF4-4ECC-A5B4-C928F6C82605}" type="datetime1">
+            <a:fld id="{52FEA78A-4D7B-4A30-8478-6232C72B775A}" type="datetime1">
               <a:rPr lang="en-CA" smtClean="0"/>
               <a:t>2019-03-24</a:t>
             </a:fld>
@@ -23819,7 +24112,7 @@
           <p:cNvPr id="5" name="Footer Placeholder 4">
             <a:extLst>
               <a:ext uri="{FF2B5EF4-FFF2-40B4-BE49-F238E27FC236}">
-                <a16:creationId xmlns:a16="http://schemas.microsoft.com/office/drawing/2014/main" id="{AF92E9A6-C60B-48BC-8162-9430919E49FF}"/>
+                <a16:creationId xmlns:a16="http://schemas.microsoft.com/office/drawing/2014/main" id="{6A7FCCA3-BBD2-48FC-8369-EA73F42A320D}"/>
               </a:ext>
             </a:extLst>
           </p:cNvPr>
@@ -23846,7 +24139,7 @@
     </p:spTree>
     <p:extLst>
       <p:ext uri="{BB962C8B-B14F-4D97-AF65-F5344CB8AC3E}">
-        <p14:creationId xmlns:p14="http://schemas.microsoft.com/office/powerpoint/2010/main" val="2966170295"/>
+        <p14:creationId xmlns:p14="http://schemas.microsoft.com/office/powerpoint/2010/main" val="3543357993"/>
       </p:ext>
     </p:extLst>
   </p:cSld>
@@ -23878,7 +24171,7 @@
           <p:cNvPr id="2" name="Title 1">
             <a:extLst>
               <a:ext uri="{FF2B5EF4-FFF2-40B4-BE49-F238E27FC236}">
-                <a16:creationId xmlns:a16="http://schemas.microsoft.com/office/drawing/2014/main" id="{C29FC834-6430-4E4A-83B7-97BA43C29D37}"/>
+                <a16:creationId xmlns:a16="http://schemas.microsoft.com/office/drawing/2014/main" id="{081814CF-5741-44C0-A0E2-A24534C5993F}"/>
               </a:ext>
             </a:extLst>
           </p:cNvPr>
@@ -23886,52 +24179,28 @@
             <a:spLocks noGrp="1"/>
           </p:cNvSpPr>
           <p:nvPr>
-            <p:ph type="ctrTitle"/>
+            <p:ph type="title"/>
           </p:nvPr>
         </p:nvSpPr>
-        <p:spPr>
-          <a:xfrm>
-            <a:off x="723900" y="1137147"/>
-            <a:ext cx="16173450" cy="3602126"/>
-          </a:xfrm>
-        </p:spPr>
-        <p:txBody>
-          <a:bodyPr>
-            <a:normAutofit/>
-          </a:bodyPr>
+        <p:spPr/>
+        <p:txBody>
+          <a:bodyPr/>
           <a:lstStyle/>
           <a:p>
             <a:r>
-              <a:rPr lang="en-CA" sz="6600" dirty="0">
-                <a:solidFill>
-                  <a:srgbClr val="1D326D"/>
-                </a:solidFill>
-                <a:sym typeface="Wingdings" panose="05000000000000000000" pitchFamily="2" charset="2"/>
-              </a:rPr>
-              <a:t></a:t>
-            </a:r>
-            <a:r>
-              <a:rPr lang="en-CA" sz="6600" dirty="0">
-                <a:solidFill>
-                  <a:srgbClr val="1D326D"/>
-                </a:solidFill>
-              </a:rPr>
-              <a:t> Use Case Analysis</a:t>
-            </a:r>
-            <a:endParaRPr lang="en-US" sz="6600" dirty="0">
-              <a:solidFill>
-                <a:srgbClr val="1D326D"/>
-              </a:solidFill>
-            </a:endParaRPr>
-          </a:p>
-        </p:txBody>
-      </p:sp>
-      <p:sp>
-        <p:nvSpPr>
-          <p:cNvPr id="3" name="Subtitle 2">
+              <a:rPr lang="en-CA" dirty="0"/>
+              <a:t>Use Case Analysis</a:t>
+            </a:r>
+            <a:endParaRPr lang="en-US" dirty="0"/>
+          </a:p>
+        </p:txBody>
+      </p:sp>
+      <p:sp>
+        <p:nvSpPr>
+          <p:cNvPr id="3" name="Content Placeholder 2">
             <a:extLst>
               <a:ext uri="{FF2B5EF4-FFF2-40B4-BE49-F238E27FC236}">
-                <a16:creationId xmlns:a16="http://schemas.microsoft.com/office/drawing/2014/main" id="{C660EB17-2854-4658-9BE6-4D698F62714C}"/>
+                <a16:creationId xmlns:a16="http://schemas.microsoft.com/office/drawing/2014/main" id="{61DAA098-875C-4844-8E20-3067CA5A4C9F}"/>
               </a:ext>
             </a:extLst>
           </p:cNvPr>
@@ -23939,36 +24208,83 @@
             <a:spLocks noGrp="1"/>
           </p:cNvSpPr>
           <p:nvPr>
-            <p:ph type="subTitle" idx="1"/>
+            <p:ph idx="1"/>
           </p:nvPr>
         </p:nvSpPr>
-        <p:spPr>
-          <a:xfrm>
-            <a:off x="723900" y="5462192"/>
-            <a:ext cx="14944338" cy="1385642"/>
-          </a:xfrm>
-        </p:spPr>
-        <p:txBody>
-          <a:bodyPr>
-            <a:normAutofit fontScale="70000" lnSpcReduction="20000"/>
-          </a:bodyPr>
+        <p:spPr/>
+        <p:txBody>
+          <a:bodyPr/>
           <a:lstStyle/>
           <a:p>
+            <a:pPr marL="0" indent="0">
+              <a:buNone/>
+            </a:pPr>
             <a:r>
               <a:rPr lang="en-CA" dirty="0"/>
-              <a:t>Michael Herman</a:t>
-            </a:r>
-          </a:p>
-          <a:p>
+              <a:t>Higher-level DID user scenarios guide/drive the development of the lower-level </a:t>
+            </a:r>
+            <a:r>
+              <a:rPr lang="en-CA" dirty="0">
+                <a:latin typeface="Consolas" panose="020B0609020204030204" pitchFamily="49" charset="0"/>
+              </a:rPr>
+              <a:t>did-url</a:t>
+            </a:r>
             <a:r>
               <a:rPr lang="en-CA" dirty="0"/>
-              <a:t>Independent Blockchain Architect</a:t>
-            </a:r>
+              <a:t> use cases</a:t>
+            </a:r>
+          </a:p>
+          <a:p>
+            <a:endParaRPr lang="en-CA" dirty="0"/>
           </a:p>
           <a:p>
             <a:r>
               <a:rPr lang="en-CA" dirty="0"/>
-              <a:t>mwherman@parallelspace.net</a:t>
+              <a:t>Higher-level DID User Scenario Analysis</a:t>
+            </a:r>
+          </a:p>
+          <a:p>
+            <a:pPr lvl="1"/>
+            <a:r>
+              <a:rPr lang="en-CA" dirty="0"/>
+              <a:t>DID User scenarios</a:t>
+            </a:r>
+          </a:p>
+          <a:p>
+            <a:pPr lvl="1"/>
+            <a:endParaRPr lang="en-CA" dirty="0"/>
+          </a:p>
+          <a:p>
+            <a:pPr lvl="1"/>
+            <a:endParaRPr lang="en-CA" dirty="0"/>
+          </a:p>
+          <a:p>
+            <a:r>
+              <a:rPr lang="en-CA" dirty="0"/>
+              <a:t>Lower-level </a:t>
+            </a:r>
+            <a:r>
+              <a:rPr lang="en-CA" dirty="0">
+                <a:latin typeface="Consolas" panose="020B0609020204030204" pitchFamily="49" charset="0"/>
+              </a:rPr>
+              <a:t>did-url</a:t>
+            </a:r>
+            <a:r>
+              <a:rPr lang="en-CA" dirty="0"/>
+              <a:t> Use Case Analysis</a:t>
+            </a:r>
+          </a:p>
+          <a:p>
+            <a:pPr lvl="1"/>
+            <a:r>
+              <a:rPr lang="en-CA" dirty="0">
+                <a:latin typeface="Consolas" panose="020B0609020204030204" pitchFamily="49" charset="0"/>
+              </a:rPr>
+              <a:t>did-url</a:t>
+            </a:r>
+            <a:r>
+              <a:rPr lang="en-CA" dirty="0"/>
+              <a:t> use cases</a:t>
             </a:r>
             <a:endParaRPr lang="en-US" dirty="0"/>
           </a:p>
@@ -23976,289 +24292,10 @@
       </p:sp>
       <p:sp>
         <p:nvSpPr>
-          <p:cNvPr id="6" name="Date Placeholder 2">
+          <p:cNvPr id="4" name="Date Placeholder 3">
             <a:extLst>
               <a:ext uri="{FF2B5EF4-FFF2-40B4-BE49-F238E27FC236}">
-                <a16:creationId xmlns:a16="http://schemas.microsoft.com/office/drawing/2014/main" id="{2AD3D6DA-1F42-48CB-B93A-E92BA6EE4652}"/>
-              </a:ext>
-            </a:extLst>
-          </p:cNvPr>
-          <p:cNvSpPr txBox="1">
-            <a:spLocks/>
-          </p:cNvSpPr>
-          <p:nvPr/>
-        </p:nvSpPr>
-        <p:spPr>
-          <a:xfrm>
-            <a:off x="10706614" y="9018020"/>
-            <a:ext cx="5868474" cy="436742"/>
-          </a:xfrm>
-          <a:prstGeom prst="rect">
-            <a:avLst/>
-          </a:prstGeom>
-        </p:spPr>
-        <p:txBody>
-          <a:bodyPr vert="horz" lIns="91440" tIns="45720" rIns="91440" bIns="45720" rtlCol="0" anchor="ctr"/>
-          <a:lstStyle>
-            <a:defPPr>
-              <a:defRPr lang="en-US"/>
-            </a:defPPr>
-            <a:lvl1pPr marL="0" algn="r" defTabSz="457200" rtl="0" eaLnBrk="1" latinLnBrk="0" hangingPunct="1">
-              <a:defRPr sz="1417" kern="1200">
-                <a:solidFill>
-                  <a:schemeClr val="tx1">
-                    <a:tint val="75000"/>
-                  </a:schemeClr>
-                </a:solidFill>
-                <a:latin typeface="+mn-lt"/>
-                <a:ea typeface="+mn-ea"/>
-                <a:cs typeface="+mn-cs"/>
-              </a:defRPr>
-            </a:lvl1pPr>
-            <a:lvl2pPr marL="457200" algn="l" defTabSz="457200" rtl="0" eaLnBrk="1" latinLnBrk="0" hangingPunct="1">
-              <a:defRPr sz="1800" kern="1200">
-                <a:solidFill>
-                  <a:schemeClr val="tx1"/>
-                </a:solidFill>
-                <a:latin typeface="+mn-lt"/>
-                <a:ea typeface="+mn-ea"/>
-                <a:cs typeface="+mn-cs"/>
-              </a:defRPr>
-            </a:lvl2pPr>
-            <a:lvl3pPr marL="914400" algn="l" defTabSz="457200" rtl="0" eaLnBrk="1" latinLnBrk="0" hangingPunct="1">
-              <a:defRPr sz="1800" kern="1200">
-                <a:solidFill>
-                  <a:schemeClr val="tx1"/>
-                </a:solidFill>
-                <a:latin typeface="+mn-lt"/>
-                <a:ea typeface="+mn-ea"/>
-                <a:cs typeface="+mn-cs"/>
-              </a:defRPr>
-            </a:lvl3pPr>
-            <a:lvl4pPr marL="1371600" algn="l" defTabSz="457200" rtl="0" eaLnBrk="1" latinLnBrk="0" hangingPunct="1">
-              <a:defRPr sz="1800" kern="1200">
-                <a:solidFill>
-                  <a:schemeClr val="tx1"/>
-                </a:solidFill>
-                <a:latin typeface="+mn-lt"/>
-                <a:ea typeface="+mn-ea"/>
-                <a:cs typeface="+mn-cs"/>
-              </a:defRPr>
-            </a:lvl4pPr>
-            <a:lvl5pPr marL="1828800" algn="l" defTabSz="457200" rtl="0" eaLnBrk="1" latinLnBrk="0" hangingPunct="1">
-              <a:defRPr sz="1800" kern="1200">
-                <a:solidFill>
-                  <a:schemeClr val="tx1"/>
-                </a:solidFill>
-                <a:latin typeface="+mn-lt"/>
-                <a:ea typeface="+mn-ea"/>
-                <a:cs typeface="+mn-cs"/>
-              </a:defRPr>
-            </a:lvl5pPr>
-            <a:lvl6pPr marL="2286000" algn="l" defTabSz="457200" rtl="0" eaLnBrk="1" latinLnBrk="0" hangingPunct="1">
-              <a:defRPr sz="1800" kern="1200">
-                <a:solidFill>
-                  <a:schemeClr val="tx1"/>
-                </a:solidFill>
-                <a:latin typeface="+mn-lt"/>
-                <a:ea typeface="+mn-ea"/>
-                <a:cs typeface="+mn-cs"/>
-              </a:defRPr>
-            </a:lvl6pPr>
-            <a:lvl7pPr marL="2743200" algn="l" defTabSz="457200" rtl="0" eaLnBrk="1" latinLnBrk="0" hangingPunct="1">
-              <a:defRPr sz="1800" kern="1200">
-                <a:solidFill>
-                  <a:schemeClr val="tx1"/>
-                </a:solidFill>
-                <a:latin typeface="+mn-lt"/>
-                <a:ea typeface="+mn-ea"/>
-                <a:cs typeface="+mn-cs"/>
-              </a:defRPr>
-            </a:lvl7pPr>
-            <a:lvl8pPr marL="3200400" algn="l" defTabSz="457200" rtl="0" eaLnBrk="1" latinLnBrk="0" hangingPunct="1">
-              <a:defRPr sz="1800" kern="1200">
-                <a:solidFill>
-                  <a:schemeClr val="tx1"/>
-                </a:solidFill>
-                <a:latin typeface="+mn-lt"/>
-                <a:ea typeface="+mn-ea"/>
-                <a:cs typeface="+mn-cs"/>
-              </a:defRPr>
-            </a:lvl8pPr>
-            <a:lvl9pPr marL="3657600" algn="l" defTabSz="457200" rtl="0" eaLnBrk="1" latinLnBrk="0" hangingPunct="1">
-              <a:defRPr sz="1800" kern="1200">
-                <a:solidFill>
-                  <a:schemeClr val="tx1"/>
-                </a:solidFill>
-                <a:latin typeface="+mn-lt"/>
-                <a:ea typeface="+mn-ea"/>
-                <a:cs typeface="+mn-cs"/>
-              </a:defRPr>
-            </a:lvl9pPr>
-          </a:lstStyle>
-          <a:p>
-            <a:fld id="{E35A9342-8D2C-4F03-BE33-2A71AE2A9EC4}" type="datetime1">
-              <a:rPr lang="en-CA" smtClean="0">
-                <a:solidFill>
-                  <a:schemeClr val="bg1"/>
-                </a:solidFill>
-              </a:rPr>
-              <a:pPr/>
-              <a:t>2019-03-24</a:t>
-            </a:fld>
-            <a:endParaRPr lang="en-CA" dirty="0">
-              <a:solidFill>
-                <a:schemeClr val="bg1"/>
-              </a:solidFill>
-            </a:endParaRPr>
-          </a:p>
-        </p:txBody>
-      </p:sp>
-      <p:sp>
-        <p:nvSpPr>
-          <p:cNvPr id="7" name="Footer Placeholder 3">
-            <a:extLst>
-              <a:ext uri="{FF2B5EF4-FFF2-40B4-BE49-F238E27FC236}">
-                <a16:creationId xmlns:a16="http://schemas.microsoft.com/office/drawing/2014/main" id="{099A2DE6-9372-44F1-A841-744407BCBCC7}"/>
-              </a:ext>
-            </a:extLst>
-          </p:cNvPr>
-          <p:cNvSpPr txBox="1">
-            <a:spLocks/>
-          </p:cNvSpPr>
-          <p:nvPr/>
-        </p:nvSpPr>
-        <p:spPr>
-          <a:xfrm>
-            <a:off x="2057349" y="9019515"/>
-            <a:ext cx="8233240" cy="435247"/>
-          </a:xfrm>
-          <a:prstGeom prst="rect">
-            <a:avLst/>
-          </a:prstGeom>
-        </p:spPr>
-        <p:txBody>
-          <a:bodyPr vert="horz" lIns="91440" tIns="45720" rIns="91440" bIns="45720" rtlCol="0" anchor="ctr"/>
-          <a:lstStyle>
-            <a:defPPr>
-              <a:defRPr lang="en-US"/>
-            </a:defPPr>
-            <a:lvl1pPr marL="0" algn="l" defTabSz="457200" rtl="0" eaLnBrk="1" latinLnBrk="0" hangingPunct="1">
-              <a:defRPr sz="1417" kern="1200">
-                <a:solidFill>
-                  <a:schemeClr val="tx1">
-                    <a:tint val="75000"/>
-                  </a:schemeClr>
-                </a:solidFill>
-                <a:latin typeface="+mn-lt"/>
-                <a:ea typeface="+mn-ea"/>
-                <a:cs typeface="+mn-cs"/>
-              </a:defRPr>
-            </a:lvl1pPr>
-            <a:lvl2pPr marL="457200" algn="l" defTabSz="457200" rtl="0" eaLnBrk="1" latinLnBrk="0" hangingPunct="1">
-              <a:defRPr sz="1800" kern="1200">
-                <a:solidFill>
-                  <a:schemeClr val="tx1"/>
-                </a:solidFill>
-                <a:latin typeface="+mn-lt"/>
-                <a:ea typeface="+mn-ea"/>
-                <a:cs typeface="+mn-cs"/>
-              </a:defRPr>
-            </a:lvl2pPr>
-            <a:lvl3pPr marL="914400" algn="l" defTabSz="457200" rtl="0" eaLnBrk="1" latinLnBrk="0" hangingPunct="1">
-              <a:defRPr sz="1800" kern="1200">
-                <a:solidFill>
-                  <a:schemeClr val="tx1"/>
-                </a:solidFill>
-                <a:latin typeface="+mn-lt"/>
-                <a:ea typeface="+mn-ea"/>
-                <a:cs typeface="+mn-cs"/>
-              </a:defRPr>
-            </a:lvl3pPr>
-            <a:lvl4pPr marL="1371600" algn="l" defTabSz="457200" rtl="0" eaLnBrk="1" latinLnBrk="0" hangingPunct="1">
-              <a:defRPr sz="1800" kern="1200">
-                <a:solidFill>
-                  <a:schemeClr val="tx1"/>
-                </a:solidFill>
-                <a:latin typeface="+mn-lt"/>
-                <a:ea typeface="+mn-ea"/>
-                <a:cs typeface="+mn-cs"/>
-              </a:defRPr>
-            </a:lvl4pPr>
-            <a:lvl5pPr marL="1828800" algn="l" defTabSz="457200" rtl="0" eaLnBrk="1" latinLnBrk="0" hangingPunct="1">
-              <a:defRPr sz="1800" kern="1200">
-                <a:solidFill>
-                  <a:schemeClr val="tx1"/>
-                </a:solidFill>
-                <a:latin typeface="+mn-lt"/>
-                <a:ea typeface="+mn-ea"/>
-                <a:cs typeface="+mn-cs"/>
-              </a:defRPr>
-            </a:lvl5pPr>
-            <a:lvl6pPr marL="2286000" algn="l" defTabSz="457200" rtl="0" eaLnBrk="1" latinLnBrk="0" hangingPunct="1">
-              <a:defRPr sz="1800" kern="1200">
-                <a:solidFill>
-                  <a:schemeClr val="tx1"/>
-                </a:solidFill>
-                <a:latin typeface="+mn-lt"/>
-                <a:ea typeface="+mn-ea"/>
-                <a:cs typeface="+mn-cs"/>
-              </a:defRPr>
-            </a:lvl6pPr>
-            <a:lvl7pPr marL="2743200" algn="l" defTabSz="457200" rtl="0" eaLnBrk="1" latinLnBrk="0" hangingPunct="1">
-              <a:defRPr sz="1800" kern="1200">
-                <a:solidFill>
-                  <a:schemeClr val="tx1"/>
-                </a:solidFill>
-                <a:latin typeface="+mn-lt"/>
-                <a:ea typeface="+mn-ea"/>
-                <a:cs typeface="+mn-cs"/>
-              </a:defRPr>
-            </a:lvl7pPr>
-            <a:lvl8pPr marL="3200400" algn="l" defTabSz="457200" rtl="0" eaLnBrk="1" latinLnBrk="0" hangingPunct="1">
-              <a:defRPr sz="1800" kern="1200">
-                <a:solidFill>
-                  <a:schemeClr val="tx1"/>
-                </a:solidFill>
-                <a:latin typeface="+mn-lt"/>
-                <a:ea typeface="+mn-ea"/>
-                <a:cs typeface="+mn-cs"/>
-              </a:defRPr>
-            </a:lvl8pPr>
-            <a:lvl9pPr marL="3657600" algn="l" defTabSz="457200" rtl="0" eaLnBrk="1" latinLnBrk="0" hangingPunct="1">
-              <a:defRPr sz="1800" kern="1200">
-                <a:solidFill>
-                  <a:schemeClr val="tx1"/>
-                </a:solidFill>
-                <a:latin typeface="+mn-lt"/>
-                <a:ea typeface="+mn-ea"/>
-                <a:cs typeface="+mn-cs"/>
-              </a:defRPr>
-            </a:lvl9pPr>
-          </a:lstStyle>
-          <a:p>
-            <a:r>
-              <a:rPr lang="en-US" dirty="0">
-                <a:solidFill>
-                  <a:schemeClr val="bg1"/>
-                </a:solidFill>
-              </a:rPr>
-              <a:t>Decentralized Identifier URL Specification (did-url-spec)</a:t>
-            </a:r>
-            <a:endParaRPr lang="en-CA" dirty="0">
-              <a:solidFill>
-                <a:schemeClr val="bg1"/>
-              </a:solidFill>
-            </a:endParaRPr>
-          </a:p>
-        </p:txBody>
-      </p:sp>
-      <p:sp>
-        <p:nvSpPr>
-          <p:cNvPr id="4" name="Date Placeholder 3">
-            <a:extLst>
-              <a:ext uri="{FF2B5EF4-FFF2-40B4-BE49-F238E27FC236}">
-                <a16:creationId xmlns:a16="http://schemas.microsoft.com/office/drawing/2014/main" id="{B1C213DA-64BB-49C7-8F01-A4380C832A74}"/>
+                <a16:creationId xmlns:a16="http://schemas.microsoft.com/office/drawing/2014/main" id="{73D1EDAC-F70C-42E6-913D-5D0197D914B7}"/>
               </a:ext>
             </a:extLst>
           </p:cNvPr>
@@ -24274,7 +24311,7 @@
           <a:bodyPr/>
           <a:lstStyle/>
           <a:p>
-            <a:fld id="{52FEA78A-4D7B-4A30-8478-6232C72B775A}" type="datetime1">
+            <a:fld id="{450DD7DE-80AF-43D1-A44E-E0F8C2F25D11}" type="datetime1">
               <a:rPr lang="en-CA" smtClean="0"/>
               <a:t>2019-03-24</a:t>
             </a:fld>
@@ -24287,7 +24324,7 @@
           <p:cNvPr id="5" name="Footer Placeholder 4">
             <a:extLst>
               <a:ext uri="{FF2B5EF4-FFF2-40B4-BE49-F238E27FC236}">
-                <a16:creationId xmlns:a16="http://schemas.microsoft.com/office/drawing/2014/main" id="{6A7FCCA3-BBD2-48FC-8369-EA73F42A320D}"/>
+                <a16:creationId xmlns:a16="http://schemas.microsoft.com/office/drawing/2014/main" id="{43FF8B0C-D8AB-4DD2-9154-383AED6EB00E}"/>
               </a:ext>
             </a:extLst>
           </p:cNvPr>
@@ -24311,10 +24348,56 @@
           </a:p>
         </p:txBody>
       </p:sp>
+      <p:sp>
+        <p:nvSpPr>
+          <p:cNvPr id="7" name="Arrow: Down 6">
+            <a:extLst>
+              <a:ext uri="{FF2B5EF4-FFF2-40B4-BE49-F238E27FC236}">
+                <a16:creationId xmlns:a16="http://schemas.microsoft.com/office/drawing/2014/main" id="{682C24C3-6873-4712-AE5C-E2650E28CF7A}"/>
+              </a:ext>
+            </a:extLst>
+          </p:cNvPr>
+          <p:cNvSpPr/>
+          <p:nvPr/>
+        </p:nvSpPr>
+        <p:spPr>
+          <a:xfrm>
+            <a:off x="2649365" y="4549507"/>
+            <a:ext cx="484632" cy="1158565"/>
+          </a:xfrm>
+          <a:prstGeom prst="downArrow">
+            <a:avLst/>
+          </a:prstGeom>
+        </p:spPr>
+        <p:style>
+          <a:lnRef idx="2">
+            <a:schemeClr val="accent1">
+              <a:shade val="50000"/>
+            </a:schemeClr>
+          </a:lnRef>
+          <a:fillRef idx="1">
+            <a:schemeClr val="accent1"/>
+          </a:fillRef>
+          <a:effectRef idx="0">
+            <a:schemeClr val="accent1"/>
+          </a:effectRef>
+          <a:fontRef idx="minor">
+            <a:schemeClr val="lt1"/>
+          </a:fontRef>
+        </p:style>
+        <p:txBody>
+          <a:bodyPr rtlCol="0" anchor="ctr"/>
+          <a:lstStyle/>
+          <a:p>
+            <a:pPr algn="ctr"/>
+            <a:endParaRPr lang="en-US" dirty="0"/>
+          </a:p>
+        </p:txBody>
+      </p:sp>
     </p:spTree>
     <p:extLst>
       <p:ext uri="{BB962C8B-B14F-4D97-AF65-F5344CB8AC3E}">
-        <p14:creationId xmlns:p14="http://schemas.microsoft.com/office/powerpoint/2010/main" val="3543357993"/>
+        <p14:creationId xmlns:p14="http://schemas.microsoft.com/office/powerpoint/2010/main" val="3801538930"/>
       </p:ext>
     </p:extLst>
   </p:cSld>
@@ -24346,7 +24429,7 @@
           <p:cNvPr id="2" name="Title 1">
             <a:extLst>
               <a:ext uri="{FF2B5EF4-FFF2-40B4-BE49-F238E27FC236}">
-                <a16:creationId xmlns:a16="http://schemas.microsoft.com/office/drawing/2014/main" id="{081814CF-5741-44C0-A0E2-A24534C5993F}"/>
+                <a16:creationId xmlns:a16="http://schemas.microsoft.com/office/drawing/2014/main" id="{C29FC834-6430-4E4A-83B7-97BA43C29D37}"/>
               </a:ext>
             </a:extLst>
           </p:cNvPr>
@@ -24354,28 +24437,52 @@
             <a:spLocks noGrp="1"/>
           </p:cNvSpPr>
           <p:nvPr>
-            <p:ph type="title"/>
+            <p:ph type="ctrTitle"/>
           </p:nvPr>
         </p:nvSpPr>
-        <p:spPr/>
-        <p:txBody>
-          <a:bodyPr/>
+        <p:spPr>
+          <a:xfrm>
+            <a:off x="723900" y="1137147"/>
+            <a:ext cx="16173450" cy="3602126"/>
+          </a:xfrm>
+        </p:spPr>
+        <p:txBody>
+          <a:bodyPr>
+            <a:normAutofit/>
+          </a:bodyPr>
           <a:lstStyle/>
           <a:p>
             <a:r>
-              <a:rPr lang="en-CA" dirty="0"/>
-              <a:t>Use Case Analysis</a:t>
-            </a:r>
-            <a:endParaRPr lang="en-US" dirty="0"/>
-          </a:p>
-        </p:txBody>
-      </p:sp>
-      <p:sp>
-        <p:nvSpPr>
-          <p:cNvPr id="3" name="Content Placeholder 2">
+              <a:rPr lang="en-CA" sz="6600" dirty="0">
+                <a:solidFill>
+                  <a:srgbClr val="1D326D"/>
+                </a:solidFill>
+                <a:sym typeface="Wingdings" panose="05000000000000000000" pitchFamily="2" charset="2"/>
+              </a:rPr>
+              <a:t></a:t>
+            </a:r>
+            <a:r>
+              <a:rPr lang="en-CA" sz="6600" dirty="0">
+                <a:solidFill>
+                  <a:srgbClr val="1D326D"/>
+                </a:solidFill>
+              </a:rPr>
+              <a:t> Higher-Level DID User Scenarios</a:t>
+            </a:r>
+            <a:endParaRPr lang="en-US" sz="6600" dirty="0">
+              <a:solidFill>
+                <a:srgbClr val="1D326D"/>
+              </a:solidFill>
+            </a:endParaRPr>
+          </a:p>
+        </p:txBody>
+      </p:sp>
+      <p:sp>
+        <p:nvSpPr>
+          <p:cNvPr id="3" name="Subtitle 2">
             <a:extLst>
               <a:ext uri="{FF2B5EF4-FFF2-40B4-BE49-F238E27FC236}">
-                <a16:creationId xmlns:a16="http://schemas.microsoft.com/office/drawing/2014/main" id="{61DAA098-875C-4844-8E20-3067CA5A4C9F}"/>
+                <a16:creationId xmlns:a16="http://schemas.microsoft.com/office/drawing/2014/main" id="{C660EB17-2854-4658-9BE6-4D698F62714C}"/>
               </a:ext>
             </a:extLst>
           </p:cNvPr>
@@ -24383,85 +24490,317 @@
             <a:spLocks noGrp="1"/>
           </p:cNvSpPr>
           <p:nvPr>
-            <p:ph idx="1"/>
+            <p:ph type="subTitle" idx="1"/>
           </p:nvPr>
         </p:nvSpPr>
-        <p:spPr/>
-        <p:txBody>
-          <a:bodyPr/>
+        <p:spPr>
+          <a:xfrm>
+            <a:off x="723900" y="5462192"/>
+            <a:ext cx="14944338" cy="1385642"/>
+          </a:xfrm>
+        </p:spPr>
+        <p:txBody>
+          <a:bodyPr>
+            <a:normAutofit fontScale="70000" lnSpcReduction="20000"/>
+          </a:bodyPr>
           <a:lstStyle/>
           <a:p>
-            <a:pPr marL="0" indent="0">
-              <a:buNone/>
-            </a:pPr>
             <a:r>
               <a:rPr lang="en-CA" dirty="0"/>
-              <a:t>Higher-level use cases (user scenarios) guide/drive the development of the lower-level </a:t>
-            </a:r>
-            <a:r>
-              <a:rPr lang="en-CA" dirty="0">
-                <a:latin typeface="Consolas" panose="020B0609020204030204" pitchFamily="49" charset="0"/>
+              <a:t>Michael Herman</a:t>
+            </a:r>
+          </a:p>
+          <a:p>
+            <a:r>
+              <a:rPr lang="en-CA" dirty="0"/>
+              <a:t>Independent Blockchain Architect</a:t>
+            </a:r>
+          </a:p>
+          <a:p>
+            <a:r>
+              <a:rPr lang="en-CA" dirty="0"/>
+              <a:t>mwherman@parallelspace.net</a:t>
+            </a:r>
+            <a:endParaRPr lang="en-US" dirty="0"/>
+          </a:p>
+        </p:txBody>
+      </p:sp>
+      <p:sp>
+        <p:nvSpPr>
+          <p:cNvPr id="6" name="Date Placeholder 2">
+            <a:extLst>
+              <a:ext uri="{FF2B5EF4-FFF2-40B4-BE49-F238E27FC236}">
+                <a16:creationId xmlns:a16="http://schemas.microsoft.com/office/drawing/2014/main" id="{2AD3D6DA-1F42-48CB-B93A-E92BA6EE4652}"/>
+              </a:ext>
+            </a:extLst>
+          </p:cNvPr>
+          <p:cNvSpPr txBox="1">
+            <a:spLocks/>
+          </p:cNvSpPr>
+          <p:nvPr/>
+        </p:nvSpPr>
+        <p:spPr>
+          <a:xfrm>
+            <a:off x="10706614" y="9018020"/>
+            <a:ext cx="5868474" cy="436742"/>
+          </a:xfrm>
+          <a:prstGeom prst="rect">
+            <a:avLst/>
+          </a:prstGeom>
+        </p:spPr>
+        <p:txBody>
+          <a:bodyPr vert="horz" lIns="91440" tIns="45720" rIns="91440" bIns="45720" rtlCol="0" anchor="ctr"/>
+          <a:lstStyle>
+            <a:defPPr>
+              <a:defRPr lang="en-US"/>
+            </a:defPPr>
+            <a:lvl1pPr marL="0" algn="r" defTabSz="457200" rtl="0" eaLnBrk="1" latinLnBrk="0" hangingPunct="1">
+              <a:defRPr sz="1417" kern="1200">
+                <a:solidFill>
+                  <a:schemeClr val="tx1">
+                    <a:tint val="75000"/>
+                  </a:schemeClr>
+                </a:solidFill>
+                <a:latin typeface="+mn-lt"/>
+                <a:ea typeface="+mn-ea"/>
+                <a:cs typeface="+mn-cs"/>
+              </a:defRPr>
+            </a:lvl1pPr>
+            <a:lvl2pPr marL="457200" algn="l" defTabSz="457200" rtl="0" eaLnBrk="1" latinLnBrk="0" hangingPunct="1">
+              <a:defRPr sz="1800" kern="1200">
+                <a:solidFill>
+                  <a:schemeClr val="tx1"/>
+                </a:solidFill>
+                <a:latin typeface="+mn-lt"/>
+                <a:ea typeface="+mn-ea"/>
+                <a:cs typeface="+mn-cs"/>
+              </a:defRPr>
+            </a:lvl2pPr>
+            <a:lvl3pPr marL="914400" algn="l" defTabSz="457200" rtl="0" eaLnBrk="1" latinLnBrk="0" hangingPunct="1">
+              <a:defRPr sz="1800" kern="1200">
+                <a:solidFill>
+                  <a:schemeClr val="tx1"/>
+                </a:solidFill>
+                <a:latin typeface="+mn-lt"/>
+                <a:ea typeface="+mn-ea"/>
+                <a:cs typeface="+mn-cs"/>
+              </a:defRPr>
+            </a:lvl3pPr>
+            <a:lvl4pPr marL="1371600" algn="l" defTabSz="457200" rtl="0" eaLnBrk="1" latinLnBrk="0" hangingPunct="1">
+              <a:defRPr sz="1800" kern="1200">
+                <a:solidFill>
+                  <a:schemeClr val="tx1"/>
+                </a:solidFill>
+                <a:latin typeface="+mn-lt"/>
+                <a:ea typeface="+mn-ea"/>
+                <a:cs typeface="+mn-cs"/>
+              </a:defRPr>
+            </a:lvl4pPr>
+            <a:lvl5pPr marL="1828800" algn="l" defTabSz="457200" rtl="0" eaLnBrk="1" latinLnBrk="0" hangingPunct="1">
+              <a:defRPr sz="1800" kern="1200">
+                <a:solidFill>
+                  <a:schemeClr val="tx1"/>
+                </a:solidFill>
+                <a:latin typeface="+mn-lt"/>
+                <a:ea typeface="+mn-ea"/>
+                <a:cs typeface="+mn-cs"/>
+              </a:defRPr>
+            </a:lvl5pPr>
+            <a:lvl6pPr marL="2286000" algn="l" defTabSz="457200" rtl="0" eaLnBrk="1" latinLnBrk="0" hangingPunct="1">
+              <a:defRPr sz="1800" kern="1200">
+                <a:solidFill>
+                  <a:schemeClr val="tx1"/>
+                </a:solidFill>
+                <a:latin typeface="+mn-lt"/>
+                <a:ea typeface="+mn-ea"/>
+                <a:cs typeface="+mn-cs"/>
+              </a:defRPr>
+            </a:lvl6pPr>
+            <a:lvl7pPr marL="2743200" algn="l" defTabSz="457200" rtl="0" eaLnBrk="1" latinLnBrk="0" hangingPunct="1">
+              <a:defRPr sz="1800" kern="1200">
+                <a:solidFill>
+                  <a:schemeClr val="tx1"/>
+                </a:solidFill>
+                <a:latin typeface="+mn-lt"/>
+                <a:ea typeface="+mn-ea"/>
+                <a:cs typeface="+mn-cs"/>
+              </a:defRPr>
+            </a:lvl7pPr>
+            <a:lvl8pPr marL="3200400" algn="l" defTabSz="457200" rtl="0" eaLnBrk="1" latinLnBrk="0" hangingPunct="1">
+              <a:defRPr sz="1800" kern="1200">
+                <a:solidFill>
+                  <a:schemeClr val="tx1"/>
+                </a:solidFill>
+                <a:latin typeface="+mn-lt"/>
+                <a:ea typeface="+mn-ea"/>
+                <a:cs typeface="+mn-cs"/>
+              </a:defRPr>
+            </a:lvl8pPr>
+            <a:lvl9pPr marL="3657600" algn="l" defTabSz="457200" rtl="0" eaLnBrk="1" latinLnBrk="0" hangingPunct="1">
+              <a:defRPr sz="1800" kern="1200">
+                <a:solidFill>
+                  <a:schemeClr val="tx1"/>
+                </a:solidFill>
+                <a:latin typeface="+mn-lt"/>
+                <a:ea typeface="+mn-ea"/>
+                <a:cs typeface="+mn-cs"/>
+              </a:defRPr>
+            </a:lvl9pPr>
+          </a:lstStyle>
+          <a:p>
+            <a:fld id="{E35A9342-8D2C-4F03-BE33-2A71AE2A9EC4}" type="datetime1">
+              <a:rPr lang="en-CA" smtClean="0">
+                <a:solidFill>
+                  <a:schemeClr val="bg1"/>
+                </a:solidFill>
               </a:rPr>
-              <a:t>did-url</a:t>
-            </a:r>
-            <a:r>
-              <a:rPr lang="en-CA" dirty="0"/>
-              <a:t> use cases</a:t>
-            </a:r>
-          </a:p>
-          <a:p>
-            <a:endParaRPr lang="en-CA" dirty="0"/>
-          </a:p>
-          <a:p>
-            <a:r>
-              <a:rPr lang="en-CA" dirty="0"/>
-              <a:t>Higher-level Use Case Analysis</a:t>
-            </a:r>
-          </a:p>
-          <a:p>
-            <a:pPr lvl="1"/>
-            <a:r>
-              <a:rPr lang="en-CA" dirty="0"/>
-              <a:t>User scenarios</a:t>
-            </a:r>
-          </a:p>
-          <a:p>
-            <a:pPr lvl="1"/>
-            <a:endParaRPr lang="en-CA" dirty="0"/>
-          </a:p>
-          <a:p>
-            <a:pPr lvl="1"/>
-            <a:endParaRPr lang="en-CA" dirty="0"/>
-          </a:p>
-          <a:p>
-            <a:r>
-              <a:rPr lang="en-CA" dirty="0"/>
-              <a:t>Lower-level </a:t>
-            </a:r>
-            <a:r>
-              <a:rPr lang="en-CA" dirty="0">
-                <a:latin typeface="Consolas" panose="020B0609020204030204" pitchFamily="49" charset="0"/>
+              <a:pPr/>
+              <a:t>2019-03-24</a:t>
+            </a:fld>
+            <a:endParaRPr lang="en-CA" dirty="0">
+              <a:solidFill>
+                <a:schemeClr val="bg1"/>
+              </a:solidFill>
+            </a:endParaRPr>
+          </a:p>
+        </p:txBody>
+      </p:sp>
+      <p:sp>
+        <p:nvSpPr>
+          <p:cNvPr id="7" name="Footer Placeholder 3">
+            <a:extLst>
+              <a:ext uri="{FF2B5EF4-FFF2-40B4-BE49-F238E27FC236}">
+                <a16:creationId xmlns:a16="http://schemas.microsoft.com/office/drawing/2014/main" id="{099A2DE6-9372-44F1-A841-744407BCBCC7}"/>
+              </a:ext>
+            </a:extLst>
+          </p:cNvPr>
+          <p:cNvSpPr txBox="1">
+            <a:spLocks/>
+          </p:cNvSpPr>
+          <p:nvPr/>
+        </p:nvSpPr>
+        <p:spPr>
+          <a:xfrm>
+            <a:off x="2057349" y="9019515"/>
+            <a:ext cx="8233240" cy="435247"/>
+          </a:xfrm>
+          <a:prstGeom prst="rect">
+            <a:avLst/>
+          </a:prstGeom>
+        </p:spPr>
+        <p:txBody>
+          <a:bodyPr vert="horz" lIns="91440" tIns="45720" rIns="91440" bIns="45720" rtlCol="0" anchor="ctr"/>
+          <a:lstStyle>
+            <a:defPPr>
+              <a:defRPr lang="en-US"/>
+            </a:defPPr>
+            <a:lvl1pPr marL="0" algn="l" defTabSz="457200" rtl="0" eaLnBrk="1" latinLnBrk="0" hangingPunct="1">
+              <a:defRPr sz="1417" kern="1200">
+                <a:solidFill>
+                  <a:schemeClr val="tx1">
+                    <a:tint val="75000"/>
+                  </a:schemeClr>
+                </a:solidFill>
+                <a:latin typeface="+mn-lt"/>
+                <a:ea typeface="+mn-ea"/>
+                <a:cs typeface="+mn-cs"/>
+              </a:defRPr>
+            </a:lvl1pPr>
+            <a:lvl2pPr marL="457200" algn="l" defTabSz="457200" rtl="0" eaLnBrk="1" latinLnBrk="0" hangingPunct="1">
+              <a:defRPr sz="1800" kern="1200">
+                <a:solidFill>
+                  <a:schemeClr val="tx1"/>
+                </a:solidFill>
+                <a:latin typeface="+mn-lt"/>
+                <a:ea typeface="+mn-ea"/>
+                <a:cs typeface="+mn-cs"/>
+              </a:defRPr>
+            </a:lvl2pPr>
+            <a:lvl3pPr marL="914400" algn="l" defTabSz="457200" rtl="0" eaLnBrk="1" latinLnBrk="0" hangingPunct="1">
+              <a:defRPr sz="1800" kern="1200">
+                <a:solidFill>
+                  <a:schemeClr val="tx1"/>
+                </a:solidFill>
+                <a:latin typeface="+mn-lt"/>
+                <a:ea typeface="+mn-ea"/>
+                <a:cs typeface="+mn-cs"/>
+              </a:defRPr>
+            </a:lvl3pPr>
+            <a:lvl4pPr marL="1371600" algn="l" defTabSz="457200" rtl="0" eaLnBrk="1" latinLnBrk="0" hangingPunct="1">
+              <a:defRPr sz="1800" kern="1200">
+                <a:solidFill>
+                  <a:schemeClr val="tx1"/>
+                </a:solidFill>
+                <a:latin typeface="+mn-lt"/>
+                <a:ea typeface="+mn-ea"/>
+                <a:cs typeface="+mn-cs"/>
+              </a:defRPr>
+            </a:lvl4pPr>
+            <a:lvl5pPr marL="1828800" algn="l" defTabSz="457200" rtl="0" eaLnBrk="1" latinLnBrk="0" hangingPunct="1">
+              <a:defRPr sz="1800" kern="1200">
+                <a:solidFill>
+                  <a:schemeClr val="tx1"/>
+                </a:solidFill>
+                <a:latin typeface="+mn-lt"/>
+                <a:ea typeface="+mn-ea"/>
+                <a:cs typeface="+mn-cs"/>
+              </a:defRPr>
+            </a:lvl5pPr>
+            <a:lvl6pPr marL="2286000" algn="l" defTabSz="457200" rtl="0" eaLnBrk="1" latinLnBrk="0" hangingPunct="1">
+              <a:defRPr sz="1800" kern="1200">
+                <a:solidFill>
+                  <a:schemeClr val="tx1"/>
+                </a:solidFill>
+                <a:latin typeface="+mn-lt"/>
+                <a:ea typeface="+mn-ea"/>
+                <a:cs typeface="+mn-cs"/>
+              </a:defRPr>
+            </a:lvl6pPr>
+            <a:lvl7pPr marL="2743200" algn="l" defTabSz="457200" rtl="0" eaLnBrk="1" latinLnBrk="0" hangingPunct="1">
+              <a:defRPr sz="1800" kern="1200">
+                <a:solidFill>
+                  <a:schemeClr val="tx1"/>
+                </a:solidFill>
+                <a:latin typeface="+mn-lt"/>
+                <a:ea typeface="+mn-ea"/>
+                <a:cs typeface="+mn-cs"/>
+              </a:defRPr>
+            </a:lvl7pPr>
+            <a:lvl8pPr marL="3200400" algn="l" defTabSz="457200" rtl="0" eaLnBrk="1" latinLnBrk="0" hangingPunct="1">
+              <a:defRPr sz="1800" kern="1200">
+                <a:solidFill>
+                  <a:schemeClr val="tx1"/>
+                </a:solidFill>
+                <a:latin typeface="+mn-lt"/>
+                <a:ea typeface="+mn-ea"/>
+                <a:cs typeface="+mn-cs"/>
+              </a:defRPr>
+            </a:lvl8pPr>
+            <a:lvl9pPr marL="3657600" algn="l" defTabSz="457200" rtl="0" eaLnBrk="1" latinLnBrk="0" hangingPunct="1">
+              <a:defRPr sz="1800" kern="1200">
+                <a:solidFill>
+                  <a:schemeClr val="tx1"/>
+                </a:solidFill>
+                <a:latin typeface="+mn-lt"/>
+                <a:ea typeface="+mn-ea"/>
+                <a:cs typeface="+mn-cs"/>
+              </a:defRPr>
+            </a:lvl9pPr>
+          </a:lstStyle>
+          <a:p>
+            <a:r>
+              <a:rPr lang="en-US" dirty="0">
+                <a:solidFill>
+                  <a:schemeClr val="bg1"/>
+                </a:solidFill>
               </a:rPr>
-              <a:t>did-url</a:t>
-            </a:r>
-            <a:r>
-              <a:rPr lang="en-CA" dirty="0"/>
-              <a:t> Use Case Analysis</a:t>
-            </a:r>
-          </a:p>
-          <a:p>
-            <a:pPr lvl="1"/>
-            <a:r>
-              <a:rPr lang="en-CA" dirty="0">
-                <a:latin typeface="Consolas" panose="020B0609020204030204" pitchFamily="49" charset="0"/>
-              </a:rPr>
-              <a:t>did-url</a:t>
-            </a:r>
-            <a:r>
-              <a:rPr lang="en-CA" dirty="0"/>
-              <a:t> use cases</a:t>
-            </a:r>
-            <a:endParaRPr lang="en-US" dirty="0"/>
+              <a:t>Decentralized Identifier URL Specification (did-url-spec)</a:t>
+            </a:r>
+            <a:endParaRPr lang="en-CA" dirty="0">
+              <a:solidFill>
+                <a:schemeClr val="bg1"/>
+              </a:solidFill>
+            </a:endParaRPr>
           </a:p>
         </p:txBody>
       </p:sp>
@@ -24470,7 +24809,7 @@
           <p:cNvPr id="4" name="Date Placeholder 3">
             <a:extLst>
               <a:ext uri="{FF2B5EF4-FFF2-40B4-BE49-F238E27FC236}">
-                <a16:creationId xmlns:a16="http://schemas.microsoft.com/office/drawing/2014/main" id="{73D1EDAC-F70C-42E6-913D-5D0197D914B7}"/>
+                <a16:creationId xmlns:a16="http://schemas.microsoft.com/office/drawing/2014/main" id="{4A3ACDEF-DB2C-4E46-A58C-15EAD5DC0C39}"/>
               </a:ext>
             </a:extLst>
           </p:cNvPr>
@@ -24486,7 +24825,7 @@
           <a:bodyPr/>
           <a:lstStyle/>
           <a:p>
-            <a:fld id="{450DD7DE-80AF-43D1-A44E-E0F8C2F25D11}" type="datetime1">
+            <a:fld id="{E686C44E-D89B-4C69-BC09-82E8DED7EF05}" type="datetime1">
               <a:rPr lang="en-CA" smtClean="0"/>
               <a:t>2019-03-24</a:t>
             </a:fld>
@@ -24499,7 +24838,7 @@
           <p:cNvPr id="5" name="Footer Placeholder 4">
             <a:extLst>
               <a:ext uri="{FF2B5EF4-FFF2-40B4-BE49-F238E27FC236}">
-                <a16:creationId xmlns:a16="http://schemas.microsoft.com/office/drawing/2014/main" id="{43FF8B0C-D8AB-4DD2-9154-383AED6EB00E}"/>
+                <a16:creationId xmlns:a16="http://schemas.microsoft.com/office/drawing/2014/main" id="{670BB4A4-ADAD-407B-81C2-6407D4B5349B}"/>
               </a:ext>
             </a:extLst>
           </p:cNvPr>
@@ -24523,56 +24862,10 @@
           </a:p>
         </p:txBody>
       </p:sp>
-      <p:sp>
-        <p:nvSpPr>
-          <p:cNvPr id="7" name="Arrow: Down 6">
-            <a:extLst>
-              <a:ext uri="{FF2B5EF4-FFF2-40B4-BE49-F238E27FC236}">
-                <a16:creationId xmlns:a16="http://schemas.microsoft.com/office/drawing/2014/main" id="{682C24C3-6873-4712-AE5C-E2650E28CF7A}"/>
-              </a:ext>
-            </a:extLst>
-          </p:cNvPr>
-          <p:cNvSpPr/>
-          <p:nvPr/>
-        </p:nvSpPr>
-        <p:spPr>
-          <a:xfrm>
-            <a:off x="1631056" y="4632635"/>
-            <a:ext cx="484632" cy="1158565"/>
-          </a:xfrm>
-          <a:prstGeom prst="downArrow">
-            <a:avLst/>
-          </a:prstGeom>
-        </p:spPr>
-        <p:style>
-          <a:lnRef idx="2">
-            <a:schemeClr val="accent1">
-              <a:shade val="50000"/>
-            </a:schemeClr>
-          </a:lnRef>
-          <a:fillRef idx="1">
-            <a:schemeClr val="accent1"/>
-          </a:fillRef>
-          <a:effectRef idx="0">
-            <a:schemeClr val="accent1"/>
-          </a:effectRef>
-          <a:fontRef idx="minor">
-            <a:schemeClr val="lt1"/>
-          </a:fontRef>
-        </p:style>
-        <p:txBody>
-          <a:bodyPr rtlCol="0" anchor="ctr"/>
-          <a:lstStyle/>
-          <a:p>
-            <a:pPr algn="ctr"/>
-            <a:endParaRPr lang="en-US" dirty="0"/>
-          </a:p>
-        </p:txBody>
-      </p:sp>
     </p:spTree>
     <p:extLst>
       <p:ext uri="{BB962C8B-B14F-4D97-AF65-F5344CB8AC3E}">
-        <p14:creationId xmlns:p14="http://schemas.microsoft.com/office/powerpoint/2010/main" val="3801538930"/>
+        <p14:creationId xmlns:p14="http://schemas.microsoft.com/office/powerpoint/2010/main" val="1893188388"/>
       </p:ext>
     </p:extLst>
   </p:cSld>
@@ -24604,7 +24897,7 @@
           <p:cNvPr id="2" name="Title 1">
             <a:extLst>
               <a:ext uri="{FF2B5EF4-FFF2-40B4-BE49-F238E27FC236}">
-                <a16:creationId xmlns:a16="http://schemas.microsoft.com/office/drawing/2014/main" id="{C29FC834-6430-4E4A-83B7-97BA43C29D37}"/>
+                <a16:creationId xmlns:a16="http://schemas.microsoft.com/office/drawing/2014/main" id="{CF655219-2F6F-4FB2-8D5B-1F50D5F99299}"/>
               </a:ext>
             </a:extLst>
           </p:cNvPr>
@@ -24612,39 +24905,30 @@
             <a:spLocks noGrp="1"/>
           </p:cNvSpPr>
           <p:nvPr>
-            <p:ph type="ctrTitle"/>
+            <p:ph type="title"/>
           </p:nvPr>
         </p:nvSpPr>
         <p:spPr>
           <a:xfrm>
-            <a:off x="723900" y="1137147"/>
-            <a:ext cx="16173450" cy="3602126"/>
+            <a:off x="704850" y="549745"/>
+            <a:ext cx="16575088" cy="1487145"/>
           </a:xfrm>
         </p:spPr>
         <p:txBody>
           <a:bodyPr>
-            <a:normAutofit/>
+            <a:noAutofit/>
           </a:bodyPr>
           <a:lstStyle/>
           <a:p>
             <a:r>
-              <a:rPr lang="en-CA" sz="6600" dirty="0">
+              <a:rPr lang="en-CA" spc="-200" dirty="0">
                 <a:solidFill>
                   <a:srgbClr val="1D326D"/>
                 </a:solidFill>
-                <a:sym typeface="Wingdings" panose="05000000000000000000" pitchFamily="2" charset="2"/>
               </a:rPr>
-              <a:t></a:t>
-            </a:r>
-            <a:r>
-              <a:rPr lang="en-CA" sz="6600" dirty="0">
-                <a:solidFill>
-                  <a:srgbClr val="1D326D"/>
-                </a:solidFill>
-              </a:rPr>
-              <a:t> Higher-Level Use Cases</a:t>
-            </a:r>
-            <a:endParaRPr lang="en-US" sz="6600" dirty="0">
+              <a:t>Why Are Higher-Level DID User Scenarios NEEDED?</a:t>
+            </a:r>
+            <a:endParaRPr lang="en-US" spc="-200" dirty="0">
               <a:solidFill>
                 <a:srgbClr val="1D326D"/>
               </a:solidFill>
@@ -24654,337 +24938,10 @@
       </p:sp>
       <p:sp>
         <p:nvSpPr>
-          <p:cNvPr id="3" name="Subtitle 2">
+          <p:cNvPr id="3" name="Date Placeholder 2">
             <a:extLst>
               <a:ext uri="{FF2B5EF4-FFF2-40B4-BE49-F238E27FC236}">
-                <a16:creationId xmlns:a16="http://schemas.microsoft.com/office/drawing/2014/main" id="{C660EB17-2854-4658-9BE6-4D698F62714C}"/>
-              </a:ext>
-            </a:extLst>
-          </p:cNvPr>
-          <p:cNvSpPr>
-            <a:spLocks noGrp="1"/>
-          </p:cNvSpPr>
-          <p:nvPr>
-            <p:ph type="subTitle" idx="1"/>
-          </p:nvPr>
-        </p:nvSpPr>
-        <p:spPr>
-          <a:xfrm>
-            <a:off x="723900" y="5462192"/>
-            <a:ext cx="14944338" cy="1385642"/>
-          </a:xfrm>
-        </p:spPr>
-        <p:txBody>
-          <a:bodyPr>
-            <a:normAutofit fontScale="70000" lnSpcReduction="20000"/>
-          </a:bodyPr>
-          <a:lstStyle/>
-          <a:p>
-            <a:r>
-              <a:rPr lang="en-CA" dirty="0"/>
-              <a:t>Michael Herman</a:t>
-            </a:r>
-          </a:p>
-          <a:p>
-            <a:r>
-              <a:rPr lang="en-CA" dirty="0"/>
-              <a:t>Independent Blockchain Architect</a:t>
-            </a:r>
-          </a:p>
-          <a:p>
-            <a:r>
-              <a:rPr lang="en-CA" dirty="0"/>
-              <a:t>mwherman@parallelspace.net</a:t>
-            </a:r>
-            <a:endParaRPr lang="en-US" dirty="0"/>
-          </a:p>
-        </p:txBody>
-      </p:sp>
-      <p:sp>
-        <p:nvSpPr>
-          <p:cNvPr id="6" name="Date Placeholder 2">
-            <a:extLst>
-              <a:ext uri="{FF2B5EF4-FFF2-40B4-BE49-F238E27FC236}">
-                <a16:creationId xmlns:a16="http://schemas.microsoft.com/office/drawing/2014/main" id="{2AD3D6DA-1F42-48CB-B93A-E92BA6EE4652}"/>
-              </a:ext>
-            </a:extLst>
-          </p:cNvPr>
-          <p:cNvSpPr txBox="1">
-            <a:spLocks/>
-          </p:cNvSpPr>
-          <p:nvPr/>
-        </p:nvSpPr>
-        <p:spPr>
-          <a:xfrm>
-            <a:off x="10706614" y="9018020"/>
-            <a:ext cx="5868474" cy="436742"/>
-          </a:xfrm>
-          <a:prstGeom prst="rect">
-            <a:avLst/>
-          </a:prstGeom>
-        </p:spPr>
-        <p:txBody>
-          <a:bodyPr vert="horz" lIns="91440" tIns="45720" rIns="91440" bIns="45720" rtlCol="0" anchor="ctr"/>
-          <a:lstStyle>
-            <a:defPPr>
-              <a:defRPr lang="en-US"/>
-            </a:defPPr>
-            <a:lvl1pPr marL="0" algn="r" defTabSz="457200" rtl="0" eaLnBrk="1" latinLnBrk="0" hangingPunct="1">
-              <a:defRPr sz="1417" kern="1200">
-                <a:solidFill>
-                  <a:schemeClr val="tx1">
-                    <a:tint val="75000"/>
-                  </a:schemeClr>
-                </a:solidFill>
-                <a:latin typeface="+mn-lt"/>
-                <a:ea typeface="+mn-ea"/>
-                <a:cs typeface="+mn-cs"/>
-              </a:defRPr>
-            </a:lvl1pPr>
-            <a:lvl2pPr marL="457200" algn="l" defTabSz="457200" rtl="0" eaLnBrk="1" latinLnBrk="0" hangingPunct="1">
-              <a:defRPr sz="1800" kern="1200">
-                <a:solidFill>
-                  <a:schemeClr val="tx1"/>
-                </a:solidFill>
-                <a:latin typeface="+mn-lt"/>
-                <a:ea typeface="+mn-ea"/>
-                <a:cs typeface="+mn-cs"/>
-              </a:defRPr>
-            </a:lvl2pPr>
-            <a:lvl3pPr marL="914400" algn="l" defTabSz="457200" rtl="0" eaLnBrk="1" latinLnBrk="0" hangingPunct="1">
-              <a:defRPr sz="1800" kern="1200">
-                <a:solidFill>
-                  <a:schemeClr val="tx1"/>
-                </a:solidFill>
-                <a:latin typeface="+mn-lt"/>
-                <a:ea typeface="+mn-ea"/>
-                <a:cs typeface="+mn-cs"/>
-              </a:defRPr>
-            </a:lvl3pPr>
-            <a:lvl4pPr marL="1371600" algn="l" defTabSz="457200" rtl="0" eaLnBrk="1" latinLnBrk="0" hangingPunct="1">
-              <a:defRPr sz="1800" kern="1200">
-                <a:solidFill>
-                  <a:schemeClr val="tx1"/>
-                </a:solidFill>
-                <a:latin typeface="+mn-lt"/>
-                <a:ea typeface="+mn-ea"/>
-                <a:cs typeface="+mn-cs"/>
-              </a:defRPr>
-            </a:lvl4pPr>
-            <a:lvl5pPr marL="1828800" algn="l" defTabSz="457200" rtl="0" eaLnBrk="1" latinLnBrk="0" hangingPunct="1">
-              <a:defRPr sz="1800" kern="1200">
-                <a:solidFill>
-                  <a:schemeClr val="tx1"/>
-                </a:solidFill>
-                <a:latin typeface="+mn-lt"/>
-                <a:ea typeface="+mn-ea"/>
-                <a:cs typeface="+mn-cs"/>
-              </a:defRPr>
-            </a:lvl5pPr>
-            <a:lvl6pPr marL="2286000" algn="l" defTabSz="457200" rtl="0" eaLnBrk="1" latinLnBrk="0" hangingPunct="1">
-              <a:defRPr sz="1800" kern="1200">
-                <a:solidFill>
-                  <a:schemeClr val="tx1"/>
-                </a:solidFill>
-                <a:latin typeface="+mn-lt"/>
-                <a:ea typeface="+mn-ea"/>
-                <a:cs typeface="+mn-cs"/>
-              </a:defRPr>
-            </a:lvl6pPr>
-            <a:lvl7pPr marL="2743200" algn="l" defTabSz="457200" rtl="0" eaLnBrk="1" latinLnBrk="0" hangingPunct="1">
-              <a:defRPr sz="1800" kern="1200">
-                <a:solidFill>
-                  <a:schemeClr val="tx1"/>
-                </a:solidFill>
-                <a:latin typeface="+mn-lt"/>
-                <a:ea typeface="+mn-ea"/>
-                <a:cs typeface="+mn-cs"/>
-              </a:defRPr>
-            </a:lvl7pPr>
-            <a:lvl8pPr marL="3200400" algn="l" defTabSz="457200" rtl="0" eaLnBrk="1" latinLnBrk="0" hangingPunct="1">
-              <a:defRPr sz="1800" kern="1200">
-                <a:solidFill>
-                  <a:schemeClr val="tx1"/>
-                </a:solidFill>
-                <a:latin typeface="+mn-lt"/>
-                <a:ea typeface="+mn-ea"/>
-                <a:cs typeface="+mn-cs"/>
-              </a:defRPr>
-            </a:lvl8pPr>
-            <a:lvl9pPr marL="3657600" algn="l" defTabSz="457200" rtl="0" eaLnBrk="1" latinLnBrk="0" hangingPunct="1">
-              <a:defRPr sz="1800" kern="1200">
-                <a:solidFill>
-                  <a:schemeClr val="tx1"/>
-                </a:solidFill>
-                <a:latin typeface="+mn-lt"/>
-                <a:ea typeface="+mn-ea"/>
-                <a:cs typeface="+mn-cs"/>
-              </a:defRPr>
-            </a:lvl9pPr>
-          </a:lstStyle>
-          <a:p>
-            <a:fld id="{E35A9342-8D2C-4F03-BE33-2A71AE2A9EC4}" type="datetime1">
-              <a:rPr lang="en-CA" smtClean="0">
-                <a:solidFill>
-                  <a:schemeClr val="bg1"/>
-                </a:solidFill>
-              </a:rPr>
-              <a:pPr/>
-              <a:t>2019-03-24</a:t>
-            </a:fld>
-            <a:endParaRPr lang="en-CA" dirty="0">
-              <a:solidFill>
-                <a:schemeClr val="bg1"/>
-              </a:solidFill>
-            </a:endParaRPr>
-          </a:p>
-        </p:txBody>
-      </p:sp>
-      <p:sp>
-        <p:nvSpPr>
-          <p:cNvPr id="7" name="Footer Placeholder 3">
-            <a:extLst>
-              <a:ext uri="{FF2B5EF4-FFF2-40B4-BE49-F238E27FC236}">
-                <a16:creationId xmlns:a16="http://schemas.microsoft.com/office/drawing/2014/main" id="{099A2DE6-9372-44F1-A841-744407BCBCC7}"/>
-              </a:ext>
-            </a:extLst>
-          </p:cNvPr>
-          <p:cNvSpPr txBox="1">
-            <a:spLocks/>
-          </p:cNvSpPr>
-          <p:nvPr/>
-        </p:nvSpPr>
-        <p:spPr>
-          <a:xfrm>
-            <a:off x="2057349" y="9019515"/>
-            <a:ext cx="8233240" cy="435247"/>
-          </a:xfrm>
-          <a:prstGeom prst="rect">
-            <a:avLst/>
-          </a:prstGeom>
-        </p:spPr>
-        <p:txBody>
-          <a:bodyPr vert="horz" lIns="91440" tIns="45720" rIns="91440" bIns="45720" rtlCol="0" anchor="ctr"/>
-          <a:lstStyle>
-            <a:defPPr>
-              <a:defRPr lang="en-US"/>
-            </a:defPPr>
-            <a:lvl1pPr marL="0" algn="l" defTabSz="457200" rtl="0" eaLnBrk="1" latinLnBrk="0" hangingPunct="1">
-              <a:defRPr sz="1417" kern="1200">
-                <a:solidFill>
-                  <a:schemeClr val="tx1">
-                    <a:tint val="75000"/>
-                  </a:schemeClr>
-                </a:solidFill>
-                <a:latin typeface="+mn-lt"/>
-                <a:ea typeface="+mn-ea"/>
-                <a:cs typeface="+mn-cs"/>
-              </a:defRPr>
-            </a:lvl1pPr>
-            <a:lvl2pPr marL="457200" algn="l" defTabSz="457200" rtl="0" eaLnBrk="1" latinLnBrk="0" hangingPunct="1">
-              <a:defRPr sz="1800" kern="1200">
-                <a:solidFill>
-                  <a:schemeClr val="tx1"/>
-                </a:solidFill>
-                <a:latin typeface="+mn-lt"/>
-                <a:ea typeface="+mn-ea"/>
-                <a:cs typeface="+mn-cs"/>
-              </a:defRPr>
-            </a:lvl2pPr>
-            <a:lvl3pPr marL="914400" algn="l" defTabSz="457200" rtl="0" eaLnBrk="1" latinLnBrk="0" hangingPunct="1">
-              <a:defRPr sz="1800" kern="1200">
-                <a:solidFill>
-                  <a:schemeClr val="tx1"/>
-                </a:solidFill>
-                <a:latin typeface="+mn-lt"/>
-                <a:ea typeface="+mn-ea"/>
-                <a:cs typeface="+mn-cs"/>
-              </a:defRPr>
-            </a:lvl3pPr>
-            <a:lvl4pPr marL="1371600" algn="l" defTabSz="457200" rtl="0" eaLnBrk="1" latinLnBrk="0" hangingPunct="1">
-              <a:defRPr sz="1800" kern="1200">
-                <a:solidFill>
-                  <a:schemeClr val="tx1"/>
-                </a:solidFill>
-                <a:latin typeface="+mn-lt"/>
-                <a:ea typeface="+mn-ea"/>
-                <a:cs typeface="+mn-cs"/>
-              </a:defRPr>
-            </a:lvl4pPr>
-            <a:lvl5pPr marL="1828800" algn="l" defTabSz="457200" rtl="0" eaLnBrk="1" latinLnBrk="0" hangingPunct="1">
-              <a:defRPr sz="1800" kern="1200">
-                <a:solidFill>
-                  <a:schemeClr val="tx1"/>
-                </a:solidFill>
-                <a:latin typeface="+mn-lt"/>
-                <a:ea typeface="+mn-ea"/>
-                <a:cs typeface="+mn-cs"/>
-              </a:defRPr>
-            </a:lvl5pPr>
-            <a:lvl6pPr marL="2286000" algn="l" defTabSz="457200" rtl="0" eaLnBrk="1" latinLnBrk="0" hangingPunct="1">
-              <a:defRPr sz="1800" kern="1200">
-                <a:solidFill>
-                  <a:schemeClr val="tx1"/>
-                </a:solidFill>
-                <a:latin typeface="+mn-lt"/>
-                <a:ea typeface="+mn-ea"/>
-                <a:cs typeface="+mn-cs"/>
-              </a:defRPr>
-            </a:lvl6pPr>
-            <a:lvl7pPr marL="2743200" algn="l" defTabSz="457200" rtl="0" eaLnBrk="1" latinLnBrk="0" hangingPunct="1">
-              <a:defRPr sz="1800" kern="1200">
-                <a:solidFill>
-                  <a:schemeClr val="tx1"/>
-                </a:solidFill>
-                <a:latin typeface="+mn-lt"/>
-                <a:ea typeface="+mn-ea"/>
-                <a:cs typeface="+mn-cs"/>
-              </a:defRPr>
-            </a:lvl7pPr>
-            <a:lvl8pPr marL="3200400" algn="l" defTabSz="457200" rtl="0" eaLnBrk="1" latinLnBrk="0" hangingPunct="1">
-              <a:defRPr sz="1800" kern="1200">
-                <a:solidFill>
-                  <a:schemeClr val="tx1"/>
-                </a:solidFill>
-                <a:latin typeface="+mn-lt"/>
-                <a:ea typeface="+mn-ea"/>
-                <a:cs typeface="+mn-cs"/>
-              </a:defRPr>
-            </a:lvl8pPr>
-            <a:lvl9pPr marL="3657600" algn="l" defTabSz="457200" rtl="0" eaLnBrk="1" latinLnBrk="0" hangingPunct="1">
-              <a:defRPr sz="1800" kern="1200">
-                <a:solidFill>
-                  <a:schemeClr val="tx1"/>
-                </a:solidFill>
-                <a:latin typeface="+mn-lt"/>
-                <a:ea typeface="+mn-ea"/>
-                <a:cs typeface="+mn-cs"/>
-              </a:defRPr>
-            </a:lvl9pPr>
-          </a:lstStyle>
-          <a:p>
-            <a:r>
-              <a:rPr lang="en-US" dirty="0">
-                <a:solidFill>
-                  <a:schemeClr val="bg1"/>
-                </a:solidFill>
-              </a:rPr>
-              <a:t>Decentralized Identifier URL Specification (did-url-spec)</a:t>
-            </a:r>
-            <a:endParaRPr lang="en-CA" dirty="0">
-              <a:solidFill>
-                <a:schemeClr val="bg1"/>
-              </a:solidFill>
-            </a:endParaRPr>
-          </a:p>
-        </p:txBody>
-      </p:sp>
-      <p:sp>
-        <p:nvSpPr>
-          <p:cNvPr id="4" name="Date Placeholder 3">
-            <a:extLst>
-              <a:ext uri="{FF2B5EF4-FFF2-40B4-BE49-F238E27FC236}">
-                <a16:creationId xmlns:a16="http://schemas.microsoft.com/office/drawing/2014/main" id="{4A3ACDEF-DB2C-4E46-A58C-15EAD5DC0C39}"/>
+                <a16:creationId xmlns:a16="http://schemas.microsoft.com/office/drawing/2014/main" id="{68E58F56-BBA8-4CEC-87B9-D314C0D86673}"/>
               </a:ext>
             </a:extLst>
           </p:cNvPr>
@@ -25000,7 +24957,7 @@
           <a:bodyPr/>
           <a:lstStyle/>
           <a:p>
-            <a:fld id="{E686C44E-D89B-4C69-BC09-82E8DED7EF05}" type="datetime1">
+            <a:fld id="{AEBC0A79-33E3-419A-AB85-34666388398D}" type="datetime1">
               <a:rPr lang="en-CA" smtClean="0"/>
               <a:t>2019-03-24</a:t>
             </a:fld>
@@ -25008,39 +24965,168 @@
           </a:p>
         </p:txBody>
       </p:sp>
-      <p:sp>
-        <p:nvSpPr>
-          <p:cNvPr id="5" name="Footer Placeholder 4">
+      <p:grpSp>
+        <p:nvGrpSpPr>
+          <p:cNvPr id="8" name="Group 7">
             <a:extLst>
               <a:ext uri="{FF2B5EF4-FFF2-40B4-BE49-F238E27FC236}">
-                <a16:creationId xmlns:a16="http://schemas.microsoft.com/office/drawing/2014/main" id="{670BB4A4-ADAD-407B-81C2-6407D4B5349B}"/>
+                <a16:creationId xmlns:a16="http://schemas.microsoft.com/office/drawing/2014/main" id="{3828E3B0-D0C9-4558-9162-6E85994EE7EB}"/>
               </a:ext>
             </a:extLst>
           </p:cNvPr>
-          <p:cNvSpPr>
-            <a:spLocks noGrp="1"/>
-          </p:cNvSpPr>
-          <p:nvPr>
-            <p:ph type="ftr" sz="quarter" idx="11"/>
-          </p:nvPr>
-        </p:nvSpPr>
-        <p:spPr/>
-        <p:txBody>
-          <a:bodyPr/>
-          <a:lstStyle/>
-          <a:p>
-            <a:r>
-              <a:rPr lang="en-US" dirty="0"/>
-              <a:t>Decentralized Identifier URL Specification (did-url-spec)</a:t>
-            </a:r>
-            <a:endParaRPr lang="en-CA" dirty="0"/>
-          </a:p>
-        </p:txBody>
-      </p:sp>
+          <p:cNvGrpSpPr/>
+          <p:nvPr/>
+        </p:nvGrpSpPr>
+        <p:grpSpPr>
+          <a:xfrm>
+            <a:off x="4239491" y="1208156"/>
+            <a:ext cx="8792717" cy="7860824"/>
+            <a:chOff x="4239491" y="1208156"/>
+            <a:chExt cx="8792717" cy="7860824"/>
+          </a:xfrm>
+        </p:grpSpPr>
+        <p:pic>
+          <p:nvPicPr>
+            <p:cNvPr id="5" name="Picture 4">
+              <a:extLst>
+                <a:ext uri="{FF2B5EF4-FFF2-40B4-BE49-F238E27FC236}">
+                  <a16:creationId xmlns:a16="http://schemas.microsoft.com/office/drawing/2014/main" id="{ABE27523-2C12-49A9-A437-89F9980FC8D9}"/>
+                </a:ext>
+              </a:extLst>
+            </p:cNvPr>
+            <p:cNvPicPr>
+              <a:picLocks noChangeAspect="1"/>
+            </p:cNvPicPr>
+            <p:nvPr/>
+          </p:nvPicPr>
+          <p:blipFill>
+            <a:blip r:embed="rId2">
+              <a:clrChange>
+                <a:clrFrom>
+                  <a:srgbClr val="FFFFFF"/>
+                </a:clrFrom>
+                <a:clrTo>
+                  <a:srgbClr val="FFFFFF">
+                    <a:alpha val="0"/>
+                  </a:srgbClr>
+                </a:clrTo>
+              </a:clrChange>
+            </a:blip>
+            <a:stretch>
+              <a:fillRect/>
+            </a:stretch>
+          </p:blipFill>
+          <p:spPr>
+            <a:xfrm>
+              <a:off x="4239491" y="1208156"/>
+              <a:ext cx="8792717" cy="7187697"/>
+            </a:xfrm>
+            <a:prstGeom prst="rect">
+              <a:avLst/>
+            </a:prstGeom>
+          </p:spPr>
+        </p:pic>
+        <p:sp>
+          <p:nvSpPr>
+            <p:cNvPr id="6" name="Rectangle 5">
+              <a:extLst>
+                <a:ext uri="{FF2B5EF4-FFF2-40B4-BE49-F238E27FC236}">
+                  <a16:creationId xmlns:a16="http://schemas.microsoft.com/office/drawing/2014/main" id="{AAA4508D-5F6D-426C-BB57-7526762F9856}"/>
+                </a:ext>
+              </a:extLst>
+            </p:cNvPr>
+            <p:cNvSpPr/>
+            <p:nvPr/>
+          </p:nvSpPr>
+          <p:spPr>
+            <a:xfrm>
+              <a:off x="5034360" y="8053317"/>
+              <a:ext cx="7375737" cy="1015663"/>
+            </a:xfrm>
+            <a:prstGeom prst="rect">
+              <a:avLst/>
+            </a:prstGeom>
+          </p:spPr>
+          <p:txBody>
+            <a:bodyPr wrap="none">
+              <a:spAutoFit/>
+            </a:bodyPr>
+            <a:lstStyle/>
+            <a:p>
+              <a:pPr algn="ctr"/>
+              <a:r>
+                <a:rPr lang="en-CA" sz="3600" dirty="0">
+                  <a:solidFill>
+                    <a:srgbClr val="1D326D"/>
+                  </a:solidFill>
+                </a:rPr>
+                <a:t>Blind Men and the Elephant</a:t>
+              </a:r>
+            </a:p>
+            <a:p>
+              <a:pPr algn="ctr"/>
+              <a:r>
+                <a:rPr lang="en-US" sz="2400" dirty="0">
+                  <a:solidFill>
+                    <a:schemeClr val="bg1">
+                      <a:lumMod val="95000"/>
+                    </a:schemeClr>
+                  </a:solidFill>
+                </a:rPr>
+                <a:t>https://en.wikipedia.org/wiki/Blind_men_and_an_elephant</a:t>
+              </a:r>
+            </a:p>
+          </p:txBody>
+        </p:sp>
+        <p:sp>
+          <p:nvSpPr>
+            <p:cNvPr id="7" name="TextBox 6">
+              <a:extLst>
+                <a:ext uri="{FF2B5EF4-FFF2-40B4-BE49-F238E27FC236}">
+                  <a16:creationId xmlns:a16="http://schemas.microsoft.com/office/drawing/2014/main" id="{56328748-5FC1-4563-9C2A-AE9F6718F0DE}"/>
+                </a:ext>
+              </a:extLst>
+            </p:cNvPr>
+            <p:cNvSpPr txBox="1"/>
+            <p:nvPr/>
+          </p:nvSpPr>
+          <p:spPr>
+            <a:xfrm rot="959253">
+              <a:off x="7381769" y="4617339"/>
+              <a:ext cx="1184563" cy="369332"/>
+            </a:xfrm>
+            <a:prstGeom prst="rect">
+              <a:avLst/>
+            </a:prstGeom>
+            <a:noFill/>
+          </p:spPr>
+          <p:txBody>
+            <a:bodyPr wrap="square" rtlCol="0">
+              <a:spAutoFit/>
+            </a:bodyPr>
+            <a:lstStyle/>
+            <a:p>
+              <a:r>
+                <a:rPr lang="en-CA" dirty="0">
+                  <a:solidFill>
+                    <a:schemeClr val="bg1"/>
+                  </a:solidFill>
+                </a:rPr>
+                <a:t>RFC3986</a:t>
+              </a:r>
+              <a:endParaRPr lang="en-US" dirty="0">
+                <a:solidFill>
+                  <a:schemeClr val="bg1"/>
+                </a:solidFill>
+              </a:endParaRPr>
+            </a:p>
+          </p:txBody>
+        </p:sp>
+      </p:grpSp>
     </p:spTree>
     <p:extLst>
       <p:ext uri="{BB962C8B-B14F-4D97-AF65-F5344CB8AC3E}">
-        <p14:creationId xmlns:p14="http://schemas.microsoft.com/office/powerpoint/2010/main" val="1893188388"/>
+        <p14:creationId xmlns:p14="http://schemas.microsoft.com/office/powerpoint/2010/main" val="2756407338"/>
       </p:ext>
     </p:extLst>
   </p:cSld>
@@ -25090,7 +25176,7 @@
           <a:p>
             <a:r>
               <a:rPr lang="en-CA" dirty="0"/>
-              <a:t>Higher-Level Use Cases</a:t>
+              <a:t>Higher-Level DID User Scenarios</a:t>
             </a:r>
             <a:endParaRPr lang="en-US" dirty="0"/>
           </a:p>
@@ -25129,7 +25215,7 @@
             </a:pPr>
             <a:r>
               <a:rPr lang="en-US" dirty="0"/>
-              <a:t>The following higher-level use case documents that have been selected to guide/drive the lower-level </a:t>
+              <a:t>The following higher-level DID user scenario documents that have been selected to guide/drive the lower-level </a:t>
             </a:r>
             <a:r>
               <a:rPr lang="en-US" dirty="0">
@@ -26036,6 +26122,585 @@
       </p:grpSpPr>
       <p:sp>
         <p:nvSpPr>
+          <p:cNvPr id="2" name="Title 1">
+            <a:extLst>
+              <a:ext uri="{FF2B5EF4-FFF2-40B4-BE49-F238E27FC236}">
+                <a16:creationId xmlns:a16="http://schemas.microsoft.com/office/drawing/2014/main" id="{57C072EA-CF34-4403-9DC0-CCC1BCFB395B}"/>
+              </a:ext>
+            </a:extLst>
+          </p:cNvPr>
+          <p:cNvSpPr>
+            <a:spLocks noGrp="1"/>
+          </p:cNvSpPr>
+          <p:nvPr>
+            <p:ph type="title"/>
+          </p:nvPr>
+        </p:nvSpPr>
+        <p:spPr/>
+        <p:txBody>
+          <a:bodyPr/>
+          <a:lstStyle/>
+          <a:p>
+            <a:r>
+              <a:rPr lang="en-CA" dirty="0"/>
+              <a:t>DID Document Examples</a:t>
+            </a:r>
+            <a:endParaRPr lang="en-US" dirty="0"/>
+          </a:p>
+        </p:txBody>
+      </p:sp>
+      <p:sp>
+        <p:nvSpPr>
+          <p:cNvPr id="3" name="Content Placeholder 2">
+            <a:extLst>
+              <a:ext uri="{FF2B5EF4-FFF2-40B4-BE49-F238E27FC236}">
+                <a16:creationId xmlns:a16="http://schemas.microsoft.com/office/drawing/2014/main" id="{EB723C81-2617-40AB-8C81-20AF37778331}"/>
+              </a:ext>
+            </a:extLst>
+          </p:cNvPr>
+          <p:cNvSpPr>
+            <a:spLocks noGrp="1"/>
+          </p:cNvSpPr>
+          <p:nvPr>
+            <p:ph idx="1"/>
+          </p:nvPr>
+        </p:nvSpPr>
+        <p:spPr/>
+        <p:txBody>
+          <a:bodyPr/>
+          <a:lstStyle/>
+          <a:p>
+            <a:pPr marL="514350" indent="-514350">
+              <a:buFont typeface="+mj-lt"/>
+              <a:buAutoNum type="arabicPeriod"/>
+            </a:pPr>
+            <a:r>
+              <a:rPr lang="en-US" dirty="0">
+                <a:hlinkClick r:id="rId2"/>
+              </a:rPr>
+              <a:t>DID Spec - Example 16</a:t>
+            </a:r>
+            <a:endParaRPr lang="en-US" dirty="0"/>
+          </a:p>
+          <a:p>
+            <a:pPr marL="514350" indent="-514350">
+              <a:buFont typeface="+mj-lt"/>
+              <a:buAutoNum type="arabicPeriod"/>
+            </a:pPr>
+            <a:r>
+              <a:rPr lang="en-US" dirty="0">
+                <a:hlinkClick r:id="rId3"/>
+              </a:rPr>
+              <a:t>INDY-ARM Example</a:t>
+            </a:r>
+            <a:endParaRPr lang="en-US" dirty="0"/>
+          </a:p>
+          <a:p>
+            <a:pPr marL="514350" indent="-514350">
+              <a:buFont typeface="+mj-lt"/>
+              <a:buAutoNum type="arabicPeriod"/>
+            </a:pPr>
+            <a:r>
+              <a:rPr lang="en-US" dirty="0">
+                <a:hlinkClick r:id="rId4"/>
+              </a:rPr>
+              <a:t>Windley Article Example</a:t>
+            </a:r>
+            <a:endParaRPr lang="en-US" dirty="0"/>
+          </a:p>
+          <a:p>
+            <a:endParaRPr lang="en-US" dirty="0"/>
+          </a:p>
+        </p:txBody>
+      </p:sp>
+      <p:sp>
+        <p:nvSpPr>
+          <p:cNvPr id="4" name="Date Placeholder 3">
+            <a:extLst>
+              <a:ext uri="{FF2B5EF4-FFF2-40B4-BE49-F238E27FC236}">
+                <a16:creationId xmlns:a16="http://schemas.microsoft.com/office/drawing/2014/main" id="{7C690622-0616-4CAB-B8D4-B33A1AEEFE11}"/>
+              </a:ext>
+            </a:extLst>
+          </p:cNvPr>
+          <p:cNvSpPr>
+            <a:spLocks noGrp="1"/>
+          </p:cNvSpPr>
+          <p:nvPr>
+            <p:ph type="dt" sz="half" idx="10"/>
+          </p:nvPr>
+        </p:nvSpPr>
+        <p:spPr/>
+        <p:txBody>
+          <a:bodyPr/>
+          <a:lstStyle/>
+          <a:p>
+            <a:fld id="{98157B10-97E2-4274-83A8-1C44952536E0}" type="datetime1">
+              <a:rPr lang="en-CA" smtClean="0"/>
+              <a:t>2019-03-24</a:t>
+            </a:fld>
+            <a:endParaRPr lang="en-CA" dirty="0"/>
+          </a:p>
+        </p:txBody>
+      </p:sp>
+      <p:sp>
+        <p:nvSpPr>
+          <p:cNvPr id="5" name="Footer Placeholder 4">
+            <a:extLst>
+              <a:ext uri="{FF2B5EF4-FFF2-40B4-BE49-F238E27FC236}">
+                <a16:creationId xmlns:a16="http://schemas.microsoft.com/office/drawing/2014/main" id="{176EE2FF-D229-4BE3-AFBB-AD8EE70A3E7F}"/>
+              </a:ext>
+            </a:extLst>
+          </p:cNvPr>
+          <p:cNvSpPr>
+            <a:spLocks noGrp="1"/>
+          </p:cNvSpPr>
+          <p:nvPr>
+            <p:ph type="ftr" sz="quarter" idx="11"/>
+          </p:nvPr>
+        </p:nvSpPr>
+        <p:spPr/>
+        <p:txBody>
+          <a:bodyPr/>
+          <a:lstStyle/>
+          <a:p>
+            <a:r>
+              <a:rPr lang="en-US" dirty="0"/>
+              <a:t>Decentralized Identifier URL Specification (did-url-spec)</a:t>
+            </a:r>
+            <a:endParaRPr lang="en-CA" dirty="0"/>
+          </a:p>
+        </p:txBody>
+      </p:sp>
+    </p:spTree>
+    <p:extLst>
+      <p:ext uri="{BB962C8B-B14F-4D97-AF65-F5344CB8AC3E}">
+        <p14:creationId xmlns:p14="http://schemas.microsoft.com/office/powerpoint/2010/main" val="245011410"/>
+      </p:ext>
+    </p:extLst>
+  </p:cSld>
+  <p:clrMapOvr>
+    <a:masterClrMapping/>
+  </p:clrMapOvr>
+</p:sld>
+</file>
+
+<file path=ppt/slides/slide41.xml><?xml version="1.0" encoding="utf-8"?>
+<p:sld xmlns:a="http://schemas.openxmlformats.org/drawingml/2006/main" xmlns:r="http://schemas.openxmlformats.org/officeDocument/2006/relationships" xmlns:p="http://schemas.openxmlformats.org/presentationml/2006/main">
+  <p:cSld>
+    <p:spTree>
+      <p:nvGrpSpPr>
+        <p:cNvPr id="1" name=""/>
+        <p:cNvGrpSpPr/>
+        <p:nvPr/>
+      </p:nvGrpSpPr>
+      <p:grpSpPr>
+        <a:xfrm>
+          <a:off x="0" y="0"/>
+          <a:ext cx="0" cy="0"/>
+          <a:chOff x="0" y="0"/>
+          <a:chExt cx="0" cy="0"/>
+        </a:xfrm>
+      </p:grpSpPr>
+      <p:sp>
+        <p:nvSpPr>
+          <p:cNvPr id="2" name="Title 1">
+            <a:extLst>
+              <a:ext uri="{FF2B5EF4-FFF2-40B4-BE49-F238E27FC236}">
+                <a16:creationId xmlns:a16="http://schemas.microsoft.com/office/drawing/2014/main" id="{710C31B5-F7C8-44A7-A94F-87981BBA8572}"/>
+              </a:ext>
+            </a:extLst>
+          </p:cNvPr>
+          <p:cNvSpPr>
+            <a:spLocks noGrp="1"/>
+          </p:cNvSpPr>
+          <p:nvPr>
+            <p:ph type="title"/>
+          </p:nvPr>
+        </p:nvSpPr>
+        <p:spPr/>
+        <p:txBody>
+          <a:bodyPr/>
+          <a:lstStyle/>
+          <a:p>
+            <a:r>
+              <a:rPr lang="en-CA" dirty="0"/>
+              <a:t>Example 16</a:t>
+            </a:r>
+            <a:endParaRPr lang="en-US" dirty="0"/>
+          </a:p>
+        </p:txBody>
+      </p:sp>
+      <p:sp>
+        <p:nvSpPr>
+          <p:cNvPr id="3" name="Date Placeholder 2">
+            <a:extLst>
+              <a:ext uri="{FF2B5EF4-FFF2-40B4-BE49-F238E27FC236}">
+                <a16:creationId xmlns:a16="http://schemas.microsoft.com/office/drawing/2014/main" id="{E2E256E7-7D4C-40B4-AD19-2AF9F3DCC46D}"/>
+              </a:ext>
+            </a:extLst>
+          </p:cNvPr>
+          <p:cNvSpPr>
+            <a:spLocks noGrp="1"/>
+          </p:cNvSpPr>
+          <p:nvPr>
+            <p:ph type="dt" sz="half" idx="10"/>
+          </p:nvPr>
+        </p:nvSpPr>
+        <p:spPr/>
+        <p:txBody>
+          <a:bodyPr/>
+          <a:lstStyle/>
+          <a:p>
+            <a:fld id="{AEBC0A79-33E3-419A-AB85-34666388398D}" type="datetime1">
+              <a:rPr lang="en-CA" smtClean="0"/>
+              <a:t>2019-03-24</a:t>
+            </a:fld>
+            <a:endParaRPr lang="en-CA" dirty="0"/>
+          </a:p>
+        </p:txBody>
+      </p:sp>
+      <p:sp>
+        <p:nvSpPr>
+          <p:cNvPr id="4" name="Footer Placeholder 3">
+            <a:extLst>
+              <a:ext uri="{FF2B5EF4-FFF2-40B4-BE49-F238E27FC236}">
+                <a16:creationId xmlns:a16="http://schemas.microsoft.com/office/drawing/2014/main" id="{DB8F8EAB-446B-4130-9CB5-B027438F2DBB}"/>
+              </a:ext>
+            </a:extLst>
+          </p:cNvPr>
+          <p:cNvSpPr>
+            <a:spLocks noGrp="1"/>
+          </p:cNvSpPr>
+          <p:nvPr>
+            <p:ph type="ftr" sz="quarter" idx="11"/>
+          </p:nvPr>
+        </p:nvSpPr>
+        <p:spPr/>
+        <p:txBody>
+          <a:bodyPr/>
+          <a:lstStyle/>
+          <a:p>
+            <a:r>
+              <a:rPr lang="en-US"/>
+              <a:t>Decentralized Identifier URL Specification (did-url-spec)</a:t>
+            </a:r>
+            <a:endParaRPr lang="en-CA" dirty="0"/>
+          </a:p>
+        </p:txBody>
+      </p:sp>
+      <p:pic>
+        <p:nvPicPr>
+          <p:cNvPr id="5" name="Picture 4">
+            <a:extLst>
+              <a:ext uri="{FF2B5EF4-FFF2-40B4-BE49-F238E27FC236}">
+                <a16:creationId xmlns:a16="http://schemas.microsoft.com/office/drawing/2014/main" id="{5DFC038A-A4F8-481A-B63A-BFAFB3D3213D}"/>
+              </a:ext>
+            </a:extLst>
+          </p:cNvPr>
+          <p:cNvPicPr>
+            <a:picLocks noChangeAspect="1"/>
+          </p:cNvPicPr>
+          <p:nvPr/>
+        </p:nvPicPr>
+        <p:blipFill>
+          <a:blip r:embed="rId2"/>
+          <a:stretch>
+            <a:fillRect/>
+          </a:stretch>
+        </p:blipFill>
+        <p:spPr>
+          <a:xfrm>
+            <a:off x="0" y="1293316"/>
+            <a:ext cx="17299967" cy="6970916"/>
+          </a:xfrm>
+          <a:prstGeom prst="rect">
+            <a:avLst/>
+          </a:prstGeom>
+        </p:spPr>
+      </p:pic>
+    </p:spTree>
+    <p:extLst>
+      <p:ext uri="{BB962C8B-B14F-4D97-AF65-F5344CB8AC3E}">
+        <p14:creationId xmlns:p14="http://schemas.microsoft.com/office/powerpoint/2010/main" val="2803101250"/>
+      </p:ext>
+    </p:extLst>
+  </p:cSld>
+  <p:clrMapOvr>
+    <a:masterClrMapping/>
+  </p:clrMapOvr>
+</p:sld>
+</file>
+
+<file path=ppt/slides/slide42.xml><?xml version="1.0" encoding="utf-8"?>
+<p:sld xmlns:a="http://schemas.openxmlformats.org/drawingml/2006/main" xmlns:r="http://schemas.openxmlformats.org/officeDocument/2006/relationships" xmlns:p="http://schemas.openxmlformats.org/presentationml/2006/main">
+  <p:cSld>
+    <p:spTree>
+      <p:nvGrpSpPr>
+        <p:cNvPr id="1" name=""/>
+        <p:cNvGrpSpPr/>
+        <p:nvPr/>
+      </p:nvGrpSpPr>
+      <p:grpSpPr>
+        <a:xfrm>
+          <a:off x="0" y="0"/>
+          <a:ext cx="0" cy="0"/>
+          <a:chOff x="0" y="0"/>
+          <a:chExt cx="0" cy="0"/>
+        </a:xfrm>
+      </p:grpSpPr>
+      <p:sp>
+        <p:nvSpPr>
+          <p:cNvPr id="2" name="Title 1">
+            <a:extLst>
+              <a:ext uri="{FF2B5EF4-FFF2-40B4-BE49-F238E27FC236}">
+                <a16:creationId xmlns:a16="http://schemas.microsoft.com/office/drawing/2014/main" id="{710C31B5-F7C8-44A7-A94F-87981BBA8572}"/>
+              </a:ext>
+            </a:extLst>
+          </p:cNvPr>
+          <p:cNvSpPr>
+            <a:spLocks noGrp="1"/>
+          </p:cNvSpPr>
+          <p:nvPr>
+            <p:ph type="title"/>
+          </p:nvPr>
+        </p:nvSpPr>
+        <p:spPr/>
+        <p:txBody>
+          <a:bodyPr/>
+          <a:lstStyle/>
+          <a:p>
+            <a:r>
+              <a:rPr lang="en-CA" dirty="0"/>
+              <a:t>Example 16</a:t>
+            </a:r>
+            <a:endParaRPr lang="en-US" dirty="0"/>
+          </a:p>
+        </p:txBody>
+      </p:sp>
+      <p:sp>
+        <p:nvSpPr>
+          <p:cNvPr id="3" name="Date Placeholder 2">
+            <a:extLst>
+              <a:ext uri="{FF2B5EF4-FFF2-40B4-BE49-F238E27FC236}">
+                <a16:creationId xmlns:a16="http://schemas.microsoft.com/office/drawing/2014/main" id="{E2E256E7-7D4C-40B4-AD19-2AF9F3DCC46D}"/>
+              </a:ext>
+            </a:extLst>
+          </p:cNvPr>
+          <p:cNvSpPr>
+            <a:spLocks noGrp="1"/>
+          </p:cNvSpPr>
+          <p:nvPr>
+            <p:ph type="dt" sz="half" idx="10"/>
+          </p:nvPr>
+        </p:nvSpPr>
+        <p:spPr/>
+        <p:txBody>
+          <a:bodyPr/>
+          <a:lstStyle/>
+          <a:p>
+            <a:fld id="{AEBC0A79-33E3-419A-AB85-34666388398D}" type="datetime1">
+              <a:rPr lang="en-CA" smtClean="0"/>
+              <a:t>2019-03-24</a:t>
+            </a:fld>
+            <a:endParaRPr lang="en-CA" dirty="0"/>
+          </a:p>
+        </p:txBody>
+      </p:sp>
+      <p:sp>
+        <p:nvSpPr>
+          <p:cNvPr id="4" name="Footer Placeholder 3">
+            <a:extLst>
+              <a:ext uri="{FF2B5EF4-FFF2-40B4-BE49-F238E27FC236}">
+                <a16:creationId xmlns:a16="http://schemas.microsoft.com/office/drawing/2014/main" id="{DB8F8EAB-446B-4130-9CB5-B027438F2DBB}"/>
+              </a:ext>
+            </a:extLst>
+          </p:cNvPr>
+          <p:cNvSpPr>
+            <a:spLocks noGrp="1"/>
+          </p:cNvSpPr>
+          <p:nvPr>
+            <p:ph type="ftr" sz="quarter" idx="11"/>
+          </p:nvPr>
+        </p:nvSpPr>
+        <p:spPr/>
+        <p:txBody>
+          <a:bodyPr/>
+          <a:lstStyle/>
+          <a:p>
+            <a:r>
+              <a:rPr lang="en-US"/>
+              <a:t>Decentralized Identifier URL Specification (did-url-spec)</a:t>
+            </a:r>
+            <a:endParaRPr lang="en-CA" dirty="0"/>
+          </a:p>
+        </p:txBody>
+      </p:sp>
+      <p:pic>
+        <p:nvPicPr>
+          <p:cNvPr id="7" name="Picture 6">
+            <a:extLst>
+              <a:ext uri="{FF2B5EF4-FFF2-40B4-BE49-F238E27FC236}">
+                <a16:creationId xmlns:a16="http://schemas.microsoft.com/office/drawing/2014/main" id="{1DAA446F-2D04-4E26-840B-951B1BBF8F88}"/>
+              </a:ext>
+            </a:extLst>
+          </p:cNvPr>
+          <p:cNvPicPr>
+            <a:picLocks noChangeAspect="1"/>
+          </p:cNvPicPr>
+          <p:nvPr/>
+        </p:nvPicPr>
+        <p:blipFill>
+          <a:blip r:embed="rId2"/>
+          <a:stretch>
+            <a:fillRect/>
+          </a:stretch>
+        </p:blipFill>
+        <p:spPr>
+          <a:xfrm>
+            <a:off x="-55006" y="1293316"/>
+            <a:ext cx="17334943" cy="8412077"/>
+          </a:xfrm>
+          <a:prstGeom prst="rect">
+            <a:avLst/>
+          </a:prstGeom>
+        </p:spPr>
+      </p:pic>
+      <p:sp>
+        <p:nvSpPr>
+          <p:cNvPr id="8" name="Rectangle 7">
+            <a:extLst>
+              <a:ext uri="{FF2B5EF4-FFF2-40B4-BE49-F238E27FC236}">
+                <a16:creationId xmlns:a16="http://schemas.microsoft.com/office/drawing/2014/main" id="{CCA2DE71-FB7D-4C99-93B1-727A54423634}"/>
+              </a:ext>
+            </a:extLst>
+          </p:cNvPr>
+          <p:cNvSpPr/>
+          <p:nvPr/>
+        </p:nvSpPr>
+        <p:spPr>
+          <a:xfrm>
+            <a:off x="914399" y="8218249"/>
+            <a:ext cx="7725569" cy="426322"/>
+          </a:xfrm>
+          <a:prstGeom prst="rect">
+            <a:avLst/>
+          </a:prstGeom>
+          <a:noFill/>
+          <a:ln w="57150">
+            <a:solidFill>
+              <a:srgbClr val="00B050"/>
+            </a:solidFill>
+          </a:ln>
+        </p:spPr>
+        <p:style>
+          <a:lnRef idx="2">
+            <a:schemeClr val="accent1">
+              <a:shade val="50000"/>
+            </a:schemeClr>
+          </a:lnRef>
+          <a:fillRef idx="1">
+            <a:schemeClr val="accent1"/>
+          </a:fillRef>
+          <a:effectRef idx="0">
+            <a:schemeClr val="accent1"/>
+          </a:effectRef>
+          <a:fontRef idx="minor">
+            <a:schemeClr val="lt1"/>
+          </a:fontRef>
+        </p:style>
+        <p:txBody>
+          <a:bodyPr rtlCol="0" anchor="ctr"/>
+          <a:lstStyle/>
+          <a:p>
+            <a:pPr algn="ctr"/>
+            <a:endParaRPr lang="en-US"/>
+          </a:p>
+        </p:txBody>
+      </p:sp>
+      <p:sp>
+        <p:nvSpPr>
+          <p:cNvPr id="9" name="Rectangle 8">
+            <a:extLst>
+              <a:ext uri="{FF2B5EF4-FFF2-40B4-BE49-F238E27FC236}">
+                <a16:creationId xmlns:a16="http://schemas.microsoft.com/office/drawing/2014/main" id="{CA53AE9C-6AD4-48C6-84E1-D163A1E24D84}"/>
+              </a:ext>
+            </a:extLst>
+          </p:cNvPr>
+          <p:cNvSpPr/>
+          <p:nvPr/>
+        </p:nvSpPr>
+        <p:spPr>
+          <a:xfrm>
+            <a:off x="9933709" y="8209323"/>
+            <a:ext cx="7304664" cy="435247"/>
+          </a:xfrm>
+          <a:prstGeom prst="rect">
+            <a:avLst/>
+          </a:prstGeom>
+          <a:noFill/>
+          <a:ln w="57150">
+            <a:solidFill>
+              <a:srgbClr val="00B050"/>
+            </a:solidFill>
+          </a:ln>
+        </p:spPr>
+        <p:style>
+          <a:lnRef idx="2">
+            <a:schemeClr val="accent1">
+              <a:shade val="50000"/>
+            </a:schemeClr>
+          </a:lnRef>
+          <a:fillRef idx="1">
+            <a:schemeClr val="accent1"/>
+          </a:fillRef>
+          <a:effectRef idx="0">
+            <a:schemeClr val="accent1"/>
+          </a:effectRef>
+          <a:fontRef idx="minor">
+            <a:schemeClr val="lt1"/>
+          </a:fontRef>
+        </p:style>
+        <p:txBody>
+          <a:bodyPr rtlCol="0" anchor="ctr"/>
+          <a:lstStyle/>
+          <a:p>
+            <a:pPr algn="ctr"/>
+            <a:endParaRPr lang="en-US"/>
+          </a:p>
+        </p:txBody>
+      </p:sp>
+    </p:spTree>
+    <p:extLst>
+      <p:ext uri="{BB962C8B-B14F-4D97-AF65-F5344CB8AC3E}">
+        <p14:creationId xmlns:p14="http://schemas.microsoft.com/office/powerpoint/2010/main" val="3868959993"/>
+      </p:ext>
+    </p:extLst>
+  </p:cSld>
+  <p:clrMapOvr>
+    <a:masterClrMapping/>
+  </p:clrMapOvr>
+</p:sld>
+</file>
+
+<file path=ppt/slides/slide43.xml><?xml version="1.0" encoding="utf-8"?>
+<p:sld xmlns:a="http://schemas.openxmlformats.org/drawingml/2006/main" xmlns:r="http://schemas.openxmlformats.org/officeDocument/2006/relationships" xmlns:p="http://schemas.openxmlformats.org/presentationml/2006/main">
+  <p:cSld>
+    <p:spTree>
+      <p:nvGrpSpPr>
+        <p:cNvPr id="1" name=""/>
+        <p:cNvGrpSpPr/>
+        <p:nvPr/>
+      </p:nvGrpSpPr>
+      <p:grpSpPr>
+        <a:xfrm>
+          <a:off x="0" y="0"/>
+          <a:ext cx="0" cy="0"/>
+          <a:chOff x="0" y="0"/>
+          <a:chExt cx="0" cy="0"/>
+        </a:xfrm>
+      </p:grpSpPr>
+      <p:sp>
+        <p:nvSpPr>
           <p:cNvPr id="3" name="Date Placeholder 2">
             <a:extLst>
               <a:ext uri="{FF2B5EF4-FFF2-40B4-BE49-F238E27FC236}">
@@ -26135,7 +26800,7 @@
 </p:sld>
 </file>
 
-<file path=ppt/slides/slide41.xml><?xml version="1.0" encoding="utf-8"?>
+<file path=ppt/slides/slide44.xml><?xml version="1.0" encoding="utf-8"?>
 <p:sld xmlns:a="http://schemas.openxmlformats.org/drawingml/2006/main" xmlns:r="http://schemas.openxmlformats.org/officeDocument/2006/relationships" xmlns:p="http://schemas.openxmlformats.org/presentationml/2006/main">
   <p:cSld>
     <p:spTree>
@@ -26318,7 +26983,7 @@
 </p:sld>
 </file>
 
-<file path=ppt/slides/slide42.xml><?xml version="1.0" encoding="utf-8"?>
+<file path=ppt/slides/slide45.xml><?xml version="1.0" encoding="utf-8"?>
 <p:sld xmlns:a="http://schemas.openxmlformats.org/drawingml/2006/main" xmlns:r="http://schemas.openxmlformats.org/officeDocument/2006/relationships" xmlns:p="http://schemas.openxmlformats.org/presentationml/2006/main">
   <p:cSld>
     <p:spTree>
@@ -26486,7 +27151,7 @@
 </p:sld>
 </file>
 
-<file path=ppt/slides/slide43.xml><?xml version="1.0" encoding="utf-8"?>
+<file path=ppt/slides/slide46.xml><?xml version="1.0" encoding="utf-8"?>
 <p:sld xmlns:a="http://schemas.openxmlformats.org/drawingml/2006/main" xmlns:r="http://schemas.openxmlformats.org/officeDocument/2006/relationships" xmlns:p="http://schemas.openxmlformats.org/presentationml/2006/main">
   <p:cSld>
     <p:spTree>
@@ -26546,7 +27211,7 @@
 </p:sld>
 </file>
 
-<file path=ppt/slides/slide44.xml><?xml version="1.0" encoding="utf-8"?>
+<file path=ppt/slides/slide47.xml><?xml version="1.0" encoding="utf-8"?>
 <p:sld xmlns:a="http://schemas.openxmlformats.org/drawingml/2006/main" xmlns:r="http://schemas.openxmlformats.org/officeDocument/2006/relationships" xmlns:p="http://schemas.openxmlformats.org/presentationml/2006/main">
   <p:cSld>
     <p:spTree>
@@ -26714,7 +27379,7 @@
 </p:sld>
 </file>
 
-<file path=ppt/slides/slide45.xml><?xml version="1.0" encoding="utf-8"?>
+<file path=ppt/slides/slide48.xml><?xml version="1.0" encoding="utf-8"?>
 <p:sld xmlns:a="http://schemas.openxmlformats.org/drawingml/2006/main" xmlns:r="http://schemas.openxmlformats.org/officeDocument/2006/relationships" xmlns:p="http://schemas.openxmlformats.org/presentationml/2006/main">
   <p:cSld>
     <p:spTree>
@@ -26882,7 +27547,7 @@
 </p:sld>
 </file>
 
-<file path=ppt/slides/slide46.xml><?xml version="1.0" encoding="utf-8"?>
+<file path=ppt/slides/slide49.xml><?xml version="1.0" encoding="utf-8"?>
 <p:sld xmlns:a="http://schemas.openxmlformats.org/drawingml/2006/main" xmlns:r="http://schemas.openxmlformats.org/officeDocument/2006/relationships" xmlns:p="http://schemas.openxmlformats.org/presentationml/2006/main">
   <p:cSld>
     <p:spTree>
@@ -27050,7 +27715,274 @@
 </p:sld>
 </file>
 
-<file path=ppt/slides/slide47.xml><?xml version="1.0" encoding="utf-8"?>
+<file path=ppt/slides/slide5.xml><?xml version="1.0" encoding="utf-8"?>
+<p:sld xmlns:a="http://schemas.openxmlformats.org/drawingml/2006/main" xmlns:r="http://schemas.openxmlformats.org/officeDocument/2006/relationships" xmlns:p="http://schemas.openxmlformats.org/presentationml/2006/main">
+  <p:cSld>
+    <p:spTree>
+      <p:nvGrpSpPr>
+        <p:cNvPr id="1" name=""/>
+        <p:cNvGrpSpPr/>
+        <p:nvPr/>
+      </p:nvGrpSpPr>
+      <p:grpSpPr>
+        <a:xfrm>
+          <a:off x="0" y="0"/>
+          <a:ext cx="0" cy="0"/>
+          <a:chOff x="0" y="0"/>
+          <a:chExt cx="0" cy="0"/>
+        </a:xfrm>
+      </p:grpSpPr>
+      <p:sp>
+        <p:nvSpPr>
+          <p:cNvPr id="2" name="Title 1">
+            <a:extLst>
+              <a:ext uri="{FF2B5EF4-FFF2-40B4-BE49-F238E27FC236}">
+                <a16:creationId xmlns:a16="http://schemas.microsoft.com/office/drawing/2014/main" id="{E888E31F-62A7-4A5E-A45E-5389712FC7FD}"/>
+              </a:ext>
+            </a:extLst>
+          </p:cNvPr>
+          <p:cNvSpPr>
+            <a:spLocks noGrp="1"/>
+          </p:cNvSpPr>
+          <p:nvPr>
+            <p:ph type="title"/>
+          </p:nvPr>
+        </p:nvSpPr>
+        <p:spPr/>
+        <p:txBody>
+          <a:bodyPr>
+            <a:normAutofit/>
+          </a:bodyPr>
+          <a:lstStyle/>
+          <a:p>
+            <a:r>
+              <a:rPr lang="en-CA" sz="5400" dirty="0">
+                <a:solidFill>
+                  <a:srgbClr val="1D326D"/>
+                </a:solidFill>
+                <a:latin typeface="Koblenz Serial" panose="02000000000000000000" pitchFamily="50" charset="0"/>
+              </a:rPr>
+              <a:t>Purpose </a:t>
+            </a:r>
+            <a:r>
+              <a:rPr lang="en-CA" dirty="0"/>
+              <a:t>and Audience</a:t>
+            </a:r>
+            <a:endParaRPr lang="en-US" sz="5400" dirty="0">
+              <a:solidFill>
+                <a:srgbClr val="1D326D"/>
+              </a:solidFill>
+              <a:latin typeface="Koblenz Serial" panose="02000000000000000000" pitchFamily="50" charset="0"/>
+            </a:endParaRPr>
+          </a:p>
+        </p:txBody>
+      </p:sp>
+      <p:sp>
+        <p:nvSpPr>
+          <p:cNvPr id="3" name="Content Placeholder 2">
+            <a:extLst>
+              <a:ext uri="{FF2B5EF4-FFF2-40B4-BE49-F238E27FC236}">
+                <a16:creationId xmlns:a16="http://schemas.microsoft.com/office/drawing/2014/main" id="{ADF1BD8D-B7AA-4DB6-823F-F6D55D90000B}"/>
+              </a:ext>
+            </a:extLst>
+          </p:cNvPr>
+          <p:cNvSpPr>
+            <a:spLocks noGrp="1"/>
+          </p:cNvSpPr>
+          <p:nvPr>
+            <p:ph idx="1"/>
+          </p:nvPr>
+        </p:nvSpPr>
+        <p:spPr>
+          <a:xfrm>
+            <a:off x="704850" y="1409700"/>
+            <a:ext cx="15870238" cy="7779868"/>
+          </a:xfrm>
+        </p:spPr>
+        <p:txBody>
+          <a:bodyPr>
+            <a:normAutofit/>
+          </a:bodyPr>
+          <a:lstStyle/>
+          <a:p>
+            <a:pPr marL="0" indent="0">
+              <a:buNone/>
+            </a:pPr>
+            <a:r>
+              <a:rPr lang="en-CA" b="1" dirty="0"/>
+              <a:t>Purpose</a:t>
+            </a:r>
+          </a:p>
+          <a:p>
+            <a:pPr marL="0" indent="0">
+              <a:buNone/>
+            </a:pPr>
+            <a:r>
+              <a:rPr lang="en-US" dirty="0"/>
+              <a:t>The purpose of this specification is to document the development of as well as the final version of the </a:t>
+            </a:r>
+            <a:r>
+              <a:rPr lang="en-US" dirty="0">
+                <a:latin typeface="Consolas" panose="020B0609020204030204" pitchFamily="49" charset="0"/>
+              </a:rPr>
+              <a:t>did-url</a:t>
+            </a:r>
+            <a:r>
+              <a:rPr lang="en-US" dirty="0"/>
+              <a:t> grammar for the Decentralized Identifier URL Specification (</a:t>
+            </a:r>
+            <a:r>
+              <a:rPr lang="en-US" dirty="0">
+                <a:latin typeface="Consolas" panose="020B0609020204030204" pitchFamily="49" charset="0"/>
+              </a:rPr>
+              <a:t>did-url-spec</a:t>
+            </a:r>
+            <a:r>
+              <a:rPr lang="en-US" dirty="0"/>
+              <a:t>)</a:t>
+            </a:r>
+            <a:r>
+              <a:rPr lang="en-CA" sz="2000" dirty="0"/>
+              <a:t>.</a:t>
+            </a:r>
+          </a:p>
+          <a:p>
+            <a:pPr marL="0" indent="0">
+              <a:buNone/>
+            </a:pPr>
+            <a:r>
+              <a:rPr lang="en-CA" b="1" dirty="0"/>
+              <a:t>Audience</a:t>
+            </a:r>
+          </a:p>
+          <a:p>
+            <a:pPr marL="0" indent="0">
+              <a:buNone/>
+            </a:pPr>
+            <a:r>
+              <a:rPr lang="en-CA" dirty="0"/>
+              <a:t>The primary audience for this specification is implementors and maintainers of parser software that is compliant with the </a:t>
+            </a:r>
+            <a:r>
+              <a:rPr lang="en-US" dirty="0">
+                <a:latin typeface="Consolas" panose="020B0609020204030204" pitchFamily="49" charset="0"/>
+              </a:rPr>
+              <a:t>did-url-spec</a:t>
+            </a:r>
+            <a:r>
+              <a:rPr lang="en-US" dirty="0"/>
+              <a:t> including but not limited to:</a:t>
+            </a:r>
+          </a:p>
+          <a:p>
+            <a:r>
+              <a:rPr lang="en-US" dirty="0"/>
+              <a:t>W3C Decentralized Identifier specification</a:t>
+            </a:r>
+          </a:p>
+          <a:p>
+            <a:r>
+              <a:rPr lang="en-US" dirty="0"/>
+              <a:t>DID Resolvers and DID Resolution</a:t>
+            </a:r>
+          </a:p>
+          <a:p>
+            <a:r>
+              <a:rPr lang="en-US" dirty="0"/>
+              <a:t>Agent-to-Agent (A2) Communications services in the Hyperledger Indy Agent framework</a:t>
+            </a:r>
+            <a:endParaRPr lang="en-CA" dirty="0"/>
+          </a:p>
+        </p:txBody>
+      </p:sp>
+      <p:sp>
+        <p:nvSpPr>
+          <p:cNvPr id="4" name="Date Placeholder 3">
+            <a:extLst>
+              <a:ext uri="{FF2B5EF4-FFF2-40B4-BE49-F238E27FC236}">
+                <a16:creationId xmlns:a16="http://schemas.microsoft.com/office/drawing/2014/main" id="{2DAE697E-690E-449D-876D-716C15E19D3E}"/>
+              </a:ext>
+            </a:extLst>
+          </p:cNvPr>
+          <p:cNvSpPr>
+            <a:spLocks noGrp="1"/>
+          </p:cNvSpPr>
+          <p:nvPr>
+            <p:ph type="dt" sz="half" idx="10"/>
+          </p:nvPr>
+        </p:nvSpPr>
+        <p:spPr/>
+        <p:txBody>
+          <a:bodyPr/>
+          <a:lstStyle/>
+          <a:p>
+            <a:fld id="{616557B4-513C-470B-9691-D926417DC233}" type="datetime1">
+              <a:rPr lang="en-CA" smtClean="0">
+                <a:solidFill>
+                  <a:schemeClr val="bg1"/>
+                </a:solidFill>
+              </a:rPr>
+              <a:t>2019-03-24</a:t>
+            </a:fld>
+            <a:endParaRPr lang="en-CA" dirty="0">
+              <a:solidFill>
+                <a:schemeClr val="bg1"/>
+              </a:solidFill>
+            </a:endParaRPr>
+          </a:p>
+        </p:txBody>
+      </p:sp>
+      <p:sp>
+        <p:nvSpPr>
+          <p:cNvPr id="5" name="Footer Placeholder 4">
+            <a:extLst>
+              <a:ext uri="{FF2B5EF4-FFF2-40B4-BE49-F238E27FC236}">
+                <a16:creationId xmlns:a16="http://schemas.microsoft.com/office/drawing/2014/main" id="{EA86F833-51E6-4375-916D-1BB25F0122AB}"/>
+              </a:ext>
+            </a:extLst>
+          </p:cNvPr>
+          <p:cNvSpPr>
+            <a:spLocks noGrp="1"/>
+          </p:cNvSpPr>
+          <p:nvPr>
+            <p:ph type="ftr" sz="quarter" idx="11"/>
+          </p:nvPr>
+        </p:nvSpPr>
+        <p:spPr/>
+        <p:txBody>
+          <a:bodyPr/>
+          <a:lstStyle/>
+          <a:p>
+            <a:r>
+              <a:rPr lang="en-US" dirty="0">
+                <a:solidFill>
+                  <a:schemeClr val="bg1"/>
+                </a:solidFill>
+              </a:rPr>
+              <a:t>Decentralized Identifier URL Specification (did-url-spec)</a:t>
+            </a:r>
+            <a:endParaRPr lang="en-CA" dirty="0">
+              <a:solidFill>
+                <a:schemeClr val="bg1"/>
+              </a:solidFill>
+            </a:endParaRPr>
+          </a:p>
+        </p:txBody>
+      </p:sp>
+    </p:spTree>
+    <p:extLst>
+      <p:ext uri="{BB962C8B-B14F-4D97-AF65-F5344CB8AC3E}">
+        <p14:creationId xmlns:p14="http://schemas.microsoft.com/office/powerpoint/2010/main" val="740850898"/>
+      </p:ext>
+    </p:extLst>
+  </p:cSld>
+  <p:clrMapOvr>
+    <a:masterClrMapping/>
+  </p:clrMapOvr>
+</p:sld>
+</file>
+
+<file path=ppt/slides/slide50.xml><?xml version="1.0" encoding="utf-8"?>
 <p:sld xmlns:a="http://schemas.openxmlformats.org/drawingml/2006/main" xmlns:r="http://schemas.openxmlformats.org/officeDocument/2006/relationships" xmlns:p="http://schemas.openxmlformats.org/presentationml/2006/main">
   <p:cSld>
     <p:spTree>
@@ -27218,7 +28150,7 @@
 </p:sld>
 </file>
 
-<file path=ppt/slides/slide48.xml><?xml version="1.0" encoding="utf-8"?>
+<file path=ppt/slides/slide51.xml><?xml version="1.0" encoding="utf-8"?>
 <p:sld xmlns:a="http://schemas.openxmlformats.org/drawingml/2006/main" xmlns:r="http://schemas.openxmlformats.org/officeDocument/2006/relationships" xmlns:p="http://schemas.openxmlformats.org/presentationml/2006/main">
   <p:cSld>
     <p:spTree>
@@ -27386,7 +28318,7 @@
 </p:sld>
 </file>
 
-<file path=ppt/slides/slide49.xml><?xml version="1.0" encoding="utf-8"?>
+<file path=ppt/slides/slide52.xml><?xml version="1.0" encoding="utf-8"?>
 <p:sld xmlns:a="http://schemas.openxmlformats.org/drawingml/2006/main" xmlns:r="http://schemas.openxmlformats.org/officeDocument/2006/relationships" xmlns:p="http://schemas.openxmlformats.org/presentationml/2006/main">
   <p:cSld>
     <p:spTree>
@@ -27554,274 +28486,7 @@
 </p:sld>
 </file>
 
-<file path=ppt/slides/slide5.xml><?xml version="1.0" encoding="utf-8"?>
-<p:sld xmlns:a="http://schemas.openxmlformats.org/drawingml/2006/main" xmlns:r="http://schemas.openxmlformats.org/officeDocument/2006/relationships" xmlns:p="http://schemas.openxmlformats.org/presentationml/2006/main">
-  <p:cSld>
-    <p:spTree>
-      <p:nvGrpSpPr>
-        <p:cNvPr id="1" name=""/>
-        <p:cNvGrpSpPr/>
-        <p:nvPr/>
-      </p:nvGrpSpPr>
-      <p:grpSpPr>
-        <a:xfrm>
-          <a:off x="0" y="0"/>
-          <a:ext cx="0" cy="0"/>
-          <a:chOff x="0" y="0"/>
-          <a:chExt cx="0" cy="0"/>
-        </a:xfrm>
-      </p:grpSpPr>
-      <p:sp>
-        <p:nvSpPr>
-          <p:cNvPr id="2" name="Title 1">
-            <a:extLst>
-              <a:ext uri="{FF2B5EF4-FFF2-40B4-BE49-F238E27FC236}">
-                <a16:creationId xmlns:a16="http://schemas.microsoft.com/office/drawing/2014/main" id="{E888E31F-62A7-4A5E-A45E-5389712FC7FD}"/>
-              </a:ext>
-            </a:extLst>
-          </p:cNvPr>
-          <p:cNvSpPr>
-            <a:spLocks noGrp="1"/>
-          </p:cNvSpPr>
-          <p:nvPr>
-            <p:ph type="title"/>
-          </p:nvPr>
-        </p:nvSpPr>
-        <p:spPr/>
-        <p:txBody>
-          <a:bodyPr>
-            <a:normAutofit/>
-          </a:bodyPr>
-          <a:lstStyle/>
-          <a:p>
-            <a:r>
-              <a:rPr lang="en-CA" sz="5400" dirty="0">
-                <a:solidFill>
-                  <a:srgbClr val="1D326D"/>
-                </a:solidFill>
-                <a:latin typeface="Koblenz Serial" panose="02000000000000000000" pitchFamily="50" charset="0"/>
-              </a:rPr>
-              <a:t>Purpose </a:t>
-            </a:r>
-            <a:r>
-              <a:rPr lang="en-CA" dirty="0"/>
-              <a:t>and Audience</a:t>
-            </a:r>
-            <a:endParaRPr lang="en-US" sz="5400" dirty="0">
-              <a:solidFill>
-                <a:srgbClr val="1D326D"/>
-              </a:solidFill>
-              <a:latin typeface="Koblenz Serial" panose="02000000000000000000" pitchFamily="50" charset="0"/>
-            </a:endParaRPr>
-          </a:p>
-        </p:txBody>
-      </p:sp>
-      <p:sp>
-        <p:nvSpPr>
-          <p:cNvPr id="3" name="Content Placeholder 2">
-            <a:extLst>
-              <a:ext uri="{FF2B5EF4-FFF2-40B4-BE49-F238E27FC236}">
-                <a16:creationId xmlns:a16="http://schemas.microsoft.com/office/drawing/2014/main" id="{ADF1BD8D-B7AA-4DB6-823F-F6D55D90000B}"/>
-              </a:ext>
-            </a:extLst>
-          </p:cNvPr>
-          <p:cNvSpPr>
-            <a:spLocks noGrp="1"/>
-          </p:cNvSpPr>
-          <p:nvPr>
-            <p:ph idx="1"/>
-          </p:nvPr>
-        </p:nvSpPr>
-        <p:spPr>
-          <a:xfrm>
-            <a:off x="704850" y="1409700"/>
-            <a:ext cx="15870238" cy="7779868"/>
-          </a:xfrm>
-        </p:spPr>
-        <p:txBody>
-          <a:bodyPr>
-            <a:normAutofit/>
-          </a:bodyPr>
-          <a:lstStyle/>
-          <a:p>
-            <a:pPr marL="0" indent="0">
-              <a:buNone/>
-            </a:pPr>
-            <a:r>
-              <a:rPr lang="en-CA" b="1" dirty="0"/>
-              <a:t>Purpose</a:t>
-            </a:r>
-          </a:p>
-          <a:p>
-            <a:pPr marL="0" indent="0">
-              <a:buNone/>
-            </a:pPr>
-            <a:r>
-              <a:rPr lang="en-US" dirty="0"/>
-              <a:t>The purpose of this specification is to document the development of as well as the final version of the </a:t>
-            </a:r>
-            <a:r>
-              <a:rPr lang="en-US" dirty="0">
-                <a:latin typeface="Consolas" panose="020B0609020204030204" pitchFamily="49" charset="0"/>
-              </a:rPr>
-              <a:t>did-url</a:t>
-            </a:r>
-            <a:r>
-              <a:rPr lang="en-US" dirty="0"/>
-              <a:t> grammar for the Decentralized Identifier URL Specification (</a:t>
-            </a:r>
-            <a:r>
-              <a:rPr lang="en-US" dirty="0">
-                <a:latin typeface="Consolas" panose="020B0609020204030204" pitchFamily="49" charset="0"/>
-              </a:rPr>
-              <a:t>did-url-spec</a:t>
-            </a:r>
-            <a:r>
-              <a:rPr lang="en-US" dirty="0"/>
-              <a:t>)</a:t>
-            </a:r>
-            <a:r>
-              <a:rPr lang="en-CA" sz="2000" dirty="0"/>
-              <a:t>.</a:t>
-            </a:r>
-          </a:p>
-          <a:p>
-            <a:pPr marL="0" indent="0">
-              <a:buNone/>
-            </a:pPr>
-            <a:r>
-              <a:rPr lang="en-CA" b="1" dirty="0"/>
-              <a:t>Audience</a:t>
-            </a:r>
-          </a:p>
-          <a:p>
-            <a:pPr marL="0" indent="0">
-              <a:buNone/>
-            </a:pPr>
-            <a:r>
-              <a:rPr lang="en-CA" dirty="0"/>
-              <a:t>The primary audience for this specification is implementors and maintainers of parser software that is compliant with the </a:t>
-            </a:r>
-            <a:r>
-              <a:rPr lang="en-US" dirty="0">
-                <a:latin typeface="Consolas" panose="020B0609020204030204" pitchFamily="49" charset="0"/>
-              </a:rPr>
-              <a:t>did-url-spec</a:t>
-            </a:r>
-            <a:r>
-              <a:rPr lang="en-US" dirty="0"/>
-              <a:t> including but not limited to:</a:t>
-            </a:r>
-          </a:p>
-          <a:p>
-            <a:r>
-              <a:rPr lang="en-US" dirty="0"/>
-              <a:t>W3C Decentralized Identifier specification</a:t>
-            </a:r>
-          </a:p>
-          <a:p>
-            <a:r>
-              <a:rPr lang="en-US" dirty="0"/>
-              <a:t>DID Resolvers and DID Resolution</a:t>
-            </a:r>
-          </a:p>
-          <a:p>
-            <a:r>
-              <a:rPr lang="en-US" dirty="0"/>
-              <a:t>Agent-to-Agent (A2) Communications services in the Hyperledger Indy Agent framework</a:t>
-            </a:r>
-            <a:endParaRPr lang="en-CA" dirty="0"/>
-          </a:p>
-        </p:txBody>
-      </p:sp>
-      <p:sp>
-        <p:nvSpPr>
-          <p:cNvPr id="4" name="Date Placeholder 3">
-            <a:extLst>
-              <a:ext uri="{FF2B5EF4-FFF2-40B4-BE49-F238E27FC236}">
-                <a16:creationId xmlns:a16="http://schemas.microsoft.com/office/drawing/2014/main" id="{2DAE697E-690E-449D-876D-716C15E19D3E}"/>
-              </a:ext>
-            </a:extLst>
-          </p:cNvPr>
-          <p:cNvSpPr>
-            <a:spLocks noGrp="1"/>
-          </p:cNvSpPr>
-          <p:nvPr>
-            <p:ph type="dt" sz="half" idx="10"/>
-          </p:nvPr>
-        </p:nvSpPr>
-        <p:spPr/>
-        <p:txBody>
-          <a:bodyPr/>
-          <a:lstStyle/>
-          <a:p>
-            <a:fld id="{616557B4-513C-470B-9691-D926417DC233}" type="datetime1">
-              <a:rPr lang="en-CA" smtClean="0">
-                <a:solidFill>
-                  <a:schemeClr val="bg1"/>
-                </a:solidFill>
-              </a:rPr>
-              <a:t>2019-03-24</a:t>
-            </a:fld>
-            <a:endParaRPr lang="en-CA" dirty="0">
-              <a:solidFill>
-                <a:schemeClr val="bg1"/>
-              </a:solidFill>
-            </a:endParaRPr>
-          </a:p>
-        </p:txBody>
-      </p:sp>
-      <p:sp>
-        <p:nvSpPr>
-          <p:cNvPr id="5" name="Footer Placeholder 4">
-            <a:extLst>
-              <a:ext uri="{FF2B5EF4-FFF2-40B4-BE49-F238E27FC236}">
-                <a16:creationId xmlns:a16="http://schemas.microsoft.com/office/drawing/2014/main" id="{EA86F833-51E6-4375-916D-1BB25F0122AB}"/>
-              </a:ext>
-            </a:extLst>
-          </p:cNvPr>
-          <p:cNvSpPr>
-            <a:spLocks noGrp="1"/>
-          </p:cNvSpPr>
-          <p:nvPr>
-            <p:ph type="ftr" sz="quarter" idx="11"/>
-          </p:nvPr>
-        </p:nvSpPr>
-        <p:spPr/>
-        <p:txBody>
-          <a:bodyPr/>
-          <a:lstStyle/>
-          <a:p>
-            <a:r>
-              <a:rPr lang="en-US" dirty="0">
-                <a:solidFill>
-                  <a:schemeClr val="bg1"/>
-                </a:solidFill>
-              </a:rPr>
-              <a:t>Decentralized Identifier URL Specification (did-url-spec)</a:t>
-            </a:r>
-            <a:endParaRPr lang="en-CA" dirty="0">
-              <a:solidFill>
-                <a:schemeClr val="bg1"/>
-              </a:solidFill>
-            </a:endParaRPr>
-          </a:p>
-        </p:txBody>
-      </p:sp>
-    </p:spTree>
-    <p:extLst>
-      <p:ext uri="{BB962C8B-B14F-4D97-AF65-F5344CB8AC3E}">
-        <p14:creationId xmlns:p14="http://schemas.microsoft.com/office/powerpoint/2010/main" val="740850898"/>
-      </p:ext>
-    </p:extLst>
-  </p:cSld>
-  <p:clrMapOvr>
-    <a:masterClrMapping/>
-  </p:clrMapOvr>
-</p:sld>
-</file>
-
-<file path=ppt/slides/slide50.xml><?xml version="1.0" encoding="utf-8"?>
+<file path=ppt/slides/slide53.xml><?xml version="1.0" encoding="utf-8"?>
 <p:sld xmlns:a="http://schemas.openxmlformats.org/drawingml/2006/main" xmlns:r="http://schemas.openxmlformats.org/officeDocument/2006/relationships" xmlns:p="http://schemas.openxmlformats.org/presentationml/2006/main">
   <p:cSld>
     <p:spTree>
@@ -27989,7 +28654,7 @@
 </p:sld>
 </file>
 
-<file path=ppt/slides/slide51.xml><?xml version="1.0" encoding="utf-8"?>
+<file path=ppt/slides/slide54.xml><?xml version="1.0" encoding="utf-8"?>
 <p:sld xmlns:a="http://schemas.openxmlformats.org/drawingml/2006/main" xmlns:r="http://schemas.openxmlformats.org/officeDocument/2006/relationships" xmlns:p="http://schemas.openxmlformats.org/presentationml/2006/main">
   <p:cSld>
     <p:spTree>
@@ -28157,969 +28822,6 @@
 </p:sld>
 </file>
 
-<file path=ppt/slides/slide52.xml><?xml version="1.0" encoding="utf-8"?>
-<p:sld xmlns:a="http://schemas.openxmlformats.org/drawingml/2006/main" xmlns:r="http://schemas.openxmlformats.org/officeDocument/2006/relationships" xmlns:p="http://schemas.openxmlformats.org/presentationml/2006/main">
-  <p:cSld>
-    <p:spTree>
-      <p:nvGrpSpPr>
-        <p:cNvPr id="1" name=""/>
-        <p:cNvGrpSpPr/>
-        <p:nvPr/>
-      </p:nvGrpSpPr>
-      <p:grpSpPr>
-        <a:xfrm>
-          <a:off x="0" y="0"/>
-          <a:ext cx="0" cy="0"/>
-          <a:chOff x="0" y="0"/>
-          <a:chExt cx="0" cy="0"/>
-        </a:xfrm>
-      </p:grpSpPr>
-      <p:sp>
-        <p:nvSpPr>
-          <p:cNvPr id="2" name="Title 1">
-            <a:extLst>
-              <a:ext uri="{FF2B5EF4-FFF2-40B4-BE49-F238E27FC236}">
-                <a16:creationId xmlns:a16="http://schemas.microsoft.com/office/drawing/2014/main" id="{C29FC834-6430-4E4A-83B7-97BA43C29D37}"/>
-              </a:ext>
-            </a:extLst>
-          </p:cNvPr>
-          <p:cNvSpPr>
-            <a:spLocks noGrp="1"/>
-          </p:cNvSpPr>
-          <p:nvPr>
-            <p:ph type="ctrTitle"/>
-          </p:nvPr>
-        </p:nvSpPr>
-        <p:spPr>
-          <a:xfrm>
-            <a:off x="723900" y="1137147"/>
-            <a:ext cx="16173450" cy="3602126"/>
-          </a:xfrm>
-        </p:spPr>
-        <p:txBody>
-          <a:bodyPr>
-            <a:normAutofit/>
-          </a:bodyPr>
-          <a:lstStyle/>
-          <a:p>
-            <a:r>
-              <a:rPr lang="en-CA" sz="6600" dirty="0">
-                <a:solidFill>
-                  <a:srgbClr val="1D326D"/>
-                </a:solidFill>
-                <a:sym typeface="Wingdings" panose="05000000000000000000" pitchFamily="2" charset="2"/>
-              </a:rPr>
-              <a:t></a:t>
-            </a:r>
-            <a:r>
-              <a:rPr lang="en-CA" sz="6600" dirty="0">
-                <a:solidFill>
-                  <a:srgbClr val="1D326D"/>
-                </a:solidFill>
-              </a:rPr>
-              <a:t> Tooling</a:t>
-            </a:r>
-            <a:endParaRPr lang="en-US" sz="6600" dirty="0">
-              <a:solidFill>
-                <a:srgbClr val="1D326D"/>
-              </a:solidFill>
-            </a:endParaRPr>
-          </a:p>
-        </p:txBody>
-      </p:sp>
-      <p:sp>
-        <p:nvSpPr>
-          <p:cNvPr id="3" name="Subtitle 2">
-            <a:extLst>
-              <a:ext uri="{FF2B5EF4-FFF2-40B4-BE49-F238E27FC236}">
-                <a16:creationId xmlns:a16="http://schemas.microsoft.com/office/drawing/2014/main" id="{C660EB17-2854-4658-9BE6-4D698F62714C}"/>
-              </a:ext>
-            </a:extLst>
-          </p:cNvPr>
-          <p:cNvSpPr>
-            <a:spLocks noGrp="1"/>
-          </p:cNvSpPr>
-          <p:nvPr>
-            <p:ph type="subTitle" idx="1"/>
-          </p:nvPr>
-        </p:nvSpPr>
-        <p:spPr>
-          <a:xfrm>
-            <a:off x="723900" y="5462192"/>
-            <a:ext cx="14944338" cy="1385642"/>
-          </a:xfrm>
-        </p:spPr>
-        <p:txBody>
-          <a:bodyPr>
-            <a:normAutofit fontScale="70000" lnSpcReduction="20000"/>
-          </a:bodyPr>
-          <a:lstStyle/>
-          <a:p>
-            <a:r>
-              <a:rPr lang="en-CA" dirty="0"/>
-              <a:t>Michael Herman</a:t>
-            </a:r>
-          </a:p>
-          <a:p>
-            <a:r>
-              <a:rPr lang="en-CA" dirty="0"/>
-              <a:t>Independent Blockchain Architect</a:t>
-            </a:r>
-          </a:p>
-          <a:p>
-            <a:r>
-              <a:rPr lang="en-CA" dirty="0"/>
-              <a:t>mwherman@parallelspace.net</a:t>
-            </a:r>
-            <a:endParaRPr lang="en-US" dirty="0"/>
-          </a:p>
-        </p:txBody>
-      </p:sp>
-      <p:sp>
-        <p:nvSpPr>
-          <p:cNvPr id="6" name="Date Placeholder 2">
-            <a:extLst>
-              <a:ext uri="{FF2B5EF4-FFF2-40B4-BE49-F238E27FC236}">
-                <a16:creationId xmlns:a16="http://schemas.microsoft.com/office/drawing/2014/main" id="{2AD3D6DA-1F42-48CB-B93A-E92BA6EE4652}"/>
-              </a:ext>
-            </a:extLst>
-          </p:cNvPr>
-          <p:cNvSpPr txBox="1">
-            <a:spLocks/>
-          </p:cNvSpPr>
-          <p:nvPr/>
-        </p:nvSpPr>
-        <p:spPr>
-          <a:xfrm>
-            <a:off x="10706614" y="9018020"/>
-            <a:ext cx="5868474" cy="436742"/>
-          </a:xfrm>
-          <a:prstGeom prst="rect">
-            <a:avLst/>
-          </a:prstGeom>
-        </p:spPr>
-        <p:txBody>
-          <a:bodyPr vert="horz" lIns="91440" tIns="45720" rIns="91440" bIns="45720" rtlCol="0" anchor="ctr"/>
-          <a:lstStyle>
-            <a:defPPr>
-              <a:defRPr lang="en-US"/>
-            </a:defPPr>
-            <a:lvl1pPr marL="0" algn="r" defTabSz="457200" rtl="0" eaLnBrk="1" latinLnBrk="0" hangingPunct="1">
-              <a:defRPr sz="1417" kern="1200">
-                <a:solidFill>
-                  <a:schemeClr val="tx1">
-                    <a:tint val="75000"/>
-                  </a:schemeClr>
-                </a:solidFill>
-                <a:latin typeface="+mn-lt"/>
-                <a:ea typeface="+mn-ea"/>
-                <a:cs typeface="+mn-cs"/>
-              </a:defRPr>
-            </a:lvl1pPr>
-            <a:lvl2pPr marL="457200" algn="l" defTabSz="457200" rtl="0" eaLnBrk="1" latinLnBrk="0" hangingPunct="1">
-              <a:defRPr sz="1800" kern="1200">
-                <a:solidFill>
-                  <a:schemeClr val="tx1"/>
-                </a:solidFill>
-                <a:latin typeface="+mn-lt"/>
-                <a:ea typeface="+mn-ea"/>
-                <a:cs typeface="+mn-cs"/>
-              </a:defRPr>
-            </a:lvl2pPr>
-            <a:lvl3pPr marL="914400" algn="l" defTabSz="457200" rtl="0" eaLnBrk="1" latinLnBrk="0" hangingPunct="1">
-              <a:defRPr sz="1800" kern="1200">
-                <a:solidFill>
-                  <a:schemeClr val="tx1"/>
-                </a:solidFill>
-                <a:latin typeface="+mn-lt"/>
-                <a:ea typeface="+mn-ea"/>
-                <a:cs typeface="+mn-cs"/>
-              </a:defRPr>
-            </a:lvl3pPr>
-            <a:lvl4pPr marL="1371600" algn="l" defTabSz="457200" rtl="0" eaLnBrk="1" latinLnBrk="0" hangingPunct="1">
-              <a:defRPr sz="1800" kern="1200">
-                <a:solidFill>
-                  <a:schemeClr val="tx1"/>
-                </a:solidFill>
-                <a:latin typeface="+mn-lt"/>
-                <a:ea typeface="+mn-ea"/>
-                <a:cs typeface="+mn-cs"/>
-              </a:defRPr>
-            </a:lvl4pPr>
-            <a:lvl5pPr marL="1828800" algn="l" defTabSz="457200" rtl="0" eaLnBrk="1" latinLnBrk="0" hangingPunct="1">
-              <a:defRPr sz="1800" kern="1200">
-                <a:solidFill>
-                  <a:schemeClr val="tx1"/>
-                </a:solidFill>
-                <a:latin typeface="+mn-lt"/>
-                <a:ea typeface="+mn-ea"/>
-                <a:cs typeface="+mn-cs"/>
-              </a:defRPr>
-            </a:lvl5pPr>
-            <a:lvl6pPr marL="2286000" algn="l" defTabSz="457200" rtl="0" eaLnBrk="1" latinLnBrk="0" hangingPunct="1">
-              <a:defRPr sz="1800" kern="1200">
-                <a:solidFill>
-                  <a:schemeClr val="tx1"/>
-                </a:solidFill>
-                <a:latin typeface="+mn-lt"/>
-                <a:ea typeface="+mn-ea"/>
-                <a:cs typeface="+mn-cs"/>
-              </a:defRPr>
-            </a:lvl6pPr>
-            <a:lvl7pPr marL="2743200" algn="l" defTabSz="457200" rtl="0" eaLnBrk="1" latinLnBrk="0" hangingPunct="1">
-              <a:defRPr sz="1800" kern="1200">
-                <a:solidFill>
-                  <a:schemeClr val="tx1"/>
-                </a:solidFill>
-                <a:latin typeface="+mn-lt"/>
-                <a:ea typeface="+mn-ea"/>
-                <a:cs typeface="+mn-cs"/>
-              </a:defRPr>
-            </a:lvl7pPr>
-            <a:lvl8pPr marL="3200400" algn="l" defTabSz="457200" rtl="0" eaLnBrk="1" latinLnBrk="0" hangingPunct="1">
-              <a:defRPr sz="1800" kern="1200">
-                <a:solidFill>
-                  <a:schemeClr val="tx1"/>
-                </a:solidFill>
-                <a:latin typeface="+mn-lt"/>
-                <a:ea typeface="+mn-ea"/>
-                <a:cs typeface="+mn-cs"/>
-              </a:defRPr>
-            </a:lvl8pPr>
-            <a:lvl9pPr marL="3657600" algn="l" defTabSz="457200" rtl="0" eaLnBrk="1" latinLnBrk="0" hangingPunct="1">
-              <a:defRPr sz="1800" kern="1200">
-                <a:solidFill>
-                  <a:schemeClr val="tx1"/>
-                </a:solidFill>
-                <a:latin typeface="+mn-lt"/>
-                <a:ea typeface="+mn-ea"/>
-                <a:cs typeface="+mn-cs"/>
-              </a:defRPr>
-            </a:lvl9pPr>
-          </a:lstStyle>
-          <a:p>
-            <a:fld id="{E35A9342-8D2C-4F03-BE33-2A71AE2A9EC4}" type="datetime1">
-              <a:rPr lang="en-CA" smtClean="0">
-                <a:solidFill>
-                  <a:schemeClr val="bg1"/>
-                </a:solidFill>
-              </a:rPr>
-              <a:pPr/>
-              <a:t>2019-03-24</a:t>
-            </a:fld>
-            <a:endParaRPr lang="en-CA" dirty="0">
-              <a:solidFill>
-                <a:schemeClr val="bg1"/>
-              </a:solidFill>
-            </a:endParaRPr>
-          </a:p>
-        </p:txBody>
-      </p:sp>
-      <p:sp>
-        <p:nvSpPr>
-          <p:cNvPr id="7" name="Footer Placeholder 3">
-            <a:extLst>
-              <a:ext uri="{FF2B5EF4-FFF2-40B4-BE49-F238E27FC236}">
-                <a16:creationId xmlns:a16="http://schemas.microsoft.com/office/drawing/2014/main" id="{099A2DE6-9372-44F1-A841-744407BCBCC7}"/>
-              </a:ext>
-            </a:extLst>
-          </p:cNvPr>
-          <p:cNvSpPr txBox="1">
-            <a:spLocks/>
-          </p:cNvSpPr>
-          <p:nvPr/>
-        </p:nvSpPr>
-        <p:spPr>
-          <a:xfrm>
-            <a:off x="2057349" y="9019515"/>
-            <a:ext cx="8233240" cy="435247"/>
-          </a:xfrm>
-          <a:prstGeom prst="rect">
-            <a:avLst/>
-          </a:prstGeom>
-        </p:spPr>
-        <p:txBody>
-          <a:bodyPr vert="horz" lIns="91440" tIns="45720" rIns="91440" bIns="45720" rtlCol="0" anchor="ctr"/>
-          <a:lstStyle>
-            <a:defPPr>
-              <a:defRPr lang="en-US"/>
-            </a:defPPr>
-            <a:lvl1pPr marL="0" algn="l" defTabSz="457200" rtl="0" eaLnBrk="1" latinLnBrk="0" hangingPunct="1">
-              <a:defRPr sz="1417" kern="1200">
-                <a:solidFill>
-                  <a:schemeClr val="tx1">
-                    <a:tint val="75000"/>
-                  </a:schemeClr>
-                </a:solidFill>
-                <a:latin typeface="+mn-lt"/>
-                <a:ea typeface="+mn-ea"/>
-                <a:cs typeface="+mn-cs"/>
-              </a:defRPr>
-            </a:lvl1pPr>
-            <a:lvl2pPr marL="457200" algn="l" defTabSz="457200" rtl="0" eaLnBrk="1" latinLnBrk="0" hangingPunct="1">
-              <a:defRPr sz="1800" kern="1200">
-                <a:solidFill>
-                  <a:schemeClr val="tx1"/>
-                </a:solidFill>
-                <a:latin typeface="+mn-lt"/>
-                <a:ea typeface="+mn-ea"/>
-                <a:cs typeface="+mn-cs"/>
-              </a:defRPr>
-            </a:lvl2pPr>
-            <a:lvl3pPr marL="914400" algn="l" defTabSz="457200" rtl="0" eaLnBrk="1" latinLnBrk="0" hangingPunct="1">
-              <a:defRPr sz="1800" kern="1200">
-                <a:solidFill>
-                  <a:schemeClr val="tx1"/>
-                </a:solidFill>
-                <a:latin typeface="+mn-lt"/>
-                <a:ea typeface="+mn-ea"/>
-                <a:cs typeface="+mn-cs"/>
-              </a:defRPr>
-            </a:lvl3pPr>
-            <a:lvl4pPr marL="1371600" algn="l" defTabSz="457200" rtl="0" eaLnBrk="1" latinLnBrk="0" hangingPunct="1">
-              <a:defRPr sz="1800" kern="1200">
-                <a:solidFill>
-                  <a:schemeClr val="tx1"/>
-                </a:solidFill>
-                <a:latin typeface="+mn-lt"/>
-                <a:ea typeface="+mn-ea"/>
-                <a:cs typeface="+mn-cs"/>
-              </a:defRPr>
-            </a:lvl4pPr>
-            <a:lvl5pPr marL="1828800" algn="l" defTabSz="457200" rtl="0" eaLnBrk="1" latinLnBrk="0" hangingPunct="1">
-              <a:defRPr sz="1800" kern="1200">
-                <a:solidFill>
-                  <a:schemeClr val="tx1"/>
-                </a:solidFill>
-                <a:latin typeface="+mn-lt"/>
-                <a:ea typeface="+mn-ea"/>
-                <a:cs typeface="+mn-cs"/>
-              </a:defRPr>
-            </a:lvl5pPr>
-            <a:lvl6pPr marL="2286000" algn="l" defTabSz="457200" rtl="0" eaLnBrk="1" latinLnBrk="0" hangingPunct="1">
-              <a:defRPr sz="1800" kern="1200">
-                <a:solidFill>
-                  <a:schemeClr val="tx1"/>
-                </a:solidFill>
-                <a:latin typeface="+mn-lt"/>
-                <a:ea typeface="+mn-ea"/>
-                <a:cs typeface="+mn-cs"/>
-              </a:defRPr>
-            </a:lvl6pPr>
-            <a:lvl7pPr marL="2743200" algn="l" defTabSz="457200" rtl="0" eaLnBrk="1" latinLnBrk="0" hangingPunct="1">
-              <a:defRPr sz="1800" kern="1200">
-                <a:solidFill>
-                  <a:schemeClr val="tx1"/>
-                </a:solidFill>
-                <a:latin typeface="+mn-lt"/>
-                <a:ea typeface="+mn-ea"/>
-                <a:cs typeface="+mn-cs"/>
-              </a:defRPr>
-            </a:lvl7pPr>
-            <a:lvl8pPr marL="3200400" algn="l" defTabSz="457200" rtl="0" eaLnBrk="1" latinLnBrk="0" hangingPunct="1">
-              <a:defRPr sz="1800" kern="1200">
-                <a:solidFill>
-                  <a:schemeClr val="tx1"/>
-                </a:solidFill>
-                <a:latin typeface="+mn-lt"/>
-                <a:ea typeface="+mn-ea"/>
-                <a:cs typeface="+mn-cs"/>
-              </a:defRPr>
-            </a:lvl8pPr>
-            <a:lvl9pPr marL="3657600" algn="l" defTabSz="457200" rtl="0" eaLnBrk="1" latinLnBrk="0" hangingPunct="1">
-              <a:defRPr sz="1800" kern="1200">
-                <a:solidFill>
-                  <a:schemeClr val="tx1"/>
-                </a:solidFill>
-                <a:latin typeface="+mn-lt"/>
-                <a:ea typeface="+mn-ea"/>
-                <a:cs typeface="+mn-cs"/>
-              </a:defRPr>
-            </a:lvl9pPr>
-          </a:lstStyle>
-          <a:p>
-            <a:r>
-              <a:rPr lang="en-US" dirty="0">
-                <a:solidFill>
-                  <a:schemeClr val="bg1"/>
-                </a:solidFill>
-              </a:rPr>
-              <a:t>Decentralized Identifier URL Specification (did-url-spec)</a:t>
-            </a:r>
-            <a:endParaRPr lang="en-CA" dirty="0">
-              <a:solidFill>
-                <a:schemeClr val="bg1"/>
-              </a:solidFill>
-            </a:endParaRPr>
-          </a:p>
-        </p:txBody>
-      </p:sp>
-      <p:sp>
-        <p:nvSpPr>
-          <p:cNvPr id="4" name="Date Placeholder 3">
-            <a:extLst>
-              <a:ext uri="{FF2B5EF4-FFF2-40B4-BE49-F238E27FC236}">
-                <a16:creationId xmlns:a16="http://schemas.microsoft.com/office/drawing/2014/main" id="{96710D00-4A57-4EC2-8305-815071C9EC3F}"/>
-              </a:ext>
-            </a:extLst>
-          </p:cNvPr>
-          <p:cNvSpPr>
-            <a:spLocks noGrp="1"/>
-          </p:cNvSpPr>
-          <p:nvPr>
-            <p:ph type="dt" sz="half" idx="10"/>
-          </p:nvPr>
-        </p:nvSpPr>
-        <p:spPr/>
-        <p:txBody>
-          <a:bodyPr/>
-          <a:lstStyle/>
-          <a:p>
-            <a:fld id="{BFE06F07-173C-42C0-8754-9268E5A56012}" type="datetime1">
-              <a:rPr lang="en-CA" smtClean="0"/>
-              <a:t>2019-03-24</a:t>
-            </a:fld>
-            <a:endParaRPr lang="en-CA" dirty="0"/>
-          </a:p>
-        </p:txBody>
-      </p:sp>
-      <p:sp>
-        <p:nvSpPr>
-          <p:cNvPr id="5" name="Footer Placeholder 4">
-            <a:extLst>
-              <a:ext uri="{FF2B5EF4-FFF2-40B4-BE49-F238E27FC236}">
-                <a16:creationId xmlns:a16="http://schemas.microsoft.com/office/drawing/2014/main" id="{1C223C67-3B6E-468D-9E05-AC5CA83E6468}"/>
-              </a:ext>
-            </a:extLst>
-          </p:cNvPr>
-          <p:cNvSpPr>
-            <a:spLocks noGrp="1"/>
-          </p:cNvSpPr>
-          <p:nvPr>
-            <p:ph type="ftr" sz="quarter" idx="11"/>
-          </p:nvPr>
-        </p:nvSpPr>
-        <p:spPr/>
-        <p:txBody>
-          <a:bodyPr/>
-          <a:lstStyle/>
-          <a:p>
-            <a:r>
-              <a:rPr lang="en-US" dirty="0"/>
-              <a:t>Decentralized Identifier URL Specification (did-url-spec)</a:t>
-            </a:r>
-            <a:endParaRPr lang="en-CA" dirty="0"/>
-          </a:p>
-        </p:txBody>
-      </p:sp>
-    </p:spTree>
-    <p:extLst>
-      <p:ext uri="{BB962C8B-B14F-4D97-AF65-F5344CB8AC3E}">
-        <p14:creationId xmlns:p14="http://schemas.microsoft.com/office/powerpoint/2010/main" val="1239128661"/>
-      </p:ext>
-    </p:extLst>
-  </p:cSld>
-  <p:clrMapOvr>
-    <a:masterClrMapping/>
-  </p:clrMapOvr>
-</p:sld>
-</file>
-
-<file path=ppt/slides/slide53.xml><?xml version="1.0" encoding="utf-8"?>
-<p:sld xmlns:a="http://schemas.openxmlformats.org/drawingml/2006/main" xmlns:r="http://schemas.openxmlformats.org/officeDocument/2006/relationships" xmlns:p="http://schemas.openxmlformats.org/presentationml/2006/main">
-  <p:cSld>
-    <p:spTree>
-      <p:nvGrpSpPr>
-        <p:cNvPr id="1" name=""/>
-        <p:cNvGrpSpPr/>
-        <p:nvPr/>
-      </p:nvGrpSpPr>
-      <p:grpSpPr>
-        <a:xfrm>
-          <a:off x="0" y="0"/>
-          <a:ext cx="0" cy="0"/>
-          <a:chOff x="0" y="0"/>
-          <a:chExt cx="0" cy="0"/>
-        </a:xfrm>
-      </p:grpSpPr>
-      <p:sp>
-        <p:nvSpPr>
-          <p:cNvPr id="2" name="Title 1">
-            <a:extLst>
-              <a:ext uri="{FF2B5EF4-FFF2-40B4-BE49-F238E27FC236}">
-                <a16:creationId xmlns:a16="http://schemas.microsoft.com/office/drawing/2014/main" id="{3F27149A-DEB5-495D-B0BD-57172DE66C6D}"/>
-              </a:ext>
-            </a:extLst>
-          </p:cNvPr>
-          <p:cNvSpPr>
-            <a:spLocks noGrp="1"/>
-          </p:cNvSpPr>
-          <p:nvPr>
-            <p:ph type="title"/>
-          </p:nvPr>
-        </p:nvSpPr>
-        <p:spPr>
-          <a:xfrm>
-            <a:off x="704850" y="549745"/>
-            <a:ext cx="16575088" cy="1487145"/>
-          </a:xfrm>
-        </p:spPr>
-        <p:txBody>
-          <a:bodyPr>
-            <a:normAutofit/>
-          </a:bodyPr>
-          <a:lstStyle/>
-          <a:p>
-            <a:r>
-              <a:rPr lang="en-CA" dirty="0"/>
-              <a:t>Grammar-Based Automated Parser Generation</a:t>
-            </a:r>
-            <a:endParaRPr lang="en-US" dirty="0"/>
-          </a:p>
-        </p:txBody>
-      </p:sp>
-      <p:sp>
-        <p:nvSpPr>
-          <p:cNvPr id="3" name="Content Placeholder 2">
-            <a:extLst>
-              <a:ext uri="{FF2B5EF4-FFF2-40B4-BE49-F238E27FC236}">
-                <a16:creationId xmlns:a16="http://schemas.microsoft.com/office/drawing/2014/main" id="{04ADCFD0-3963-46D5-9286-5D6B71E3A6D8}"/>
-              </a:ext>
-            </a:extLst>
-          </p:cNvPr>
-          <p:cNvSpPr>
-            <a:spLocks noGrp="1"/>
-          </p:cNvSpPr>
-          <p:nvPr>
-            <p:ph idx="1"/>
-          </p:nvPr>
-        </p:nvSpPr>
-        <p:spPr/>
-        <p:txBody>
-          <a:bodyPr/>
-          <a:lstStyle/>
-          <a:p>
-            <a:pPr marL="0" indent="0">
-              <a:buNone/>
-            </a:pPr>
-            <a:r>
-              <a:rPr lang="en-CA" b="1" dirty="0"/>
-              <a:t>aparse (</a:t>
-            </a:r>
-            <a:r>
-              <a:rPr lang="en-CA" b="1" dirty="0">
-                <a:hlinkClick r:id="rId2"/>
-              </a:rPr>
-              <a:t>http://www.parse.com</a:t>
-            </a:r>
-            <a:r>
-              <a:rPr lang="en-CA" b="1" dirty="0"/>
-              <a:t>) parser generator</a:t>
-            </a:r>
-          </a:p>
-          <a:p>
-            <a:r>
-              <a:rPr lang="en-US" b="1" dirty="0"/>
-              <a:t>parse2</a:t>
-            </a:r>
-            <a:r>
-              <a:rPr lang="en-US" dirty="0"/>
-              <a:t> produces the </a:t>
-            </a:r>
-            <a:r>
-              <a:rPr lang="en-US" b="1" dirty="0"/>
-              <a:t>aParse</a:t>
-            </a:r>
-            <a:r>
-              <a:rPr lang="en-US" dirty="0"/>
-              <a:t> parser generator that reads </a:t>
-            </a:r>
-            <a:r>
-              <a:rPr lang="en-US" dirty="0">
-                <a:hlinkClick r:id="rId3"/>
-              </a:rPr>
-              <a:t>Augmented BNF</a:t>
-            </a:r>
-            <a:r>
-              <a:rPr lang="en-US" dirty="0"/>
-              <a:t> grammars and produces Java, C++ or C# classes that can build parse trees for valid instances of those grammars. </a:t>
-            </a:r>
-            <a:r>
-              <a:rPr lang="en-US" b="1" dirty="0"/>
-              <a:t>aParse</a:t>
-            </a:r>
-            <a:r>
-              <a:rPr lang="en-US" dirty="0"/>
-              <a:t> is free to </a:t>
-            </a:r>
-            <a:r>
-              <a:rPr lang="en-US" dirty="0">
-                <a:hlinkClick r:id="rId4"/>
-              </a:rPr>
-              <a:t>download</a:t>
-            </a:r>
-            <a:r>
-              <a:rPr lang="en-US" dirty="0"/>
-              <a:t> and use without any obligations or limitations.</a:t>
-            </a:r>
-          </a:p>
-          <a:p>
-            <a:r>
-              <a:rPr lang="en-US" dirty="0"/>
-              <a:t>Using an </a:t>
-            </a:r>
-            <a:r>
-              <a:rPr lang="en-US" b="1" dirty="0"/>
-              <a:t>aParse</a:t>
-            </a:r>
-            <a:r>
-              <a:rPr lang="en-US" dirty="0"/>
-              <a:t> generated parser, a Java, C++ or C# program can confirm whether a stream of characters represents a valid instance of a particular grammar, for example, a message passed between two programs that should comply with an agreed protocol. The parse tree of a compliant message can be used by the program to process the message content (see the </a:t>
-            </a:r>
-            <a:r>
-              <a:rPr lang="en-US" dirty="0">
-                <a:hlinkClick r:id="rId5"/>
-              </a:rPr>
-              <a:t>examples</a:t>
-            </a:r>
-            <a:r>
-              <a:rPr lang="en-US" dirty="0"/>
-              <a:t> for a number of working programs that employ </a:t>
-            </a:r>
-            <a:r>
-              <a:rPr lang="en-US" b="1" dirty="0"/>
-              <a:t>aParse</a:t>
-            </a:r>
-            <a:r>
-              <a:rPr lang="en-US" dirty="0"/>
-              <a:t> generated parsers).</a:t>
-            </a:r>
-          </a:p>
-          <a:p>
-            <a:endParaRPr lang="en-US" dirty="0"/>
-          </a:p>
-        </p:txBody>
-      </p:sp>
-      <p:sp>
-        <p:nvSpPr>
-          <p:cNvPr id="4" name="Date Placeholder 3">
-            <a:extLst>
-              <a:ext uri="{FF2B5EF4-FFF2-40B4-BE49-F238E27FC236}">
-                <a16:creationId xmlns:a16="http://schemas.microsoft.com/office/drawing/2014/main" id="{02140158-E56D-4B4F-BC67-B1F3EF74B55F}"/>
-              </a:ext>
-            </a:extLst>
-          </p:cNvPr>
-          <p:cNvSpPr>
-            <a:spLocks noGrp="1"/>
-          </p:cNvSpPr>
-          <p:nvPr>
-            <p:ph type="dt" sz="half" idx="10"/>
-          </p:nvPr>
-        </p:nvSpPr>
-        <p:spPr/>
-        <p:txBody>
-          <a:bodyPr/>
-          <a:lstStyle/>
-          <a:p>
-            <a:fld id="{897B6F34-C2F7-4BB2-A9B3-B7557F12AB71}" type="datetime1">
-              <a:rPr lang="en-CA" smtClean="0"/>
-              <a:t>2019-03-24</a:t>
-            </a:fld>
-            <a:endParaRPr lang="en-CA" dirty="0"/>
-          </a:p>
-        </p:txBody>
-      </p:sp>
-      <p:sp>
-        <p:nvSpPr>
-          <p:cNvPr id="5" name="Footer Placeholder 4">
-            <a:extLst>
-              <a:ext uri="{FF2B5EF4-FFF2-40B4-BE49-F238E27FC236}">
-                <a16:creationId xmlns:a16="http://schemas.microsoft.com/office/drawing/2014/main" id="{1B23FDFE-0A28-44F5-8E38-181BB3C4E113}"/>
-              </a:ext>
-            </a:extLst>
-          </p:cNvPr>
-          <p:cNvSpPr>
-            <a:spLocks noGrp="1"/>
-          </p:cNvSpPr>
-          <p:nvPr>
-            <p:ph type="ftr" sz="quarter" idx="11"/>
-          </p:nvPr>
-        </p:nvSpPr>
-        <p:spPr/>
-        <p:txBody>
-          <a:bodyPr/>
-          <a:lstStyle/>
-          <a:p>
-            <a:r>
-              <a:rPr lang="en-US" dirty="0"/>
-              <a:t>Decentralized Identifier URL Specification (did-url-spec)</a:t>
-            </a:r>
-            <a:endParaRPr lang="en-CA" dirty="0"/>
-          </a:p>
-        </p:txBody>
-      </p:sp>
-    </p:spTree>
-    <p:extLst>
-      <p:ext uri="{BB962C8B-B14F-4D97-AF65-F5344CB8AC3E}">
-        <p14:creationId xmlns:p14="http://schemas.microsoft.com/office/powerpoint/2010/main" val="3120980066"/>
-      </p:ext>
-    </p:extLst>
-  </p:cSld>
-  <p:clrMapOvr>
-    <a:masterClrMapping/>
-  </p:clrMapOvr>
-</p:sld>
-</file>
-
-<file path=ppt/slides/slide54.xml><?xml version="1.0" encoding="utf-8"?>
-<p:sld xmlns:a="http://schemas.openxmlformats.org/drawingml/2006/main" xmlns:r="http://schemas.openxmlformats.org/officeDocument/2006/relationships" xmlns:p="http://schemas.openxmlformats.org/presentationml/2006/main">
-  <p:cSld>
-    <p:spTree>
-      <p:nvGrpSpPr>
-        <p:cNvPr id="1" name=""/>
-        <p:cNvGrpSpPr/>
-        <p:nvPr/>
-      </p:nvGrpSpPr>
-      <p:grpSpPr>
-        <a:xfrm>
-          <a:off x="0" y="0"/>
-          <a:ext cx="0" cy="0"/>
-          <a:chOff x="0" y="0"/>
-          <a:chExt cx="0" cy="0"/>
-        </a:xfrm>
-      </p:grpSpPr>
-      <p:sp>
-        <p:nvSpPr>
-          <p:cNvPr id="2" name="Title 1">
-            <a:extLst>
-              <a:ext uri="{FF2B5EF4-FFF2-40B4-BE49-F238E27FC236}">
-                <a16:creationId xmlns:a16="http://schemas.microsoft.com/office/drawing/2014/main" id="{F7EF805C-B77D-4186-8589-BDA055BF8C49}"/>
-              </a:ext>
-            </a:extLst>
-          </p:cNvPr>
-          <p:cNvSpPr>
-            <a:spLocks noGrp="1"/>
-          </p:cNvSpPr>
-          <p:nvPr>
-            <p:ph type="title"/>
-          </p:nvPr>
-        </p:nvSpPr>
-        <p:spPr/>
-        <p:txBody>
-          <a:bodyPr/>
-          <a:lstStyle/>
-          <a:p>
-            <a:r>
-              <a:rPr lang="en-CA" dirty="0"/>
-              <a:t>Grammar Testing / Validation</a:t>
-            </a:r>
-            <a:endParaRPr lang="en-US" dirty="0"/>
-          </a:p>
-        </p:txBody>
-      </p:sp>
-      <p:sp>
-        <p:nvSpPr>
-          <p:cNvPr id="3" name="Content Placeholder 2">
-            <a:extLst>
-              <a:ext uri="{FF2B5EF4-FFF2-40B4-BE49-F238E27FC236}">
-                <a16:creationId xmlns:a16="http://schemas.microsoft.com/office/drawing/2014/main" id="{69D1FB29-653F-47C3-BC34-15397E807251}"/>
-              </a:ext>
-            </a:extLst>
-          </p:cNvPr>
-          <p:cNvSpPr>
-            <a:spLocks noGrp="1"/>
-          </p:cNvSpPr>
-          <p:nvPr>
-            <p:ph idx="1"/>
-          </p:nvPr>
-        </p:nvSpPr>
-        <p:spPr>
-          <a:xfrm>
-            <a:off x="704850" y="1295400"/>
-            <a:ext cx="15870238" cy="7389735"/>
-          </a:xfrm>
-        </p:spPr>
-        <p:txBody>
-          <a:bodyPr/>
-          <a:lstStyle/>
-          <a:p>
-            <a:pPr marL="0" indent="0">
-              <a:buNone/>
-            </a:pPr>
-            <a:r>
-              <a:rPr lang="en-US" b="1" dirty="0">
-                <a:latin typeface="Consolas" panose="020B0609020204030204" pitchFamily="49" charset="0"/>
-              </a:rPr>
-              <a:t>did-url</a:t>
-            </a:r>
-            <a:r>
-              <a:rPr lang="en-US" b="1" dirty="0"/>
-              <a:t> Grammar Validation Tool (Web)</a:t>
-            </a:r>
-          </a:p>
-          <a:p>
-            <a:r>
-              <a:rPr lang="en-US" dirty="0"/>
-              <a:t>The following web app is being used to validate the </a:t>
-            </a:r>
-            <a:r>
-              <a:rPr lang="en-US" dirty="0">
-                <a:latin typeface="Consolas" panose="020B0609020204030204" pitchFamily="49" charset="0"/>
-              </a:rPr>
-              <a:t>did-url</a:t>
-            </a:r>
-            <a:r>
-              <a:rPr lang="en-US" dirty="0"/>
-              <a:t> grammar against the lower-level use cases:</a:t>
-            </a:r>
-            <a:br>
-              <a:rPr lang="en-US" dirty="0"/>
-            </a:br>
-            <a:r>
-              <a:rPr lang="en-US" dirty="0"/>
-              <a:t>The BNF Verification Service (</a:t>
-            </a:r>
-            <a:r>
-              <a:rPr lang="en-US" u="sng" dirty="0">
-                <a:hlinkClick r:id="rId2"/>
-              </a:rPr>
-              <a:t>http://arran.fi.muni.cz/bnfparser2/</a:t>
-            </a:r>
-            <a:r>
-              <a:rPr lang="en-US" dirty="0"/>
-              <a:t>) </a:t>
-            </a:r>
-          </a:p>
-          <a:p>
-            <a:endParaRPr lang="en-US" dirty="0"/>
-          </a:p>
-        </p:txBody>
-      </p:sp>
-      <p:sp>
-        <p:nvSpPr>
-          <p:cNvPr id="4" name="Date Placeholder 3">
-            <a:extLst>
-              <a:ext uri="{FF2B5EF4-FFF2-40B4-BE49-F238E27FC236}">
-                <a16:creationId xmlns:a16="http://schemas.microsoft.com/office/drawing/2014/main" id="{CE735E62-1794-4F00-8A45-89C6069B2584}"/>
-              </a:ext>
-            </a:extLst>
-          </p:cNvPr>
-          <p:cNvSpPr>
-            <a:spLocks noGrp="1"/>
-          </p:cNvSpPr>
-          <p:nvPr>
-            <p:ph type="dt" sz="half" idx="10"/>
-          </p:nvPr>
-        </p:nvSpPr>
-        <p:spPr/>
-        <p:txBody>
-          <a:bodyPr/>
-          <a:lstStyle/>
-          <a:p>
-            <a:fld id="{89329529-229C-4184-8041-66556BFC0738}" type="datetime1">
-              <a:rPr lang="en-CA" smtClean="0"/>
-              <a:t>2019-03-24</a:t>
-            </a:fld>
-            <a:endParaRPr lang="en-CA" dirty="0"/>
-          </a:p>
-        </p:txBody>
-      </p:sp>
-      <p:pic>
-        <p:nvPicPr>
-          <p:cNvPr id="7170" name="Picture 2" descr="https://user-images.githubusercontent.com/6101736/54004838-5ef86800-4114-11e9-8ec2-413c9578e85a.png">
-            <a:extLst>
-              <a:ext uri="{FF2B5EF4-FFF2-40B4-BE49-F238E27FC236}">
-                <a16:creationId xmlns:a16="http://schemas.microsoft.com/office/drawing/2014/main" id="{FEB4E4ED-6744-48B0-B8BA-C20CADCB2709}"/>
-              </a:ext>
-            </a:extLst>
-          </p:cNvPr>
-          <p:cNvPicPr>
-            <a:picLocks noChangeAspect="1" noChangeArrowheads="1"/>
-          </p:cNvPicPr>
-          <p:nvPr/>
-        </p:nvPicPr>
-        <p:blipFill>
-          <a:blip r:embed="rId3">
-            <a:extLst>
-              <a:ext uri="{28A0092B-C50C-407E-A947-70E740481C1C}">
-                <a14:useLocalDpi xmlns:a14="http://schemas.microsoft.com/office/drawing/2010/main" val="0"/>
-              </a:ext>
-            </a:extLst>
-          </a:blip>
-          <a:srcRect/>
-          <a:stretch>
-            <a:fillRect/>
-          </a:stretch>
-        </p:blipFill>
-        <p:spPr bwMode="auto">
-          <a:xfrm>
-            <a:off x="4476749" y="3073293"/>
-            <a:ext cx="8360017" cy="6621683"/>
-          </a:xfrm>
-          <a:prstGeom prst="rect">
-            <a:avLst/>
-          </a:prstGeom>
-          <a:noFill/>
-          <a:ln>
-            <a:solidFill>
-              <a:schemeClr val="bg1">
-                <a:lumMod val="50000"/>
-              </a:schemeClr>
-            </a:solidFill>
-          </a:ln>
-          <a:extLst>
-            <a:ext uri="{909E8E84-426E-40DD-AFC4-6F175D3DCCD1}">
-              <a14:hiddenFill xmlns:a14="http://schemas.microsoft.com/office/drawing/2010/main">
-                <a:solidFill>
-                  <a:srgbClr val="FFFFFF"/>
-                </a:solidFill>
-              </a14:hiddenFill>
-            </a:ext>
-          </a:extLst>
-        </p:spPr>
-      </p:pic>
-      <p:sp>
-        <p:nvSpPr>
-          <p:cNvPr id="5" name="Footer Placeholder 4">
-            <a:extLst>
-              <a:ext uri="{FF2B5EF4-FFF2-40B4-BE49-F238E27FC236}">
-                <a16:creationId xmlns:a16="http://schemas.microsoft.com/office/drawing/2014/main" id="{DE793CA4-DBD0-423A-810B-DE14241356B2}"/>
-              </a:ext>
-            </a:extLst>
-          </p:cNvPr>
-          <p:cNvSpPr>
-            <a:spLocks noGrp="1"/>
-          </p:cNvSpPr>
-          <p:nvPr>
-            <p:ph type="ftr" sz="quarter" idx="11"/>
-          </p:nvPr>
-        </p:nvSpPr>
-        <p:spPr/>
-        <p:txBody>
-          <a:bodyPr/>
-          <a:lstStyle/>
-          <a:p>
-            <a:r>
-              <a:rPr lang="en-US" dirty="0"/>
-              <a:t>Decentralized Identifier URL Specification (did-url-spec)</a:t>
-            </a:r>
-            <a:endParaRPr lang="en-CA" dirty="0"/>
-          </a:p>
-        </p:txBody>
-      </p:sp>
-    </p:spTree>
-    <p:extLst>
-      <p:ext uri="{BB962C8B-B14F-4D97-AF65-F5344CB8AC3E}">
-        <p14:creationId xmlns:p14="http://schemas.microsoft.com/office/powerpoint/2010/main" val="3649828505"/>
-      </p:ext>
-    </p:extLst>
-  </p:cSld>
-  <p:clrMapOvr>
-    <a:masterClrMapping/>
-  </p:clrMapOvr>
-</p:sld>
-</file>
-
 <file path=ppt/slides/slide55.xml><?xml version="1.0" encoding="utf-8"?>
 <p:sld xmlns:a="http://schemas.openxmlformats.org/drawingml/2006/main" xmlns:r="http://schemas.openxmlformats.org/officeDocument/2006/relationships" xmlns:p="http://schemas.openxmlformats.org/presentationml/2006/main">
   <p:cSld>
@@ -29142,7 +28844,7 @@
           <p:cNvPr id="2" name="Title 1">
             <a:extLst>
               <a:ext uri="{FF2B5EF4-FFF2-40B4-BE49-F238E27FC236}">
-                <a16:creationId xmlns:a16="http://schemas.microsoft.com/office/drawing/2014/main" id="{F7EF805C-B77D-4186-8589-BDA055BF8C49}"/>
+                <a16:creationId xmlns:a16="http://schemas.microsoft.com/office/drawing/2014/main" id="{C29FC834-6430-4E4A-83B7-97BA43C29D37}"/>
               </a:ext>
             </a:extLst>
           </p:cNvPr>
@@ -29150,28 +28852,52 @@
             <a:spLocks noGrp="1"/>
           </p:cNvSpPr>
           <p:nvPr>
-            <p:ph type="title"/>
+            <p:ph type="ctrTitle"/>
           </p:nvPr>
         </p:nvSpPr>
-        <p:spPr/>
-        <p:txBody>
-          <a:bodyPr/>
+        <p:spPr>
+          <a:xfrm>
+            <a:off x="723900" y="1137147"/>
+            <a:ext cx="16173450" cy="3602126"/>
+          </a:xfrm>
+        </p:spPr>
+        <p:txBody>
+          <a:bodyPr>
+            <a:normAutofit/>
+          </a:bodyPr>
           <a:lstStyle/>
           <a:p>
             <a:r>
-              <a:rPr lang="en-CA" dirty="0"/>
-              <a:t>Impacts</a:t>
-            </a:r>
-            <a:endParaRPr lang="en-US" dirty="0"/>
-          </a:p>
-        </p:txBody>
-      </p:sp>
-      <p:sp>
-        <p:nvSpPr>
-          <p:cNvPr id="3" name="Content Placeholder 2">
+              <a:rPr lang="en-CA" sz="6600" dirty="0">
+                <a:solidFill>
+                  <a:srgbClr val="1D326D"/>
+                </a:solidFill>
+                <a:sym typeface="Wingdings" panose="05000000000000000000" pitchFamily="2" charset="2"/>
+              </a:rPr>
+              <a:t></a:t>
+            </a:r>
+            <a:r>
+              <a:rPr lang="en-CA" sz="6600" dirty="0">
+                <a:solidFill>
+                  <a:srgbClr val="1D326D"/>
+                </a:solidFill>
+              </a:rPr>
+              <a:t> Tooling</a:t>
+            </a:r>
+            <a:endParaRPr lang="en-US" sz="6600" dirty="0">
+              <a:solidFill>
+                <a:srgbClr val="1D326D"/>
+              </a:solidFill>
+            </a:endParaRPr>
+          </a:p>
+        </p:txBody>
+      </p:sp>
+      <p:sp>
+        <p:nvSpPr>
+          <p:cNvPr id="3" name="Subtitle 2">
             <a:extLst>
               <a:ext uri="{FF2B5EF4-FFF2-40B4-BE49-F238E27FC236}">
-                <a16:creationId xmlns:a16="http://schemas.microsoft.com/office/drawing/2014/main" id="{69D1FB29-653F-47C3-BC34-15397E807251}"/>
+                <a16:creationId xmlns:a16="http://schemas.microsoft.com/office/drawing/2014/main" id="{C660EB17-2854-4658-9BE6-4D698F62714C}"/>
               </a:ext>
             </a:extLst>
           </p:cNvPr>
@@ -29179,84 +28905,317 @@
             <a:spLocks noGrp="1"/>
           </p:cNvSpPr>
           <p:nvPr>
-            <p:ph idx="1"/>
+            <p:ph type="subTitle" idx="1"/>
           </p:nvPr>
         </p:nvSpPr>
-        <p:spPr/>
-        <p:txBody>
-          <a:bodyPr/>
+        <p:spPr>
+          <a:xfrm>
+            <a:off x="723900" y="5462192"/>
+            <a:ext cx="14944338" cy="1385642"/>
+          </a:xfrm>
+        </p:spPr>
+        <p:txBody>
+          <a:bodyPr>
+            <a:normAutofit fontScale="70000" lnSpcReduction="20000"/>
+          </a:bodyPr>
           <a:lstStyle/>
           <a:p>
-            <a:pPr marL="0" indent="0">
-              <a:buNone/>
-            </a:pPr>
-            <a:r>
-              <a:rPr lang="en-US" b="1" dirty="0"/>
-              <a:t>Impact on DID Document Grammar</a:t>
-            </a:r>
-          </a:p>
-          <a:p>
-            <a:r>
-              <a:rPr lang="en-US" dirty="0"/>
-              <a:t>";" is no longer needed/used in a DID Document</a:t>
-            </a:r>
-          </a:p>
-          <a:p>
-            <a:r>
-              <a:rPr lang="en-US" dirty="0"/>
-              <a:t>From a syntactical perspective, all "anchors" / "selection IDs" are prefixed with a '#' only. </a:t>
-            </a:r>
-          </a:p>
-          <a:p>
-            <a:r>
-              <a:rPr lang="en-US" dirty="0"/>
-              <a:t>The semantic meaning is determined by the referring </a:t>
-            </a:r>
+            <a:r>
+              <a:rPr lang="en-CA" dirty="0"/>
+              <a:t>Michael Herman</a:t>
+            </a:r>
+          </a:p>
+          <a:p>
+            <a:r>
+              <a:rPr lang="en-CA" dirty="0"/>
+              <a:t>Independent Blockchain Architect</a:t>
+            </a:r>
+          </a:p>
+          <a:p>
+            <a:r>
+              <a:rPr lang="en-CA" dirty="0"/>
+              <a:t>mwherman@parallelspace.net</a:t>
+            </a:r>
+            <a:endParaRPr lang="en-US" dirty="0"/>
+          </a:p>
+        </p:txBody>
+      </p:sp>
+      <p:sp>
+        <p:nvSpPr>
+          <p:cNvPr id="6" name="Date Placeholder 2">
+            <a:extLst>
+              <a:ext uri="{FF2B5EF4-FFF2-40B4-BE49-F238E27FC236}">
+                <a16:creationId xmlns:a16="http://schemas.microsoft.com/office/drawing/2014/main" id="{2AD3D6DA-1F42-48CB-B93A-E92BA6EE4652}"/>
+              </a:ext>
+            </a:extLst>
+          </p:cNvPr>
+          <p:cNvSpPr txBox="1">
+            <a:spLocks/>
+          </p:cNvSpPr>
+          <p:nvPr/>
+        </p:nvSpPr>
+        <p:spPr>
+          <a:xfrm>
+            <a:off x="10706614" y="9018020"/>
+            <a:ext cx="5868474" cy="436742"/>
+          </a:xfrm>
+          <a:prstGeom prst="rect">
+            <a:avLst/>
+          </a:prstGeom>
+        </p:spPr>
+        <p:txBody>
+          <a:bodyPr vert="horz" lIns="91440" tIns="45720" rIns="91440" bIns="45720" rtlCol="0" anchor="ctr"/>
+          <a:lstStyle>
+            <a:defPPr>
+              <a:defRPr lang="en-US"/>
+            </a:defPPr>
+            <a:lvl1pPr marL="0" algn="r" defTabSz="457200" rtl="0" eaLnBrk="1" latinLnBrk="0" hangingPunct="1">
+              <a:defRPr sz="1417" kern="1200">
+                <a:solidFill>
+                  <a:schemeClr val="tx1">
+                    <a:tint val="75000"/>
+                  </a:schemeClr>
+                </a:solidFill>
+                <a:latin typeface="+mn-lt"/>
+                <a:ea typeface="+mn-ea"/>
+                <a:cs typeface="+mn-cs"/>
+              </a:defRPr>
+            </a:lvl1pPr>
+            <a:lvl2pPr marL="457200" algn="l" defTabSz="457200" rtl="0" eaLnBrk="1" latinLnBrk="0" hangingPunct="1">
+              <a:defRPr sz="1800" kern="1200">
+                <a:solidFill>
+                  <a:schemeClr val="tx1"/>
+                </a:solidFill>
+                <a:latin typeface="+mn-lt"/>
+                <a:ea typeface="+mn-ea"/>
+                <a:cs typeface="+mn-cs"/>
+              </a:defRPr>
+            </a:lvl2pPr>
+            <a:lvl3pPr marL="914400" algn="l" defTabSz="457200" rtl="0" eaLnBrk="1" latinLnBrk="0" hangingPunct="1">
+              <a:defRPr sz="1800" kern="1200">
+                <a:solidFill>
+                  <a:schemeClr val="tx1"/>
+                </a:solidFill>
+                <a:latin typeface="+mn-lt"/>
+                <a:ea typeface="+mn-ea"/>
+                <a:cs typeface="+mn-cs"/>
+              </a:defRPr>
+            </a:lvl3pPr>
+            <a:lvl4pPr marL="1371600" algn="l" defTabSz="457200" rtl="0" eaLnBrk="1" latinLnBrk="0" hangingPunct="1">
+              <a:defRPr sz="1800" kern="1200">
+                <a:solidFill>
+                  <a:schemeClr val="tx1"/>
+                </a:solidFill>
+                <a:latin typeface="+mn-lt"/>
+                <a:ea typeface="+mn-ea"/>
+                <a:cs typeface="+mn-cs"/>
+              </a:defRPr>
+            </a:lvl4pPr>
+            <a:lvl5pPr marL="1828800" algn="l" defTabSz="457200" rtl="0" eaLnBrk="1" latinLnBrk="0" hangingPunct="1">
+              <a:defRPr sz="1800" kern="1200">
+                <a:solidFill>
+                  <a:schemeClr val="tx1"/>
+                </a:solidFill>
+                <a:latin typeface="+mn-lt"/>
+                <a:ea typeface="+mn-ea"/>
+                <a:cs typeface="+mn-cs"/>
+              </a:defRPr>
+            </a:lvl5pPr>
+            <a:lvl6pPr marL="2286000" algn="l" defTabSz="457200" rtl="0" eaLnBrk="1" latinLnBrk="0" hangingPunct="1">
+              <a:defRPr sz="1800" kern="1200">
+                <a:solidFill>
+                  <a:schemeClr val="tx1"/>
+                </a:solidFill>
+                <a:latin typeface="+mn-lt"/>
+                <a:ea typeface="+mn-ea"/>
+                <a:cs typeface="+mn-cs"/>
+              </a:defRPr>
+            </a:lvl6pPr>
+            <a:lvl7pPr marL="2743200" algn="l" defTabSz="457200" rtl="0" eaLnBrk="1" latinLnBrk="0" hangingPunct="1">
+              <a:defRPr sz="1800" kern="1200">
+                <a:solidFill>
+                  <a:schemeClr val="tx1"/>
+                </a:solidFill>
+                <a:latin typeface="+mn-lt"/>
+                <a:ea typeface="+mn-ea"/>
+                <a:cs typeface="+mn-cs"/>
+              </a:defRPr>
+            </a:lvl7pPr>
+            <a:lvl8pPr marL="3200400" algn="l" defTabSz="457200" rtl="0" eaLnBrk="1" latinLnBrk="0" hangingPunct="1">
+              <a:defRPr sz="1800" kern="1200">
+                <a:solidFill>
+                  <a:schemeClr val="tx1"/>
+                </a:solidFill>
+                <a:latin typeface="+mn-lt"/>
+                <a:ea typeface="+mn-ea"/>
+                <a:cs typeface="+mn-cs"/>
+              </a:defRPr>
+            </a:lvl8pPr>
+            <a:lvl9pPr marL="3657600" algn="l" defTabSz="457200" rtl="0" eaLnBrk="1" latinLnBrk="0" hangingPunct="1">
+              <a:defRPr sz="1800" kern="1200">
+                <a:solidFill>
+                  <a:schemeClr val="tx1"/>
+                </a:solidFill>
+                <a:latin typeface="+mn-lt"/>
+                <a:ea typeface="+mn-ea"/>
+                <a:cs typeface="+mn-cs"/>
+              </a:defRPr>
+            </a:lvl9pPr>
+          </a:lstStyle>
+          <a:p>
+            <a:fld id="{E35A9342-8D2C-4F03-BE33-2A71AE2A9EC4}" type="datetime1">
+              <a:rPr lang="en-CA" smtClean="0">
+                <a:solidFill>
+                  <a:schemeClr val="bg1"/>
+                </a:solidFill>
+              </a:rPr>
+              <a:pPr/>
+              <a:t>2019-03-24</a:t>
+            </a:fld>
+            <a:endParaRPr lang="en-CA" dirty="0">
+              <a:solidFill>
+                <a:schemeClr val="bg1"/>
+              </a:solidFill>
+            </a:endParaRPr>
+          </a:p>
+        </p:txBody>
+      </p:sp>
+      <p:sp>
+        <p:nvSpPr>
+          <p:cNvPr id="7" name="Footer Placeholder 3">
+            <a:extLst>
+              <a:ext uri="{FF2B5EF4-FFF2-40B4-BE49-F238E27FC236}">
+                <a16:creationId xmlns:a16="http://schemas.microsoft.com/office/drawing/2014/main" id="{099A2DE6-9372-44F1-A841-744407BCBCC7}"/>
+              </a:ext>
+            </a:extLst>
+          </p:cNvPr>
+          <p:cNvSpPr txBox="1">
+            <a:spLocks/>
+          </p:cNvSpPr>
+          <p:nvPr/>
+        </p:nvSpPr>
+        <p:spPr>
+          <a:xfrm>
+            <a:off x="2057349" y="9019515"/>
+            <a:ext cx="8233240" cy="435247"/>
+          </a:xfrm>
+          <a:prstGeom prst="rect">
+            <a:avLst/>
+          </a:prstGeom>
+        </p:spPr>
+        <p:txBody>
+          <a:bodyPr vert="horz" lIns="91440" tIns="45720" rIns="91440" bIns="45720" rtlCol="0" anchor="ctr"/>
+          <a:lstStyle>
+            <a:defPPr>
+              <a:defRPr lang="en-US"/>
+            </a:defPPr>
+            <a:lvl1pPr marL="0" algn="l" defTabSz="457200" rtl="0" eaLnBrk="1" latinLnBrk="0" hangingPunct="1">
+              <a:defRPr sz="1417" kern="1200">
+                <a:solidFill>
+                  <a:schemeClr val="tx1">
+                    <a:tint val="75000"/>
+                  </a:schemeClr>
+                </a:solidFill>
+                <a:latin typeface="+mn-lt"/>
+                <a:ea typeface="+mn-ea"/>
+                <a:cs typeface="+mn-cs"/>
+              </a:defRPr>
+            </a:lvl1pPr>
+            <a:lvl2pPr marL="457200" algn="l" defTabSz="457200" rtl="0" eaLnBrk="1" latinLnBrk="0" hangingPunct="1">
+              <a:defRPr sz="1800" kern="1200">
+                <a:solidFill>
+                  <a:schemeClr val="tx1"/>
+                </a:solidFill>
+                <a:latin typeface="+mn-lt"/>
+                <a:ea typeface="+mn-ea"/>
+                <a:cs typeface="+mn-cs"/>
+              </a:defRPr>
+            </a:lvl2pPr>
+            <a:lvl3pPr marL="914400" algn="l" defTabSz="457200" rtl="0" eaLnBrk="1" latinLnBrk="0" hangingPunct="1">
+              <a:defRPr sz="1800" kern="1200">
+                <a:solidFill>
+                  <a:schemeClr val="tx1"/>
+                </a:solidFill>
+                <a:latin typeface="+mn-lt"/>
+                <a:ea typeface="+mn-ea"/>
+                <a:cs typeface="+mn-cs"/>
+              </a:defRPr>
+            </a:lvl3pPr>
+            <a:lvl4pPr marL="1371600" algn="l" defTabSz="457200" rtl="0" eaLnBrk="1" latinLnBrk="0" hangingPunct="1">
+              <a:defRPr sz="1800" kern="1200">
+                <a:solidFill>
+                  <a:schemeClr val="tx1"/>
+                </a:solidFill>
+                <a:latin typeface="+mn-lt"/>
+                <a:ea typeface="+mn-ea"/>
+                <a:cs typeface="+mn-cs"/>
+              </a:defRPr>
+            </a:lvl4pPr>
+            <a:lvl5pPr marL="1828800" algn="l" defTabSz="457200" rtl="0" eaLnBrk="1" latinLnBrk="0" hangingPunct="1">
+              <a:defRPr sz="1800" kern="1200">
+                <a:solidFill>
+                  <a:schemeClr val="tx1"/>
+                </a:solidFill>
+                <a:latin typeface="+mn-lt"/>
+                <a:ea typeface="+mn-ea"/>
+                <a:cs typeface="+mn-cs"/>
+              </a:defRPr>
+            </a:lvl5pPr>
+            <a:lvl6pPr marL="2286000" algn="l" defTabSz="457200" rtl="0" eaLnBrk="1" latinLnBrk="0" hangingPunct="1">
+              <a:defRPr sz="1800" kern="1200">
+                <a:solidFill>
+                  <a:schemeClr val="tx1"/>
+                </a:solidFill>
+                <a:latin typeface="+mn-lt"/>
+                <a:ea typeface="+mn-ea"/>
+                <a:cs typeface="+mn-cs"/>
+              </a:defRPr>
+            </a:lvl6pPr>
+            <a:lvl7pPr marL="2743200" algn="l" defTabSz="457200" rtl="0" eaLnBrk="1" latinLnBrk="0" hangingPunct="1">
+              <a:defRPr sz="1800" kern="1200">
+                <a:solidFill>
+                  <a:schemeClr val="tx1"/>
+                </a:solidFill>
+                <a:latin typeface="+mn-lt"/>
+                <a:ea typeface="+mn-ea"/>
+                <a:cs typeface="+mn-cs"/>
+              </a:defRPr>
+            </a:lvl7pPr>
+            <a:lvl8pPr marL="3200400" algn="l" defTabSz="457200" rtl="0" eaLnBrk="1" latinLnBrk="0" hangingPunct="1">
+              <a:defRPr sz="1800" kern="1200">
+                <a:solidFill>
+                  <a:schemeClr val="tx1"/>
+                </a:solidFill>
+                <a:latin typeface="+mn-lt"/>
+                <a:ea typeface="+mn-ea"/>
+                <a:cs typeface="+mn-cs"/>
+              </a:defRPr>
+            </a:lvl8pPr>
+            <a:lvl9pPr marL="3657600" algn="l" defTabSz="457200" rtl="0" eaLnBrk="1" latinLnBrk="0" hangingPunct="1">
+              <a:defRPr sz="1800" kern="1200">
+                <a:solidFill>
+                  <a:schemeClr val="tx1"/>
+                </a:solidFill>
+                <a:latin typeface="+mn-lt"/>
+                <a:ea typeface="+mn-ea"/>
+                <a:cs typeface="+mn-cs"/>
+              </a:defRPr>
+            </a:lvl9pPr>
+          </a:lstStyle>
+          <a:p>
             <a:r>
               <a:rPr lang="en-US" dirty="0">
-                <a:latin typeface="Consolas" panose="020B0609020204030204" pitchFamily="49" charset="0"/>
+                <a:solidFill>
+                  <a:schemeClr val="bg1"/>
+                </a:solidFill>
               </a:rPr>
-              <a:t>did-url</a:t>
-            </a:r>
-            <a:r>
-              <a:rPr lang="en-US" dirty="0"/>
-              <a:t> transformer.</a:t>
-            </a:r>
-          </a:p>
-          <a:p>
-            <a:pPr marL="0" indent="0">
-              <a:buNone/>
-            </a:pPr>
-            <a:r>
-              <a:rPr lang="en-US" b="1" dirty="0"/>
-              <a:t>Impact on Other Specifications</a:t>
-            </a:r>
-          </a:p>
-          <a:p>
-            <a:r>
-              <a:rPr lang="en-US" dirty="0"/>
-              <a:t>Hyperledger Indy HIPEs</a:t>
-            </a:r>
-          </a:p>
-          <a:p>
-            <a:pPr lvl="1"/>
-            <a:r>
-              <a:rPr lang="en-US" dirty="0"/>
-              <a:t>Feature discovery “filter” operator</a:t>
-            </a:r>
-          </a:p>
-          <a:p>
-            <a:pPr lvl="1"/>
-            <a:r>
-              <a:rPr lang="en-US" dirty="0"/>
-              <a:t>Attachments id attributes</a:t>
-            </a:r>
-          </a:p>
-          <a:p>
-            <a:r>
-              <a:rPr lang="en-US" dirty="0"/>
-              <a:t>Others?</a:t>
-            </a:r>
+              <a:t>Decentralized Identifier URL Specification (did-url-spec)</a:t>
+            </a:r>
+            <a:endParaRPr lang="en-CA" dirty="0">
+              <a:solidFill>
+                <a:schemeClr val="bg1"/>
+              </a:solidFill>
+            </a:endParaRPr>
           </a:p>
         </p:txBody>
       </p:sp>
@@ -29265,7 +29224,7 @@
           <p:cNvPr id="4" name="Date Placeholder 3">
             <a:extLst>
               <a:ext uri="{FF2B5EF4-FFF2-40B4-BE49-F238E27FC236}">
-                <a16:creationId xmlns:a16="http://schemas.microsoft.com/office/drawing/2014/main" id="{CE735E62-1794-4F00-8A45-89C6069B2584}"/>
+                <a16:creationId xmlns:a16="http://schemas.microsoft.com/office/drawing/2014/main" id="{96710D00-4A57-4EC2-8305-815071C9EC3F}"/>
               </a:ext>
             </a:extLst>
           </p:cNvPr>
@@ -29281,7 +29240,7 @@
           <a:bodyPr/>
           <a:lstStyle/>
           <a:p>
-            <a:fld id="{B370D15F-802B-4EBC-8AF4-AC6C449080FA}" type="datetime1">
+            <a:fld id="{BFE06F07-173C-42C0-8754-9268E5A56012}" type="datetime1">
               <a:rPr lang="en-CA" smtClean="0"/>
               <a:t>2019-03-24</a:t>
             </a:fld>
@@ -29294,7 +29253,7 @@
           <p:cNvPr id="5" name="Footer Placeholder 4">
             <a:extLst>
               <a:ext uri="{FF2B5EF4-FFF2-40B4-BE49-F238E27FC236}">
-                <a16:creationId xmlns:a16="http://schemas.microsoft.com/office/drawing/2014/main" id="{02ED0907-7CD9-4759-8211-FB3F8EFA71C1}"/>
+                <a16:creationId xmlns:a16="http://schemas.microsoft.com/office/drawing/2014/main" id="{1C223C67-3B6E-468D-9E05-AC5CA83E6468}"/>
               </a:ext>
             </a:extLst>
           </p:cNvPr>
@@ -29321,7 +29280,7 @@
     </p:spTree>
     <p:extLst>
       <p:ext uri="{BB962C8B-B14F-4D97-AF65-F5344CB8AC3E}">
-        <p14:creationId xmlns:p14="http://schemas.microsoft.com/office/powerpoint/2010/main" val="3888946156"/>
+        <p14:creationId xmlns:p14="http://schemas.microsoft.com/office/powerpoint/2010/main" val="1239128661"/>
       </p:ext>
     </p:extLst>
   </p:cSld>
@@ -29353,7 +29312,7 @@
           <p:cNvPr id="2" name="Title 1">
             <a:extLst>
               <a:ext uri="{FF2B5EF4-FFF2-40B4-BE49-F238E27FC236}">
-                <a16:creationId xmlns:a16="http://schemas.microsoft.com/office/drawing/2014/main" id="{C29FC834-6430-4E4A-83B7-97BA43C29D37}"/>
+                <a16:creationId xmlns:a16="http://schemas.microsoft.com/office/drawing/2014/main" id="{3F27149A-DEB5-495D-B0BD-57172DE66C6D}"/>
               </a:ext>
             </a:extLst>
           </p:cNvPr>
@@ -29361,13 +29320,13 @@
             <a:spLocks noGrp="1"/>
           </p:cNvSpPr>
           <p:nvPr>
-            <p:ph type="ctrTitle"/>
+            <p:ph type="title"/>
           </p:nvPr>
         </p:nvSpPr>
         <p:spPr>
           <a:xfrm>
-            <a:off x="723900" y="1137147"/>
-            <a:ext cx="16173450" cy="3602126"/>
+            <a:off x="704850" y="549745"/>
+            <a:ext cx="16575088" cy="1487145"/>
           </a:xfrm>
         </p:spPr>
         <p:txBody>
@@ -29377,36 +29336,19 @@
           <a:lstStyle/>
           <a:p>
             <a:r>
-              <a:rPr lang="en-CA" sz="6600" dirty="0">
-                <a:solidFill>
-                  <a:srgbClr val="1D326D"/>
-                </a:solidFill>
-                <a:sym typeface="Wingdings" panose="05000000000000000000" pitchFamily="2" charset="2"/>
-              </a:rPr>
-              <a:t></a:t>
-            </a:r>
-            <a:r>
-              <a:rPr lang="en-CA" sz="6600" dirty="0">
-                <a:solidFill>
-                  <a:srgbClr val="1D326D"/>
-                </a:solidFill>
-              </a:rPr>
-              <a:t> Wrapping UP…</a:t>
-            </a:r>
-            <a:endParaRPr lang="en-US" sz="6600" dirty="0">
-              <a:solidFill>
-                <a:srgbClr val="1D326D"/>
-              </a:solidFill>
-            </a:endParaRPr>
-          </a:p>
-        </p:txBody>
-      </p:sp>
-      <p:sp>
-        <p:nvSpPr>
-          <p:cNvPr id="3" name="Subtitle 2">
+              <a:rPr lang="en-CA" dirty="0"/>
+              <a:t>Grammar-Based Automated Parser Generation</a:t>
+            </a:r>
+            <a:endParaRPr lang="en-US" dirty="0"/>
+          </a:p>
+        </p:txBody>
+      </p:sp>
+      <p:sp>
+        <p:nvSpPr>
+          <p:cNvPr id="3" name="Content Placeholder 2">
             <a:extLst>
               <a:ext uri="{FF2B5EF4-FFF2-40B4-BE49-F238E27FC236}">
-                <a16:creationId xmlns:a16="http://schemas.microsoft.com/office/drawing/2014/main" id="{C660EB17-2854-4658-9BE6-4D698F62714C}"/>
+                <a16:creationId xmlns:a16="http://schemas.microsoft.com/office/drawing/2014/main" id="{04ADCFD0-3963-46D5-9286-5D6B71E3A6D8}"/>
               </a:ext>
             </a:extLst>
           </p:cNvPr>
@@ -29414,326 +29356,121 @@
             <a:spLocks noGrp="1"/>
           </p:cNvSpPr>
           <p:nvPr>
-            <p:ph type="subTitle" idx="1"/>
+            <p:ph idx="1"/>
           </p:nvPr>
         </p:nvSpPr>
-        <p:spPr>
-          <a:xfrm>
-            <a:off x="723900" y="5462192"/>
-            <a:ext cx="14944338" cy="1385642"/>
-          </a:xfrm>
-        </p:spPr>
-        <p:txBody>
-          <a:bodyPr>
-            <a:normAutofit fontScale="70000" lnSpcReduction="20000"/>
-          </a:bodyPr>
+        <p:spPr/>
+        <p:txBody>
+          <a:bodyPr/>
           <a:lstStyle/>
           <a:p>
-            <a:r>
-              <a:rPr lang="en-CA" dirty="0"/>
-              <a:t>Michael Herman</a:t>
-            </a:r>
-          </a:p>
-          <a:p>
-            <a:r>
-              <a:rPr lang="en-CA" dirty="0"/>
-              <a:t>Independent Blockchain Architect</a:t>
-            </a:r>
-          </a:p>
-          <a:p>
-            <a:r>
-              <a:rPr lang="en-CA" dirty="0"/>
-              <a:t>mwherman@parallelspace.net</a:t>
-            </a:r>
+            <a:pPr marL="0" indent="0">
+              <a:buNone/>
+            </a:pPr>
+            <a:r>
+              <a:rPr lang="en-CA" b="1" dirty="0"/>
+              <a:t>aparse (</a:t>
+            </a:r>
+            <a:r>
+              <a:rPr lang="en-CA" b="1" dirty="0">
+                <a:hlinkClick r:id="rId2"/>
+              </a:rPr>
+              <a:t>http://www.parse.com</a:t>
+            </a:r>
+            <a:r>
+              <a:rPr lang="en-CA" b="1" dirty="0"/>
+              <a:t>) parser generator</a:t>
+            </a:r>
+          </a:p>
+          <a:p>
+            <a:r>
+              <a:rPr lang="en-US" b="1" dirty="0"/>
+              <a:t>parse2</a:t>
+            </a:r>
+            <a:r>
+              <a:rPr lang="en-US" dirty="0"/>
+              <a:t> produces the </a:t>
+            </a:r>
+            <a:r>
+              <a:rPr lang="en-US" b="1" dirty="0"/>
+              <a:t>aParse</a:t>
+            </a:r>
+            <a:r>
+              <a:rPr lang="en-US" dirty="0"/>
+              <a:t> parser generator that reads </a:t>
+            </a:r>
+            <a:r>
+              <a:rPr lang="en-US" dirty="0">
+                <a:hlinkClick r:id="rId3"/>
+              </a:rPr>
+              <a:t>Augmented BNF</a:t>
+            </a:r>
+            <a:r>
+              <a:rPr lang="en-US" dirty="0"/>
+              <a:t> grammars and produces Java, C++ or C# classes that can build parse trees for valid instances of those grammars. </a:t>
+            </a:r>
+            <a:r>
+              <a:rPr lang="en-US" b="1" dirty="0"/>
+              <a:t>aParse</a:t>
+            </a:r>
+            <a:r>
+              <a:rPr lang="en-US" dirty="0"/>
+              <a:t> is free to </a:t>
+            </a:r>
+            <a:r>
+              <a:rPr lang="en-US" dirty="0">
+                <a:hlinkClick r:id="rId4"/>
+              </a:rPr>
+              <a:t>download</a:t>
+            </a:r>
+            <a:r>
+              <a:rPr lang="en-US" dirty="0"/>
+              <a:t> and use without any obligations or limitations.</a:t>
+            </a:r>
+          </a:p>
+          <a:p>
+            <a:r>
+              <a:rPr lang="en-US" dirty="0"/>
+              <a:t>Using an </a:t>
+            </a:r>
+            <a:r>
+              <a:rPr lang="en-US" b="1" dirty="0"/>
+              <a:t>aParse</a:t>
+            </a:r>
+            <a:r>
+              <a:rPr lang="en-US" dirty="0"/>
+              <a:t> generated parser, a Java, C++ or C# program can confirm whether a stream of characters represents a valid instance of a particular grammar, for example, a message passed between two programs that should comply with an agreed protocol. The parse tree of a compliant message can be used by the program to process the message content (see the </a:t>
+            </a:r>
+            <a:r>
+              <a:rPr lang="en-US" dirty="0">
+                <a:hlinkClick r:id="rId5"/>
+              </a:rPr>
+              <a:t>examples</a:t>
+            </a:r>
+            <a:r>
+              <a:rPr lang="en-US" dirty="0"/>
+              <a:t> for a number of working programs that employ </a:t>
+            </a:r>
+            <a:r>
+              <a:rPr lang="en-US" b="1" dirty="0"/>
+              <a:t>aParse</a:t>
+            </a:r>
+            <a:r>
+              <a:rPr lang="en-US" dirty="0"/>
+              <a:t> generated parsers).</a:t>
+            </a:r>
+          </a:p>
+          <a:p>
             <a:endParaRPr lang="en-US" dirty="0"/>
           </a:p>
         </p:txBody>
       </p:sp>
       <p:sp>
         <p:nvSpPr>
-          <p:cNvPr id="6" name="Date Placeholder 2">
+          <p:cNvPr id="4" name="Date Placeholder 3">
             <a:extLst>
               <a:ext uri="{FF2B5EF4-FFF2-40B4-BE49-F238E27FC236}">
-                <a16:creationId xmlns:a16="http://schemas.microsoft.com/office/drawing/2014/main" id="{B7F5412E-5DEB-4BEC-9DBB-F1C88B73A0F0}"/>
-              </a:ext>
-            </a:extLst>
-          </p:cNvPr>
-          <p:cNvSpPr txBox="1">
-            <a:spLocks/>
-          </p:cNvSpPr>
-          <p:nvPr/>
-        </p:nvSpPr>
-        <p:spPr>
-          <a:xfrm>
-            <a:off x="10706614" y="9018020"/>
-            <a:ext cx="5868474" cy="436742"/>
-          </a:xfrm>
-          <a:prstGeom prst="rect">
-            <a:avLst/>
-          </a:prstGeom>
-        </p:spPr>
-        <p:txBody>
-          <a:bodyPr vert="horz" lIns="91440" tIns="45720" rIns="91440" bIns="45720" rtlCol="0" anchor="ctr"/>
-          <a:lstStyle>
-            <a:defPPr>
-              <a:defRPr lang="en-US"/>
-            </a:defPPr>
-            <a:lvl1pPr marL="0" algn="r" defTabSz="457200" rtl="0" eaLnBrk="1" latinLnBrk="0" hangingPunct="1">
-              <a:defRPr sz="1417" kern="1200">
-                <a:solidFill>
-                  <a:schemeClr val="tx1">
-                    <a:tint val="75000"/>
-                  </a:schemeClr>
-                </a:solidFill>
-                <a:latin typeface="+mn-lt"/>
-                <a:ea typeface="+mn-ea"/>
-                <a:cs typeface="+mn-cs"/>
-              </a:defRPr>
-            </a:lvl1pPr>
-            <a:lvl2pPr marL="457200" algn="l" defTabSz="457200" rtl="0" eaLnBrk="1" latinLnBrk="0" hangingPunct="1">
-              <a:defRPr sz="1800" kern="1200">
-                <a:solidFill>
-                  <a:schemeClr val="tx1"/>
-                </a:solidFill>
-                <a:latin typeface="+mn-lt"/>
-                <a:ea typeface="+mn-ea"/>
-                <a:cs typeface="+mn-cs"/>
-              </a:defRPr>
-            </a:lvl2pPr>
-            <a:lvl3pPr marL="914400" algn="l" defTabSz="457200" rtl="0" eaLnBrk="1" latinLnBrk="0" hangingPunct="1">
-              <a:defRPr sz="1800" kern="1200">
-                <a:solidFill>
-                  <a:schemeClr val="tx1"/>
-                </a:solidFill>
-                <a:latin typeface="+mn-lt"/>
-                <a:ea typeface="+mn-ea"/>
-                <a:cs typeface="+mn-cs"/>
-              </a:defRPr>
-            </a:lvl3pPr>
-            <a:lvl4pPr marL="1371600" algn="l" defTabSz="457200" rtl="0" eaLnBrk="1" latinLnBrk="0" hangingPunct="1">
-              <a:defRPr sz="1800" kern="1200">
-                <a:solidFill>
-                  <a:schemeClr val="tx1"/>
-                </a:solidFill>
-                <a:latin typeface="+mn-lt"/>
-                <a:ea typeface="+mn-ea"/>
-                <a:cs typeface="+mn-cs"/>
-              </a:defRPr>
-            </a:lvl4pPr>
-            <a:lvl5pPr marL="1828800" algn="l" defTabSz="457200" rtl="0" eaLnBrk="1" latinLnBrk="0" hangingPunct="1">
-              <a:defRPr sz="1800" kern="1200">
-                <a:solidFill>
-                  <a:schemeClr val="tx1"/>
-                </a:solidFill>
-                <a:latin typeface="+mn-lt"/>
-                <a:ea typeface="+mn-ea"/>
-                <a:cs typeface="+mn-cs"/>
-              </a:defRPr>
-            </a:lvl5pPr>
-            <a:lvl6pPr marL="2286000" algn="l" defTabSz="457200" rtl="0" eaLnBrk="1" latinLnBrk="0" hangingPunct="1">
-              <a:defRPr sz="1800" kern="1200">
-                <a:solidFill>
-                  <a:schemeClr val="tx1"/>
-                </a:solidFill>
-                <a:latin typeface="+mn-lt"/>
-                <a:ea typeface="+mn-ea"/>
-                <a:cs typeface="+mn-cs"/>
-              </a:defRPr>
-            </a:lvl6pPr>
-            <a:lvl7pPr marL="2743200" algn="l" defTabSz="457200" rtl="0" eaLnBrk="1" latinLnBrk="0" hangingPunct="1">
-              <a:defRPr sz="1800" kern="1200">
-                <a:solidFill>
-                  <a:schemeClr val="tx1"/>
-                </a:solidFill>
-                <a:latin typeface="+mn-lt"/>
-                <a:ea typeface="+mn-ea"/>
-                <a:cs typeface="+mn-cs"/>
-              </a:defRPr>
-            </a:lvl7pPr>
-            <a:lvl8pPr marL="3200400" algn="l" defTabSz="457200" rtl="0" eaLnBrk="1" latinLnBrk="0" hangingPunct="1">
-              <a:defRPr sz="1800" kern="1200">
-                <a:solidFill>
-                  <a:schemeClr val="tx1"/>
-                </a:solidFill>
-                <a:latin typeface="+mn-lt"/>
-                <a:ea typeface="+mn-ea"/>
-                <a:cs typeface="+mn-cs"/>
-              </a:defRPr>
-            </a:lvl8pPr>
-            <a:lvl9pPr marL="3657600" algn="l" defTabSz="457200" rtl="0" eaLnBrk="1" latinLnBrk="0" hangingPunct="1">
-              <a:defRPr sz="1800" kern="1200">
-                <a:solidFill>
-                  <a:schemeClr val="tx1"/>
-                </a:solidFill>
-                <a:latin typeface="+mn-lt"/>
-                <a:ea typeface="+mn-ea"/>
-                <a:cs typeface="+mn-cs"/>
-              </a:defRPr>
-            </a:lvl9pPr>
-          </a:lstStyle>
-          <a:p>
-            <a:fld id="{E35A9342-8D2C-4F03-BE33-2A71AE2A9EC4}" type="datetime1">
-              <a:rPr lang="en-CA" smtClean="0">
-                <a:solidFill>
-                  <a:schemeClr val="bg1"/>
-                </a:solidFill>
-              </a:rPr>
-              <a:pPr/>
-              <a:t>2019-03-24</a:t>
-            </a:fld>
-            <a:endParaRPr lang="en-CA" dirty="0">
-              <a:solidFill>
-                <a:schemeClr val="bg1"/>
-              </a:solidFill>
-            </a:endParaRPr>
-          </a:p>
-        </p:txBody>
-      </p:sp>
-      <p:sp>
-        <p:nvSpPr>
-          <p:cNvPr id="7" name="Footer Placeholder 3">
-            <a:extLst>
-              <a:ext uri="{FF2B5EF4-FFF2-40B4-BE49-F238E27FC236}">
-                <a16:creationId xmlns:a16="http://schemas.microsoft.com/office/drawing/2014/main" id="{758836FC-E93F-4D6D-85BC-748103EA3B0E}"/>
-              </a:ext>
-            </a:extLst>
-          </p:cNvPr>
-          <p:cNvSpPr txBox="1">
-            <a:spLocks/>
-          </p:cNvSpPr>
-          <p:nvPr/>
-        </p:nvSpPr>
-        <p:spPr>
-          <a:xfrm>
-            <a:off x="2057349" y="9019515"/>
-            <a:ext cx="8233240" cy="435247"/>
-          </a:xfrm>
-          <a:prstGeom prst="rect">
-            <a:avLst/>
-          </a:prstGeom>
-        </p:spPr>
-        <p:txBody>
-          <a:bodyPr vert="horz" lIns="91440" tIns="45720" rIns="91440" bIns="45720" rtlCol="0" anchor="ctr"/>
-          <a:lstStyle>
-            <a:defPPr>
-              <a:defRPr lang="en-US"/>
-            </a:defPPr>
-            <a:lvl1pPr marL="0" algn="l" defTabSz="457200" rtl="0" eaLnBrk="1" latinLnBrk="0" hangingPunct="1">
-              <a:defRPr sz="1417" kern="1200">
-                <a:solidFill>
-                  <a:schemeClr val="tx1">
-                    <a:tint val="75000"/>
-                  </a:schemeClr>
-                </a:solidFill>
-                <a:latin typeface="+mn-lt"/>
-                <a:ea typeface="+mn-ea"/>
-                <a:cs typeface="+mn-cs"/>
-              </a:defRPr>
-            </a:lvl1pPr>
-            <a:lvl2pPr marL="457200" algn="l" defTabSz="457200" rtl="0" eaLnBrk="1" latinLnBrk="0" hangingPunct="1">
-              <a:defRPr sz="1800" kern="1200">
-                <a:solidFill>
-                  <a:schemeClr val="tx1"/>
-                </a:solidFill>
-                <a:latin typeface="+mn-lt"/>
-                <a:ea typeface="+mn-ea"/>
-                <a:cs typeface="+mn-cs"/>
-              </a:defRPr>
-            </a:lvl2pPr>
-            <a:lvl3pPr marL="914400" algn="l" defTabSz="457200" rtl="0" eaLnBrk="1" latinLnBrk="0" hangingPunct="1">
-              <a:defRPr sz="1800" kern="1200">
-                <a:solidFill>
-                  <a:schemeClr val="tx1"/>
-                </a:solidFill>
-                <a:latin typeface="+mn-lt"/>
-                <a:ea typeface="+mn-ea"/>
-                <a:cs typeface="+mn-cs"/>
-              </a:defRPr>
-            </a:lvl3pPr>
-            <a:lvl4pPr marL="1371600" algn="l" defTabSz="457200" rtl="0" eaLnBrk="1" latinLnBrk="0" hangingPunct="1">
-              <a:defRPr sz="1800" kern="1200">
-                <a:solidFill>
-                  <a:schemeClr val="tx1"/>
-                </a:solidFill>
-                <a:latin typeface="+mn-lt"/>
-                <a:ea typeface="+mn-ea"/>
-                <a:cs typeface="+mn-cs"/>
-              </a:defRPr>
-            </a:lvl4pPr>
-            <a:lvl5pPr marL="1828800" algn="l" defTabSz="457200" rtl="0" eaLnBrk="1" latinLnBrk="0" hangingPunct="1">
-              <a:defRPr sz="1800" kern="1200">
-                <a:solidFill>
-                  <a:schemeClr val="tx1"/>
-                </a:solidFill>
-                <a:latin typeface="+mn-lt"/>
-                <a:ea typeface="+mn-ea"/>
-                <a:cs typeface="+mn-cs"/>
-              </a:defRPr>
-            </a:lvl5pPr>
-            <a:lvl6pPr marL="2286000" algn="l" defTabSz="457200" rtl="0" eaLnBrk="1" latinLnBrk="0" hangingPunct="1">
-              <a:defRPr sz="1800" kern="1200">
-                <a:solidFill>
-                  <a:schemeClr val="tx1"/>
-                </a:solidFill>
-                <a:latin typeface="+mn-lt"/>
-                <a:ea typeface="+mn-ea"/>
-                <a:cs typeface="+mn-cs"/>
-              </a:defRPr>
-            </a:lvl6pPr>
-            <a:lvl7pPr marL="2743200" algn="l" defTabSz="457200" rtl="0" eaLnBrk="1" latinLnBrk="0" hangingPunct="1">
-              <a:defRPr sz="1800" kern="1200">
-                <a:solidFill>
-                  <a:schemeClr val="tx1"/>
-                </a:solidFill>
-                <a:latin typeface="+mn-lt"/>
-                <a:ea typeface="+mn-ea"/>
-                <a:cs typeface="+mn-cs"/>
-              </a:defRPr>
-            </a:lvl7pPr>
-            <a:lvl8pPr marL="3200400" algn="l" defTabSz="457200" rtl="0" eaLnBrk="1" latinLnBrk="0" hangingPunct="1">
-              <a:defRPr sz="1800" kern="1200">
-                <a:solidFill>
-                  <a:schemeClr val="tx1"/>
-                </a:solidFill>
-                <a:latin typeface="+mn-lt"/>
-                <a:ea typeface="+mn-ea"/>
-                <a:cs typeface="+mn-cs"/>
-              </a:defRPr>
-            </a:lvl8pPr>
-            <a:lvl9pPr marL="3657600" algn="l" defTabSz="457200" rtl="0" eaLnBrk="1" latinLnBrk="0" hangingPunct="1">
-              <a:defRPr sz="1800" kern="1200">
-                <a:solidFill>
-                  <a:schemeClr val="tx1"/>
-                </a:solidFill>
-                <a:latin typeface="+mn-lt"/>
-                <a:ea typeface="+mn-ea"/>
-                <a:cs typeface="+mn-cs"/>
-              </a:defRPr>
-            </a:lvl9pPr>
-          </a:lstStyle>
-          <a:p>
-            <a:r>
-              <a:rPr lang="en-US" dirty="0">
-                <a:solidFill>
-                  <a:schemeClr val="bg1"/>
-                </a:solidFill>
-              </a:rPr>
-              <a:t>Decentralized Identifier URL Specification (did-url-spec)</a:t>
-            </a:r>
-            <a:endParaRPr lang="en-CA" dirty="0">
-              <a:solidFill>
-                <a:schemeClr val="bg1"/>
-              </a:solidFill>
-            </a:endParaRPr>
-          </a:p>
-        </p:txBody>
-      </p:sp>
-      <p:sp>
-        <p:nvSpPr>
-          <p:cNvPr id="4" name="Date Placeholder 3">
-            <a:extLst>
-              <a:ext uri="{FF2B5EF4-FFF2-40B4-BE49-F238E27FC236}">
-                <a16:creationId xmlns:a16="http://schemas.microsoft.com/office/drawing/2014/main" id="{4F746C27-A76B-4C8D-9FF3-60328BA74F49}"/>
+                <a16:creationId xmlns:a16="http://schemas.microsoft.com/office/drawing/2014/main" id="{02140158-E56D-4B4F-BC67-B1F3EF74B55F}"/>
               </a:ext>
             </a:extLst>
           </p:cNvPr>
@@ -29749,7 +29486,7 @@
           <a:bodyPr/>
           <a:lstStyle/>
           <a:p>
-            <a:fld id="{154602D0-7B20-4E03-8151-A87C6A811C84}" type="datetime1">
+            <a:fld id="{897B6F34-C2F7-4BB2-A9B3-B7557F12AB71}" type="datetime1">
               <a:rPr lang="en-CA" smtClean="0"/>
               <a:t>2019-03-24</a:t>
             </a:fld>
@@ -29762,7 +29499,7 @@
           <p:cNvPr id="5" name="Footer Placeholder 4">
             <a:extLst>
               <a:ext uri="{FF2B5EF4-FFF2-40B4-BE49-F238E27FC236}">
-                <a16:creationId xmlns:a16="http://schemas.microsoft.com/office/drawing/2014/main" id="{D23FF809-1F61-44DE-8D0B-0A224F51A9EA}"/>
+                <a16:creationId xmlns:a16="http://schemas.microsoft.com/office/drawing/2014/main" id="{1B23FDFE-0A28-44F5-8E38-181BB3C4E113}"/>
               </a:ext>
             </a:extLst>
           </p:cNvPr>
@@ -29789,7 +29526,7 @@
     </p:spTree>
     <p:extLst>
       <p:ext uri="{BB962C8B-B14F-4D97-AF65-F5344CB8AC3E}">
-        <p14:creationId xmlns:p14="http://schemas.microsoft.com/office/powerpoint/2010/main" val="3157589698"/>
+        <p14:creationId xmlns:p14="http://schemas.microsoft.com/office/powerpoint/2010/main" val="3120980066"/>
       </p:ext>
     </p:extLst>
   </p:cSld>
@@ -29821,7 +29558,7 @@
           <p:cNvPr id="2" name="Title 1">
             <a:extLst>
               <a:ext uri="{FF2B5EF4-FFF2-40B4-BE49-F238E27FC236}">
-                <a16:creationId xmlns:a16="http://schemas.microsoft.com/office/drawing/2014/main" id="{41617C9C-4708-46C8-9528-BA5AED5EE966}"/>
+                <a16:creationId xmlns:a16="http://schemas.microsoft.com/office/drawing/2014/main" id="{F7EF805C-B77D-4186-8589-BDA055BF8C49}"/>
               </a:ext>
             </a:extLst>
           </p:cNvPr>
@@ -29839,7 +29576,7 @@
           <a:p>
             <a:r>
               <a:rPr lang="en-CA" dirty="0"/>
-              <a:t>Next Steps</a:t>
+              <a:t>Grammar Testing / Validation</a:t>
             </a:r>
             <a:endParaRPr lang="en-US" dirty="0"/>
           </a:p>
@@ -29850,7 +29587,7 @@
           <p:cNvPr id="3" name="Content Placeholder 2">
             <a:extLst>
               <a:ext uri="{FF2B5EF4-FFF2-40B4-BE49-F238E27FC236}">
-                <a16:creationId xmlns:a16="http://schemas.microsoft.com/office/drawing/2014/main" id="{15274CA0-D519-44A5-8755-3E659A6FDFAD}"/>
+                <a16:creationId xmlns:a16="http://schemas.microsoft.com/office/drawing/2014/main" id="{69D1FB29-653F-47C3-BC34-15397E807251}"/>
               </a:ext>
             </a:extLst>
           </p:cNvPr>
@@ -29863,165 +29600,64 @@
         </p:nvSpPr>
         <p:spPr>
           <a:xfrm>
-            <a:off x="704850" y="1226128"/>
-            <a:ext cx="15870238" cy="7459008"/>
+            <a:off x="704850" y="1295400"/>
+            <a:ext cx="15870238" cy="7389735"/>
           </a:xfrm>
         </p:spPr>
         <p:txBody>
-          <a:bodyPr>
-            <a:normAutofit lnSpcReduction="10000"/>
-          </a:bodyPr>
+          <a:bodyPr/>
           <a:lstStyle/>
           <a:p>
-            <a:r>
-              <a:rPr lang="en-CA" dirty="0"/>
-              <a:t>Continue to grow and validate the number of higher-level </a:t>
-            </a:r>
-            <a:r>
-              <a:rPr lang="en-CA" dirty="0">
+            <a:pPr marL="0" indent="0">
+              <a:buNone/>
+            </a:pPr>
+            <a:r>
+              <a:rPr lang="en-US" b="1" dirty="0">
                 <a:latin typeface="Consolas" panose="020B0609020204030204" pitchFamily="49" charset="0"/>
               </a:rPr>
               <a:t>did-url</a:t>
             </a:r>
             <a:r>
-              <a:rPr lang="en-CA" dirty="0"/>
-              <a:t> user scenarios and, more specifically, lower-level </a:t>
-            </a:r>
-            <a:r>
-              <a:rPr lang="en-CA" dirty="0">
+              <a:rPr lang="en-US" b="1" dirty="0"/>
+              <a:t> Grammar Validation Tool (Web)</a:t>
+            </a:r>
+          </a:p>
+          <a:p>
+            <a:r>
+              <a:rPr lang="en-US" dirty="0"/>
+              <a:t>The following web app is being used to validate the </a:t>
+            </a:r>
+            <a:r>
+              <a:rPr lang="en-US" dirty="0">
                 <a:latin typeface="Consolas" panose="020B0609020204030204" pitchFamily="49" charset="0"/>
               </a:rPr>
               <a:t>did-url</a:t>
             </a:r>
             <a:r>
-              <a:rPr lang="en-CA" dirty="0"/>
-              <a:t> use cases with:</a:t>
-            </a:r>
-          </a:p>
-          <a:p>
-            <a:pPr lvl="1"/>
-            <a:r>
-              <a:rPr lang="en-CA" dirty="0"/>
-              <a:t>Diverse DID communities</a:t>
-            </a:r>
-          </a:p>
-          <a:p>
-            <a:pPr lvl="1"/>
-            <a:r>
-              <a:rPr lang="en-CA" dirty="0"/>
-              <a:t>Diverse DID higher-level </a:t>
-            </a:r>
-            <a:r>
-              <a:rPr lang="en-CA" dirty="0">
-                <a:latin typeface="Consolas" panose="020B0609020204030204" pitchFamily="49" charset="0"/>
+              <a:rPr lang="en-US" dirty="0"/>
+              <a:t> grammar against the lower-level use cases:</a:t>
+            </a:r>
+            <a:br>
+              <a:rPr lang="en-US" dirty="0"/>
+            </a:br>
+            <a:r>
+              <a:rPr lang="en-US" dirty="0"/>
+              <a:t>The BNF Verification Service (</a:t>
+            </a:r>
+            <a:r>
+              <a:rPr lang="en-US" u="sng" dirty="0">
+                <a:hlinkClick r:id="rId2"/>
               </a:rPr>
-              <a:t>did-url</a:t>
-            </a:r>
-            <a:r>
-              <a:rPr lang="en-CA" dirty="0"/>
-              <a:t> user scenarios</a:t>
-            </a:r>
-          </a:p>
-          <a:p>
-            <a:pPr lvl="2"/>
-            <a:r>
-              <a:rPr lang="en-CA" dirty="0"/>
-              <a:t>More Indy HIPES</a:t>
-            </a:r>
-          </a:p>
-          <a:p>
-            <a:pPr lvl="2"/>
-            <a:r>
-              <a:rPr lang="en-CA" dirty="0"/>
-              <a:t>IPID, etc.</a:t>
-            </a:r>
+              <a:t>http://arran.fi.muni.cz/bnfparser2/</a:t>
+            </a:r>
+            <a:r>
+              <a:rPr lang="en-US" dirty="0"/>
+              <a:t>) </a:t>
+            </a:r>
+          </a:p>
+          <a:p>
             <a:endParaRPr lang="en-US" dirty="0"/>
           </a:p>
-          <a:p>
-            <a:r>
-              <a:rPr lang="en-US" dirty="0"/>
-              <a:t>Build and test did-url grammar</a:t>
-            </a:r>
-          </a:p>
-          <a:p>
-            <a:pPr lvl="1"/>
-            <a:r>
-              <a:rPr lang="en-US" dirty="0"/>
-              <a:t>Using the </a:t>
-            </a:r>
-            <a:r>
-              <a:rPr lang="en-CA" dirty="0"/>
-              <a:t>lower-level </a:t>
-            </a:r>
-            <a:r>
-              <a:rPr lang="en-CA" dirty="0">
-                <a:latin typeface="Consolas" panose="020B0609020204030204" pitchFamily="49" charset="0"/>
-              </a:rPr>
-              <a:t>did-url</a:t>
-            </a:r>
-            <a:r>
-              <a:rPr lang="en-CA" dirty="0"/>
-              <a:t> use cases  as a test cases</a:t>
-            </a:r>
-          </a:p>
-          <a:p>
-            <a:r>
-              <a:rPr lang="en-CA" dirty="0"/>
-              <a:t>Continue to grow the outreach (awareness, knowledge and understanding) of the </a:t>
-            </a:r>
-            <a:r>
-              <a:rPr lang="en-CA" dirty="0">
-                <a:latin typeface="Consolas" panose="020B0609020204030204" pitchFamily="49" charset="0"/>
-              </a:rPr>
-              <a:t>did-url-spec</a:t>
-            </a:r>
-            <a:r>
-              <a:rPr lang="en-CA" dirty="0"/>
-              <a:t> specification amongst:</a:t>
-            </a:r>
-          </a:p>
-          <a:p>
-            <a:pPr lvl="1"/>
-            <a:r>
-              <a:rPr lang="en-CA" dirty="0"/>
-              <a:t>Diverse DID communities</a:t>
-            </a:r>
-          </a:p>
-          <a:p>
-            <a:pPr lvl="1"/>
-            <a:r>
-              <a:rPr lang="en-CA" dirty="0"/>
-              <a:t>Diverse DID higher-level </a:t>
-            </a:r>
-            <a:r>
-              <a:rPr lang="en-CA" dirty="0">
-                <a:latin typeface="Consolas" panose="020B0609020204030204" pitchFamily="49" charset="0"/>
-              </a:rPr>
-              <a:t>did-url</a:t>
-            </a:r>
-            <a:r>
-              <a:rPr lang="en-CA" dirty="0"/>
-              <a:t> user scenario specific scenarios</a:t>
-            </a:r>
-          </a:p>
-          <a:p>
-            <a:pPr lvl="2"/>
-            <a:r>
-              <a:rPr lang="en-CA" dirty="0"/>
-              <a:t>More Indy HIPES</a:t>
-            </a:r>
-          </a:p>
-          <a:p>
-            <a:pPr lvl="2"/>
-            <a:r>
-              <a:rPr lang="en-CA" dirty="0"/>
-              <a:t>IPID, etc.</a:t>
-            </a:r>
-            <a:endParaRPr lang="en-US" dirty="0"/>
-          </a:p>
-          <a:p>
-            <a:endParaRPr lang="en-CA" dirty="0"/>
-          </a:p>
         </p:txBody>
       </p:sp>
       <p:sp>
@@ -30029,7 +29665,7 @@
           <p:cNvPr id="4" name="Date Placeholder 3">
             <a:extLst>
               <a:ext uri="{FF2B5EF4-FFF2-40B4-BE49-F238E27FC236}">
-                <a16:creationId xmlns:a16="http://schemas.microsoft.com/office/drawing/2014/main" id="{13B3D1B1-E9DD-442D-986F-2164F7A6F476}"/>
+                <a16:creationId xmlns:a16="http://schemas.microsoft.com/office/drawing/2014/main" id="{CE735E62-1794-4F00-8A45-89C6069B2584}"/>
               </a:ext>
             </a:extLst>
           </p:cNvPr>
@@ -30045,7 +29681,7 @@
           <a:bodyPr/>
           <a:lstStyle/>
           <a:p>
-            <a:fld id="{897B6F34-C2F7-4BB2-A9B3-B7557F12AB71}" type="datetime1">
+            <a:fld id="{89329529-229C-4184-8041-66556BFC0738}" type="datetime1">
               <a:rPr lang="en-CA" smtClean="0"/>
               <a:t>2019-03-24</a:t>
             </a:fld>
@@ -30053,12 +29689,66 @@
           </a:p>
         </p:txBody>
       </p:sp>
+      <p:pic>
+        <p:nvPicPr>
+          <p:cNvPr id="7170" name="Picture 2" descr="https://user-images.githubusercontent.com/6101736/54004838-5ef86800-4114-11e9-8ec2-413c9578e85a.png">
+            <a:extLst>
+              <a:ext uri="{FF2B5EF4-FFF2-40B4-BE49-F238E27FC236}">
+                <a16:creationId xmlns:a16="http://schemas.microsoft.com/office/drawing/2014/main" id="{FEB4E4ED-6744-48B0-B8BA-C20CADCB2709}"/>
+              </a:ext>
+            </a:extLst>
+          </p:cNvPr>
+          <p:cNvPicPr>
+            <a:picLocks noChangeAspect="1" noChangeArrowheads="1"/>
+          </p:cNvPicPr>
+          <p:nvPr/>
+        </p:nvPicPr>
+        <p:blipFill>
+          <a:blip r:embed="rId3">
+            <a:extLst>
+              <a:ext uri="{28A0092B-C50C-407E-A947-70E740481C1C}">
+                <a14:useLocalDpi xmlns:a14="http://schemas.microsoft.com/office/drawing/2010/main" val="0"/>
+              </a:ext>
+            </a:extLst>
+          </a:blip>
+          <a:srcRect/>
+          <a:stretch>
+            <a:fillRect/>
+          </a:stretch>
+        </p:blipFill>
+        <p:spPr bwMode="auto">
+          <a:xfrm>
+            <a:off x="4476749" y="3073293"/>
+            <a:ext cx="8360017" cy="6621683"/>
+          </a:xfrm>
+          <a:prstGeom prst="rect">
+            <a:avLst/>
+          </a:prstGeom>
+          <a:noFill/>
+          <a:ln>
+            <a:solidFill>
+              <a:schemeClr val="bg1">
+                <a:lumMod val="50000"/>
+              </a:schemeClr>
+            </a:solidFill>
+          </a:ln>
+          <a:extLst>
+            <a:ext uri="{909E8E84-426E-40DD-AFC4-6F175D3DCCD1}">
+              <a14:hiddenFill xmlns:a14="http://schemas.microsoft.com/office/drawing/2010/main">
+                <a:solidFill>
+                  <a:srgbClr val="FFFFFF"/>
+                </a:solidFill>
+              </a14:hiddenFill>
+            </a:ext>
+          </a:extLst>
+        </p:spPr>
+      </p:pic>
       <p:sp>
         <p:nvSpPr>
           <p:cNvPr id="5" name="Footer Placeholder 4">
             <a:extLst>
               <a:ext uri="{FF2B5EF4-FFF2-40B4-BE49-F238E27FC236}">
-                <a16:creationId xmlns:a16="http://schemas.microsoft.com/office/drawing/2014/main" id="{AEFB6F55-31AC-4708-BDCA-4700D43C4645}"/>
+                <a16:creationId xmlns:a16="http://schemas.microsoft.com/office/drawing/2014/main" id="{DE793CA4-DBD0-423A-810B-DE14241356B2}"/>
               </a:ext>
             </a:extLst>
           </p:cNvPr>
@@ -30085,7 +29775,7 @@
     </p:spTree>
     <p:extLst>
       <p:ext uri="{BB962C8B-B14F-4D97-AF65-F5344CB8AC3E}">
-        <p14:creationId xmlns:p14="http://schemas.microsoft.com/office/powerpoint/2010/main" val="623018135"/>
+        <p14:creationId xmlns:p14="http://schemas.microsoft.com/office/powerpoint/2010/main" val="3649828505"/>
       </p:ext>
     </p:extLst>
   </p:cSld>
@@ -30117,7 +29807,7 @@
           <p:cNvPr id="2" name="Title 1">
             <a:extLst>
               <a:ext uri="{FF2B5EF4-FFF2-40B4-BE49-F238E27FC236}">
-                <a16:creationId xmlns:a16="http://schemas.microsoft.com/office/drawing/2014/main" id="{C29FC834-6430-4E4A-83B7-97BA43C29D37}"/>
+                <a16:creationId xmlns:a16="http://schemas.microsoft.com/office/drawing/2014/main" id="{F7EF805C-B77D-4186-8589-BDA055BF8C49}"/>
               </a:ext>
             </a:extLst>
           </p:cNvPr>
@@ -30125,44 +29815,28 @@
             <a:spLocks noGrp="1"/>
           </p:cNvSpPr>
           <p:nvPr>
-            <p:ph type="ctrTitle"/>
+            <p:ph type="title"/>
           </p:nvPr>
         </p:nvSpPr>
-        <p:spPr>
-          <a:xfrm>
-            <a:off x="723900" y="1137147"/>
-            <a:ext cx="16173450" cy="3602126"/>
-          </a:xfrm>
-        </p:spPr>
-        <p:txBody>
-          <a:bodyPr>
-            <a:normAutofit/>
-          </a:bodyPr>
+        <p:spPr/>
+        <p:txBody>
+          <a:bodyPr/>
           <a:lstStyle/>
           <a:p>
             <a:r>
-              <a:rPr lang="en-CA" sz="6600" dirty="0">
-                <a:solidFill>
-                  <a:srgbClr val="1D326D"/>
-                </a:solidFill>
-                <a:sym typeface="Wingdings" panose="05000000000000000000" pitchFamily="2" charset="2"/>
-              </a:rPr>
-              <a:t> QUESTIONS?</a:t>
-            </a:r>
-            <a:endParaRPr lang="en-US" sz="6600" dirty="0">
-              <a:solidFill>
-                <a:srgbClr val="1D326D"/>
-              </a:solidFill>
-            </a:endParaRPr>
-          </a:p>
-        </p:txBody>
-      </p:sp>
-      <p:sp>
-        <p:nvSpPr>
-          <p:cNvPr id="3" name="Subtitle 2">
+              <a:rPr lang="en-CA" dirty="0"/>
+              <a:t>Impacts</a:t>
+            </a:r>
+            <a:endParaRPr lang="en-US" dirty="0"/>
+          </a:p>
+        </p:txBody>
+      </p:sp>
+      <p:sp>
+        <p:nvSpPr>
+          <p:cNvPr id="3" name="Content Placeholder 2">
             <a:extLst>
               <a:ext uri="{FF2B5EF4-FFF2-40B4-BE49-F238E27FC236}">
-                <a16:creationId xmlns:a16="http://schemas.microsoft.com/office/drawing/2014/main" id="{C660EB17-2854-4658-9BE6-4D698F62714C}"/>
+                <a16:creationId xmlns:a16="http://schemas.microsoft.com/office/drawing/2014/main" id="{69D1FB29-653F-47C3-BC34-15397E807251}"/>
               </a:ext>
             </a:extLst>
           </p:cNvPr>
@@ -30170,326 +29844,93 @@
             <a:spLocks noGrp="1"/>
           </p:cNvSpPr>
           <p:nvPr>
-            <p:ph type="subTitle" idx="1"/>
+            <p:ph idx="1"/>
           </p:nvPr>
         </p:nvSpPr>
-        <p:spPr>
-          <a:xfrm>
-            <a:off x="723900" y="5462192"/>
-            <a:ext cx="14944338" cy="1385642"/>
-          </a:xfrm>
-        </p:spPr>
-        <p:txBody>
-          <a:bodyPr>
-            <a:normAutofit fontScale="70000" lnSpcReduction="20000"/>
-          </a:bodyPr>
+        <p:spPr/>
+        <p:txBody>
+          <a:bodyPr/>
           <a:lstStyle/>
           <a:p>
-            <a:r>
-              <a:rPr lang="en-CA" dirty="0"/>
-              <a:t>Michael Herman</a:t>
-            </a:r>
-          </a:p>
-          <a:p>
-            <a:r>
-              <a:rPr lang="en-CA" dirty="0"/>
-              <a:t>Independent Blockchain Architect</a:t>
-            </a:r>
-          </a:p>
-          <a:p>
-            <a:r>
-              <a:rPr lang="en-CA" dirty="0"/>
-              <a:t>mwherman@parallelspace.net</a:t>
-            </a:r>
-            <a:endParaRPr lang="en-US" dirty="0"/>
-          </a:p>
-        </p:txBody>
-      </p:sp>
-      <p:sp>
-        <p:nvSpPr>
-          <p:cNvPr id="6" name="Date Placeholder 2">
+            <a:pPr marL="0" indent="0">
+              <a:buNone/>
+            </a:pPr>
+            <a:r>
+              <a:rPr lang="en-US" b="1" dirty="0"/>
+              <a:t>Impact on DID Document Grammar</a:t>
+            </a:r>
+          </a:p>
+          <a:p>
+            <a:r>
+              <a:rPr lang="en-US" dirty="0"/>
+              <a:t>";" is no longer needed/used in a DID Document</a:t>
+            </a:r>
+          </a:p>
+          <a:p>
+            <a:r>
+              <a:rPr lang="en-US" dirty="0"/>
+              <a:t>From a syntactical perspective, all "anchors" / "selection IDs" are prefixed with a '#' only. </a:t>
+            </a:r>
+          </a:p>
+          <a:p>
+            <a:r>
+              <a:rPr lang="en-US" dirty="0"/>
+              <a:t>The semantic meaning is determined by the referring </a:t>
+            </a:r>
+            <a:r>
+              <a:rPr lang="en-US" dirty="0">
+                <a:latin typeface="Consolas" panose="020B0609020204030204" pitchFamily="49" charset="0"/>
+              </a:rPr>
+              <a:t>did-url</a:t>
+            </a:r>
+            <a:r>
+              <a:rPr lang="en-US" dirty="0"/>
+              <a:t> transformer.</a:t>
+            </a:r>
+          </a:p>
+          <a:p>
+            <a:pPr marL="0" indent="0">
+              <a:buNone/>
+            </a:pPr>
+            <a:r>
+              <a:rPr lang="en-US" b="1" dirty="0"/>
+              <a:t>Impact on Other Specifications</a:t>
+            </a:r>
+          </a:p>
+          <a:p>
+            <a:r>
+              <a:rPr lang="en-US" dirty="0"/>
+              <a:t>Hyperledger Indy HIPEs</a:t>
+            </a:r>
+          </a:p>
+          <a:p>
+            <a:pPr lvl="1"/>
+            <a:r>
+              <a:rPr lang="en-US" dirty="0"/>
+              <a:t>Feature discovery “filter” operator</a:t>
+            </a:r>
+          </a:p>
+          <a:p>
+            <a:pPr lvl="1"/>
+            <a:r>
+              <a:rPr lang="en-US" dirty="0"/>
+              <a:t>Attachments id attributes</a:t>
+            </a:r>
+          </a:p>
+          <a:p>
+            <a:r>
+              <a:rPr lang="en-US" dirty="0"/>
+              <a:t>Others?</a:t>
+            </a:r>
+          </a:p>
+        </p:txBody>
+      </p:sp>
+      <p:sp>
+        <p:nvSpPr>
+          <p:cNvPr id="4" name="Date Placeholder 3">
             <a:extLst>
               <a:ext uri="{FF2B5EF4-FFF2-40B4-BE49-F238E27FC236}">
-                <a16:creationId xmlns:a16="http://schemas.microsoft.com/office/drawing/2014/main" id="{CAE60D8B-0203-40B8-A489-34BFBE53BA6F}"/>
-              </a:ext>
-            </a:extLst>
-          </p:cNvPr>
-          <p:cNvSpPr txBox="1">
-            <a:spLocks/>
-          </p:cNvSpPr>
-          <p:nvPr/>
-        </p:nvSpPr>
-        <p:spPr>
-          <a:xfrm>
-            <a:off x="10706614" y="9018020"/>
-            <a:ext cx="5868474" cy="436742"/>
-          </a:xfrm>
-          <a:prstGeom prst="rect">
-            <a:avLst/>
-          </a:prstGeom>
-        </p:spPr>
-        <p:txBody>
-          <a:bodyPr vert="horz" lIns="91440" tIns="45720" rIns="91440" bIns="45720" rtlCol="0" anchor="ctr"/>
-          <a:lstStyle>
-            <a:defPPr>
-              <a:defRPr lang="en-US"/>
-            </a:defPPr>
-            <a:lvl1pPr marL="0" algn="r" defTabSz="457200" rtl="0" eaLnBrk="1" latinLnBrk="0" hangingPunct="1">
-              <a:defRPr sz="1417" kern="1200">
-                <a:solidFill>
-                  <a:schemeClr val="tx1">
-                    <a:tint val="75000"/>
-                  </a:schemeClr>
-                </a:solidFill>
-                <a:latin typeface="+mn-lt"/>
-                <a:ea typeface="+mn-ea"/>
-                <a:cs typeface="+mn-cs"/>
-              </a:defRPr>
-            </a:lvl1pPr>
-            <a:lvl2pPr marL="457200" algn="l" defTabSz="457200" rtl="0" eaLnBrk="1" latinLnBrk="0" hangingPunct="1">
-              <a:defRPr sz="1800" kern="1200">
-                <a:solidFill>
-                  <a:schemeClr val="tx1"/>
-                </a:solidFill>
-                <a:latin typeface="+mn-lt"/>
-                <a:ea typeface="+mn-ea"/>
-                <a:cs typeface="+mn-cs"/>
-              </a:defRPr>
-            </a:lvl2pPr>
-            <a:lvl3pPr marL="914400" algn="l" defTabSz="457200" rtl="0" eaLnBrk="1" latinLnBrk="0" hangingPunct="1">
-              <a:defRPr sz="1800" kern="1200">
-                <a:solidFill>
-                  <a:schemeClr val="tx1"/>
-                </a:solidFill>
-                <a:latin typeface="+mn-lt"/>
-                <a:ea typeface="+mn-ea"/>
-                <a:cs typeface="+mn-cs"/>
-              </a:defRPr>
-            </a:lvl3pPr>
-            <a:lvl4pPr marL="1371600" algn="l" defTabSz="457200" rtl="0" eaLnBrk="1" latinLnBrk="0" hangingPunct="1">
-              <a:defRPr sz="1800" kern="1200">
-                <a:solidFill>
-                  <a:schemeClr val="tx1"/>
-                </a:solidFill>
-                <a:latin typeface="+mn-lt"/>
-                <a:ea typeface="+mn-ea"/>
-                <a:cs typeface="+mn-cs"/>
-              </a:defRPr>
-            </a:lvl4pPr>
-            <a:lvl5pPr marL="1828800" algn="l" defTabSz="457200" rtl="0" eaLnBrk="1" latinLnBrk="0" hangingPunct="1">
-              <a:defRPr sz="1800" kern="1200">
-                <a:solidFill>
-                  <a:schemeClr val="tx1"/>
-                </a:solidFill>
-                <a:latin typeface="+mn-lt"/>
-                <a:ea typeface="+mn-ea"/>
-                <a:cs typeface="+mn-cs"/>
-              </a:defRPr>
-            </a:lvl5pPr>
-            <a:lvl6pPr marL="2286000" algn="l" defTabSz="457200" rtl="0" eaLnBrk="1" latinLnBrk="0" hangingPunct="1">
-              <a:defRPr sz="1800" kern="1200">
-                <a:solidFill>
-                  <a:schemeClr val="tx1"/>
-                </a:solidFill>
-                <a:latin typeface="+mn-lt"/>
-                <a:ea typeface="+mn-ea"/>
-                <a:cs typeface="+mn-cs"/>
-              </a:defRPr>
-            </a:lvl6pPr>
-            <a:lvl7pPr marL="2743200" algn="l" defTabSz="457200" rtl="0" eaLnBrk="1" latinLnBrk="0" hangingPunct="1">
-              <a:defRPr sz="1800" kern="1200">
-                <a:solidFill>
-                  <a:schemeClr val="tx1"/>
-                </a:solidFill>
-                <a:latin typeface="+mn-lt"/>
-                <a:ea typeface="+mn-ea"/>
-                <a:cs typeface="+mn-cs"/>
-              </a:defRPr>
-            </a:lvl7pPr>
-            <a:lvl8pPr marL="3200400" algn="l" defTabSz="457200" rtl="0" eaLnBrk="1" latinLnBrk="0" hangingPunct="1">
-              <a:defRPr sz="1800" kern="1200">
-                <a:solidFill>
-                  <a:schemeClr val="tx1"/>
-                </a:solidFill>
-                <a:latin typeface="+mn-lt"/>
-                <a:ea typeface="+mn-ea"/>
-                <a:cs typeface="+mn-cs"/>
-              </a:defRPr>
-            </a:lvl8pPr>
-            <a:lvl9pPr marL="3657600" algn="l" defTabSz="457200" rtl="0" eaLnBrk="1" latinLnBrk="0" hangingPunct="1">
-              <a:defRPr sz="1800" kern="1200">
-                <a:solidFill>
-                  <a:schemeClr val="tx1"/>
-                </a:solidFill>
-                <a:latin typeface="+mn-lt"/>
-                <a:ea typeface="+mn-ea"/>
-                <a:cs typeface="+mn-cs"/>
-              </a:defRPr>
-            </a:lvl9pPr>
-          </a:lstStyle>
-          <a:p>
-            <a:fld id="{E35A9342-8D2C-4F03-BE33-2A71AE2A9EC4}" type="datetime1">
-              <a:rPr lang="en-CA" smtClean="0">
-                <a:solidFill>
-                  <a:schemeClr val="bg1"/>
-                </a:solidFill>
-              </a:rPr>
-              <a:pPr/>
-              <a:t>2019-03-24</a:t>
-            </a:fld>
-            <a:endParaRPr lang="en-CA" dirty="0">
-              <a:solidFill>
-                <a:schemeClr val="bg1"/>
-              </a:solidFill>
-            </a:endParaRPr>
-          </a:p>
-        </p:txBody>
-      </p:sp>
-      <p:sp>
-        <p:nvSpPr>
-          <p:cNvPr id="7" name="Footer Placeholder 3">
-            <a:extLst>
-              <a:ext uri="{FF2B5EF4-FFF2-40B4-BE49-F238E27FC236}">
-                <a16:creationId xmlns:a16="http://schemas.microsoft.com/office/drawing/2014/main" id="{3D783E02-345E-4936-A5FF-81DDE805ECA4}"/>
-              </a:ext>
-            </a:extLst>
-          </p:cNvPr>
-          <p:cNvSpPr txBox="1">
-            <a:spLocks/>
-          </p:cNvSpPr>
-          <p:nvPr/>
-        </p:nvSpPr>
-        <p:spPr>
-          <a:xfrm>
-            <a:off x="2057349" y="9019515"/>
-            <a:ext cx="8233240" cy="435247"/>
-          </a:xfrm>
-          <a:prstGeom prst="rect">
-            <a:avLst/>
-          </a:prstGeom>
-        </p:spPr>
-        <p:txBody>
-          <a:bodyPr vert="horz" lIns="91440" tIns="45720" rIns="91440" bIns="45720" rtlCol="0" anchor="ctr"/>
-          <a:lstStyle>
-            <a:defPPr>
-              <a:defRPr lang="en-US"/>
-            </a:defPPr>
-            <a:lvl1pPr marL="0" algn="l" defTabSz="457200" rtl="0" eaLnBrk="1" latinLnBrk="0" hangingPunct="1">
-              <a:defRPr sz="1417" kern="1200">
-                <a:solidFill>
-                  <a:schemeClr val="tx1">
-                    <a:tint val="75000"/>
-                  </a:schemeClr>
-                </a:solidFill>
-                <a:latin typeface="+mn-lt"/>
-                <a:ea typeface="+mn-ea"/>
-                <a:cs typeface="+mn-cs"/>
-              </a:defRPr>
-            </a:lvl1pPr>
-            <a:lvl2pPr marL="457200" algn="l" defTabSz="457200" rtl="0" eaLnBrk="1" latinLnBrk="0" hangingPunct="1">
-              <a:defRPr sz="1800" kern="1200">
-                <a:solidFill>
-                  <a:schemeClr val="tx1"/>
-                </a:solidFill>
-                <a:latin typeface="+mn-lt"/>
-                <a:ea typeface="+mn-ea"/>
-                <a:cs typeface="+mn-cs"/>
-              </a:defRPr>
-            </a:lvl2pPr>
-            <a:lvl3pPr marL="914400" algn="l" defTabSz="457200" rtl="0" eaLnBrk="1" latinLnBrk="0" hangingPunct="1">
-              <a:defRPr sz="1800" kern="1200">
-                <a:solidFill>
-                  <a:schemeClr val="tx1"/>
-                </a:solidFill>
-                <a:latin typeface="+mn-lt"/>
-                <a:ea typeface="+mn-ea"/>
-                <a:cs typeface="+mn-cs"/>
-              </a:defRPr>
-            </a:lvl3pPr>
-            <a:lvl4pPr marL="1371600" algn="l" defTabSz="457200" rtl="0" eaLnBrk="1" latinLnBrk="0" hangingPunct="1">
-              <a:defRPr sz="1800" kern="1200">
-                <a:solidFill>
-                  <a:schemeClr val="tx1"/>
-                </a:solidFill>
-                <a:latin typeface="+mn-lt"/>
-                <a:ea typeface="+mn-ea"/>
-                <a:cs typeface="+mn-cs"/>
-              </a:defRPr>
-            </a:lvl4pPr>
-            <a:lvl5pPr marL="1828800" algn="l" defTabSz="457200" rtl="0" eaLnBrk="1" latinLnBrk="0" hangingPunct="1">
-              <a:defRPr sz="1800" kern="1200">
-                <a:solidFill>
-                  <a:schemeClr val="tx1"/>
-                </a:solidFill>
-                <a:latin typeface="+mn-lt"/>
-                <a:ea typeface="+mn-ea"/>
-                <a:cs typeface="+mn-cs"/>
-              </a:defRPr>
-            </a:lvl5pPr>
-            <a:lvl6pPr marL="2286000" algn="l" defTabSz="457200" rtl="0" eaLnBrk="1" latinLnBrk="0" hangingPunct="1">
-              <a:defRPr sz="1800" kern="1200">
-                <a:solidFill>
-                  <a:schemeClr val="tx1"/>
-                </a:solidFill>
-                <a:latin typeface="+mn-lt"/>
-                <a:ea typeface="+mn-ea"/>
-                <a:cs typeface="+mn-cs"/>
-              </a:defRPr>
-            </a:lvl6pPr>
-            <a:lvl7pPr marL="2743200" algn="l" defTabSz="457200" rtl="0" eaLnBrk="1" latinLnBrk="0" hangingPunct="1">
-              <a:defRPr sz="1800" kern="1200">
-                <a:solidFill>
-                  <a:schemeClr val="tx1"/>
-                </a:solidFill>
-                <a:latin typeface="+mn-lt"/>
-                <a:ea typeface="+mn-ea"/>
-                <a:cs typeface="+mn-cs"/>
-              </a:defRPr>
-            </a:lvl7pPr>
-            <a:lvl8pPr marL="3200400" algn="l" defTabSz="457200" rtl="0" eaLnBrk="1" latinLnBrk="0" hangingPunct="1">
-              <a:defRPr sz="1800" kern="1200">
-                <a:solidFill>
-                  <a:schemeClr val="tx1"/>
-                </a:solidFill>
-                <a:latin typeface="+mn-lt"/>
-                <a:ea typeface="+mn-ea"/>
-                <a:cs typeface="+mn-cs"/>
-              </a:defRPr>
-            </a:lvl8pPr>
-            <a:lvl9pPr marL="3657600" algn="l" defTabSz="457200" rtl="0" eaLnBrk="1" latinLnBrk="0" hangingPunct="1">
-              <a:defRPr sz="1800" kern="1200">
-                <a:solidFill>
-                  <a:schemeClr val="tx1"/>
-                </a:solidFill>
-                <a:latin typeface="+mn-lt"/>
-                <a:ea typeface="+mn-ea"/>
-                <a:cs typeface="+mn-cs"/>
-              </a:defRPr>
-            </a:lvl9pPr>
-          </a:lstStyle>
-          <a:p>
-            <a:r>
-              <a:rPr lang="en-US" dirty="0">
-                <a:solidFill>
-                  <a:schemeClr val="bg1"/>
-                </a:solidFill>
-              </a:rPr>
-              <a:t>Decentralized Identifier URL Specification (did-url-spec)</a:t>
-            </a:r>
-            <a:endParaRPr lang="en-CA" dirty="0">
-              <a:solidFill>
-                <a:schemeClr val="bg1"/>
-              </a:solidFill>
-            </a:endParaRPr>
-          </a:p>
-        </p:txBody>
-      </p:sp>
-      <p:sp>
-        <p:nvSpPr>
-          <p:cNvPr id="4" name="Date Placeholder 3">
-            <a:extLst>
-              <a:ext uri="{FF2B5EF4-FFF2-40B4-BE49-F238E27FC236}">
-                <a16:creationId xmlns:a16="http://schemas.microsoft.com/office/drawing/2014/main" id="{7A40C56A-9F2E-44C2-87C4-0B3480647526}"/>
+                <a16:creationId xmlns:a16="http://schemas.microsoft.com/office/drawing/2014/main" id="{CE735E62-1794-4F00-8A45-89C6069B2584}"/>
               </a:ext>
             </a:extLst>
           </p:cNvPr>
@@ -30505,7 +29946,7 @@
           <a:bodyPr/>
           <a:lstStyle/>
           <a:p>
-            <a:fld id="{AE4796CF-3633-493F-86C5-6308058AE298}" type="datetime1">
+            <a:fld id="{B370D15F-802B-4EBC-8AF4-AC6C449080FA}" type="datetime1">
               <a:rPr lang="en-CA" smtClean="0"/>
               <a:t>2019-03-24</a:t>
             </a:fld>
@@ -30518,7 +29959,7 @@
           <p:cNvPr id="5" name="Footer Placeholder 4">
             <a:extLst>
               <a:ext uri="{FF2B5EF4-FFF2-40B4-BE49-F238E27FC236}">
-                <a16:creationId xmlns:a16="http://schemas.microsoft.com/office/drawing/2014/main" id="{583EE570-C996-48DA-9C0F-F858EBA75727}"/>
+                <a16:creationId xmlns:a16="http://schemas.microsoft.com/office/drawing/2014/main" id="{02ED0907-7CD9-4759-8211-FB3F8EFA71C1}"/>
               </a:ext>
             </a:extLst>
           </p:cNvPr>
@@ -30545,7 +29986,7 @@
     </p:spTree>
     <p:extLst>
       <p:ext uri="{BB962C8B-B14F-4D97-AF65-F5344CB8AC3E}">
-        <p14:creationId xmlns:p14="http://schemas.microsoft.com/office/powerpoint/2010/main" val="4245550465"/>
+        <p14:creationId xmlns:p14="http://schemas.microsoft.com/office/powerpoint/2010/main" val="3888946156"/>
       </p:ext>
     </p:extLst>
   </p:cSld>
@@ -30574,10 +30015,111 @@
       </p:grpSpPr>
       <p:sp>
         <p:nvSpPr>
-          <p:cNvPr id="2" name="Date Placeholder 2">
+          <p:cNvPr id="2" name="Title 1">
             <a:extLst>
               <a:ext uri="{FF2B5EF4-FFF2-40B4-BE49-F238E27FC236}">
-                <a16:creationId xmlns:a16="http://schemas.microsoft.com/office/drawing/2014/main" id="{A88EA10A-757B-4E99-B380-C4AA83210436}"/>
+                <a16:creationId xmlns:a16="http://schemas.microsoft.com/office/drawing/2014/main" id="{C29FC834-6430-4E4A-83B7-97BA43C29D37}"/>
+              </a:ext>
+            </a:extLst>
+          </p:cNvPr>
+          <p:cNvSpPr>
+            <a:spLocks noGrp="1"/>
+          </p:cNvSpPr>
+          <p:nvPr>
+            <p:ph type="ctrTitle"/>
+          </p:nvPr>
+        </p:nvSpPr>
+        <p:spPr>
+          <a:xfrm>
+            <a:off x="723900" y="1137147"/>
+            <a:ext cx="16173450" cy="3602126"/>
+          </a:xfrm>
+        </p:spPr>
+        <p:txBody>
+          <a:bodyPr>
+            <a:normAutofit/>
+          </a:bodyPr>
+          <a:lstStyle/>
+          <a:p>
+            <a:r>
+              <a:rPr lang="en-CA" sz="6600" dirty="0">
+                <a:solidFill>
+                  <a:srgbClr val="1D326D"/>
+                </a:solidFill>
+                <a:sym typeface="Wingdings" panose="05000000000000000000" pitchFamily="2" charset="2"/>
+              </a:rPr>
+              <a:t></a:t>
+            </a:r>
+            <a:r>
+              <a:rPr lang="en-CA" sz="6600" dirty="0">
+                <a:solidFill>
+                  <a:srgbClr val="1D326D"/>
+                </a:solidFill>
+              </a:rPr>
+              <a:t> Wrapping UP…</a:t>
+            </a:r>
+            <a:endParaRPr lang="en-US" sz="6600" dirty="0">
+              <a:solidFill>
+                <a:srgbClr val="1D326D"/>
+              </a:solidFill>
+            </a:endParaRPr>
+          </a:p>
+        </p:txBody>
+      </p:sp>
+      <p:sp>
+        <p:nvSpPr>
+          <p:cNvPr id="3" name="Subtitle 2">
+            <a:extLst>
+              <a:ext uri="{FF2B5EF4-FFF2-40B4-BE49-F238E27FC236}">
+                <a16:creationId xmlns:a16="http://schemas.microsoft.com/office/drawing/2014/main" id="{C660EB17-2854-4658-9BE6-4D698F62714C}"/>
+              </a:ext>
+            </a:extLst>
+          </p:cNvPr>
+          <p:cNvSpPr>
+            <a:spLocks noGrp="1"/>
+          </p:cNvSpPr>
+          <p:nvPr>
+            <p:ph type="subTitle" idx="1"/>
+          </p:nvPr>
+        </p:nvSpPr>
+        <p:spPr>
+          <a:xfrm>
+            <a:off x="723900" y="5462192"/>
+            <a:ext cx="14944338" cy="1385642"/>
+          </a:xfrm>
+        </p:spPr>
+        <p:txBody>
+          <a:bodyPr>
+            <a:normAutofit fontScale="70000" lnSpcReduction="20000"/>
+          </a:bodyPr>
+          <a:lstStyle/>
+          <a:p>
+            <a:r>
+              <a:rPr lang="en-CA" dirty="0"/>
+              <a:t>Michael Herman</a:t>
+            </a:r>
+          </a:p>
+          <a:p>
+            <a:r>
+              <a:rPr lang="en-CA" dirty="0"/>
+              <a:t>Independent Blockchain Architect</a:t>
+            </a:r>
+          </a:p>
+          <a:p>
+            <a:r>
+              <a:rPr lang="en-CA" dirty="0"/>
+              <a:t>mwherman@parallelspace.net</a:t>
+            </a:r>
+            <a:endParaRPr lang="en-US" dirty="0"/>
+          </a:p>
+        </p:txBody>
+      </p:sp>
+      <p:sp>
+        <p:nvSpPr>
+          <p:cNvPr id="6" name="Date Placeholder 2">
+            <a:extLst>
+              <a:ext uri="{FF2B5EF4-FFF2-40B4-BE49-F238E27FC236}">
+                <a16:creationId xmlns:a16="http://schemas.microsoft.com/office/drawing/2014/main" id="{B7F5412E-5DEB-4BEC-9DBB-F1C88B73A0F0}"/>
               </a:ext>
             </a:extLst>
           </p:cNvPr>
@@ -30714,10 +30256,10 @@
       </p:sp>
       <p:sp>
         <p:nvSpPr>
-          <p:cNvPr id="3" name="Footer Placeholder 3">
+          <p:cNvPr id="7" name="Footer Placeholder 3">
             <a:extLst>
               <a:ext uri="{FF2B5EF4-FFF2-40B4-BE49-F238E27FC236}">
-                <a16:creationId xmlns:a16="http://schemas.microsoft.com/office/drawing/2014/main" id="{4D0AC86D-EBD2-41E3-AC70-6E1F6E5C836A}"/>
+                <a16:creationId xmlns:a16="http://schemas.microsoft.com/office/drawing/2014/main" id="{758836FC-E93F-4D6D-85BC-748103EA3B0E}"/>
               </a:ext>
             </a:extLst>
           </p:cNvPr>
@@ -30853,10 +30395,10 @@
       </p:sp>
       <p:sp>
         <p:nvSpPr>
-          <p:cNvPr id="5" name="Date Placeholder 4">
+          <p:cNvPr id="4" name="Date Placeholder 3">
             <a:extLst>
               <a:ext uri="{FF2B5EF4-FFF2-40B4-BE49-F238E27FC236}">
-                <a16:creationId xmlns:a16="http://schemas.microsoft.com/office/drawing/2014/main" id="{9CC18FE0-0438-4D83-ABF5-6B3A53D6DCAA}"/>
+                <a16:creationId xmlns:a16="http://schemas.microsoft.com/office/drawing/2014/main" id="{4F746C27-A76B-4C8D-9FF3-60328BA74F49}"/>
               </a:ext>
             </a:extLst>
           </p:cNvPr>
@@ -30872,7 +30414,7 @@
           <a:bodyPr/>
           <a:lstStyle/>
           <a:p>
-            <a:fld id="{B44BC05F-29F5-407B-A7ED-3364A06BC05F}" type="datetime1">
+            <a:fld id="{154602D0-7B20-4E03-8151-A87C6A811C84}" type="datetime1">
               <a:rPr lang="en-CA" smtClean="0"/>
               <a:t>2019-03-24</a:t>
             </a:fld>
@@ -30880,10 +30422,39 @@
           </a:p>
         </p:txBody>
       </p:sp>
+      <p:sp>
+        <p:nvSpPr>
+          <p:cNvPr id="5" name="Footer Placeholder 4">
+            <a:extLst>
+              <a:ext uri="{FF2B5EF4-FFF2-40B4-BE49-F238E27FC236}">
+                <a16:creationId xmlns:a16="http://schemas.microsoft.com/office/drawing/2014/main" id="{D23FF809-1F61-44DE-8D0B-0A224F51A9EA}"/>
+              </a:ext>
+            </a:extLst>
+          </p:cNvPr>
+          <p:cNvSpPr>
+            <a:spLocks noGrp="1"/>
+          </p:cNvSpPr>
+          <p:nvPr>
+            <p:ph type="ftr" sz="quarter" idx="11"/>
+          </p:nvPr>
+        </p:nvSpPr>
+        <p:spPr/>
+        <p:txBody>
+          <a:bodyPr/>
+          <a:lstStyle/>
+          <a:p>
+            <a:r>
+              <a:rPr lang="en-US" dirty="0"/>
+              <a:t>Decentralized Identifier URL Specification (did-url-spec)</a:t>
+            </a:r>
+            <a:endParaRPr lang="en-CA" dirty="0"/>
+          </a:p>
+        </p:txBody>
+      </p:sp>
     </p:spTree>
     <p:extLst>
       <p:ext uri="{BB962C8B-B14F-4D97-AF65-F5344CB8AC3E}">
-        <p14:creationId xmlns:p14="http://schemas.microsoft.com/office/powerpoint/2010/main" val="2009546040"/>
+        <p14:creationId xmlns:p14="http://schemas.microsoft.com/office/powerpoint/2010/main" val="3157589698"/>
       </p:ext>
     </p:extLst>
   </p:cSld>
@@ -31133,6 +30704,1100 @@
     <p:extLst>
       <p:ext uri="{BB962C8B-B14F-4D97-AF65-F5344CB8AC3E}">
         <p14:creationId xmlns:p14="http://schemas.microsoft.com/office/powerpoint/2010/main" val="1389824391"/>
+      </p:ext>
+    </p:extLst>
+  </p:cSld>
+  <p:clrMapOvr>
+    <a:masterClrMapping/>
+  </p:clrMapOvr>
+</p:sld>
+</file>
+
+<file path=ppt/slides/slide60.xml><?xml version="1.0" encoding="utf-8"?>
+<p:sld xmlns:a="http://schemas.openxmlformats.org/drawingml/2006/main" xmlns:r="http://schemas.openxmlformats.org/officeDocument/2006/relationships" xmlns:p="http://schemas.openxmlformats.org/presentationml/2006/main">
+  <p:cSld>
+    <p:spTree>
+      <p:nvGrpSpPr>
+        <p:cNvPr id="1" name=""/>
+        <p:cNvGrpSpPr/>
+        <p:nvPr/>
+      </p:nvGrpSpPr>
+      <p:grpSpPr>
+        <a:xfrm>
+          <a:off x="0" y="0"/>
+          <a:ext cx="0" cy="0"/>
+          <a:chOff x="0" y="0"/>
+          <a:chExt cx="0" cy="0"/>
+        </a:xfrm>
+      </p:grpSpPr>
+      <p:sp>
+        <p:nvSpPr>
+          <p:cNvPr id="2" name="Title 1">
+            <a:extLst>
+              <a:ext uri="{FF2B5EF4-FFF2-40B4-BE49-F238E27FC236}">
+                <a16:creationId xmlns:a16="http://schemas.microsoft.com/office/drawing/2014/main" id="{41617C9C-4708-46C8-9528-BA5AED5EE966}"/>
+              </a:ext>
+            </a:extLst>
+          </p:cNvPr>
+          <p:cNvSpPr>
+            <a:spLocks noGrp="1"/>
+          </p:cNvSpPr>
+          <p:nvPr>
+            <p:ph type="title"/>
+          </p:nvPr>
+        </p:nvSpPr>
+        <p:spPr/>
+        <p:txBody>
+          <a:bodyPr/>
+          <a:lstStyle/>
+          <a:p>
+            <a:r>
+              <a:rPr lang="en-CA" dirty="0"/>
+              <a:t>Next Steps</a:t>
+            </a:r>
+            <a:endParaRPr lang="en-US" dirty="0"/>
+          </a:p>
+        </p:txBody>
+      </p:sp>
+      <p:sp>
+        <p:nvSpPr>
+          <p:cNvPr id="3" name="Content Placeholder 2">
+            <a:extLst>
+              <a:ext uri="{FF2B5EF4-FFF2-40B4-BE49-F238E27FC236}">
+                <a16:creationId xmlns:a16="http://schemas.microsoft.com/office/drawing/2014/main" id="{15274CA0-D519-44A5-8755-3E659A6FDFAD}"/>
+              </a:ext>
+            </a:extLst>
+          </p:cNvPr>
+          <p:cNvSpPr>
+            <a:spLocks noGrp="1"/>
+          </p:cNvSpPr>
+          <p:nvPr>
+            <p:ph idx="1"/>
+          </p:nvPr>
+        </p:nvSpPr>
+        <p:spPr>
+          <a:xfrm>
+            <a:off x="704850" y="1226128"/>
+            <a:ext cx="15870238" cy="7459008"/>
+          </a:xfrm>
+        </p:spPr>
+        <p:txBody>
+          <a:bodyPr>
+            <a:normAutofit lnSpcReduction="10000"/>
+          </a:bodyPr>
+          <a:lstStyle/>
+          <a:p>
+            <a:r>
+              <a:rPr lang="en-CA" dirty="0"/>
+              <a:t>Continue to grow and validate the number of higher-level </a:t>
+            </a:r>
+            <a:r>
+              <a:rPr lang="en-CA" dirty="0">
+                <a:latin typeface="Consolas" panose="020B0609020204030204" pitchFamily="49" charset="0"/>
+              </a:rPr>
+              <a:t>DID</a:t>
+            </a:r>
+            <a:r>
+              <a:rPr lang="en-CA" dirty="0"/>
+              <a:t> user scenarios and, more specifically, lower-level </a:t>
+            </a:r>
+            <a:r>
+              <a:rPr lang="en-CA" dirty="0">
+                <a:latin typeface="Consolas" panose="020B0609020204030204" pitchFamily="49" charset="0"/>
+              </a:rPr>
+              <a:t>did-url</a:t>
+            </a:r>
+            <a:r>
+              <a:rPr lang="en-CA" dirty="0"/>
+              <a:t> use cases with:</a:t>
+            </a:r>
+          </a:p>
+          <a:p>
+            <a:pPr lvl="1"/>
+            <a:r>
+              <a:rPr lang="en-CA" dirty="0"/>
+              <a:t>Diverse DID communities</a:t>
+            </a:r>
+          </a:p>
+          <a:p>
+            <a:pPr lvl="1"/>
+            <a:r>
+              <a:rPr lang="en-CA" dirty="0"/>
+              <a:t>Diverse DID higher-level </a:t>
+            </a:r>
+            <a:r>
+              <a:rPr lang="en-CA" dirty="0">
+                <a:latin typeface="Consolas" panose="020B0609020204030204" pitchFamily="49" charset="0"/>
+              </a:rPr>
+              <a:t>DID</a:t>
+            </a:r>
+            <a:r>
+              <a:rPr lang="en-CA" dirty="0"/>
+              <a:t> user scenarios</a:t>
+            </a:r>
+          </a:p>
+          <a:p>
+            <a:pPr lvl="2"/>
+            <a:r>
+              <a:rPr lang="en-CA" dirty="0"/>
+              <a:t>More Indy HIPES</a:t>
+            </a:r>
+          </a:p>
+          <a:p>
+            <a:pPr lvl="2"/>
+            <a:r>
+              <a:rPr lang="en-CA" dirty="0"/>
+              <a:t>IPID, etc.</a:t>
+            </a:r>
+            <a:endParaRPr lang="en-US" dirty="0"/>
+          </a:p>
+          <a:p>
+            <a:r>
+              <a:rPr lang="en-US" dirty="0"/>
+              <a:t>Build and test did-url grammar</a:t>
+            </a:r>
+          </a:p>
+          <a:p>
+            <a:pPr lvl="1"/>
+            <a:r>
+              <a:rPr lang="en-US" dirty="0"/>
+              <a:t>Using the </a:t>
+            </a:r>
+            <a:r>
+              <a:rPr lang="en-CA" dirty="0"/>
+              <a:t>lower-level </a:t>
+            </a:r>
+            <a:r>
+              <a:rPr lang="en-CA" dirty="0">
+                <a:latin typeface="Consolas" panose="020B0609020204030204" pitchFamily="49" charset="0"/>
+              </a:rPr>
+              <a:t>did-url</a:t>
+            </a:r>
+            <a:r>
+              <a:rPr lang="en-CA" dirty="0"/>
+              <a:t> use cases  as a test cases</a:t>
+            </a:r>
+          </a:p>
+          <a:p>
+            <a:r>
+              <a:rPr lang="en-CA" dirty="0"/>
+              <a:t>Continue to grow the outreach (awareness, knowledge and understanding) of the </a:t>
+            </a:r>
+            <a:r>
+              <a:rPr lang="en-CA" dirty="0">
+                <a:latin typeface="Consolas" panose="020B0609020204030204" pitchFamily="49" charset="0"/>
+              </a:rPr>
+              <a:t>did-url-spec</a:t>
+            </a:r>
+            <a:r>
+              <a:rPr lang="en-CA" dirty="0"/>
+              <a:t> specification amongst:</a:t>
+            </a:r>
+          </a:p>
+          <a:p>
+            <a:pPr lvl="1"/>
+            <a:r>
+              <a:rPr lang="en-CA" dirty="0"/>
+              <a:t>Diverse DID communities</a:t>
+            </a:r>
+          </a:p>
+          <a:p>
+            <a:pPr lvl="1"/>
+            <a:r>
+              <a:rPr lang="en-CA" dirty="0"/>
+              <a:t>Diverse DID higher-level </a:t>
+            </a:r>
+            <a:r>
+              <a:rPr lang="en-CA" dirty="0">
+                <a:latin typeface="Consolas" panose="020B0609020204030204" pitchFamily="49" charset="0"/>
+              </a:rPr>
+              <a:t>DID</a:t>
+            </a:r>
+            <a:r>
+              <a:rPr lang="en-CA" dirty="0"/>
+              <a:t> user scenario specific scenarios</a:t>
+            </a:r>
+          </a:p>
+          <a:p>
+            <a:pPr lvl="2"/>
+            <a:r>
+              <a:rPr lang="en-CA" dirty="0"/>
+              <a:t>More Indy HIPES</a:t>
+            </a:r>
+          </a:p>
+          <a:p>
+            <a:pPr lvl="2"/>
+            <a:r>
+              <a:rPr lang="en-CA" dirty="0"/>
+              <a:t>IPID, etc.</a:t>
+            </a:r>
+            <a:endParaRPr lang="en-US" dirty="0"/>
+          </a:p>
+          <a:p>
+            <a:endParaRPr lang="en-CA" dirty="0"/>
+          </a:p>
+        </p:txBody>
+      </p:sp>
+      <p:sp>
+        <p:nvSpPr>
+          <p:cNvPr id="4" name="Date Placeholder 3">
+            <a:extLst>
+              <a:ext uri="{FF2B5EF4-FFF2-40B4-BE49-F238E27FC236}">
+                <a16:creationId xmlns:a16="http://schemas.microsoft.com/office/drawing/2014/main" id="{13B3D1B1-E9DD-442D-986F-2164F7A6F476}"/>
+              </a:ext>
+            </a:extLst>
+          </p:cNvPr>
+          <p:cNvSpPr>
+            <a:spLocks noGrp="1"/>
+          </p:cNvSpPr>
+          <p:nvPr>
+            <p:ph type="dt" sz="half" idx="10"/>
+          </p:nvPr>
+        </p:nvSpPr>
+        <p:spPr/>
+        <p:txBody>
+          <a:bodyPr/>
+          <a:lstStyle/>
+          <a:p>
+            <a:fld id="{897B6F34-C2F7-4BB2-A9B3-B7557F12AB71}" type="datetime1">
+              <a:rPr lang="en-CA" smtClean="0"/>
+              <a:t>2019-03-24</a:t>
+            </a:fld>
+            <a:endParaRPr lang="en-CA" dirty="0"/>
+          </a:p>
+        </p:txBody>
+      </p:sp>
+      <p:sp>
+        <p:nvSpPr>
+          <p:cNvPr id="5" name="Footer Placeholder 4">
+            <a:extLst>
+              <a:ext uri="{FF2B5EF4-FFF2-40B4-BE49-F238E27FC236}">
+                <a16:creationId xmlns:a16="http://schemas.microsoft.com/office/drawing/2014/main" id="{AEFB6F55-31AC-4708-BDCA-4700D43C4645}"/>
+              </a:ext>
+            </a:extLst>
+          </p:cNvPr>
+          <p:cNvSpPr>
+            <a:spLocks noGrp="1"/>
+          </p:cNvSpPr>
+          <p:nvPr>
+            <p:ph type="ftr" sz="quarter" idx="11"/>
+          </p:nvPr>
+        </p:nvSpPr>
+        <p:spPr/>
+        <p:txBody>
+          <a:bodyPr/>
+          <a:lstStyle/>
+          <a:p>
+            <a:r>
+              <a:rPr lang="en-US" dirty="0"/>
+              <a:t>Decentralized Identifier URL Specification (did-url-spec)</a:t>
+            </a:r>
+            <a:endParaRPr lang="en-CA" dirty="0"/>
+          </a:p>
+        </p:txBody>
+      </p:sp>
+    </p:spTree>
+    <p:extLst>
+      <p:ext uri="{BB962C8B-B14F-4D97-AF65-F5344CB8AC3E}">
+        <p14:creationId xmlns:p14="http://schemas.microsoft.com/office/powerpoint/2010/main" val="623018135"/>
+      </p:ext>
+    </p:extLst>
+  </p:cSld>
+  <p:clrMapOvr>
+    <a:masterClrMapping/>
+  </p:clrMapOvr>
+</p:sld>
+</file>
+
+<file path=ppt/slides/slide61.xml><?xml version="1.0" encoding="utf-8"?>
+<p:sld xmlns:a="http://schemas.openxmlformats.org/drawingml/2006/main" xmlns:r="http://schemas.openxmlformats.org/officeDocument/2006/relationships" xmlns:p="http://schemas.openxmlformats.org/presentationml/2006/main">
+  <p:cSld>
+    <p:spTree>
+      <p:nvGrpSpPr>
+        <p:cNvPr id="1" name=""/>
+        <p:cNvGrpSpPr/>
+        <p:nvPr/>
+      </p:nvGrpSpPr>
+      <p:grpSpPr>
+        <a:xfrm>
+          <a:off x="0" y="0"/>
+          <a:ext cx="0" cy="0"/>
+          <a:chOff x="0" y="0"/>
+          <a:chExt cx="0" cy="0"/>
+        </a:xfrm>
+      </p:grpSpPr>
+      <p:sp>
+        <p:nvSpPr>
+          <p:cNvPr id="2" name="Title 1">
+            <a:extLst>
+              <a:ext uri="{FF2B5EF4-FFF2-40B4-BE49-F238E27FC236}">
+                <a16:creationId xmlns:a16="http://schemas.microsoft.com/office/drawing/2014/main" id="{C29FC834-6430-4E4A-83B7-97BA43C29D37}"/>
+              </a:ext>
+            </a:extLst>
+          </p:cNvPr>
+          <p:cNvSpPr>
+            <a:spLocks noGrp="1"/>
+          </p:cNvSpPr>
+          <p:nvPr>
+            <p:ph type="ctrTitle"/>
+          </p:nvPr>
+        </p:nvSpPr>
+        <p:spPr>
+          <a:xfrm>
+            <a:off x="723900" y="1137147"/>
+            <a:ext cx="16173450" cy="3602126"/>
+          </a:xfrm>
+        </p:spPr>
+        <p:txBody>
+          <a:bodyPr>
+            <a:normAutofit/>
+          </a:bodyPr>
+          <a:lstStyle/>
+          <a:p>
+            <a:r>
+              <a:rPr lang="en-CA" sz="6600" dirty="0">
+                <a:solidFill>
+                  <a:srgbClr val="1D326D"/>
+                </a:solidFill>
+                <a:sym typeface="Wingdings" panose="05000000000000000000" pitchFamily="2" charset="2"/>
+              </a:rPr>
+              <a:t> QUESTIONS?</a:t>
+            </a:r>
+            <a:endParaRPr lang="en-US" sz="6600" dirty="0">
+              <a:solidFill>
+                <a:srgbClr val="1D326D"/>
+              </a:solidFill>
+            </a:endParaRPr>
+          </a:p>
+        </p:txBody>
+      </p:sp>
+      <p:sp>
+        <p:nvSpPr>
+          <p:cNvPr id="3" name="Subtitle 2">
+            <a:extLst>
+              <a:ext uri="{FF2B5EF4-FFF2-40B4-BE49-F238E27FC236}">
+                <a16:creationId xmlns:a16="http://schemas.microsoft.com/office/drawing/2014/main" id="{C660EB17-2854-4658-9BE6-4D698F62714C}"/>
+              </a:ext>
+            </a:extLst>
+          </p:cNvPr>
+          <p:cNvSpPr>
+            <a:spLocks noGrp="1"/>
+          </p:cNvSpPr>
+          <p:nvPr>
+            <p:ph type="subTitle" idx="1"/>
+          </p:nvPr>
+        </p:nvSpPr>
+        <p:spPr>
+          <a:xfrm>
+            <a:off x="723900" y="5462192"/>
+            <a:ext cx="14944338" cy="1385642"/>
+          </a:xfrm>
+        </p:spPr>
+        <p:txBody>
+          <a:bodyPr>
+            <a:normAutofit fontScale="70000" lnSpcReduction="20000"/>
+          </a:bodyPr>
+          <a:lstStyle/>
+          <a:p>
+            <a:r>
+              <a:rPr lang="en-CA" dirty="0"/>
+              <a:t>Michael Herman</a:t>
+            </a:r>
+          </a:p>
+          <a:p>
+            <a:r>
+              <a:rPr lang="en-CA" dirty="0"/>
+              <a:t>Independent Blockchain Architect</a:t>
+            </a:r>
+          </a:p>
+          <a:p>
+            <a:r>
+              <a:rPr lang="en-CA" dirty="0"/>
+              <a:t>mwherman@parallelspace.net</a:t>
+            </a:r>
+            <a:endParaRPr lang="en-US" dirty="0"/>
+          </a:p>
+        </p:txBody>
+      </p:sp>
+      <p:sp>
+        <p:nvSpPr>
+          <p:cNvPr id="6" name="Date Placeholder 2">
+            <a:extLst>
+              <a:ext uri="{FF2B5EF4-FFF2-40B4-BE49-F238E27FC236}">
+                <a16:creationId xmlns:a16="http://schemas.microsoft.com/office/drawing/2014/main" id="{CAE60D8B-0203-40B8-A489-34BFBE53BA6F}"/>
+              </a:ext>
+            </a:extLst>
+          </p:cNvPr>
+          <p:cNvSpPr txBox="1">
+            <a:spLocks/>
+          </p:cNvSpPr>
+          <p:nvPr/>
+        </p:nvSpPr>
+        <p:spPr>
+          <a:xfrm>
+            <a:off x="10706614" y="9018020"/>
+            <a:ext cx="5868474" cy="436742"/>
+          </a:xfrm>
+          <a:prstGeom prst="rect">
+            <a:avLst/>
+          </a:prstGeom>
+        </p:spPr>
+        <p:txBody>
+          <a:bodyPr vert="horz" lIns="91440" tIns="45720" rIns="91440" bIns="45720" rtlCol="0" anchor="ctr"/>
+          <a:lstStyle>
+            <a:defPPr>
+              <a:defRPr lang="en-US"/>
+            </a:defPPr>
+            <a:lvl1pPr marL="0" algn="r" defTabSz="457200" rtl="0" eaLnBrk="1" latinLnBrk="0" hangingPunct="1">
+              <a:defRPr sz="1417" kern="1200">
+                <a:solidFill>
+                  <a:schemeClr val="tx1">
+                    <a:tint val="75000"/>
+                  </a:schemeClr>
+                </a:solidFill>
+                <a:latin typeface="+mn-lt"/>
+                <a:ea typeface="+mn-ea"/>
+                <a:cs typeface="+mn-cs"/>
+              </a:defRPr>
+            </a:lvl1pPr>
+            <a:lvl2pPr marL="457200" algn="l" defTabSz="457200" rtl="0" eaLnBrk="1" latinLnBrk="0" hangingPunct="1">
+              <a:defRPr sz="1800" kern="1200">
+                <a:solidFill>
+                  <a:schemeClr val="tx1"/>
+                </a:solidFill>
+                <a:latin typeface="+mn-lt"/>
+                <a:ea typeface="+mn-ea"/>
+                <a:cs typeface="+mn-cs"/>
+              </a:defRPr>
+            </a:lvl2pPr>
+            <a:lvl3pPr marL="914400" algn="l" defTabSz="457200" rtl="0" eaLnBrk="1" latinLnBrk="0" hangingPunct="1">
+              <a:defRPr sz="1800" kern="1200">
+                <a:solidFill>
+                  <a:schemeClr val="tx1"/>
+                </a:solidFill>
+                <a:latin typeface="+mn-lt"/>
+                <a:ea typeface="+mn-ea"/>
+                <a:cs typeface="+mn-cs"/>
+              </a:defRPr>
+            </a:lvl3pPr>
+            <a:lvl4pPr marL="1371600" algn="l" defTabSz="457200" rtl="0" eaLnBrk="1" latinLnBrk="0" hangingPunct="1">
+              <a:defRPr sz="1800" kern="1200">
+                <a:solidFill>
+                  <a:schemeClr val="tx1"/>
+                </a:solidFill>
+                <a:latin typeface="+mn-lt"/>
+                <a:ea typeface="+mn-ea"/>
+                <a:cs typeface="+mn-cs"/>
+              </a:defRPr>
+            </a:lvl4pPr>
+            <a:lvl5pPr marL="1828800" algn="l" defTabSz="457200" rtl="0" eaLnBrk="1" latinLnBrk="0" hangingPunct="1">
+              <a:defRPr sz="1800" kern="1200">
+                <a:solidFill>
+                  <a:schemeClr val="tx1"/>
+                </a:solidFill>
+                <a:latin typeface="+mn-lt"/>
+                <a:ea typeface="+mn-ea"/>
+                <a:cs typeface="+mn-cs"/>
+              </a:defRPr>
+            </a:lvl5pPr>
+            <a:lvl6pPr marL="2286000" algn="l" defTabSz="457200" rtl="0" eaLnBrk="1" latinLnBrk="0" hangingPunct="1">
+              <a:defRPr sz="1800" kern="1200">
+                <a:solidFill>
+                  <a:schemeClr val="tx1"/>
+                </a:solidFill>
+                <a:latin typeface="+mn-lt"/>
+                <a:ea typeface="+mn-ea"/>
+                <a:cs typeface="+mn-cs"/>
+              </a:defRPr>
+            </a:lvl6pPr>
+            <a:lvl7pPr marL="2743200" algn="l" defTabSz="457200" rtl="0" eaLnBrk="1" latinLnBrk="0" hangingPunct="1">
+              <a:defRPr sz="1800" kern="1200">
+                <a:solidFill>
+                  <a:schemeClr val="tx1"/>
+                </a:solidFill>
+                <a:latin typeface="+mn-lt"/>
+                <a:ea typeface="+mn-ea"/>
+                <a:cs typeface="+mn-cs"/>
+              </a:defRPr>
+            </a:lvl7pPr>
+            <a:lvl8pPr marL="3200400" algn="l" defTabSz="457200" rtl="0" eaLnBrk="1" latinLnBrk="0" hangingPunct="1">
+              <a:defRPr sz="1800" kern="1200">
+                <a:solidFill>
+                  <a:schemeClr val="tx1"/>
+                </a:solidFill>
+                <a:latin typeface="+mn-lt"/>
+                <a:ea typeface="+mn-ea"/>
+                <a:cs typeface="+mn-cs"/>
+              </a:defRPr>
+            </a:lvl8pPr>
+            <a:lvl9pPr marL="3657600" algn="l" defTabSz="457200" rtl="0" eaLnBrk="1" latinLnBrk="0" hangingPunct="1">
+              <a:defRPr sz="1800" kern="1200">
+                <a:solidFill>
+                  <a:schemeClr val="tx1"/>
+                </a:solidFill>
+                <a:latin typeface="+mn-lt"/>
+                <a:ea typeface="+mn-ea"/>
+                <a:cs typeface="+mn-cs"/>
+              </a:defRPr>
+            </a:lvl9pPr>
+          </a:lstStyle>
+          <a:p>
+            <a:fld id="{E35A9342-8D2C-4F03-BE33-2A71AE2A9EC4}" type="datetime1">
+              <a:rPr lang="en-CA" smtClean="0">
+                <a:solidFill>
+                  <a:schemeClr val="bg1"/>
+                </a:solidFill>
+              </a:rPr>
+              <a:pPr/>
+              <a:t>2019-03-24</a:t>
+            </a:fld>
+            <a:endParaRPr lang="en-CA" dirty="0">
+              <a:solidFill>
+                <a:schemeClr val="bg1"/>
+              </a:solidFill>
+            </a:endParaRPr>
+          </a:p>
+        </p:txBody>
+      </p:sp>
+      <p:sp>
+        <p:nvSpPr>
+          <p:cNvPr id="7" name="Footer Placeholder 3">
+            <a:extLst>
+              <a:ext uri="{FF2B5EF4-FFF2-40B4-BE49-F238E27FC236}">
+                <a16:creationId xmlns:a16="http://schemas.microsoft.com/office/drawing/2014/main" id="{3D783E02-345E-4936-A5FF-81DDE805ECA4}"/>
+              </a:ext>
+            </a:extLst>
+          </p:cNvPr>
+          <p:cNvSpPr txBox="1">
+            <a:spLocks/>
+          </p:cNvSpPr>
+          <p:nvPr/>
+        </p:nvSpPr>
+        <p:spPr>
+          <a:xfrm>
+            <a:off x="2057349" y="9019515"/>
+            <a:ext cx="8233240" cy="435247"/>
+          </a:xfrm>
+          <a:prstGeom prst="rect">
+            <a:avLst/>
+          </a:prstGeom>
+        </p:spPr>
+        <p:txBody>
+          <a:bodyPr vert="horz" lIns="91440" tIns="45720" rIns="91440" bIns="45720" rtlCol="0" anchor="ctr"/>
+          <a:lstStyle>
+            <a:defPPr>
+              <a:defRPr lang="en-US"/>
+            </a:defPPr>
+            <a:lvl1pPr marL="0" algn="l" defTabSz="457200" rtl="0" eaLnBrk="1" latinLnBrk="0" hangingPunct="1">
+              <a:defRPr sz="1417" kern="1200">
+                <a:solidFill>
+                  <a:schemeClr val="tx1">
+                    <a:tint val="75000"/>
+                  </a:schemeClr>
+                </a:solidFill>
+                <a:latin typeface="+mn-lt"/>
+                <a:ea typeface="+mn-ea"/>
+                <a:cs typeface="+mn-cs"/>
+              </a:defRPr>
+            </a:lvl1pPr>
+            <a:lvl2pPr marL="457200" algn="l" defTabSz="457200" rtl="0" eaLnBrk="1" latinLnBrk="0" hangingPunct="1">
+              <a:defRPr sz="1800" kern="1200">
+                <a:solidFill>
+                  <a:schemeClr val="tx1"/>
+                </a:solidFill>
+                <a:latin typeface="+mn-lt"/>
+                <a:ea typeface="+mn-ea"/>
+                <a:cs typeface="+mn-cs"/>
+              </a:defRPr>
+            </a:lvl2pPr>
+            <a:lvl3pPr marL="914400" algn="l" defTabSz="457200" rtl="0" eaLnBrk="1" latinLnBrk="0" hangingPunct="1">
+              <a:defRPr sz="1800" kern="1200">
+                <a:solidFill>
+                  <a:schemeClr val="tx1"/>
+                </a:solidFill>
+                <a:latin typeface="+mn-lt"/>
+                <a:ea typeface="+mn-ea"/>
+                <a:cs typeface="+mn-cs"/>
+              </a:defRPr>
+            </a:lvl3pPr>
+            <a:lvl4pPr marL="1371600" algn="l" defTabSz="457200" rtl="0" eaLnBrk="1" latinLnBrk="0" hangingPunct="1">
+              <a:defRPr sz="1800" kern="1200">
+                <a:solidFill>
+                  <a:schemeClr val="tx1"/>
+                </a:solidFill>
+                <a:latin typeface="+mn-lt"/>
+                <a:ea typeface="+mn-ea"/>
+                <a:cs typeface="+mn-cs"/>
+              </a:defRPr>
+            </a:lvl4pPr>
+            <a:lvl5pPr marL="1828800" algn="l" defTabSz="457200" rtl="0" eaLnBrk="1" latinLnBrk="0" hangingPunct="1">
+              <a:defRPr sz="1800" kern="1200">
+                <a:solidFill>
+                  <a:schemeClr val="tx1"/>
+                </a:solidFill>
+                <a:latin typeface="+mn-lt"/>
+                <a:ea typeface="+mn-ea"/>
+                <a:cs typeface="+mn-cs"/>
+              </a:defRPr>
+            </a:lvl5pPr>
+            <a:lvl6pPr marL="2286000" algn="l" defTabSz="457200" rtl="0" eaLnBrk="1" latinLnBrk="0" hangingPunct="1">
+              <a:defRPr sz="1800" kern="1200">
+                <a:solidFill>
+                  <a:schemeClr val="tx1"/>
+                </a:solidFill>
+                <a:latin typeface="+mn-lt"/>
+                <a:ea typeface="+mn-ea"/>
+                <a:cs typeface="+mn-cs"/>
+              </a:defRPr>
+            </a:lvl6pPr>
+            <a:lvl7pPr marL="2743200" algn="l" defTabSz="457200" rtl="0" eaLnBrk="1" latinLnBrk="0" hangingPunct="1">
+              <a:defRPr sz="1800" kern="1200">
+                <a:solidFill>
+                  <a:schemeClr val="tx1"/>
+                </a:solidFill>
+                <a:latin typeface="+mn-lt"/>
+                <a:ea typeface="+mn-ea"/>
+                <a:cs typeface="+mn-cs"/>
+              </a:defRPr>
+            </a:lvl7pPr>
+            <a:lvl8pPr marL="3200400" algn="l" defTabSz="457200" rtl="0" eaLnBrk="1" latinLnBrk="0" hangingPunct="1">
+              <a:defRPr sz="1800" kern="1200">
+                <a:solidFill>
+                  <a:schemeClr val="tx1"/>
+                </a:solidFill>
+                <a:latin typeface="+mn-lt"/>
+                <a:ea typeface="+mn-ea"/>
+                <a:cs typeface="+mn-cs"/>
+              </a:defRPr>
+            </a:lvl8pPr>
+            <a:lvl9pPr marL="3657600" algn="l" defTabSz="457200" rtl="0" eaLnBrk="1" latinLnBrk="0" hangingPunct="1">
+              <a:defRPr sz="1800" kern="1200">
+                <a:solidFill>
+                  <a:schemeClr val="tx1"/>
+                </a:solidFill>
+                <a:latin typeface="+mn-lt"/>
+                <a:ea typeface="+mn-ea"/>
+                <a:cs typeface="+mn-cs"/>
+              </a:defRPr>
+            </a:lvl9pPr>
+          </a:lstStyle>
+          <a:p>
+            <a:r>
+              <a:rPr lang="en-US" dirty="0">
+                <a:solidFill>
+                  <a:schemeClr val="bg1"/>
+                </a:solidFill>
+              </a:rPr>
+              <a:t>Decentralized Identifier URL Specification (did-url-spec)</a:t>
+            </a:r>
+            <a:endParaRPr lang="en-CA" dirty="0">
+              <a:solidFill>
+                <a:schemeClr val="bg1"/>
+              </a:solidFill>
+            </a:endParaRPr>
+          </a:p>
+        </p:txBody>
+      </p:sp>
+      <p:sp>
+        <p:nvSpPr>
+          <p:cNvPr id="4" name="Date Placeholder 3">
+            <a:extLst>
+              <a:ext uri="{FF2B5EF4-FFF2-40B4-BE49-F238E27FC236}">
+                <a16:creationId xmlns:a16="http://schemas.microsoft.com/office/drawing/2014/main" id="{7A40C56A-9F2E-44C2-87C4-0B3480647526}"/>
+              </a:ext>
+            </a:extLst>
+          </p:cNvPr>
+          <p:cNvSpPr>
+            <a:spLocks noGrp="1"/>
+          </p:cNvSpPr>
+          <p:nvPr>
+            <p:ph type="dt" sz="half" idx="10"/>
+          </p:nvPr>
+        </p:nvSpPr>
+        <p:spPr/>
+        <p:txBody>
+          <a:bodyPr/>
+          <a:lstStyle/>
+          <a:p>
+            <a:fld id="{AE4796CF-3633-493F-86C5-6308058AE298}" type="datetime1">
+              <a:rPr lang="en-CA" smtClean="0"/>
+              <a:t>2019-03-24</a:t>
+            </a:fld>
+            <a:endParaRPr lang="en-CA" dirty="0"/>
+          </a:p>
+        </p:txBody>
+      </p:sp>
+      <p:sp>
+        <p:nvSpPr>
+          <p:cNvPr id="5" name="Footer Placeholder 4">
+            <a:extLst>
+              <a:ext uri="{FF2B5EF4-FFF2-40B4-BE49-F238E27FC236}">
+                <a16:creationId xmlns:a16="http://schemas.microsoft.com/office/drawing/2014/main" id="{583EE570-C996-48DA-9C0F-F858EBA75727}"/>
+              </a:ext>
+            </a:extLst>
+          </p:cNvPr>
+          <p:cNvSpPr>
+            <a:spLocks noGrp="1"/>
+          </p:cNvSpPr>
+          <p:nvPr>
+            <p:ph type="ftr" sz="quarter" idx="11"/>
+          </p:nvPr>
+        </p:nvSpPr>
+        <p:spPr/>
+        <p:txBody>
+          <a:bodyPr/>
+          <a:lstStyle/>
+          <a:p>
+            <a:r>
+              <a:rPr lang="en-US" dirty="0"/>
+              <a:t>Decentralized Identifier URL Specification (did-url-spec)</a:t>
+            </a:r>
+            <a:endParaRPr lang="en-CA" dirty="0"/>
+          </a:p>
+        </p:txBody>
+      </p:sp>
+    </p:spTree>
+    <p:extLst>
+      <p:ext uri="{BB962C8B-B14F-4D97-AF65-F5344CB8AC3E}">
+        <p14:creationId xmlns:p14="http://schemas.microsoft.com/office/powerpoint/2010/main" val="4245550465"/>
+      </p:ext>
+    </p:extLst>
+  </p:cSld>
+  <p:clrMapOvr>
+    <a:masterClrMapping/>
+  </p:clrMapOvr>
+</p:sld>
+</file>
+
+<file path=ppt/slides/slide62.xml><?xml version="1.0" encoding="utf-8"?>
+<p:sld xmlns:a="http://schemas.openxmlformats.org/drawingml/2006/main" xmlns:r="http://schemas.openxmlformats.org/officeDocument/2006/relationships" xmlns:p="http://schemas.openxmlformats.org/presentationml/2006/main">
+  <p:cSld>
+    <p:spTree>
+      <p:nvGrpSpPr>
+        <p:cNvPr id="1" name=""/>
+        <p:cNvGrpSpPr/>
+        <p:nvPr/>
+      </p:nvGrpSpPr>
+      <p:grpSpPr>
+        <a:xfrm>
+          <a:off x="0" y="0"/>
+          <a:ext cx="0" cy="0"/>
+          <a:chOff x="0" y="0"/>
+          <a:chExt cx="0" cy="0"/>
+        </a:xfrm>
+      </p:grpSpPr>
+      <p:sp>
+        <p:nvSpPr>
+          <p:cNvPr id="2" name="Date Placeholder 2">
+            <a:extLst>
+              <a:ext uri="{FF2B5EF4-FFF2-40B4-BE49-F238E27FC236}">
+                <a16:creationId xmlns:a16="http://schemas.microsoft.com/office/drawing/2014/main" id="{A88EA10A-757B-4E99-B380-C4AA83210436}"/>
+              </a:ext>
+            </a:extLst>
+          </p:cNvPr>
+          <p:cNvSpPr txBox="1">
+            <a:spLocks/>
+          </p:cNvSpPr>
+          <p:nvPr/>
+        </p:nvSpPr>
+        <p:spPr>
+          <a:xfrm>
+            <a:off x="10706614" y="9018020"/>
+            <a:ext cx="5868474" cy="436742"/>
+          </a:xfrm>
+          <a:prstGeom prst="rect">
+            <a:avLst/>
+          </a:prstGeom>
+        </p:spPr>
+        <p:txBody>
+          <a:bodyPr vert="horz" lIns="91440" tIns="45720" rIns="91440" bIns="45720" rtlCol="0" anchor="ctr"/>
+          <a:lstStyle>
+            <a:defPPr>
+              <a:defRPr lang="en-US"/>
+            </a:defPPr>
+            <a:lvl1pPr marL="0" algn="r" defTabSz="457200" rtl="0" eaLnBrk="1" latinLnBrk="0" hangingPunct="1">
+              <a:defRPr sz="1417" kern="1200">
+                <a:solidFill>
+                  <a:schemeClr val="tx1">
+                    <a:tint val="75000"/>
+                  </a:schemeClr>
+                </a:solidFill>
+                <a:latin typeface="+mn-lt"/>
+                <a:ea typeface="+mn-ea"/>
+                <a:cs typeface="+mn-cs"/>
+              </a:defRPr>
+            </a:lvl1pPr>
+            <a:lvl2pPr marL="457200" algn="l" defTabSz="457200" rtl="0" eaLnBrk="1" latinLnBrk="0" hangingPunct="1">
+              <a:defRPr sz="1800" kern="1200">
+                <a:solidFill>
+                  <a:schemeClr val="tx1"/>
+                </a:solidFill>
+                <a:latin typeface="+mn-lt"/>
+                <a:ea typeface="+mn-ea"/>
+                <a:cs typeface="+mn-cs"/>
+              </a:defRPr>
+            </a:lvl2pPr>
+            <a:lvl3pPr marL="914400" algn="l" defTabSz="457200" rtl="0" eaLnBrk="1" latinLnBrk="0" hangingPunct="1">
+              <a:defRPr sz="1800" kern="1200">
+                <a:solidFill>
+                  <a:schemeClr val="tx1"/>
+                </a:solidFill>
+                <a:latin typeface="+mn-lt"/>
+                <a:ea typeface="+mn-ea"/>
+                <a:cs typeface="+mn-cs"/>
+              </a:defRPr>
+            </a:lvl3pPr>
+            <a:lvl4pPr marL="1371600" algn="l" defTabSz="457200" rtl="0" eaLnBrk="1" latinLnBrk="0" hangingPunct="1">
+              <a:defRPr sz="1800" kern="1200">
+                <a:solidFill>
+                  <a:schemeClr val="tx1"/>
+                </a:solidFill>
+                <a:latin typeface="+mn-lt"/>
+                <a:ea typeface="+mn-ea"/>
+                <a:cs typeface="+mn-cs"/>
+              </a:defRPr>
+            </a:lvl4pPr>
+            <a:lvl5pPr marL="1828800" algn="l" defTabSz="457200" rtl="0" eaLnBrk="1" latinLnBrk="0" hangingPunct="1">
+              <a:defRPr sz="1800" kern="1200">
+                <a:solidFill>
+                  <a:schemeClr val="tx1"/>
+                </a:solidFill>
+                <a:latin typeface="+mn-lt"/>
+                <a:ea typeface="+mn-ea"/>
+                <a:cs typeface="+mn-cs"/>
+              </a:defRPr>
+            </a:lvl5pPr>
+            <a:lvl6pPr marL="2286000" algn="l" defTabSz="457200" rtl="0" eaLnBrk="1" latinLnBrk="0" hangingPunct="1">
+              <a:defRPr sz="1800" kern="1200">
+                <a:solidFill>
+                  <a:schemeClr val="tx1"/>
+                </a:solidFill>
+                <a:latin typeface="+mn-lt"/>
+                <a:ea typeface="+mn-ea"/>
+                <a:cs typeface="+mn-cs"/>
+              </a:defRPr>
+            </a:lvl6pPr>
+            <a:lvl7pPr marL="2743200" algn="l" defTabSz="457200" rtl="0" eaLnBrk="1" latinLnBrk="0" hangingPunct="1">
+              <a:defRPr sz="1800" kern="1200">
+                <a:solidFill>
+                  <a:schemeClr val="tx1"/>
+                </a:solidFill>
+                <a:latin typeface="+mn-lt"/>
+                <a:ea typeface="+mn-ea"/>
+                <a:cs typeface="+mn-cs"/>
+              </a:defRPr>
+            </a:lvl7pPr>
+            <a:lvl8pPr marL="3200400" algn="l" defTabSz="457200" rtl="0" eaLnBrk="1" latinLnBrk="0" hangingPunct="1">
+              <a:defRPr sz="1800" kern="1200">
+                <a:solidFill>
+                  <a:schemeClr val="tx1"/>
+                </a:solidFill>
+                <a:latin typeface="+mn-lt"/>
+                <a:ea typeface="+mn-ea"/>
+                <a:cs typeface="+mn-cs"/>
+              </a:defRPr>
+            </a:lvl8pPr>
+            <a:lvl9pPr marL="3657600" algn="l" defTabSz="457200" rtl="0" eaLnBrk="1" latinLnBrk="0" hangingPunct="1">
+              <a:defRPr sz="1800" kern="1200">
+                <a:solidFill>
+                  <a:schemeClr val="tx1"/>
+                </a:solidFill>
+                <a:latin typeface="+mn-lt"/>
+                <a:ea typeface="+mn-ea"/>
+                <a:cs typeface="+mn-cs"/>
+              </a:defRPr>
+            </a:lvl9pPr>
+          </a:lstStyle>
+          <a:p>
+            <a:fld id="{E35A9342-8D2C-4F03-BE33-2A71AE2A9EC4}" type="datetime1">
+              <a:rPr lang="en-CA" smtClean="0">
+                <a:solidFill>
+                  <a:schemeClr val="bg1"/>
+                </a:solidFill>
+              </a:rPr>
+              <a:pPr/>
+              <a:t>2019-03-24</a:t>
+            </a:fld>
+            <a:endParaRPr lang="en-CA" dirty="0">
+              <a:solidFill>
+                <a:schemeClr val="bg1"/>
+              </a:solidFill>
+            </a:endParaRPr>
+          </a:p>
+        </p:txBody>
+      </p:sp>
+      <p:sp>
+        <p:nvSpPr>
+          <p:cNvPr id="3" name="Footer Placeholder 3">
+            <a:extLst>
+              <a:ext uri="{FF2B5EF4-FFF2-40B4-BE49-F238E27FC236}">
+                <a16:creationId xmlns:a16="http://schemas.microsoft.com/office/drawing/2014/main" id="{4D0AC86D-EBD2-41E3-AC70-6E1F6E5C836A}"/>
+              </a:ext>
+            </a:extLst>
+          </p:cNvPr>
+          <p:cNvSpPr txBox="1">
+            <a:spLocks/>
+          </p:cNvSpPr>
+          <p:nvPr/>
+        </p:nvSpPr>
+        <p:spPr>
+          <a:xfrm>
+            <a:off x="2057349" y="9019515"/>
+            <a:ext cx="8233240" cy="435247"/>
+          </a:xfrm>
+          <a:prstGeom prst="rect">
+            <a:avLst/>
+          </a:prstGeom>
+        </p:spPr>
+        <p:txBody>
+          <a:bodyPr vert="horz" lIns="91440" tIns="45720" rIns="91440" bIns="45720" rtlCol="0" anchor="ctr"/>
+          <a:lstStyle>
+            <a:defPPr>
+              <a:defRPr lang="en-US"/>
+            </a:defPPr>
+            <a:lvl1pPr marL="0" algn="l" defTabSz="457200" rtl="0" eaLnBrk="1" latinLnBrk="0" hangingPunct="1">
+              <a:defRPr sz="1417" kern="1200">
+                <a:solidFill>
+                  <a:schemeClr val="tx1">
+                    <a:tint val="75000"/>
+                  </a:schemeClr>
+                </a:solidFill>
+                <a:latin typeface="+mn-lt"/>
+                <a:ea typeface="+mn-ea"/>
+                <a:cs typeface="+mn-cs"/>
+              </a:defRPr>
+            </a:lvl1pPr>
+            <a:lvl2pPr marL="457200" algn="l" defTabSz="457200" rtl="0" eaLnBrk="1" latinLnBrk="0" hangingPunct="1">
+              <a:defRPr sz="1800" kern="1200">
+                <a:solidFill>
+                  <a:schemeClr val="tx1"/>
+                </a:solidFill>
+                <a:latin typeface="+mn-lt"/>
+                <a:ea typeface="+mn-ea"/>
+                <a:cs typeface="+mn-cs"/>
+              </a:defRPr>
+            </a:lvl2pPr>
+            <a:lvl3pPr marL="914400" algn="l" defTabSz="457200" rtl="0" eaLnBrk="1" latinLnBrk="0" hangingPunct="1">
+              <a:defRPr sz="1800" kern="1200">
+                <a:solidFill>
+                  <a:schemeClr val="tx1"/>
+                </a:solidFill>
+                <a:latin typeface="+mn-lt"/>
+                <a:ea typeface="+mn-ea"/>
+                <a:cs typeface="+mn-cs"/>
+              </a:defRPr>
+            </a:lvl3pPr>
+            <a:lvl4pPr marL="1371600" algn="l" defTabSz="457200" rtl="0" eaLnBrk="1" latinLnBrk="0" hangingPunct="1">
+              <a:defRPr sz="1800" kern="1200">
+                <a:solidFill>
+                  <a:schemeClr val="tx1"/>
+                </a:solidFill>
+                <a:latin typeface="+mn-lt"/>
+                <a:ea typeface="+mn-ea"/>
+                <a:cs typeface="+mn-cs"/>
+              </a:defRPr>
+            </a:lvl4pPr>
+            <a:lvl5pPr marL="1828800" algn="l" defTabSz="457200" rtl="0" eaLnBrk="1" latinLnBrk="0" hangingPunct="1">
+              <a:defRPr sz="1800" kern="1200">
+                <a:solidFill>
+                  <a:schemeClr val="tx1"/>
+                </a:solidFill>
+                <a:latin typeface="+mn-lt"/>
+                <a:ea typeface="+mn-ea"/>
+                <a:cs typeface="+mn-cs"/>
+              </a:defRPr>
+            </a:lvl5pPr>
+            <a:lvl6pPr marL="2286000" algn="l" defTabSz="457200" rtl="0" eaLnBrk="1" latinLnBrk="0" hangingPunct="1">
+              <a:defRPr sz="1800" kern="1200">
+                <a:solidFill>
+                  <a:schemeClr val="tx1"/>
+                </a:solidFill>
+                <a:latin typeface="+mn-lt"/>
+                <a:ea typeface="+mn-ea"/>
+                <a:cs typeface="+mn-cs"/>
+              </a:defRPr>
+            </a:lvl6pPr>
+            <a:lvl7pPr marL="2743200" algn="l" defTabSz="457200" rtl="0" eaLnBrk="1" latinLnBrk="0" hangingPunct="1">
+              <a:defRPr sz="1800" kern="1200">
+                <a:solidFill>
+                  <a:schemeClr val="tx1"/>
+                </a:solidFill>
+                <a:latin typeface="+mn-lt"/>
+                <a:ea typeface="+mn-ea"/>
+                <a:cs typeface="+mn-cs"/>
+              </a:defRPr>
+            </a:lvl7pPr>
+            <a:lvl8pPr marL="3200400" algn="l" defTabSz="457200" rtl="0" eaLnBrk="1" latinLnBrk="0" hangingPunct="1">
+              <a:defRPr sz="1800" kern="1200">
+                <a:solidFill>
+                  <a:schemeClr val="tx1"/>
+                </a:solidFill>
+                <a:latin typeface="+mn-lt"/>
+                <a:ea typeface="+mn-ea"/>
+                <a:cs typeface="+mn-cs"/>
+              </a:defRPr>
+            </a:lvl8pPr>
+            <a:lvl9pPr marL="3657600" algn="l" defTabSz="457200" rtl="0" eaLnBrk="1" latinLnBrk="0" hangingPunct="1">
+              <a:defRPr sz="1800" kern="1200">
+                <a:solidFill>
+                  <a:schemeClr val="tx1"/>
+                </a:solidFill>
+                <a:latin typeface="+mn-lt"/>
+                <a:ea typeface="+mn-ea"/>
+                <a:cs typeface="+mn-cs"/>
+              </a:defRPr>
+            </a:lvl9pPr>
+          </a:lstStyle>
+          <a:p>
+            <a:r>
+              <a:rPr lang="en-US" dirty="0">
+                <a:solidFill>
+                  <a:schemeClr val="bg1"/>
+                </a:solidFill>
+              </a:rPr>
+              <a:t>Decentralized Identifier URL Specification (did-url-spec)</a:t>
+            </a:r>
+            <a:endParaRPr lang="en-CA" dirty="0">
+              <a:solidFill>
+                <a:schemeClr val="bg1"/>
+              </a:solidFill>
+            </a:endParaRPr>
+          </a:p>
+        </p:txBody>
+      </p:sp>
+      <p:sp>
+        <p:nvSpPr>
+          <p:cNvPr id="5" name="Date Placeholder 4">
+            <a:extLst>
+              <a:ext uri="{FF2B5EF4-FFF2-40B4-BE49-F238E27FC236}">
+                <a16:creationId xmlns:a16="http://schemas.microsoft.com/office/drawing/2014/main" id="{9CC18FE0-0438-4D83-ABF5-6B3A53D6DCAA}"/>
+              </a:ext>
+            </a:extLst>
+          </p:cNvPr>
+          <p:cNvSpPr>
+            <a:spLocks noGrp="1"/>
+          </p:cNvSpPr>
+          <p:nvPr>
+            <p:ph type="dt" sz="half" idx="10"/>
+          </p:nvPr>
+        </p:nvSpPr>
+        <p:spPr/>
+        <p:txBody>
+          <a:bodyPr/>
+          <a:lstStyle/>
+          <a:p>
+            <a:fld id="{B44BC05F-29F5-407B-A7ED-3364A06BC05F}" type="datetime1">
+              <a:rPr lang="en-CA" smtClean="0"/>
+              <a:t>2019-03-24</a:t>
+            </a:fld>
+            <a:endParaRPr lang="en-CA" dirty="0"/>
+          </a:p>
+        </p:txBody>
+      </p:sp>
+    </p:spTree>
+    <p:extLst>
+      <p:ext uri="{BB962C8B-B14F-4D97-AF65-F5344CB8AC3E}">
+        <p14:creationId xmlns:p14="http://schemas.microsoft.com/office/powerpoint/2010/main" val="2009546040"/>
       </p:ext>
     </p:extLst>
   </p:cSld>
@@ -31756,7 +32421,7 @@
             </a:pPr>
             <a:r>
               <a:rPr lang="en-US" dirty="0"/>
-              <a:t>Use the original architectural principles from the draft `did-spec` as well as the higher-level DID use cases from several documents (see below) to create a comprehensive list of lower-level </a:t>
+              <a:t>Use the original architectural principles from the draft `did-spec` as well as the higher-level DID user scenarios from several documents (see below) to create a comprehensive list of lower-level </a:t>
             </a:r>
             <a:r>
               <a:rPr lang="en-US" dirty="0">

--- a/src/HBB-did-url-spec v0.6.pptx
+++ b/src/HBB-did-url-spec v0.6.pptx
@@ -5,7 +5,7 @@
     <p:sldMasterId id="2147483684" r:id="rId1"/>
   </p:sldMasterIdLst>
   <p:notesMasterIdLst>
-    <p:notesMasterId r:id="rId64"/>
+    <p:notesMasterId r:id="rId65"/>
   </p:notesMasterIdLst>
   <p:sldIdLst>
     <p:sldId id="613" r:id="rId2"/>
@@ -43,33 +43,34 @@
     <p:sldId id="624" r:id="rId34"/>
     <p:sldId id="657" r:id="rId35"/>
     <p:sldId id="658" r:id="rId36"/>
-    <p:sldId id="659" r:id="rId37"/>
-    <p:sldId id="670" r:id="rId38"/>
-    <p:sldId id="660" r:id="rId39"/>
-    <p:sldId id="646" r:id="rId40"/>
-    <p:sldId id="625" r:id="rId41"/>
-    <p:sldId id="671" r:id="rId42"/>
-    <p:sldId id="672" r:id="rId43"/>
-    <p:sldId id="636" r:id="rId44"/>
-    <p:sldId id="637" r:id="rId45"/>
-    <p:sldId id="638" r:id="rId46"/>
-    <p:sldId id="639" r:id="rId47"/>
-    <p:sldId id="640" r:id="rId48"/>
-    <p:sldId id="642" r:id="rId49"/>
-    <p:sldId id="643" r:id="rId50"/>
-    <p:sldId id="644" r:id="rId51"/>
-    <p:sldId id="645" r:id="rId52"/>
-    <p:sldId id="647" r:id="rId53"/>
-    <p:sldId id="662" r:id="rId54"/>
-    <p:sldId id="648" r:id="rId55"/>
-    <p:sldId id="628" r:id="rId56"/>
-    <p:sldId id="668" r:id="rId57"/>
-    <p:sldId id="621" r:id="rId58"/>
-    <p:sldId id="620" r:id="rId59"/>
-    <p:sldId id="608" r:id="rId60"/>
-    <p:sldId id="669" r:id="rId61"/>
-    <p:sldId id="598" r:id="rId62"/>
-    <p:sldId id="612" r:id="rId63"/>
+    <p:sldId id="673" r:id="rId37"/>
+    <p:sldId id="659" r:id="rId38"/>
+    <p:sldId id="670" r:id="rId39"/>
+    <p:sldId id="660" r:id="rId40"/>
+    <p:sldId id="646" r:id="rId41"/>
+    <p:sldId id="625" r:id="rId42"/>
+    <p:sldId id="671" r:id="rId43"/>
+    <p:sldId id="672" r:id="rId44"/>
+    <p:sldId id="636" r:id="rId45"/>
+    <p:sldId id="637" r:id="rId46"/>
+    <p:sldId id="638" r:id="rId47"/>
+    <p:sldId id="639" r:id="rId48"/>
+    <p:sldId id="640" r:id="rId49"/>
+    <p:sldId id="642" r:id="rId50"/>
+    <p:sldId id="643" r:id="rId51"/>
+    <p:sldId id="644" r:id="rId52"/>
+    <p:sldId id="645" r:id="rId53"/>
+    <p:sldId id="647" r:id="rId54"/>
+    <p:sldId id="662" r:id="rId55"/>
+    <p:sldId id="648" r:id="rId56"/>
+    <p:sldId id="628" r:id="rId57"/>
+    <p:sldId id="668" r:id="rId58"/>
+    <p:sldId id="621" r:id="rId59"/>
+    <p:sldId id="620" r:id="rId60"/>
+    <p:sldId id="608" r:id="rId61"/>
+    <p:sldId id="669" r:id="rId62"/>
+    <p:sldId id="598" r:id="rId63"/>
+    <p:sldId id="612" r:id="rId64"/>
   </p:sldIdLst>
   <p:sldSz cx="17279938" cy="9720263"/>
   <p:notesSz cx="6858000" cy="9144000"/>
@@ -228,6 +229,7 @@
           <p14:sldIdLst>
             <p14:sldId id="657"/>
             <p14:sldId id="658"/>
+            <p14:sldId id="673"/>
           </p14:sldIdLst>
         </p14:section>
         <p14:section name="Higher-level DID Use Cases" id="{055ECFCA-BE50-48CF-9E66-6D3F6BD6A154}">
@@ -7794,7 +7796,7 @@
         </p:nvSpPr>
         <p:spPr>
           <a:xfrm>
-            <a:off x="704850" y="1276350"/>
+            <a:off x="704850" y="1297132"/>
             <a:ext cx="15870238" cy="7408785"/>
           </a:xfrm>
         </p:spPr>
@@ -17438,7 +17440,7 @@
         </p:nvGrpSpPr>
         <p:grpSpPr>
           <a:xfrm>
-            <a:off x="33752" y="1993450"/>
+            <a:off x="33752" y="1847976"/>
             <a:ext cx="17128099" cy="1570238"/>
             <a:chOff x="33752" y="1993450"/>
             <a:chExt cx="17128099" cy="1570238"/>
@@ -18034,7 +18036,7 @@
         </p:nvGrpSpPr>
         <p:grpSpPr>
           <a:xfrm>
-            <a:off x="20782" y="3746154"/>
+            <a:off x="20782" y="3600680"/>
             <a:ext cx="17128099" cy="1570238"/>
             <a:chOff x="20782" y="3746154"/>
             <a:chExt cx="17128099" cy="1570238"/>
@@ -18630,7 +18632,7 @@
         </p:nvGrpSpPr>
         <p:grpSpPr>
           <a:xfrm>
-            <a:off x="58933" y="5505734"/>
+            <a:off x="58933" y="5360260"/>
             <a:ext cx="17128099" cy="1570238"/>
             <a:chOff x="58933" y="5505734"/>
             <a:chExt cx="17128099" cy="1570238"/>
@@ -19493,21 +19495,12 @@
               </a:rPr>
             </a:br>
             <a:r>
-              <a:rPr lang="en-CA" sz="3600" cap="none" dirty="0">
+              <a:rPr lang="en-CA" sz="3600" dirty="0">
                 <a:solidFill>
                   <a:srgbClr val="1D326D"/>
                 </a:solidFill>
-                <a:latin typeface="Consolas" panose="020B0609020204030204" pitchFamily="49" charset="0"/>
               </a:rPr>
-              <a:t>did-url</a:t>
-            </a:r>
-            <a:r>
-              <a:rPr lang="en-CA" sz="3600" dirty="0">
-                <a:solidFill>
-                  <a:srgbClr val="1D326D"/>
-                </a:solidFill>
-              </a:rPr>
-              <a:t> User Scenarios</a:t>
+              <a:t>DID User Scenarios</a:t>
             </a:r>
             <a:endParaRPr lang="en-US" sz="3600" dirty="0"/>
           </a:p>
@@ -19585,7 +19578,7 @@
         </p:nvGrpSpPr>
         <p:grpSpPr>
           <a:xfrm>
-            <a:off x="79650" y="2181268"/>
+            <a:off x="79650" y="1848756"/>
             <a:ext cx="17128099" cy="1570238"/>
             <a:chOff x="0" y="5769020"/>
             <a:chExt cx="17128099" cy="1570238"/>
@@ -20159,7 +20152,7 @@
         </p:nvGrpSpPr>
         <p:grpSpPr>
           <a:xfrm>
-            <a:off x="79650" y="3925741"/>
+            <a:off x="79650" y="3593229"/>
             <a:ext cx="17128099" cy="1570238"/>
             <a:chOff x="0" y="5769020"/>
             <a:chExt cx="17128099" cy="1570238"/>
@@ -20730,7 +20723,7 @@
         </p:nvGrpSpPr>
         <p:grpSpPr>
           <a:xfrm>
-            <a:off x="75919" y="5641205"/>
+            <a:off x="75919" y="5308693"/>
             <a:ext cx="17128099" cy="1897787"/>
             <a:chOff x="0" y="5769020"/>
             <a:chExt cx="17128099" cy="1897787"/>
@@ -21301,6 +21294,586 @@
           </p:style>
         </p:cxnSp>
       </p:grpSp>
+      <p:grpSp>
+        <p:nvGrpSpPr>
+          <p:cNvPr id="46" name="Group 45">
+            <a:extLst>
+              <a:ext uri="{FF2B5EF4-FFF2-40B4-BE49-F238E27FC236}">
+                <a16:creationId xmlns:a16="http://schemas.microsoft.com/office/drawing/2014/main" id="{002BEC63-4DC3-4962-A84B-4E289FBA3EC3}"/>
+              </a:ext>
+            </a:extLst>
+          </p:cNvPr>
+          <p:cNvGrpSpPr/>
+          <p:nvPr/>
+        </p:nvGrpSpPr>
+        <p:grpSpPr>
+          <a:xfrm>
+            <a:off x="75919" y="7317602"/>
+            <a:ext cx="17128099" cy="1570238"/>
+            <a:chOff x="0" y="5769019"/>
+            <a:chExt cx="17128099" cy="1570238"/>
+          </a:xfrm>
+        </p:grpSpPr>
+        <p:cxnSp>
+          <p:nvCxnSpPr>
+            <p:cNvPr id="47" name="Straight Arrow Connector 46">
+              <a:extLst>
+                <a:ext uri="{FF2B5EF4-FFF2-40B4-BE49-F238E27FC236}">
+                  <a16:creationId xmlns:a16="http://schemas.microsoft.com/office/drawing/2014/main" id="{628E8671-EC01-471C-8C01-F41AA6A1F171}"/>
+                </a:ext>
+              </a:extLst>
+            </p:cNvPr>
+            <p:cNvCxnSpPr>
+              <a:cxnSpLocks/>
+            </p:cNvCxnSpPr>
+            <p:nvPr/>
+          </p:nvCxnSpPr>
+          <p:spPr>
+            <a:xfrm>
+              <a:off x="14579896" y="6525131"/>
+              <a:ext cx="334952" cy="0"/>
+            </a:xfrm>
+            <a:prstGeom prst="straightConnector1">
+              <a:avLst/>
+            </a:prstGeom>
+            <a:ln w="76200">
+              <a:tailEnd type="triangle"/>
+            </a:ln>
+          </p:spPr>
+          <p:style>
+            <a:lnRef idx="1">
+              <a:schemeClr val="accent1"/>
+            </a:lnRef>
+            <a:fillRef idx="0">
+              <a:schemeClr val="accent1"/>
+            </a:fillRef>
+            <a:effectRef idx="0">
+              <a:schemeClr val="accent1"/>
+            </a:effectRef>
+            <a:fontRef idx="minor">
+              <a:schemeClr val="tx1"/>
+            </a:fontRef>
+          </p:style>
+        </p:cxnSp>
+        <p:grpSp>
+          <p:nvGrpSpPr>
+            <p:cNvPr id="52" name="Group 51">
+              <a:extLst>
+                <a:ext uri="{FF2B5EF4-FFF2-40B4-BE49-F238E27FC236}">
+                  <a16:creationId xmlns:a16="http://schemas.microsoft.com/office/drawing/2014/main" id="{57149512-403C-4B35-BFD9-1521BDB689AA}"/>
+                </a:ext>
+              </a:extLst>
+            </p:cNvPr>
+            <p:cNvGrpSpPr/>
+            <p:nvPr/>
+          </p:nvGrpSpPr>
+          <p:grpSpPr>
+            <a:xfrm>
+              <a:off x="2666289" y="5769019"/>
+              <a:ext cx="11879855" cy="1570238"/>
+              <a:chOff x="2724406" y="2036889"/>
+              <a:chExt cx="12162825" cy="2005486"/>
+            </a:xfrm>
+          </p:grpSpPr>
+          <p:sp>
+            <p:nvSpPr>
+              <p:cNvPr id="73" name="Oval 72">
+                <a:extLst>
+                  <a:ext uri="{FF2B5EF4-FFF2-40B4-BE49-F238E27FC236}">
+                    <a16:creationId xmlns:a16="http://schemas.microsoft.com/office/drawing/2014/main" id="{297EB151-3CCA-4E75-9F5B-17C4B118701E}"/>
+                  </a:ext>
+                </a:extLst>
+              </p:cNvPr>
+              <p:cNvSpPr/>
+              <p:nvPr/>
+            </p:nvSpPr>
+            <p:spPr>
+              <a:xfrm>
+                <a:off x="2724406" y="2036891"/>
+                <a:ext cx="2091165" cy="2005484"/>
+              </a:xfrm>
+              <a:prstGeom prst="ellipse">
+                <a:avLst/>
+              </a:prstGeom>
+              <a:solidFill>
+                <a:srgbClr val="0083B9"/>
+              </a:solidFill>
+            </p:spPr>
+            <p:style>
+              <a:lnRef idx="2">
+                <a:schemeClr val="accent1">
+                  <a:shade val="50000"/>
+                </a:schemeClr>
+              </a:lnRef>
+              <a:fillRef idx="1">
+                <a:schemeClr val="accent1"/>
+              </a:fillRef>
+              <a:effectRef idx="0">
+                <a:schemeClr val="accent1"/>
+              </a:effectRef>
+              <a:fontRef idx="minor">
+                <a:schemeClr val="lt1"/>
+              </a:fontRef>
+            </p:style>
+            <p:txBody>
+              <a:bodyPr rtlCol="0" anchor="ctr"/>
+              <a:lstStyle/>
+              <a:p>
+                <a:pPr algn="ctr"/>
+                <a:r>
+                  <a:rPr lang="en-CA" sz="3200" dirty="0"/>
+                  <a:t>-</a:t>
+                </a:r>
+                <a:endParaRPr lang="en-US" sz="3200" dirty="0"/>
+              </a:p>
+            </p:txBody>
+          </p:sp>
+          <p:sp>
+            <p:nvSpPr>
+              <p:cNvPr id="74" name="Oval 73">
+                <a:extLst>
+                  <a:ext uri="{FF2B5EF4-FFF2-40B4-BE49-F238E27FC236}">
+                    <a16:creationId xmlns:a16="http://schemas.microsoft.com/office/drawing/2014/main" id="{F705A972-A569-4F81-AC43-9AD9DB8140C7}"/>
+                  </a:ext>
+                </a:extLst>
+              </p:cNvPr>
+              <p:cNvSpPr/>
+              <p:nvPr/>
+            </p:nvSpPr>
+            <p:spPr>
+              <a:xfrm>
+                <a:off x="5158502" y="2036889"/>
+                <a:ext cx="2883950" cy="2005484"/>
+              </a:xfrm>
+              <a:prstGeom prst="ellipse">
+                <a:avLst/>
+              </a:prstGeom>
+              <a:solidFill>
+                <a:srgbClr val="0083B9"/>
+              </a:solidFill>
+            </p:spPr>
+            <p:style>
+              <a:lnRef idx="2">
+                <a:schemeClr val="accent1">
+                  <a:shade val="50000"/>
+                </a:schemeClr>
+              </a:lnRef>
+              <a:fillRef idx="1">
+                <a:schemeClr val="accent1"/>
+              </a:fillRef>
+              <a:effectRef idx="0">
+                <a:schemeClr val="accent1"/>
+              </a:effectRef>
+              <a:fontRef idx="minor">
+                <a:schemeClr val="lt1"/>
+              </a:fontRef>
+            </p:style>
+            <p:txBody>
+              <a:bodyPr rtlCol="0" anchor="ctr"/>
+              <a:lstStyle/>
+              <a:p>
+                <a:pPr algn="ctr"/>
+                <a:r>
+                  <a:rPr lang="en-CA" sz="3200" dirty="0"/>
+                  <a:t>-</a:t>
+                </a:r>
+                <a:endParaRPr lang="en-US" sz="3200" dirty="0"/>
+              </a:p>
+            </p:txBody>
+          </p:sp>
+          <p:sp>
+            <p:nvSpPr>
+              <p:cNvPr id="75" name="Oval 74">
+                <a:extLst>
+                  <a:ext uri="{FF2B5EF4-FFF2-40B4-BE49-F238E27FC236}">
+                    <a16:creationId xmlns:a16="http://schemas.microsoft.com/office/drawing/2014/main" id="{5884C00D-7B93-4148-B216-2255084F2FCC}"/>
+                  </a:ext>
+                </a:extLst>
+              </p:cNvPr>
+              <p:cNvSpPr/>
+              <p:nvPr/>
+            </p:nvSpPr>
+            <p:spPr>
+              <a:xfrm>
+                <a:off x="8385382" y="2036889"/>
+                <a:ext cx="3079459" cy="2005484"/>
+              </a:xfrm>
+              <a:prstGeom prst="ellipse">
+                <a:avLst/>
+              </a:prstGeom>
+              <a:solidFill>
+                <a:srgbClr val="0083B9"/>
+              </a:solidFill>
+            </p:spPr>
+            <p:style>
+              <a:lnRef idx="2">
+                <a:schemeClr val="accent1">
+                  <a:shade val="50000"/>
+                </a:schemeClr>
+              </a:lnRef>
+              <a:fillRef idx="1">
+                <a:schemeClr val="accent1"/>
+              </a:fillRef>
+              <a:effectRef idx="0">
+                <a:schemeClr val="accent1"/>
+              </a:effectRef>
+              <a:fontRef idx="minor">
+                <a:schemeClr val="lt1"/>
+              </a:fontRef>
+            </p:style>
+            <p:txBody>
+              <a:bodyPr rtlCol="0" anchor="ctr"/>
+              <a:lstStyle/>
+              <a:p>
+                <a:pPr algn="ctr"/>
+                <a:r>
+                  <a:rPr lang="en-CA" sz="3200" dirty="0"/>
+                  <a:t>-</a:t>
+                </a:r>
+                <a:endParaRPr lang="en-US" sz="3200" dirty="0"/>
+              </a:p>
+            </p:txBody>
+          </p:sp>
+          <p:sp>
+            <p:nvSpPr>
+              <p:cNvPr id="76" name="Oval 75">
+                <a:extLst>
+                  <a:ext uri="{FF2B5EF4-FFF2-40B4-BE49-F238E27FC236}">
+                    <a16:creationId xmlns:a16="http://schemas.microsoft.com/office/drawing/2014/main" id="{684BF1C7-9ABA-4D0B-9267-44236052D6F6}"/>
+                  </a:ext>
+                </a:extLst>
+              </p:cNvPr>
+              <p:cNvSpPr/>
+              <p:nvPr/>
+            </p:nvSpPr>
+            <p:spPr>
+              <a:xfrm>
+                <a:off x="11807772" y="2036889"/>
+                <a:ext cx="3079459" cy="2005484"/>
+              </a:xfrm>
+              <a:prstGeom prst="ellipse">
+                <a:avLst/>
+              </a:prstGeom>
+              <a:solidFill>
+                <a:srgbClr val="0083B9"/>
+              </a:solidFill>
+            </p:spPr>
+            <p:style>
+              <a:lnRef idx="2">
+                <a:schemeClr val="accent1">
+                  <a:shade val="50000"/>
+                </a:schemeClr>
+              </a:lnRef>
+              <a:fillRef idx="1">
+                <a:schemeClr val="accent1"/>
+              </a:fillRef>
+              <a:effectRef idx="0">
+                <a:schemeClr val="accent1"/>
+              </a:effectRef>
+              <a:fontRef idx="minor">
+                <a:schemeClr val="lt1"/>
+              </a:fontRef>
+            </p:style>
+            <p:txBody>
+              <a:bodyPr rtlCol="0" anchor="ctr"/>
+              <a:lstStyle/>
+              <a:p>
+                <a:pPr algn="ctr"/>
+                <a:r>
+                  <a:rPr lang="en-CA" sz="3200" dirty="0"/>
+                  <a:t>-</a:t>
+                </a:r>
+                <a:endParaRPr lang="en-US" sz="3200" dirty="0"/>
+              </a:p>
+            </p:txBody>
+          </p:sp>
+        </p:grpSp>
+        <p:sp>
+          <p:nvSpPr>
+            <p:cNvPr id="67" name="Rectangle 66">
+              <a:extLst>
+                <a:ext uri="{FF2B5EF4-FFF2-40B4-BE49-F238E27FC236}">
+                  <a16:creationId xmlns:a16="http://schemas.microsoft.com/office/drawing/2014/main" id="{58F3C15B-0A5C-4D5F-BD85-4DB193CA87F7}"/>
+                </a:ext>
+              </a:extLst>
+            </p:cNvPr>
+            <p:cNvSpPr/>
+            <p:nvPr/>
+          </p:nvSpPr>
+          <p:spPr>
+            <a:xfrm>
+              <a:off x="14881096" y="5817149"/>
+              <a:ext cx="2247003" cy="1466322"/>
+            </a:xfrm>
+            <a:prstGeom prst="rect">
+              <a:avLst/>
+            </a:prstGeom>
+            <a:solidFill>
+              <a:schemeClr val="accent6">
+                <a:lumMod val="75000"/>
+              </a:schemeClr>
+            </a:solidFill>
+          </p:spPr>
+          <p:style>
+            <a:lnRef idx="2">
+              <a:schemeClr val="accent1">
+                <a:shade val="50000"/>
+              </a:schemeClr>
+            </a:lnRef>
+            <a:fillRef idx="1">
+              <a:schemeClr val="accent1"/>
+            </a:fillRef>
+            <a:effectRef idx="0">
+              <a:schemeClr val="accent1"/>
+            </a:effectRef>
+            <a:fontRef idx="minor">
+              <a:schemeClr val="lt1"/>
+            </a:fontRef>
+          </p:style>
+          <p:txBody>
+            <a:bodyPr rtlCol="0" anchor="ctr"/>
+            <a:lstStyle/>
+            <a:p>
+              <a:pPr algn="ctr"/>
+              <a:r>
+                <a:rPr lang="en-CA" sz="3200" dirty="0">
+                  <a:latin typeface="Consolas" panose="020B0609020204030204" pitchFamily="49" charset="0"/>
+                </a:rPr>
+                <a:t>id</a:t>
+              </a:r>
+            </a:p>
+            <a:p>
+              <a:pPr algn="ctr"/>
+              <a:r>
+                <a:rPr lang="en-CA" sz="3200" dirty="0"/>
+                <a:t>Attribute</a:t>
+              </a:r>
+              <a:endParaRPr lang="en-US" sz="3200" dirty="0"/>
+            </a:p>
+          </p:txBody>
+        </p:sp>
+        <p:sp>
+          <p:nvSpPr>
+            <p:cNvPr id="68" name="Flowchart: Document 67">
+              <a:extLst>
+                <a:ext uri="{FF2B5EF4-FFF2-40B4-BE49-F238E27FC236}">
+                  <a16:creationId xmlns:a16="http://schemas.microsoft.com/office/drawing/2014/main" id="{B3E2FDEC-B5A0-4AB0-B70C-92680077C7EF}"/>
+                </a:ext>
+              </a:extLst>
+            </p:cNvPr>
+            <p:cNvSpPr/>
+            <p:nvPr/>
+          </p:nvSpPr>
+          <p:spPr>
+            <a:xfrm>
+              <a:off x="0" y="5911581"/>
+              <a:ext cx="2247002" cy="1323764"/>
+            </a:xfrm>
+            <a:prstGeom prst="flowChartDocument">
+              <a:avLst/>
+            </a:prstGeom>
+            <a:solidFill>
+              <a:schemeClr val="accent1">
+                <a:lumMod val="75000"/>
+              </a:schemeClr>
+            </a:solidFill>
+          </p:spPr>
+          <p:style>
+            <a:lnRef idx="2">
+              <a:schemeClr val="accent1">
+                <a:shade val="50000"/>
+              </a:schemeClr>
+            </a:lnRef>
+            <a:fillRef idx="1">
+              <a:schemeClr val="accent1"/>
+            </a:fillRef>
+            <a:effectRef idx="0">
+              <a:schemeClr val="accent1"/>
+            </a:effectRef>
+            <a:fontRef idx="minor">
+              <a:schemeClr val="lt1"/>
+            </a:fontRef>
+          </p:style>
+          <p:txBody>
+            <a:bodyPr rtlCol="0" anchor="ctr"/>
+            <a:lstStyle/>
+            <a:p>
+              <a:pPr algn="ctr"/>
+              <a:r>
+                <a:rPr lang="en-CA" sz="3200" dirty="0">
+                  <a:latin typeface="Consolas" panose="020B0609020204030204" pitchFamily="49" charset="0"/>
+                </a:rPr>
+                <a:t>did-url</a:t>
+              </a:r>
+              <a:endParaRPr lang="en-US" sz="3200" dirty="0">
+                <a:latin typeface="Consolas" panose="020B0609020204030204" pitchFamily="49" charset="0"/>
+              </a:endParaRPr>
+            </a:p>
+          </p:txBody>
+        </p:sp>
+        <p:cxnSp>
+          <p:nvCxnSpPr>
+            <p:cNvPr id="69" name="Straight Arrow Connector 68">
+              <a:extLst>
+                <a:ext uri="{FF2B5EF4-FFF2-40B4-BE49-F238E27FC236}">
+                  <a16:creationId xmlns:a16="http://schemas.microsoft.com/office/drawing/2014/main" id="{B644093F-B7E9-4AA4-9AF5-08EB78558449}"/>
+                </a:ext>
+              </a:extLst>
+            </p:cNvPr>
+            <p:cNvCxnSpPr/>
+            <p:nvPr/>
+          </p:nvCxnSpPr>
+          <p:spPr>
+            <a:xfrm flipV="1">
+              <a:off x="4708803" y="6525131"/>
+              <a:ext cx="334952" cy="1"/>
+            </a:xfrm>
+            <a:prstGeom prst="straightConnector1">
+              <a:avLst/>
+            </a:prstGeom>
+            <a:ln w="76200">
+              <a:tailEnd type="triangle"/>
+            </a:ln>
+          </p:spPr>
+          <p:style>
+            <a:lnRef idx="1">
+              <a:schemeClr val="accent1"/>
+            </a:lnRef>
+            <a:fillRef idx="0">
+              <a:schemeClr val="accent1"/>
+            </a:fillRef>
+            <a:effectRef idx="0">
+              <a:schemeClr val="accent1"/>
+            </a:effectRef>
+            <a:fontRef idx="minor">
+              <a:schemeClr val="tx1"/>
+            </a:fontRef>
+          </p:style>
+        </p:cxnSp>
+        <p:cxnSp>
+          <p:nvCxnSpPr>
+            <p:cNvPr id="70" name="Straight Arrow Connector 69">
+              <a:extLst>
+                <a:ext uri="{FF2B5EF4-FFF2-40B4-BE49-F238E27FC236}">
+                  <a16:creationId xmlns:a16="http://schemas.microsoft.com/office/drawing/2014/main" id="{102BC68D-B7C9-4C25-9EA3-E8722900A3F3}"/>
+                </a:ext>
+              </a:extLst>
+            </p:cNvPr>
+            <p:cNvCxnSpPr>
+              <a:cxnSpLocks/>
+            </p:cNvCxnSpPr>
+            <p:nvPr/>
+          </p:nvCxnSpPr>
+          <p:spPr>
+            <a:xfrm>
+              <a:off x="7860609" y="6525131"/>
+              <a:ext cx="334953" cy="0"/>
+            </a:xfrm>
+            <a:prstGeom prst="straightConnector1">
+              <a:avLst/>
+            </a:prstGeom>
+            <a:ln w="76200">
+              <a:tailEnd type="triangle"/>
+            </a:ln>
+          </p:spPr>
+          <p:style>
+            <a:lnRef idx="1">
+              <a:schemeClr val="accent1"/>
+            </a:lnRef>
+            <a:fillRef idx="0">
+              <a:schemeClr val="accent1"/>
+            </a:fillRef>
+            <a:effectRef idx="0">
+              <a:schemeClr val="accent1"/>
+            </a:effectRef>
+            <a:fontRef idx="minor">
+              <a:schemeClr val="tx1"/>
+            </a:fontRef>
+          </p:style>
+        </p:cxnSp>
+        <p:cxnSp>
+          <p:nvCxnSpPr>
+            <p:cNvPr id="71" name="Straight Arrow Connector 70">
+              <a:extLst>
+                <a:ext uri="{FF2B5EF4-FFF2-40B4-BE49-F238E27FC236}">
+                  <a16:creationId xmlns:a16="http://schemas.microsoft.com/office/drawing/2014/main" id="{04B7441A-E430-4195-A89B-F14B7333A4A1}"/>
+                </a:ext>
+              </a:extLst>
+            </p:cNvPr>
+            <p:cNvCxnSpPr>
+              <a:cxnSpLocks/>
+            </p:cNvCxnSpPr>
+            <p:nvPr/>
+          </p:nvCxnSpPr>
+          <p:spPr>
+            <a:xfrm>
+              <a:off x="11203377" y="6525131"/>
+              <a:ext cx="334952" cy="0"/>
+            </a:xfrm>
+            <a:prstGeom prst="straightConnector1">
+              <a:avLst/>
+            </a:prstGeom>
+            <a:ln w="76200">
+              <a:tailEnd type="triangle"/>
+            </a:ln>
+          </p:spPr>
+          <p:style>
+            <a:lnRef idx="1">
+              <a:schemeClr val="accent1"/>
+            </a:lnRef>
+            <a:fillRef idx="0">
+              <a:schemeClr val="accent1"/>
+            </a:fillRef>
+            <a:effectRef idx="0">
+              <a:schemeClr val="accent1"/>
+            </a:effectRef>
+            <a:fontRef idx="minor">
+              <a:schemeClr val="tx1"/>
+            </a:fontRef>
+          </p:style>
+        </p:cxnSp>
+        <p:cxnSp>
+          <p:nvCxnSpPr>
+            <p:cNvPr id="72" name="Straight Arrow Connector 71">
+              <a:extLst>
+                <a:ext uri="{FF2B5EF4-FFF2-40B4-BE49-F238E27FC236}">
+                  <a16:creationId xmlns:a16="http://schemas.microsoft.com/office/drawing/2014/main" id="{D1766E05-ADF1-4C96-9C64-2ACD151DDF34}"/>
+                </a:ext>
+              </a:extLst>
+            </p:cNvPr>
+            <p:cNvCxnSpPr>
+              <a:cxnSpLocks/>
+            </p:cNvCxnSpPr>
+            <p:nvPr/>
+          </p:nvCxnSpPr>
+          <p:spPr>
+            <a:xfrm>
+              <a:off x="2247002" y="6525131"/>
+              <a:ext cx="419287" cy="1"/>
+            </a:xfrm>
+            <a:prstGeom prst="straightConnector1">
+              <a:avLst/>
+            </a:prstGeom>
+            <a:ln w="76200">
+              <a:tailEnd type="triangle"/>
+            </a:ln>
+          </p:spPr>
+          <p:style>
+            <a:lnRef idx="1">
+              <a:schemeClr val="accent1"/>
+            </a:lnRef>
+            <a:fillRef idx="0">
+              <a:schemeClr val="accent1"/>
+            </a:fillRef>
+            <a:effectRef idx="0">
+              <a:schemeClr val="accent1"/>
+            </a:effectRef>
+            <a:fontRef idx="minor">
+              <a:schemeClr val="tx1"/>
+            </a:fontRef>
+          </p:style>
+        </p:cxnSp>
+      </p:grpSp>
     </p:spTree>
     <p:extLst>
       <p:ext uri="{BB962C8B-B14F-4D97-AF65-F5344CB8AC3E}">
@@ -21474,6 +22047,97 @@
                                         <p:cTn id="14" dur="500" fill="hold"/>
                                         <p:tgtEl>
                                           <p:spTgt spid="80"/>
+                                        </p:tgtEl>
+                                        <p:attrNameLst>
+                                          <p:attrName>ppt_y</p:attrName>
+                                        </p:attrNameLst>
+                                      </p:cBhvr>
+                                      <p:tavLst>
+                                        <p:tav tm="0">
+                                          <p:val>
+                                            <p:strVal val="1+#ppt_h/2"/>
+                                          </p:val>
+                                        </p:tav>
+                                        <p:tav tm="100000">
+                                          <p:val>
+                                            <p:strVal val="#ppt_y"/>
+                                          </p:val>
+                                        </p:tav>
+                                      </p:tavLst>
+                                    </p:anim>
+                                  </p:childTnLst>
+                                </p:cTn>
+                              </p:par>
+                            </p:childTnLst>
+                          </p:cTn>
+                        </p:par>
+                      </p:childTnLst>
+                    </p:cTn>
+                  </p:par>
+                  <p:par>
+                    <p:cTn id="15" fill="hold">
+                      <p:stCondLst>
+                        <p:cond delay="indefinite"/>
+                      </p:stCondLst>
+                      <p:childTnLst>
+                        <p:par>
+                          <p:cTn id="16" fill="hold">
+                            <p:stCondLst>
+                              <p:cond delay="0"/>
+                            </p:stCondLst>
+                            <p:childTnLst>
+                              <p:par>
+                                <p:cTn id="17" presetID="2" presetClass="entr" presetSubtype="4" fill="hold" nodeType="clickEffect">
+                                  <p:stCondLst>
+                                    <p:cond delay="0"/>
+                                  </p:stCondLst>
+                                  <p:childTnLst>
+                                    <p:set>
+                                      <p:cBhvr>
+                                        <p:cTn id="18" dur="1" fill="hold">
+                                          <p:stCondLst>
+                                            <p:cond delay="0"/>
+                                          </p:stCondLst>
+                                        </p:cTn>
+                                        <p:tgtEl>
+                                          <p:spTgt spid="46"/>
+                                        </p:tgtEl>
+                                        <p:attrNameLst>
+                                          <p:attrName>style.visibility</p:attrName>
+                                        </p:attrNameLst>
+                                      </p:cBhvr>
+                                      <p:to>
+                                        <p:strVal val="visible"/>
+                                      </p:to>
+                                    </p:set>
+                                    <p:anim calcmode="lin" valueType="num">
+                                      <p:cBhvr additive="base">
+                                        <p:cTn id="19" dur="500" fill="hold"/>
+                                        <p:tgtEl>
+                                          <p:spTgt spid="46"/>
+                                        </p:tgtEl>
+                                        <p:attrNameLst>
+                                          <p:attrName>ppt_x</p:attrName>
+                                        </p:attrNameLst>
+                                      </p:cBhvr>
+                                      <p:tavLst>
+                                        <p:tav tm="0">
+                                          <p:val>
+                                            <p:strVal val="#ppt_x"/>
+                                          </p:val>
+                                        </p:tav>
+                                        <p:tav tm="100000">
+                                          <p:val>
+                                            <p:strVal val="#ppt_x"/>
+                                          </p:val>
+                                        </p:tav>
+                                      </p:tavLst>
+                                    </p:anim>
+                                    <p:anim calcmode="lin" valueType="num">
+                                      <p:cBhvr additive="base">
+                                        <p:cTn id="20" dur="500" fill="hold"/>
+                                        <p:tgtEl>
+                                          <p:spTgt spid="46"/>
                                         </p:tgtEl>
                                         <p:attrNameLst>
                                           <p:attrName>ppt_y</p:attrName>
@@ -24211,9 +24875,16 @@
             <p:ph idx="1"/>
           </p:nvPr>
         </p:nvSpPr>
-        <p:spPr/>
+        <p:spPr>
+          <a:xfrm>
+            <a:off x="704850" y="1288738"/>
+            <a:ext cx="15870238" cy="6982624"/>
+          </a:xfrm>
+        </p:spPr>
         <p:txBody>
-          <a:bodyPr/>
+          <a:bodyPr>
+            <a:normAutofit/>
+          </a:bodyPr>
           <a:lstStyle/>
           <a:p>
             <a:pPr marL="0" indent="0">
@@ -24235,9 +24906,10 @@
             </a:r>
           </a:p>
           <a:p>
-            <a:endParaRPr lang="en-CA" dirty="0"/>
-          </a:p>
-          <a:p>
+            <a:pPr marL="514350" indent="-514350">
+              <a:buFont typeface="+mj-lt"/>
+              <a:buAutoNum type="arabicPeriod"/>
+            </a:pPr>
             <a:r>
               <a:rPr lang="en-CA" dirty="0"/>
               <a:t>Higher-level DID User Scenario Analysis</a:t>
@@ -24259,6 +24931,62 @@
             <a:endParaRPr lang="en-CA" dirty="0"/>
           </a:p>
           <a:p>
+            <a:pPr marL="514350" indent="-514350">
+              <a:buFont typeface="+mj-lt"/>
+              <a:buAutoNum type="arabicPeriod"/>
+            </a:pPr>
+            <a:r>
+              <a:rPr lang="en-CA" dirty="0"/>
+              <a:t>High-level </a:t>
+            </a:r>
+            <a:r>
+              <a:rPr lang="en-CA" dirty="0">
+                <a:latin typeface="Consolas" panose="020B0609020204030204" pitchFamily="49" charset="0"/>
+              </a:rPr>
+              <a:t>did-</a:t>
+            </a:r>
+            <a:r>
+              <a:rPr lang="en-CA" dirty="0" err="1">
+                <a:latin typeface="Consolas" panose="020B0609020204030204" pitchFamily="49" charset="0"/>
+              </a:rPr>
+              <a:t>url</a:t>
+            </a:r>
+            <a:r>
+              <a:rPr lang="en-CA" dirty="0"/>
+              <a:t> User Scenario Analysis</a:t>
+            </a:r>
+          </a:p>
+          <a:p>
+            <a:pPr lvl="1"/>
+            <a:r>
+              <a:rPr lang="en-CA" dirty="0">
+                <a:latin typeface="Consolas" panose="020B0609020204030204" pitchFamily="49" charset="0"/>
+              </a:rPr>
+              <a:t>did-</a:t>
+            </a:r>
+            <a:r>
+              <a:rPr lang="en-CA" dirty="0" err="1">
+                <a:latin typeface="Consolas" panose="020B0609020204030204" pitchFamily="49" charset="0"/>
+              </a:rPr>
+              <a:t>url</a:t>
+            </a:r>
+            <a:r>
+              <a:rPr lang="en-CA" dirty="0"/>
+              <a:t> user scenario</a:t>
+            </a:r>
+          </a:p>
+          <a:p>
+            <a:pPr lvl="1"/>
+            <a:endParaRPr lang="en-CA" dirty="0"/>
+          </a:p>
+          <a:p>
+            <a:endParaRPr lang="en-CA" dirty="0"/>
+          </a:p>
+          <a:p>
+            <a:pPr marL="514350" indent="-514350">
+              <a:buFont typeface="+mj-lt"/>
+              <a:buAutoNum type="arabicPeriod" startAt="3"/>
+            </a:pPr>
             <a:r>
               <a:rPr lang="en-CA" dirty="0"/>
               <a:t>Lower-level </a:t>
@@ -24362,7 +25090,7 @@
         </p:nvSpPr>
         <p:spPr>
           <a:xfrm>
-            <a:off x="2649365" y="4549507"/>
+            <a:off x="2649365" y="3157113"/>
             <a:ext cx="484632" cy="1158565"/>
           </a:xfrm>
           <a:prstGeom prst="downArrow">
@@ -24394,6 +25122,52 @@
           </a:p>
         </p:txBody>
       </p:sp>
+      <p:sp>
+        <p:nvSpPr>
+          <p:cNvPr id="8" name="Arrow: Down 7">
+            <a:extLst>
+              <a:ext uri="{FF2B5EF4-FFF2-40B4-BE49-F238E27FC236}">
+                <a16:creationId xmlns:a16="http://schemas.microsoft.com/office/drawing/2014/main" id="{72765A13-E688-47E6-94DA-82614A8CCFF6}"/>
+              </a:ext>
+            </a:extLst>
+          </p:cNvPr>
+          <p:cNvSpPr/>
+          <p:nvPr/>
+        </p:nvSpPr>
+        <p:spPr>
+          <a:xfrm>
+            <a:off x="2649365" y="5650958"/>
+            <a:ext cx="484632" cy="1158565"/>
+          </a:xfrm>
+          <a:prstGeom prst="downArrow">
+            <a:avLst/>
+          </a:prstGeom>
+        </p:spPr>
+        <p:style>
+          <a:lnRef idx="2">
+            <a:schemeClr val="accent1">
+              <a:shade val="50000"/>
+            </a:schemeClr>
+          </a:lnRef>
+          <a:fillRef idx="1">
+            <a:schemeClr val="accent1"/>
+          </a:fillRef>
+          <a:effectRef idx="0">
+            <a:schemeClr val="accent1"/>
+          </a:effectRef>
+          <a:fontRef idx="minor">
+            <a:schemeClr val="lt1"/>
+          </a:fontRef>
+        </p:style>
+        <p:txBody>
+          <a:bodyPr rtlCol="0" anchor="ctr"/>
+          <a:lstStyle/>
+          <a:p>
+            <a:pPr algn="ctr"/>
+            <a:endParaRPr lang="en-US" dirty="0"/>
+          </a:p>
+        </p:txBody>
+      </p:sp>
     </p:spTree>
     <p:extLst>
       <p:ext uri="{BB962C8B-B14F-4D97-AF65-F5344CB8AC3E}">
@@ -24408,6 +25182,964 @@
 </file>
 
 <file path=ppt/slides/slide36.xml><?xml version="1.0" encoding="utf-8"?>
+<p:sld xmlns:a="http://schemas.openxmlformats.org/drawingml/2006/main" xmlns:r="http://schemas.openxmlformats.org/officeDocument/2006/relationships" xmlns:p="http://schemas.openxmlformats.org/presentationml/2006/main">
+  <p:cSld>
+    <p:spTree>
+      <p:nvGrpSpPr>
+        <p:cNvPr id="1" name=""/>
+        <p:cNvGrpSpPr/>
+        <p:nvPr/>
+      </p:nvGrpSpPr>
+      <p:grpSpPr>
+        <a:xfrm>
+          <a:off x="0" y="0"/>
+          <a:ext cx="0" cy="0"/>
+          <a:chOff x="0" y="0"/>
+          <a:chExt cx="0" cy="0"/>
+        </a:xfrm>
+      </p:grpSpPr>
+      <p:sp>
+        <p:nvSpPr>
+          <p:cNvPr id="2" name="Title 1">
+            <a:extLst>
+              <a:ext uri="{FF2B5EF4-FFF2-40B4-BE49-F238E27FC236}">
+                <a16:creationId xmlns:a16="http://schemas.microsoft.com/office/drawing/2014/main" id="{E5012633-87B0-4FF4-81DB-DBF98DFFCEDA}"/>
+              </a:ext>
+            </a:extLst>
+          </p:cNvPr>
+          <p:cNvSpPr>
+            <a:spLocks noGrp="1"/>
+          </p:cNvSpPr>
+          <p:nvPr>
+            <p:ph type="title"/>
+          </p:nvPr>
+        </p:nvSpPr>
+        <p:spPr/>
+        <p:txBody>
+          <a:bodyPr>
+            <a:normAutofit/>
+          </a:bodyPr>
+          <a:lstStyle/>
+          <a:p>
+            <a:r>
+              <a:rPr lang="en-CA" dirty="0"/>
+              <a:t>High-level </a:t>
+            </a:r>
+            <a:r>
+              <a:rPr lang="en-CA" cap="none" dirty="0">
+                <a:latin typeface="Consolas" panose="020B0609020204030204" pitchFamily="49" charset="0"/>
+              </a:rPr>
+              <a:t>did-</a:t>
+            </a:r>
+            <a:r>
+              <a:rPr lang="en-CA" cap="none" dirty="0" err="1">
+                <a:latin typeface="Consolas" panose="020B0609020204030204" pitchFamily="49" charset="0"/>
+              </a:rPr>
+              <a:t>url</a:t>
+            </a:r>
+            <a:r>
+              <a:rPr lang="en-CA" dirty="0"/>
+              <a:t> User Scenario Analysis</a:t>
+            </a:r>
+            <a:endParaRPr lang="en-US" dirty="0"/>
+          </a:p>
+        </p:txBody>
+      </p:sp>
+      <p:graphicFrame>
+        <p:nvGraphicFramePr>
+          <p:cNvPr id="6" name="Content Placeholder 5">
+            <a:extLst>
+              <a:ext uri="{FF2B5EF4-FFF2-40B4-BE49-F238E27FC236}">
+                <a16:creationId xmlns:a16="http://schemas.microsoft.com/office/drawing/2014/main" id="{B276A93A-9601-4C08-AD7D-9CCDC403BCA1}"/>
+              </a:ext>
+            </a:extLst>
+          </p:cNvPr>
+          <p:cNvGraphicFramePr>
+            <a:graphicFrameLocks noGrp="1"/>
+          </p:cNvGraphicFramePr>
+          <p:nvPr>
+            <p:ph idx="1"/>
+            <p:extLst>
+              <p:ext uri="{D42A27DB-BD31-4B8C-83A1-F6EECF244321}">
+                <p14:modId xmlns:p14="http://schemas.microsoft.com/office/powerpoint/2010/main" val="3786583906"/>
+              </p:ext>
+            </p:extLst>
+          </p:nvPr>
+        </p:nvGraphicFramePr>
+        <p:xfrm>
+          <a:off x="296069" y="1407579"/>
+          <a:ext cx="16687800" cy="7071360"/>
+        </p:xfrm>
+        <a:graphic>
+          <a:graphicData uri="http://schemas.openxmlformats.org/drawingml/2006/table">
+            <a:tbl>
+              <a:tblPr firstRow="1" bandRow="1">
+                <a:tableStyleId>{5C22544A-7EE6-4342-B048-85BDC9FD1C3A}</a:tableStyleId>
+              </a:tblPr>
+              <a:tblGrid>
+                <a:gridCol w="597637">
+                  <a:extLst>
+                    <a:ext uri="{9D8B030D-6E8A-4147-A177-3AD203B41FA5}">
+                      <a16:colId xmlns:a16="http://schemas.microsoft.com/office/drawing/2014/main" val="1155895694"/>
+                    </a:ext>
+                  </a:extLst>
+                </a:gridCol>
+                <a:gridCol w="10271254">
+                  <a:extLst>
+                    <a:ext uri="{9D8B030D-6E8A-4147-A177-3AD203B41FA5}">
+                      <a16:colId xmlns:a16="http://schemas.microsoft.com/office/drawing/2014/main" val="2137690649"/>
+                    </a:ext>
+                  </a:extLst>
+                </a:gridCol>
+                <a:gridCol w="5818909">
+                  <a:extLst>
+                    <a:ext uri="{9D8B030D-6E8A-4147-A177-3AD203B41FA5}">
+                      <a16:colId xmlns:a16="http://schemas.microsoft.com/office/drawing/2014/main" val="1141776478"/>
+                    </a:ext>
+                  </a:extLst>
+                </a:gridCol>
+              </a:tblGrid>
+              <a:tr h="370840">
+                <a:tc>
+                  <a:txBody>
+                    <a:bodyPr/>
+                    <a:lstStyle/>
+                    <a:p>
+                      <a:pPr algn="ctr"/>
+                      <a:r>
+                        <a:rPr lang="en-CA" sz="3200" dirty="0"/>
+                        <a:t>#</a:t>
+                      </a:r>
+                      <a:endParaRPr lang="en-US" sz="3200" dirty="0"/>
+                    </a:p>
+                  </a:txBody>
+                  <a:tcPr/>
+                </a:tc>
+                <a:tc>
+                  <a:txBody>
+                    <a:bodyPr/>
+                    <a:lstStyle/>
+                    <a:p>
+                      <a:r>
+                        <a:rPr lang="en-CA" sz="3200" dirty="0"/>
+                        <a:t>did-</a:t>
+                      </a:r>
+                      <a:r>
+                        <a:rPr lang="en-CA" sz="3200" dirty="0" err="1"/>
+                        <a:t>url</a:t>
+                      </a:r>
+                      <a:r>
+                        <a:rPr lang="en-CA" sz="3200" dirty="0"/>
+                        <a:t> Syntax Patterns</a:t>
+                      </a:r>
+                      <a:endParaRPr lang="en-US" sz="3200" dirty="0"/>
+                    </a:p>
+                  </a:txBody>
+                  <a:tcPr/>
+                </a:tc>
+                <a:tc>
+                  <a:txBody>
+                    <a:bodyPr/>
+                    <a:lstStyle/>
+                    <a:p>
+                      <a:r>
+                        <a:rPr lang="en-CA" sz="3200" dirty="0"/>
+                        <a:t>Type of Result</a:t>
+                      </a:r>
+                      <a:endParaRPr lang="en-US" sz="3200" dirty="0"/>
+                    </a:p>
+                  </a:txBody>
+                  <a:tcPr/>
+                </a:tc>
+                <a:extLst>
+                  <a:ext uri="{0D108BD9-81ED-4DB2-BD59-A6C34878D82A}">
+                    <a16:rowId xmlns:a16="http://schemas.microsoft.com/office/drawing/2014/main" val="624025078"/>
+                  </a:ext>
+                </a:extLst>
+              </a:tr>
+              <a:tr h="370840">
+                <a:tc>
+                  <a:txBody>
+                    <a:bodyPr/>
+                    <a:lstStyle/>
+                    <a:p>
+                      <a:pPr algn="ctr"/>
+                      <a:r>
+                        <a:rPr lang="en-CA" sz="3200" dirty="0">
+                          <a:latin typeface="Consolas" panose="020B0609020204030204" pitchFamily="49" charset="0"/>
+                        </a:rPr>
+                        <a:t>1</a:t>
+                      </a:r>
+                      <a:endParaRPr lang="en-US" sz="3200" dirty="0">
+                        <a:latin typeface="Consolas" panose="020B0609020204030204" pitchFamily="49" charset="0"/>
+                      </a:endParaRPr>
+                    </a:p>
+                  </a:txBody>
+                  <a:tcPr/>
+                </a:tc>
+                <a:tc>
+                  <a:txBody>
+                    <a:bodyPr/>
+                    <a:lstStyle/>
+                    <a:p>
+                      <a:r>
+                        <a:rPr lang="en-CA" sz="3200" dirty="0">
+                          <a:latin typeface="Consolas" panose="020B0609020204030204" pitchFamily="49" charset="0"/>
+                        </a:rPr>
+                        <a:t>&lt;did&gt;</a:t>
+                      </a:r>
+                      <a:endParaRPr lang="en-US" sz="3200" dirty="0">
+                        <a:latin typeface="Consolas" panose="020B0609020204030204" pitchFamily="49" charset="0"/>
+                      </a:endParaRPr>
+                    </a:p>
+                  </a:txBody>
+                  <a:tcPr/>
+                </a:tc>
+                <a:tc>
+                  <a:txBody>
+                    <a:bodyPr/>
+                    <a:lstStyle/>
+                    <a:p>
+                      <a:r>
+                        <a:rPr lang="en-CA" sz="3200" dirty="0"/>
+                        <a:t>DID Document</a:t>
+                      </a:r>
+                      <a:endParaRPr lang="en-US" sz="3200" dirty="0"/>
+                    </a:p>
+                  </a:txBody>
+                  <a:tcPr/>
+                </a:tc>
+                <a:extLst>
+                  <a:ext uri="{0D108BD9-81ED-4DB2-BD59-A6C34878D82A}">
+                    <a16:rowId xmlns:a16="http://schemas.microsoft.com/office/drawing/2014/main" val="350050713"/>
+                  </a:ext>
+                </a:extLst>
+              </a:tr>
+              <a:tr h="370840">
+                <a:tc>
+                  <a:txBody>
+                    <a:bodyPr/>
+                    <a:lstStyle/>
+                    <a:p>
+                      <a:pPr marL="0" marR="0" lvl="0" indent="0" algn="ctr" defTabSz="1295979" rtl="0" eaLnBrk="1" fontAlgn="auto" latinLnBrk="0" hangingPunct="1">
+                        <a:lnSpc>
+                          <a:spcPct val="100000"/>
+                        </a:lnSpc>
+                        <a:spcBef>
+                          <a:spcPts val="0"/>
+                        </a:spcBef>
+                        <a:spcAft>
+                          <a:spcPts val="0"/>
+                        </a:spcAft>
+                        <a:buClrTx/>
+                        <a:buSzTx/>
+                        <a:buFontTx/>
+                        <a:buNone/>
+                        <a:tabLst/>
+                        <a:defRPr/>
+                      </a:pPr>
+                      <a:r>
+                        <a:rPr lang="en-CA" sz="3200" dirty="0">
+                          <a:latin typeface="Consolas" panose="020B0609020204030204" pitchFamily="49" charset="0"/>
+                        </a:rPr>
+                        <a:t>2</a:t>
+                      </a:r>
+                      <a:endParaRPr lang="en-US" sz="3200" dirty="0">
+                        <a:latin typeface="Consolas" panose="020B0609020204030204" pitchFamily="49" charset="0"/>
+                      </a:endParaRPr>
+                    </a:p>
+                  </a:txBody>
+                  <a:tcPr/>
+                </a:tc>
+                <a:tc>
+                  <a:txBody>
+                    <a:bodyPr/>
+                    <a:lstStyle/>
+                    <a:p>
+                      <a:pPr marL="0" marR="0" lvl="0" indent="0" algn="l" defTabSz="1295979" rtl="0" eaLnBrk="1" fontAlgn="auto" latinLnBrk="0" hangingPunct="1">
+                        <a:lnSpc>
+                          <a:spcPct val="100000"/>
+                        </a:lnSpc>
+                        <a:spcBef>
+                          <a:spcPts val="0"/>
+                        </a:spcBef>
+                        <a:spcAft>
+                          <a:spcPts val="0"/>
+                        </a:spcAft>
+                        <a:buClrTx/>
+                        <a:buSzTx/>
+                        <a:buFontTx/>
+                        <a:buNone/>
+                        <a:tabLst/>
+                        <a:defRPr/>
+                      </a:pPr>
+                      <a:r>
+                        <a:rPr lang="en-CA" sz="3200" dirty="0">
+                          <a:latin typeface="Consolas" panose="020B0609020204030204" pitchFamily="49" charset="0"/>
+                        </a:rPr>
+                        <a:t>&lt;did&gt;!$selectId=“</a:t>
+                      </a:r>
+                      <a:r>
+                        <a:rPr lang="en-CA" sz="3200" dirty="0" err="1">
+                          <a:latin typeface="Consolas" panose="020B0609020204030204" pitchFamily="49" charset="0"/>
+                        </a:rPr>
+                        <a:t>wxyz</a:t>
+                      </a:r>
+                      <a:r>
+                        <a:rPr lang="en-CA" sz="3200" dirty="0">
+                          <a:latin typeface="Consolas" panose="020B0609020204030204" pitchFamily="49" charset="0"/>
+                        </a:rPr>
+                        <a:t>” or &lt;did&gt;#</a:t>
+                      </a:r>
+                      <a:r>
+                        <a:rPr lang="en-CA" sz="3200" dirty="0" err="1">
+                          <a:latin typeface="Consolas" panose="020B0609020204030204" pitchFamily="49" charset="0"/>
+                        </a:rPr>
+                        <a:t>wxyz</a:t>
+                      </a:r>
+                      <a:endParaRPr lang="en-US" sz="3200" dirty="0">
+                        <a:latin typeface="Consolas" panose="020B0609020204030204" pitchFamily="49" charset="0"/>
+                      </a:endParaRPr>
+                    </a:p>
+                  </a:txBody>
+                  <a:tcPr/>
+                </a:tc>
+                <a:tc>
+                  <a:txBody>
+                    <a:bodyPr/>
+                    <a:lstStyle/>
+                    <a:p>
+                      <a:r>
+                        <a:rPr lang="en-CA" sz="3200" dirty="0"/>
+                        <a:t>DID Document Fragment</a:t>
+                      </a:r>
+                      <a:endParaRPr lang="en-US" sz="3200" dirty="0"/>
+                    </a:p>
+                  </a:txBody>
+                  <a:tcPr/>
+                </a:tc>
+                <a:extLst>
+                  <a:ext uri="{0D108BD9-81ED-4DB2-BD59-A6C34878D82A}">
+                    <a16:rowId xmlns:a16="http://schemas.microsoft.com/office/drawing/2014/main" val="957372048"/>
+                  </a:ext>
+                </a:extLst>
+              </a:tr>
+              <a:tr h="370840">
+                <a:tc>
+                  <a:txBody>
+                    <a:bodyPr/>
+                    <a:lstStyle/>
+                    <a:p>
+                      <a:pPr marL="0" marR="0" lvl="0" indent="0" algn="ctr" defTabSz="1295979" rtl="0" eaLnBrk="1" fontAlgn="auto" latinLnBrk="0" hangingPunct="1">
+                        <a:lnSpc>
+                          <a:spcPct val="100000"/>
+                        </a:lnSpc>
+                        <a:spcBef>
+                          <a:spcPts val="0"/>
+                        </a:spcBef>
+                        <a:spcAft>
+                          <a:spcPts val="0"/>
+                        </a:spcAft>
+                        <a:buClrTx/>
+                        <a:buSzTx/>
+                        <a:buFontTx/>
+                        <a:buNone/>
+                        <a:tabLst/>
+                        <a:defRPr/>
+                      </a:pPr>
+                      <a:r>
+                        <a:rPr lang="en-CA" sz="3200" dirty="0">
+                          <a:latin typeface="Consolas" panose="020B0609020204030204" pitchFamily="49" charset="0"/>
+                        </a:rPr>
+                        <a:t>3</a:t>
+                      </a:r>
+                      <a:endParaRPr lang="en-US" sz="3200" dirty="0">
+                        <a:latin typeface="Consolas" panose="020B0609020204030204" pitchFamily="49" charset="0"/>
+                      </a:endParaRPr>
+                    </a:p>
+                  </a:txBody>
+                  <a:tcPr/>
+                </a:tc>
+                <a:tc>
+                  <a:txBody>
+                    <a:bodyPr/>
+                    <a:lstStyle/>
+                    <a:p>
+                      <a:pPr marL="0" marR="0" lvl="0" indent="0" algn="l" defTabSz="1295979" rtl="0" eaLnBrk="1" fontAlgn="auto" latinLnBrk="0" hangingPunct="1">
+                        <a:lnSpc>
+                          <a:spcPct val="100000"/>
+                        </a:lnSpc>
+                        <a:spcBef>
+                          <a:spcPts val="0"/>
+                        </a:spcBef>
+                        <a:spcAft>
+                          <a:spcPts val="0"/>
+                        </a:spcAft>
+                        <a:buClrTx/>
+                        <a:buSzTx/>
+                        <a:buFontTx/>
+                        <a:buNone/>
+                        <a:tabLst/>
+                        <a:defRPr/>
+                      </a:pPr>
+                      <a:r>
+                        <a:rPr lang="en-CA" sz="3200" dirty="0">
+                          <a:latin typeface="Consolas" panose="020B0609020204030204" pitchFamily="49" charset="0"/>
+                        </a:rPr>
+                        <a:t>&lt;did&gt;!$</a:t>
+                      </a:r>
+                      <a:r>
+                        <a:rPr lang="en-CA" sz="3200" dirty="0" err="1">
+                          <a:latin typeface="Consolas" panose="020B0609020204030204" pitchFamily="49" charset="0"/>
+                        </a:rPr>
+                        <a:t>contentId</a:t>
+                      </a:r>
+                      <a:r>
+                        <a:rPr lang="en-CA" sz="3200" dirty="0">
+                          <a:latin typeface="Consolas" panose="020B0609020204030204" pitchFamily="49" charset="0"/>
+                        </a:rPr>
+                        <a:t>=“</a:t>
+                      </a:r>
+                      <a:r>
+                        <a:rPr lang="en-CA" sz="3200" dirty="0" err="1">
+                          <a:latin typeface="Consolas" panose="020B0609020204030204" pitchFamily="49" charset="0"/>
+                        </a:rPr>
+                        <a:t>pqrs</a:t>
+                      </a:r>
+                      <a:r>
+                        <a:rPr lang="en-CA" sz="3200" dirty="0">
+                          <a:latin typeface="Consolas" panose="020B0609020204030204" pitchFamily="49" charset="0"/>
+                        </a:rPr>
+                        <a:t>”</a:t>
+                      </a:r>
+                      <a:endParaRPr lang="en-US" sz="3200" dirty="0">
+                        <a:latin typeface="Consolas" panose="020B0609020204030204" pitchFamily="49" charset="0"/>
+                      </a:endParaRPr>
+                    </a:p>
+                  </a:txBody>
+                  <a:tcPr/>
+                </a:tc>
+                <a:tc>
+                  <a:txBody>
+                    <a:bodyPr/>
+                    <a:lstStyle/>
+                    <a:p>
+                      <a:r>
+                        <a:rPr lang="en-CA" sz="3200" dirty="0"/>
+                        <a:t>DID Document Content Fragment</a:t>
+                      </a:r>
+                      <a:endParaRPr lang="en-US" sz="3200" dirty="0"/>
+                    </a:p>
+                  </a:txBody>
+                  <a:tcPr/>
+                </a:tc>
+                <a:extLst>
+                  <a:ext uri="{0D108BD9-81ED-4DB2-BD59-A6C34878D82A}">
+                    <a16:rowId xmlns:a16="http://schemas.microsoft.com/office/drawing/2014/main" val="2810989214"/>
+                  </a:ext>
+                </a:extLst>
+              </a:tr>
+              <a:tr h="370840">
+                <a:tc>
+                  <a:txBody>
+                    <a:bodyPr/>
+                    <a:lstStyle/>
+                    <a:p>
+                      <a:pPr marL="0" marR="0" lvl="0" indent="0" algn="ctr" defTabSz="1295979" rtl="0" eaLnBrk="1" fontAlgn="auto" latinLnBrk="0" hangingPunct="1">
+                        <a:lnSpc>
+                          <a:spcPct val="100000"/>
+                        </a:lnSpc>
+                        <a:spcBef>
+                          <a:spcPts val="0"/>
+                        </a:spcBef>
+                        <a:spcAft>
+                          <a:spcPts val="0"/>
+                        </a:spcAft>
+                        <a:buClrTx/>
+                        <a:buSzTx/>
+                        <a:buFontTx/>
+                        <a:buNone/>
+                        <a:tabLst/>
+                        <a:defRPr/>
+                      </a:pPr>
+                      <a:r>
+                        <a:rPr lang="en-CA" sz="3200" dirty="0">
+                          <a:latin typeface="Consolas" panose="020B0609020204030204" pitchFamily="49" charset="0"/>
+                        </a:rPr>
+                        <a:t>4</a:t>
+                      </a:r>
+                      <a:endParaRPr lang="en-US" sz="3200" dirty="0">
+                        <a:latin typeface="Consolas" panose="020B0609020204030204" pitchFamily="49" charset="0"/>
+                      </a:endParaRPr>
+                    </a:p>
+                  </a:txBody>
+                  <a:tcPr/>
+                </a:tc>
+                <a:tc>
+                  <a:txBody>
+                    <a:bodyPr/>
+                    <a:lstStyle/>
+                    <a:p>
+                      <a:pPr marL="0" marR="0" lvl="0" indent="0" algn="l" defTabSz="1295979" rtl="0" eaLnBrk="1" fontAlgn="auto" latinLnBrk="0" hangingPunct="1">
+                        <a:lnSpc>
+                          <a:spcPct val="100000"/>
+                        </a:lnSpc>
+                        <a:spcBef>
+                          <a:spcPts val="0"/>
+                        </a:spcBef>
+                        <a:spcAft>
+                          <a:spcPts val="0"/>
+                        </a:spcAft>
+                        <a:buClrTx/>
+                        <a:buSzTx/>
+                        <a:buFontTx/>
+                        <a:buNone/>
+                        <a:tabLst/>
+                        <a:defRPr/>
+                      </a:pPr>
+                      <a:r>
+                        <a:rPr lang="en-CA" sz="3200" dirty="0">
+                          <a:latin typeface="Consolas" panose="020B0609020204030204" pitchFamily="49" charset="0"/>
+                        </a:rPr>
+                        <a:t>&lt;did&gt;!$serviceId=“bops”</a:t>
+                      </a:r>
+                      <a:endParaRPr lang="en-US" sz="3200" dirty="0">
+                        <a:latin typeface="Consolas" panose="020B0609020204030204" pitchFamily="49" charset="0"/>
+                      </a:endParaRPr>
+                    </a:p>
+                  </a:txBody>
+                  <a:tcPr/>
+                </a:tc>
+                <a:tc>
+                  <a:txBody>
+                    <a:bodyPr/>
+                    <a:lstStyle/>
+                    <a:p>
+                      <a:r>
+                        <a:rPr lang="en-CA" sz="3200" dirty="0"/>
+                        <a:t>Remapped Service Endpoint URI/URL</a:t>
+                      </a:r>
+                      <a:endParaRPr lang="en-US" sz="3200" dirty="0"/>
+                    </a:p>
+                  </a:txBody>
+                  <a:tcPr/>
+                </a:tc>
+                <a:extLst>
+                  <a:ext uri="{0D108BD9-81ED-4DB2-BD59-A6C34878D82A}">
+                    <a16:rowId xmlns:a16="http://schemas.microsoft.com/office/drawing/2014/main" val="2874601981"/>
+                  </a:ext>
+                </a:extLst>
+              </a:tr>
+              <a:tr h="370840">
+                <a:tc>
+                  <a:txBody>
+                    <a:bodyPr/>
+                    <a:lstStyle/>
+                    <a:p>
+                      <a:pPr marL="0" marR="0" lvl="0" indent="0" algn="ctr" defTabSz="1295979" rtl="0" eaLnBrk="1" fontAlgn="auto" latinLnBrk="0" hangingPunct="1">
+                        <a:lnSpc>
+                          <a:spcPct val="100000"/>
+                        </a:lnSpc>
+                        <a:spcBef>
+                          <a:spcPts val="0"/>
+                        </a:spcBef>
+                        <a:spcAft>
+                          <a:spcPts val="0"/>
+                        </a:spcAft>
+                        <a:buClrTx/>
+                        <a:buSzTx/>
+                        <a:buFontTx/>
+                        <a:buNone/>
+                        <a:tabLst/>
+                        <a:defRPr/>
+                      </a:pPr>
+                      <a:r>
+                        <a:rPr lang="en-CA" sz="3200" dirty="0">
+                          <a:latin typeface="Consolas" panose="020B0609020204030204" pitchFamily="49" charset="0"/>
+                        </a:rPr>
+                        <a:t>5</a:t>
+                      </a:r>
+                      <a:endParaRPr lang="en-US" sz="3200" dirty="0">
+                        <a:latin typeface="Consolas" panose="020B0609020204030204" pitchFamily="49" charset="0"/>
+                      </a:endParaRPr>
+                    </a:p>
+                  </a:txBody>
+                  <a:tcPr/>
+                </a:tc>
+                <a:tc>
+                  <a:txBody>
+                    <a:bodyPr/>
+                    <a:lstStyle/>
+                    <a:p>
+                      <a:pPr marL="0" marR="0" lvl="0" indent="0" algn="l" defTabSz="1295979" rtl="0" eaLnBrk="1" fontAlgn="auto" latinLnBrk="0" hangingPunct="1">
+                        <a:lnSpc>
+                          <a:spcPct val="100000"/>
+                        </a:lnSpc>
+                        <a:spcBef>
+                          <a:spcPts val="0"/>
+                        </a:spcBef>
+                        <a:spcAft>
+                          <a:spcPts val="0"/>
+                        </a:spcAft>
+                        <a:buClrTx/>
+                        <a:buSzTx/>
+                        <a:buFontTx/>
+                        <a:buNone/>
+                        <a:tabLst/>
+                        <a:defRPr/>
+                      </a:pPr>
+                      <a:r>
+                        <a:rPr lang="en-US" sz="3200" dirty="0">
+                          <a:latin typeface="Consolas" panose="020B0609020204030204" pitchFamily="49" charset="0"/>
+                        </a:rPr>
+                        <a:t>&lt;did&gt;!$</a:t>
+                      </a:r>
+                      <a:r>
+                        <a:rPr lang="en-US" sz="3200" dirty="0" err="1">
+                          <a:latin typeface="Consolas" panose="020B0609020204030204" pitchFamily="49" charset="0"/>
+                        </a:rPr>
+                        <a:t>attachmentId</a:t>
+                      </a:r>
+                      <a:r>
+                        <a:rPr lang="en-US" sz="3200" dirty="0">
+                          <a:latin typeface="Consolas" panose="020B0609020204030204" pitchFamily="49" charset="0"/>
+                        </a:rPr>
+                        <a:t>=“</a:t>
+                      </a:r>
+                      <a:r>
+                        <a:rPr lang="en-US" sz="3200" dirty="0" err="1">
+                          <a:latin typeface="Consolas" panose="020B0609020204030204" pitchFamily="49" charset="0"/>
+                        </a:rPr>
+                        <a:t>abcd</a:t>
+                      </a:r>
+                      <a:r>
+                        <a:rPr lang="en-US" sz="3200" dirty="0">
+                          <a:latin typeface="Consolas" panose="020B0609020204030204" pitchFamily="49" charset="0"/>
+                        </a:rPr>
+                        <a:t>"</a:t>
+                      </a:r>
+                    </a:p>
+                  </a:txBody>
+                  <a:tcPr/>
+                </a:tc>
+                <a:tc>
+                  <a:txBody>
+                    <a:bodyPr/>
+                    <a:lstStyle/>
+                    <a:p>
+                      <a:pPr marL="0" marR="0" lvl="0" indent="0" algn="l" defTabSz="1295979" rtl="0" eaLnBrk="1" fontAlgn="auto" latinLnBrk="0" hangingPunct="1">
+                        <a:lnSpc>
+                          <a:spcPct val="100000"/>
+                        </a:lnSpc>
+                        <a:spcBef>
+                          <a:spcPts val="0"/>
+                        </a:spcBef>
+                        <a:spcAft>
+                          <a:spcPts val="0"/>
+                        </a:spcAft>
+                        <a:buClrTx/>
+                        <a:buSzTx/>
+                        <a:buFontTx/>
+                        <a:buNone/>
+                        <a:tabLst/>
+                        <a:defRPr/>
+                      </a:pPr>
+                      <a:r>
+                        <a:rPr lang="en-CA" sz="3200" dirty="0"/>
+                        <a:t>DID Document Attachment Fragment</a:t>
+                      </a:r>
+                      <a:endParaRPr lang="en-US" sz="3200" dirty="0"/>
+                    </a:p>
+                  </a:txBody>
+                  <a:tcPr/>
+                </a:tc>
+                <a:extLst>
+                  <a:ext uri="{0D108BD9-81ED-4DB2-BD59-A6C34878D82A}">
+                    <a16:rowId xmlns:a16="http://schemas.microsoft.com/office/drawing/2014/main" val="3388326744"/>
+                  </a:ext>
+                </a:extLst>
+              </a:tr>
+              <a:tr h="370840">
+                <a:tc>
+                  <a:txBody>
+                    <a:bodyPr/>
+                    <a:lstStyle/>
+                    <a:p>
+                      <a:pPr marL="0" marR="0" lvl="0" indent="0" algn="ctr" defTabSz="1295979" rtl="0" eaLnBrk="1" fontAlgn="auto" latinLnBrk="0" hangingPunct="1">
+                        <a:lnSpc>
+                          <a:spcPct val="100000"/>
+                        </a:lnSpc>
+                        <a:spcBef>
+                          <a:spcPts val="0"/>
+                        </a:spcBef>
+                        <a:spcAft>
+                          <a:spcPts val="0"/>
+                        </a:spcAft>
+                        <a:buClrTx/>
+                        <a:buSzTx/>
+                        <a:buFontTx/>
+                        <a:buNone/>
+                        <a:tabLst/>
+                        <a:defRPr/>
+                      </a:pPr>
+                      <a:r>
+                        <a:rPr lang="en-CA" sz="3200" dirty="0">
+                          <a:latin typeface="Consolas" panose="020B0609020204030204" pitchFamily="49" charset="0"/>
+                        </a:rPr>
+                        <a:t>6</a:t>
+                      </a:r>
+                      <a:endParaRPr lang="en-US" sz="3200" dirty="0">
+                        <a:latin typeface="Consolas" panose="020B0609020204030204" pitchFamily="49" charset="0"/>
+                      </a:endParaRPr>
+                    </a:p>
+                  </a:txBody>
+                  <a:tcPr/>
+                </a:tc>
+                <a:tc>
+                  <a:txBody>
+                    <a:bodyPr/>
+                    <a:lstStyle/>
+                    <a:p>
+                      <a:pPr marL="0" marR="0" lvl="0" indent="0" algn="l" defTabSz="1295979" rtl="0" eaLnBrk="1" fontAlgn="auto" latinLnBrk="0" hangingPunct="1">
+                        <a:lnSpc>
+                          <a:spcPct val="100000"/>
+                        </a:lnSpc>
+                        <a:spcBef>
+                          <a:spcPts val="0"/>
+                        </a:spcBef>
+                        <a:spcAft>
+                          <a:spcPts val="0"/>
+                        </a:spcAft>
+                        <a:buClrTx/>
+                        <a:buSzTx/>
+                        <a:buFontTx/>
+                        <a:buNone/>
+                        <a:tabLst/>
+                        <a:defRPr/>
+                      </a:pPr>
+                      <a:r>
+                        <a:rPr lang="en-US" sz="3200" dirty="0">
+                          <a:latin typeface="Consolas" panose="020B0609020204030204" pitchFamily="49" charset="0"/>
+                        </a:rPr>
+                        <a:t>"query": “&lt;did&gt;!$filter='spec/</a:t>
+                      </a:r>
+                      <a:r>
+                        <a:rPr lang="en-US" sz="3200" dirty="0" err="1">
+                          <a:latin typeface="Consolas" panose="020B0609020204030204" pitchFamily="49" charset="0"/>
+                        </a:rPr>
+                        <a:t>tictactoe</a:t>
+                      </a:r>
+                      <a:r>
+                        <a:rPr lang="en-US" sz="3200" dirty="0">
+                          <a:latin typeface="Consolas" panose="020B0609020204030204" pitchFamily="49" charset="0"/>
+                        </a:rPr>
+                        <a:t>/1.*'"</a:t>
+                      </a:r>
+                    </a:p>
+                  </a:txBody>
+                  <a:tcPr/>
+                </a:tc>
+                <a:tc>
+                  <a:txBody>
+                    <a:bodyPr/>
+                    <a:lstStyle/>
+                    <a:p>
+                      <a:r>
+                        <a:rPr lang="en-CA" sz="3200" dirty="0"/>
+                        <a:t>Array of Filtered Service Agent Feature Descriptions</a:t>
+                      </a:r>
+                      <a:endParaRPr lang="en-US" sz="3200" dirty="0"/>
+                    </a:p>
+                  </a:txBody>
+                  <a:tcPr/>
+                </a:tc>
+                <a:extLst>
+                  <a:ext uri="{0D108BD9-81ED-4DB2-BD59-A6C34878D82A}">
+                    <a16:rowId xmlns:a16="http://schemas.microsoft.com/office/drawing/2014/main" val="3014493657"/>
+                  </a:ext>
+                </a:extLst>
+              </a:tr>
+              <a:tr h="370840">
+                <a:tc>
+                  <a:txBody>
+                    <a:bodyPr/>
+                    <a:lstStyle/>
+                    <a:p>
+                      <a:pPr marL="0" marR="0" lvl="0" indent="0" algn="ctr" defTabSz="1295979" rtl="0" eaLnBrk="1" fontAlgn="auto" latinLnBrk="0" hangingPunct="1">
+                        <a:lnSpc>
+                          <a:spcPct val="100000"/>
+                        </a:lnSpc>
+                        <a:spcBef>
+                          <a:spcPts val="0"/>
+                        </a:spcBef>
+                        <a:spcAft>
+                          <a:spcPts val="0"/>
+                        </a:spcAft>
+                        <a:buClrTx/>
+                        <a:buSzTx/>
+                        <a:buFontTx/>
+                        <a:buNone/>
+                        <a:tabLst/>
+                        <a:defRPr/>
+                      </a:pPr>
+                      <a:r>
+                        <a:rPr lang="en-CA" sz="3200" dirty="0">
+                          <a:latin typeface="Consolas" panose="020B0609020204030204" pitchFamily="49" charset="0"/>
+                        </a:rPr>
+                        <a:t>7</a:t>
+                      </a:r>
+                      <a:endParaRPr lang="en-US" sz="3200" dirty="0">
+                        <a:latin typeface="Consolas" panose="020B0609020204030204" pitchFamily="49" charset="0"/>
+                      </a:endParaRPr>
+                    </a:p>
+                  </a:txBody>
+                  <a:tcPr/>
+                </a:tc>
+                <a:tc>
+                  <a:txBody>
+                    <a:bodyPr/>
+                    <a:lstStyle/>
+                    <a:p>
+                      <a:pPr marL="0" marR="0" lvl="0" indent="0" algn="l" defTabSz="1295979" rtl="0" eaLnBrk="1" fontAlgn="auto" latinLnBrk="0" hangingPunct="1">
+                        <a:lnSpc>
+                          <a:spcPct val="100000"/>
+                        </a:lnSpc>
+                        <a:spcBef>
+                          <a:spcPts val="0"/>
+                        </a:spcBef>
+                        <a:spcAft>
+                          <a:spcPts val="0"/>
+                        </a:spcAft>
+                        <a:buClrTx/>
+                        <a:buSzTx/>
+                        <a:buFontTx/>
+                        <a:buNone/>
+                        <a:tabLst/>
+                        <a:defRPr/>
+                      </a:pPr>
+                      <a:r>
+                        <a:rPr lang="en-US" sz="3200" dirty="0">
+                          <a:latin typeface="Consolas" panose="020B0609020204030204" pitchFamily="49" charset="0"/>
+                        </a:rPr>
+                        <a:t>"query": “&lt;did&gt;!$filter='*'"</a:t>
+                      </a:r>
+                    </a:p>
+                  </a:txBody>
+                  <a:tcPr/>
+                </a:tc>
+                <a:tc>
+                  <a:txBody>
+                    <a:bodyPr/>
+                    <a:lstStyle/>
+                    <a:p>
+                      <a:pPr marL="0" marR="0" lvl="0" indent="0" algn="l" defTabSz="1295979" rtl="0" eaLnBrk="1" fontAlgn="auto" latinLnBrk="0" hangingPunct="1">
+                        <a:lnSpc>
+                          <a:spcPct val="100000"/>
+                        </a:lnSpc>
+                        <a:spcBef>
+                          <a:spcPts val="0"/>
+                        </a:spcBef>
+                        <a:spcAft>
+                          <a:spcPts val="0"/>
+                        </a:spcAft>
+                        <a:buClrTx/>
+                        <a:buSzTx/>
+                        <a:buFontTx/>
+                        <a:buNone/>
+                        <a:tabLst/>
+                        <a:defRPr/>
+                      </a:pPr>
+                      <a:r>
+                        <a:rPr lang="en-CA" sz="3200" dirty="0"/>
+                        <a:t>Array of All Service Agent Feature Descriptions</a:t>
+                      </a:r>
+                      <a:endParaRPr lang="en-US" sz="3200" dirty="0"/>
+                    </a:p>
+                  </a:txBody>
+                  <a:tcPr/>
+                </a:tc>
+                <a:extLst>
+                  <a:ext uri="{0D108BD9-81ED-4DB2-BD59-A6C34878D82A}">
+                    <a16:rowId xmlns:a16="http://schemas.microsoft.com/office/drawing/2014/main" val="932674153"/>
+                  </a:ext>
+                </a:extLst>
+              </a:tr>
+            </a:tbl>
+          </a:graphicData>
+        </a:graphic>
+      </p:graphicFrame>
+      <p:sp>
+        <p:nvSpPr>
+          <p:cNvPr id="4" name="Date Placeholder 3">
+            <a:extLst>
+              <a:ext uri="{FF2B5EF4-FFF2-40B4-BE49-F238E27FC236}">
+                <a16:creationId xmlns:a16="http://schemas.microsoft.com/office/drawing/2014/main" id="{CBCAD1F5-EC47-4B95-9F5F-46B5FFE8DAEF}"/>
+              </a:ext>
+            </a:extLst>
+          </p:cNvPr>
+          <p:cNvSpPr>
+            <a:spLocks noGrp="1"/>
+          </p:cNvSpPr>
+          <p:nvPr>
+            <p:ph type="dt" sz="half" idx="10"/>
+          </p:nvPr>
+        </p:nvSpPr>
+        <p:spPr/>
+        <p:txBody>
+          <a:bodyPr/>
+          <a:lstStyle/>
+          <a:p>
+            <a:fld id="{897B6F34-C2F7-4BB2-A9B3-B7557F12AB71}" type="datetime1">
+              <a:rPr lang="en-CA" smtClean="0"/>
+              <a:t>2019-03-24</a:t>
+            </a:fld>
+            <a:endParaRPr lang="en-CA" dirty="0"/>
+          </a:p>
+        </p:txBody>
+      </p:sp>
+      <p:sp>
+        <p:nvSpPr>
+          <p:cNvPr id="5" name="Footer Placeholder 4">
+            <a:extLst>
+              <a:ext uri="{FF2B5EF4-FFF2-40B4-BE49-F238E27FC236}">
+                <a16:creationId xmlns:a16="http://schemas.microsoft.com/office/drawing/2014/main" id="{F91FE9E2-C844-4EB3-A768-4FCC02485654}"/>
+              </a:ext>
+            </a:extLst>
+          </p:cNvPr>
+          <p:cNvSpPr>
+            <a:spLocks noGrp="1"/>
+          </p:cNvSpPr>
+          <p:nvPr>
+            <p:ph type="ftr" sz="quarter" idx="11"/>
+          </p:nvPr>
+        </p:nvSpPr>
+        <p:spPr/>
+        <p:txBody>
+          <a:bodyPr/>
+          <a:lstStyle/>
+          <a:p>
+            <a:r>
+              <a:rPr lang="en-US"/>
+              <a:t>Decentralized Identifier URL Specification (did-url-spec)</a:t>
+            </a:r>
+            <a:endParaRPr lang="en-CA" dirty="0"/>
+          </a:p>
+        </p:txBody>
+      </p:sp>
+    </p:spTree>
+    <p:extLst>
+      <p:ext uri="{BB962C8B-B14F-4D97-AF65-F5344CB8AC3E}">
+        <p14:creationId xmlns:p14="http://schemas.microsoft.com/office/powerpoint/2010/main" val="3303705358"/>
+      </p:ext>
+    </p:extLst>
+  </p:cSld>
+  <p:clrMapOvr>
+    <a:masterClrMapping/>
+  </p:clrMapOvr>
+</p:sld>
+</file>
+
+<file path=ppt/slides/slide37.xml><?xml version="1.0" encoding="utf-8"?>
 <p:sld xmlns:a="http://schemas.openxmlformats.org/drawingml/2006/main" xmlns:r="http://schemas.openxmlformats.org/officeDocument/2006/relationships" xmlns:p="http://schemas.openxmlformats.org/presentationml/2006/main">
   <p:cSld>
     <p:spTree>
@@ -24875,7 +26607,7 @@
 </p:sld>
 </file>
 
-<file path=ppt/slides/slide37.xml><?xml version="1.0" encoding="utf-8"?>
+<file path=ppt/slides/slide38.xml><?xml version="1.0" encoding="utf-8"?>
 <p:sld xmlns:a="http://schemas.openxmlformats.org/drawingml/2006/main" xmlns:r="http://schemas.openxmlformats.org/officeDocument/2006/relationships" xmlns:p="http://schemas.openxmlformats.org/presentationml/2006/main">
   <p:cSld>
     <p:spTree>
@@ -25136,7 +26868,7 @@
 </p:sld>
 </file>
 
-<file path=ppt/slides/slide38.xml><?xml version="1.0" encoding="utf-8"?>
+<file path=ppt/slides/slide39.xml><?xml version="1.0" encoding="utf-8"?>
 <p:sld xmlns:a="http://schemas.openxmlformats.org/drawingml/2006/main" xmlns:r="http://schemas.openxmlformats.org/officeDocument/2006/relationships" xmlns:p="http://schemas.openxmlformats.org/presentationml/2006/main">
   <p:cSld>
     <p:spTree>
@@ -25384,491 +27116,6 @@
     <p:extLst>
       <p:ext uri="{BB962C8B-B14F-4D97-AF65-F5344CB8AC3E}">
         <p14:creationId xmlns:p14="http://schemas.microsoft.com/office/powerpoint/2010/main" val="2322566956"/>
-      </p:ext>
-    </p:extLst>
-  </p:cSld>
-  <p:clrMapOvr>
-    <a:masterClrMapping/>
-  </p:clrMapOvr>
-</p:sld>
-</file>
-
-<file path=ppt/slides/slide39.xml><?xml version="1.0" encoding="utf-8"?>
-<p:sld xmlns:a="http://schemas.openxmlformats.org/drawingml/2006/main" xmlns:r="http://schemas.openxmlformats.org/officeDocument/2006/relationships" xmlns:p="http://schemas.openxmlformats.org/presentationml/2006/main">
-  <p:cSld>
-    <p:spTree>
-      <p:nvGrpSpPr>
-        <p:cNvPr id="1" name=""/>
-        <p:cNvGrpSpPr/>
-        <p:nvPr/>
-      </p:nvGrpSpPr>
-      <p:grpSpPr>
-        <a:xfrm>
-          <a:off x="0" y="0"/>
-          <a:ext cx="0" cy="0"/>
-          <a:chOff x="0" y="0"/>
-          <a:chExt cx="0" cy="0"/>
-        </a:xfrm>
-      </p:grpSpPr>
-      <p:sp>
-        <p:nvSpPr>
-          <p:cNvPr id="2" name="Title 1">
-            <a:extLst>
-              <a:ext uri="{FF2B5EF4-FFF2-40B4-BE49-F238E27FC236}">
-                <a16:creationId xmlns:a16="http://schemas.microsoft.com/office/drawing/2014/main" id="{C29FC834-6430-4E4A-83B7-97BA43C29D37}"/>
-              </a:ext>
-            </a:extLst>
-          </p:cNvPr>
-          <p:cNvSpPr>
-            <a:spLocks noGrp="1"/>
-          </p:cNvSpPr>
-          <p:nvPr>
-            <p:ph type="ctrTitle"/>
-          </p:nvPr>
-        </p:nvSpPr>
-        <p:spPr>
-          <a:xfrm>
-            <a:off x="723900" y="1137147"/>
-            <a:ext cx="16173450" cy="3602126"/>
-          </a:xfrm>
-        </p:spPr>
-        <p:txBody>
-          <a:bodyPr>
-            <a:normAutofit/>
-          </a:bodyPr>
-          <a:lstStyle/>
-          <a:p>
-            <a:r>
-              <a:rPr lang="en-CA" sz="6600" dirty="0">
-                <a:solidFill>
-                  <a:srgbClr val="1D326D"/>
-                </a:solidFill>
-                <a:sym typeface="Wingdings" panose="05000000000000000000" pitchFamily="2" charset="2"/>
-              </a:rPr>
-              <a:t></a:t>
-            </a:r>
-            <a:r>
-              <a:rPr lang="en-CA" sz="6600" dirty="0">
-                <a:solidFill>
-                  <a:srgbClr val="1D326D"/>
-                </a:solidFill>
-              </a:rPr>
-              <a:t> Lower-Level </a:t>
-            </a:r>
-            <a:r>
-              <a:rPr lang="en-CA" sz="6600" cap="none" dirty="0">
-                <a:solidFill>
-                  <a:srgbClr val="1D326D"/>
-                </a:solidFill>
-                <a:latin typeface="Consolas" panose="020B0609020204030204" pitchFamily="49" charset="0"/>
-              </a:rPr>
-              <a:t>did-url</a:t>
-            </a:r>
-            <a:r>
-              <a:rPr lang="en-CA" sz="6600" dirty="0">
-                <a:solidFill>
-                  <a:srgbClr val="1D326D"/>
-                </a:solidFill>
-              </a:rPr>
-              <a:t> Use Cases</a:t>
-            </a:r>
-            <a:endParaRPr lang="en-US" sz="6600" dirty="0">
-              <a:solidFill>
-                <a:srgbClr val="1D326D"/>
-              </a:solidFill>
-            </a:endParaRPr>
-          </a:p>
-        </p:txBody>
-      </p:sp>
-      <p:sp>
-        <p:nvSpPr>
-          <p:cNvPr id="3" name="Subtitle 2">
-            <a:extLst>
-              <a:ext uri="{FF2B5EF4-FFF2-40B4-BE49-F238E27FC236}">
-                <a16:creationId xmlns:a16="http://schemas.microsoft.com/office/drawing/2014/main" id="{C660EB17-2854-4658-9BE6-4D698F62714C}"/>
-              </a:ext>
-            </a:extLst>
-          </p:cNvPr>
-          <p:cNvSpPr>
-            <a:spLocks noGrp="1"/>
-          </p:cNvSpPr>
-          <p:nvPr>
-            <p:ph type="subTitle" idx="1"/>
-          </p:nvPr>
-        </p:nvSpPr>
-        <p:spPr>
-          <a:xfrm>
-            <a:off x="723900" y="5462192"/>
-            <a:ext cx="14944338" cy="1385642"/>
-          </a:xfrm>
-        </p:spPr>
-        <p:txBody>
-          <a:bodyPr>
-            <a:normAutofit fontScale="70000" lnSpcReduction="20000"/>
-          </a:bodyPr>
-          <a:lstStyle/>
-          <a:p>
-            <a:r>
-              <a:rPr lang="en-CA" dirty="0"/>
-              <a:t>Michael Herman</a:t>
-            </a:r>
-          </a:p>
-          <a:p>
-            <a:r>
-              <a:rPr lang="en-CA" dirty="0"/>
-              <a:t>Independent Blockchain Architect</a:t>
-            </a:r>
-          </a:p>
-          <a:p>
-            <a:r>
-              <a:rPr lang="en-CA" dirty="0"/>
-              <a:t>mwherman@parallelspace.net</a:t>
-            </a:r>
-            <a:endParaRPr lang="en-US" dirty="0"/>
-          </a:p>
-        </p:txBody>
-      </p:sp>
-      <p:sp>
-        <p:nvSpPr>
-          <p:cNvPr id="6" name="Date Placeholder 2">
-            <a:extLst>
-              <a:ext uri="{FF2B5EF4-FFF2-40B4-BE49-F238E27FC236}">
-                <a16:creationId xmlns:a16="http://schemas.microsoft.com/office/drawing/2014/main" id="{2AD3D6DA-1F42-48CB-B93A-E92BA6EE4652}"/>
-              </a:ext>
-            </a:extLst>
-          </p:cNvPr>
-          <p:cNvSpPr txBox="1">
-            <a:spLocks/>
-          </p:cNvSpPr>
-          <p:nvPr/>
-        </p:nvSpPr>
-        <p:spPr>
-          <a:xfrm>
-            <a:off x="10706614" y="9018020"/>
-            <a:ext cx="5868474" cy="436742"/>
-          </a:xfrm>
-          <a:prstGeom prst="rect">
-            <a:avLst/>
-          </a:prstGeom>
-        </p:spPr>
-        <p:txBody>
-          <a:bodyPr vert="horz" lIns="91440" tIns="45720" rIns="91440" bIns="45720" rtlCol="0" anchor="ctr"/>
-          <a:lstStyle>
-            <a:defPPr>
-              <a:defRPr lang="en-US"/>
-            </a:defPPr>
-            <a:lvl1pPr marL="0" algn="r" defTabSz="457200" rtl="0" eaLnBrk="1" latinLnBrk="0" hangingPunct="1">
-              <a:defRPr sz="1417" kern="1200">
-                <a:solidFill>
-                  <a:schemeClr val="tx1">
-                    <a:tint val="75000"/>
-                  </a:schemeClr>
-                </a:solidFill>
-                <a:latin typeface="+mn-lt"/>
-                <a:ea typeface="+mn-ea"/>
-                <a:cs typeface="+mn-cs"/>
-              </a:defRPr>
-            </a:lvl1pPr>
-            <a:lvl2pPr marL="457200" algn="l" defTabSz="457200" rtl="0" eaLnBrk="1" latinLnBrk="0" hangingPunct="1">
-              <a:defRPr sz="1800" kern="1200">
-                <a:solidFill>
-                  <a:schemeClr val="tx1"/>
-                </a:solidFill>
-                <a:latin typeface="+mn-lt"/>
-                <a:ea typeface="+mn-ea"/>
-                <a:cs typeface="+mn-cs"/>
-              </a:defRPr>
-            </a:lvl2pPr>
-            <a:lvl3pPr marL="914400" algn="l" defTabSz="457200" rtl="0" eaLnBrk="1" latinLnBrk="0" hangingPunct="1">
-              <a:defRPr sz="1800" kern="1200">
-                <a:solidFill>
-                  <a:schemeClr val="tx1"/>
-                </a:solidFill>
-                <a:latin typeface="+mn-lt"/>
-                <a:ea typeface="+mn-ea"/>
-                <a:cs typeface="+mn-cs"/>
-              </a:defRPr>
-            </a:lvl3pPr>
-            <a:lvl4pPr marL="1371600" algn="l" defTabSz="457200" rtl="0" eaLnBrk="1" latinLnBrk="0" hangingPunct="1">
-              <a:defRPr sz="1800" kern="1200">
-                <a:solidFill>
-                  <a:schemeClr val="tx1"/>
-                </a:solidFill>
-                <a:latin typeface="+mn-lt"/>
-                <a:ea typeface="+mn-ea"/>
-                <a:cs typeface="+mn-cs"/>
-              </a:defRPr>
-            </a:lvl4pPr>
-            <a:lvl5pPr marL="1828800" algn="l" defTabSz="457200" rtl="0" eaLnBrk="1" latinLnBrk="0" hangingPunct="1">
-              <a:defRPr sz="1800" kern="1200">
-                <a:solidFill>
-                  <a:schemeClr val="tx1"/>
-                </a:solidFill>
-                <a:latin typeface="+mn-lt"/>
-                <a:ea typeface="+mn-ea"/>
-                <a:cs typeface="+mn-cs"/>
-              </a:defRPr>
-            </a:lvl5pPr>
-            <a:lvl6pPr marL="2286000" algn="l" defTabSz="457200" rtl="0" eaLnBrk="1" latinLnBrk="0" hangingPunct="1">
-              <a:defRPr sz="1800" kern="1200">
-                <a:solidFill>
-                  <a:schemeClr val="tx1"/>
-                </a:solidFill>
-                <a:latin typeface="+mn-lt"/>
-                <a:ea typeface="+mn-ea"/>
-                <a:cs typeface="+mn-cs"/>
-              </a:defRPr>
-            </a:lvl6pPr>
-            <a:lvl7pPr marL="2743200" algn="l" defTabSz="457200" rtl="0" eaLnBrk="1" latinLnBrk="0" hangingPunct="1">
-              <a:defRPr sz="1800" kern="1200">
-                <a:solidFill>
-                  <a:schemeClr val="tx1"/>
-                </a:solidFill>
-                <a:latin typeface="+mn-lt"/>
-                <a:ea typeface="+mn-ea"/>
-                <a:cs typeface="+mn-cs"/>
-              </a:defRPr>
-            </a:lvl7pPr>
-            <a:lvl8pPr marL="3200400" algn="l" defTabSz="457200" rtl="0" eaLnBrk="1" latinLnBrk="0" hangingPunct="1">
-              <a:defRPr sz="1800" kern="1200">
-                <a:solidFill>
-                  <a:schemeClr val="tx1"/>
-                </a:solidFill>
-                <a:latin typeface="+mn-lt"/>
-                <a:ea typeface="+mn-ea"/>
-                <a:cs typeface="+mn-cs"/>
-              </a:defRPr>
-            </a:lvl8pPr>
-            <a:lvl9pPr marL="3657600" algn="l" defTabSz="457200" rtl="0" eaLnBrk="1" latinLnBrk="0" hangingPunct="1">
-              <a:defRPr sz="1800" kern="1200">
-                <a:solidFill>
-                  <a:schemeClr val="tx1"/>
-                </a:solidFill>
-                <a:latin typeface="+mn-lt"/>
-                <a:ea typeface="+mn-ea"/>
-                <a:cs typeface="+mn-cs"/>
-              </a:defRPr>
-            </a:lvl9pPr>
-          </a:lstStyle>
-          <a:p>
-            <a:fld id="{E35A9342-8D2C-4F03-BE33-2A71AE2A9EC4}" type="datetime1">
-              <a:rPr lang="en-CA" smtClean="0">
-                <a:solidFill>
-                  <a:schemeClr val="bg1"/>
-                </a:solidFill>
-              </a:rPr>
-              <a:pPr/>
-              <a:t>2019-03-24</a:t>
-            </a:fld>
-            <a:endParaRPr lang="en-CA" dirty="0">
-              <a:solidFill>
-                <a:schemeClr val="bg1"/>
-              </a:solidFill>
-            </a:endParaRPr>
-          </a:p>
-        </p:txBody>
-      </p:sp>
-      <p:sp>
-        <p:nvSpPr>
-          <p:cNvPr id="7" name="Footer Placeholder 3">
-            <a:extLst>
-              <a:ext uri="{FF2B5EF4-FFF2-40B4-BE49-F238E27FC236}">
-                <a16:creationId xmlns:a16="http://schemas.microsoft.com/office/drawing/2014/main" id="{099A2DE6-9372-44F1-A841-744407BCBCC7}"/>
-              </a:ext>
-            </a:extLst>
-          </p:cNvPr>
-          <p:cNvSpPr txBox="1">
-            <a:spLocks/>
-          </p:cNvSpPr>
-          <p:nvPr/>
-        </p:nvSpPr>
-        <p:spPr>
-          <a:xfrm>
-            <a:off x="2057349" y="9019515"/>
-            <a:ext cx="8233240" cy="435247"/>
-          </a:xfrm>
-          <a:prstGeom prst="rect">
-            <a:avLst/>
-          </a:prstGeom>
-        </p:spPr>
-        <p:txBody>
-          <a:bodyPr vert="horz" lIns="91440" tIns="45720" rIns="91440" bIns="45720" rtlCol="0" anchor="ctr"/>
-          <a:lstStyle>
-            <a:defPPr>
-              <a:defRPr lang="en-US"/>
-            </a:defPPr>
-            <a:lvl1pPr marL="0" algn="l" defTabSz="457200" rtl="0" eaLnBrk="1" latinLnBrk="0" hangingPunct="1">
-              <a:defRPr sz="1417" kern="1200">
-                <a:solidFill>
-                  <a:schemeClr val="tx1">
-                    <a:tint val="75000"/>
-                  </a:schemeClr>
-                </a:solidFill>
-                <a:latin typeface="+mn-lt"/>
-                <a:ea typeface="+mn-ea"/>
-                <a:cs typeface="+mn-cs"/>
-              </a:defRPr>
-            </a:lvl1pPr>
-            <a:lvl2pPr marL="457200" algn="l" defTabSz="457200" rtl="0" eaLnBrk="1" latinLnBrk="0" hangingPunct="1">
-              <a:defRPr sz="1800" kern="1200">
-                <a:solidFill>
-                  <a:schemeClr val="tx1"/>
-                </a:solidFill>
-                <a:latin typeface="+mn-lt"/>
-                <a:ea typeface="+mn-ea"/>
-                <a:cs typeface="+mn-cs"/>
-              </a:defRPr>
-            </a:lvl2pPr>
-            <a:lvl3pPr marL="914400" algn="l" defTabSz="457200" rtl="0" eaLnBrk="1" latinLnBrk="0" hangingPunct="1">
-              <a:defRPr sz="1800" kern="1200">
-                <a:solidFill>
-                  <a:schemeClr val="tx1"/>
-                </a:solidFill>
-                <a:latin typeface="+mn-lt"/>
-                <a:ea typeface="+mn-ea"/>
-                <a:cs typeface="+mn-cs"/>
-              </a:defRPr>
-            </a:lvl3pPr>
-            <a:lvl4pPr marL="1371600" algn="l" defTabSz="457200" rtl="0" eaLnBrk="1" latinLnBrk="0" hangingPunct="1">
-              <a:defRPr sz="1800" kern="1200">
-                <a:solidFill>
-                  <a:schemeClr val="tx1"/>
-                </a:solidFill>
-                <a:latin typeface="+mn-lt"/>
-                <a:ea typeface="+mn-ea"/>
-                <a:cs typeface="+mn-cs"/>
-              </a:defRPr>
-            </a:lvl4pPr>
-            <a:lvl5pPr marL="1828800" algn="l" defTabSz="457200" rtl="0" eaLnBrk="1" latinLnBrk="0" hangingPunct="1">
-              <a:defRPr sz="1800" kern="1200">
-                <a:solidFill>
-                  <a:schemeClr val="tx1"/>
-                </a:solidFill>
-                <a:latin typeface="+mn-lt"/>
-                <a:ea typeface="+mn-ea"/>
-                <a:cs typeface="+mn-cs"/>
-              </a:defRPr>
-            </a:lvl5pPr>
-            <a:lvl6pPr marL="2286000" algn="l" defTabSz="457200" rtl="0" eaLnBrk="1" latinLnBrk="0" hangingPunct="1">
-              <a:defRPr sz="1800" kern="1200">
-                <a:solidFill>
-                  <a:schemeClr val="tx1"/>
-                </a:solidFill>
-                <a:latin typeface="+mn-lt"/>
-                <a:ea typeface="+mn-ea"/>
-                <a:cs typeface="+mn-cs"/>
-              </a:defRPr>
-            </a:lvl6pPr>
-            <a:lvl7pPr marL="2743200" algn="l" defTabSz="457200" rtl="0" eaLnBrk="1" latinLnBrk="0" hangingPunct="1">
-              <a:defRPr sz="1800" kern="1200">
-                <a:solidFill>
-                  <a:schemeClr val="tx1"/>
-                </a:solidFill>
-                <a:latin typeface="+mn-lt"/>
-                <a:ea typeface="+mn-ea"/>
-                <a:cs typeface="+mn-cs"/>
-              </a:defRPr>
-            </a:lvl7pPr>
-            <a:lvl8pPr marL="3200400" algn="l" defTabSz="457200" rtl="0" eaLnBrk="1" latinLnBrk="0" hangingPunct="1">
-              <a:defRPr sz="1800" kern="1200">
-                <a:solidFill>
-                  <a:schemeClr val="tx1"/>
-                </a:solidFill>
-                <a:latin typeface="+mn-lt"/>
-                <a:ea typeface="+mn-ea"/>
-                <a:cs typeface="+mn-cs"/>
-              </a:defRPr>
-            </a:lvl8pPr>
-            <a:lvl9pPr marL="3657600" algn="l" defTabSz="457200" rtl="0" eaLnBrk="1" latinLnBrk="0" hangingPunct="1">
-              <a:defRPr sz="1800" kern="1200">
-                <a:solidFill>
-                  <a:schemeClr val="tx1"/>
-                </a:solidFill>
-                <a:latin typeface="+mn-lt"/>
-                <a:ea typeface="+mn-ea"/>
-                <a:cs typeface="+mn-cs"/>
-              </a:defRPr>
-            </a:lvl9pPr>
-          </a:lstStyle>
-          <a:p>
-            <a:r>
-              <a:rPr lang="en-US" dirty="0">
-                <a:solidFill>
-                  <a:schemeClr val="bg1"/>
-                </a:solidFill>
-              </a:rPr>
-              <a:t>Decentralized Identifier URL Specification (did-url-spec)</a:t>
-            </a:r>
-            <a:endParaRPr lang="en-CA" dirty="0">
-              <a:solidFill>
-                <a:schemeClr val="bg1"/>
-              </a:solidFill>
-            </a:endParaRPr>
-          </a:p>
-        </p:txBody>
-      </p:sp>
-      <p:sp>
-        <p:nvSpPr>
-          <p:cNvPr id="4" name="Date Placeholder 3">
-            <a:extLst>
-              <a:ext uri="{FF2B5EF4-FFF2-40B4-BE49-F238E27FC236}">
-                <a16:creationId xmlns:a16="http://schemas.microsoft.com/office/drawing/2014/main" id="{12627571-E10F-4A7D-8B6F-343ABC2F7F36}"/>
-              </a:ext>
-            </a:extLst>
-          </p:cNvPr>
-          <p:cNvSpPr>
-            <a:spLocks noGrp="1"/>
-          </p:cNvSpPr>
-          <p:nvPr>
-            <p:ph type="dt" sz="half" idx="10"/>
-          </p:nvPr>
-        </p:nvSpPr>
-        <p:spPr/>
-        <p:txBody>
-          <a:bodyPr/>
-          <a:lstStyle/>
-          <a:p>
-            <a:fld id="{94467FF7-AC96-4527-AF8F-410347BEF122}" type="datetime1">
-              <a:rPr lang="en-CA" smtClean="0"/>
-              <a:t>2019-03-24</a:t>
-            </a:fld>
-            <a:endParaRPr lang="en-CA" dirty="0"/>
-          </a:p>
-        </p:txBody>
-      </p:sp>
-      <p:sp>
-        <p:nvSpPr>
-          <p:cNvPr id="5" name="Footer Placeholder 4">
-            <a:extLst>
-              <a:ext uri="{FF2B5EF4-FFF2-40B4-BE49-F238E27FC236}">
-                <a16:creationId xmlns:a16="http://schemas.microsoft.com/office/drawing/2014/main" id="{A724ADE8-993D-4348-A7B6-0BAE55354686}"/>
-              </a:ext>
-            </a:extLst>
-          </p:cNvPr>
-          <p:cNvSpPr>
-            <a:spLocks noGrp="1"/>
-          </p:cNvSpPr>
-          <p:nvPr>
-            <p:ph type="ftr" sz="quarter" idx="11"/>
-          </p:nvPr>
-        </p:nvSpPr>
-        <p:spPr/>
-        <p:txBody>
-          <a:bodyPr/>
-          <a:lstStyle/>
-          <a:p>
-            <a:r>
-              <a:rPr lang="en-US" dirty="0"/>
-              <a:t>Decentralized Identifier URL Specification (did-url-spec)</a:t>
-            </a:r>
-            <a:endParaRPr lang="en-CA" dirty="0"/>
-          </a:p>
-        </p:txBody>
-      </p:sp>
-    </p:spTree>
-    <p:extLst>
-      <p:ext uri="{BB962C8B-B14F-4D97-AF65-F5344CB8AC3E}">
-        <p14:creationId xmlns:p14="http://schemas.microsoft.com/office/powerpoint/2010/main" val="4168690779"/>
       </p:ext>
     </p:extLst>
   </p:cSld>
@@ -26125,6 +27372,491 @@
           <p:cNvPr id="2" name="Title 1">
             <a:extLst>
               <a:ext uri="{FF2B5EF4-FFF2-40B4-BE49-F238E27FC236}">
+                <a16:creationId xmlns:a16="http://schemas.microsoft.com/office/drawing/2014/main" id="{C29FC834-6430-4E4A-83B7-97BA43C29D37}"/>
+              </a:ext>
+            </a:extLst>
+          </p:cNvPr>
+          <p:cNvSpPr>
+            <a:spLocks noGrp="1"/>
+          </p:cNvSpPr>
+          <p:nvPr>
+            <p:ph type="ctrTitle"/>
+          </p:nvPr>
+        </p:nvSpPr>
+        <p:spPr>
+          <a:xfrm>
+            <a:off x="723900" y="1137147"/>
+            <a:ext cx="16173450" cy="3602126"/>
+          </a:xfrm>
+        </p:spPr>
+        <p:txBody>
+          <a:bodyPr>
+            <a:normAutofit/>
+          </a:bodyPr>
+          <a:lstStyle/>
+          <a:p>
+            <a:r>
+              <a:rPr lang="en-CA" sz="6600" dirty="0">
+                <a:solidFill>
+                  <a:srgbClr val="1D326D"/>
+                </a:solidFill>
+                <a:sym typeface="Wingdings" panose="05000000000000000000" pitchFamily="2" charset="2"/>
+              </a:rPr>
+              <a:t></a:t>
+            </a:r>
+            <a:r>
+              <a:rPr lang="en-CA" sz="6600" dirty="0">
+                <a:solidFill>
+                  <a:srgbClr val="1D326D"/>
+                </a:solidFill>
+              </a:rPr>
+              <a:t> Lower-Level </a:t>
+            </a:r>
+            <a:r>
+              <a:rPr lang="en-CA" sz="6600" cap="none" dirty="0">
+                <a:solidFill>
+                  <a:srgbClr val="1D326D"/>
+                </a:solidFill>
+                <a:latin typeface="Consolas" panose="020B0609020204030204" pitchFamily="49" charset="0"/>
+              </a:rPr>
+              <a:t>did-url</a:t>
+            </a:r>
+            <a:r>
+              <a:rPr lang="en-CA" sz="6600" dirty="0">
+                <a:solidFill>
+                  <a:srgbClr val="1D326D"/>
+                </a:solidFill>
+              </a:rPr>
+              <a:t> Use Cases</a:t>
+            </a:r>
+            <a:endParaRPr lang="en-US" sz="6600" dirty="0">
+              <a:solidFill>
+                <a:srgbClr val="1D326D"/>
+              </a:solidFill>
+            </a:endParaRPr>
+          </a:p>
+        </p:txBody>
+      </p:sp>
+      <p:sp>
+        <p:nvSpPr>
+          <p:cNvPr id="3" name="Subtitle 2">
+            <a:extLst>
+              <a:ext uri="{FF2B5EF4-FFF2-40B4-BE49-F238E27FC236}">
+                <a16:creationId xmlns:a16="http://schemas.microsoft.com/office/drawing/2014/main" id="{C660EB17-2854-4658-9BE6-4D698F62714C}"/>
+              </a:ext>
+            </a:extLst>
+          </p:cNvPr>
+          <p:cNvSpPr>
+            <a:spLocks noGrp="1"/>
+          </p:cNvSpPr>
+          <p:nvPr>
+            <p:ph type="subTitle" idx="1"/>
+          </p:nvPr>
+        </p:nvSpPr>
+        <p:spPr>
+          <a:xfrm>
+            <a:off x="723900" y="5462192"/>
+            <a:ext cx="14944338" cy="1385642"/>
+          </a:xfrm>
+        </p:spPr>
+        <p:txBody>
+          <a:bodyPr>
+            <a:normAutofit fontScale="70000" lnSpcReduction="20000"/>
+          </a:bodyPr>
+          <a:lstStyle/>
+          <a:p>
+            <a:r>
+              <a:rPr lang="en-CA" dirty="0"/>
+              <a:t>Michael Herman</a:t>
+            </a:r>
+          </a:p>
+          <a:p>
+            <a:r>
+              <a:rPr lang="en-CA" dirty="0"/>
+              <a:t>Independent Blockchain Architect</a:t>
+            </a:r>
+          </a:p>
+          <a:p>
+            <a:r>
+              <a:rPr lang="en-CA" dirty="0"/>
+              <a:t>mwherman@parallelspace.net</a:t>
+            </a:r>
+            <a:endParaRPr lang="en-US" dirty="0"/>
+          </a:p>
+        </p:txBody>
+      </p:sp>
+      <p:sp>
+        <p:nvSpPr>
+          <p:cNvPr id="6" name="Date Placeholder 2">
+            <a:extLst>
+              <a:ext uri="{FF2B5EF4-FFF2-40B4-BE49-F238E27FC236}">
+                <a16:creationId xmlns:a16="http://schemas.microsoft.com/office/drawing/2014/main" id="{2AD3D6DA-1F42-48CB-B93A-E92BA6EE4652}"/>
+              </a:ext>
+            </a:extLst>
+          </p:cNvPr>
+          <p:cNvSpPr txBox="1">
+            <a:spLocks/>
+          </p:cNvSpPr>
+          <p:nvPr/>
+        </p:nvSpPr>
+        <p:spPr>
+          <a:xfrm>
+            <a:off x="10706614" y="9018020"/>
+            <a:ext cx="5868474" cy="436742"/>
+          </a:xfrm>
+          <a:prstGeom prst="rect">
+            <a:avLst/>
+          </a:prstGeom>
+        </p:spPr>
+        <p:txBody>
+          <a:bodyPr vert="horz" lIns="91440" tIns="45720" rIns="91440" bIns="45720" rtlCol="0" anchor="ctr"/>
+          <a:lstStyle>
+            <a:defPPr>
+              <a:defRPr lang="en-US"/>
+            </a:defPPr>
+            <a:lvl1pPr marL="0" algn="r" defTabSz="457200" rtl="0" eaLnBrk="1" latinLnBrk="0" hangingPunct="1">
+              <a:defRPr sz="1417" kern="1200">
+                <a:solidFill>
+                  <a:schemeClr val="tx1">
+                    <a:tint val="75000"/>
+                  </a:schemeClr>
+                </a:solidFill>
+                <a:latin typeface="+mn-lt"/>
+                <a:ea typeface="+mn-ea"/>
+                <a:cs typeface="+mn-cs"/>
+              </a:defRPr>
+            </a:lvl1pPr>
+            <a:lvl2pPr marL="457200" algn="l" defTabSz="457200" rtl="0" eaLnBrk="1" latinLnBrk="0" hangingPunct="1">
+              <a:defRPr sz="1800" kern="1200">
+                <a:solidFill>
+                  <a:schemeClr val="tx1"/>
+                </a:solidFill>
+                <a:latin typeface="+mn-lt"/>
+                <a:ea typeface="+mn-ea"/>
+                <a:cs typeface="+mn-cs"/>
+              </a:defRPr>
+            </a:lvl2pPr>
+            <a:lvl3pPr marL="914400" algn="l" defTabSz="457200" rtl="0" eaLnBrk="1" latinLnBrk="0" hangingPunct="1">
+              <a:defRPr sz="1800" kern="1200">
+                <a:solidFill>
+                  <a:schemeClr val="tx1"/>
+                </a:solidFill>
+                <a:latin typeface="+mn-lt"/>
+                <a:ea typeface="+mn-ea"/>
+                <a:cs typeface="+mn-cs"/>
+              </a:defRPr>
+            </a:lvl3pPr>
+            <a:lvl4pPr marL="1371600" algn="l" defTabSz="457200" rtl="0" eaLnBrk="1" latinLnBrk="0" hangingPunct="1">
+              <a:defRPr sz="1800" kern="1200">
+                <a:solidFill>
+                  <a:schemeClr val="tx1"/>
+                </a:solidFill>
+                <a:latin typeface="+mn-lt"/>
+                <a:ea typeface="+mn-ea"/>
+                <a:cs typeface="+mn-cs"/>
+              </a:defRPr>
+            </a:lvl4pPr>
+            <a:lvl5pPr marL="1828800" algn="l" defTabSz="457200" rtl="0" eaLnBrk="1" latinLnBrk="0" hangingPunct="1">
+              <a:defRPr sz="1800" kern="1200">
+                <a:solidFill>
+                  <a:schemeClr val="tx1"/>
+                </a:solidFill>
+                <a:latin typeface="+mn-lt"/>
+                <a:ea typeface="+mn-ea"/>
+                <a:cs typeface="+mn-cs"/>
+              </a:defRPr>
+            </a:lvl5pPr>
+            <a:lvl6pPr marL="2286000" algn="l" defTabSz="457200" rtl="0" eaLnBrk="1" latinLnBrk="0" hangingPunct="1">
+              <a:defRPr sz="1800" kern="1200">
+                <a:solidFill>
+                  <a:schemeClr val="tx1"/>
+                </a:solidFill>
+                <a:latin typeface="+mn-lt"/>
+                <a:ea typeface="+mn-ea"/>
+                <a:cs typeface="+mn-cs"/>
+              </a:defRPr>
+            </a:lvl6pPr>
+            <a:lvl7pPr marL="2743200" algn="l" defTabSz="457200" rtl="0" eaLnBrk="1" latinLnBrk="0" hangingPunct="1">
+              <a:defRPr sz="1800" kern="1200">
+                <a:solidFill>
+                  <a:schemeClr val="tx1"/>
+                </a:solidFill>
+                <a:latin typeface="+mn-lt"/>
+                <a:ea typeface="+mn-ea"/>
+                <a:cs typeface="+mn-cs"/>
+              </a:defRPr>
+            </a:lvl7pPr>
+            <a:lvl8pPr marL="3200400" algn="l" defTabSz="457200" rtl="0" eaLnBrk="1" latinLnBrk="0" hangingPunct="1">
+              <a:defRPr sz="1800" kern="1200">
+                <a:solidFill>
+                  <a:schemeClr val="tx1"/>
+                </a:solidFill>
+                <a:latin typeface="+mn-lt"/>
+                <a:ea typeface="+mn-ea"/>
+                <a:cs typeface="+mn-cs"/>
+              </a:defRPr>
+            </a:lvl8pPr>
+            <a:lvl9pPr marL="3657600" algn="l" defTabSz="457200" rtl="0" eaLnBrk="1" latinLnBrk="0" hangingPunct="1">
+              <a:defRPr sz="1800" kern="1200">
+                <a:solidFill>
+                  <a:schemeClr val="tx1"/>
+                </a:solidFill>
+                <a:latin typeface="+mn-lt"/>
+                <a:ea typeface="+mn-ea"/>
+                <a:cs typeface="+mn-cs"/>
+              </a:defRPr>
+            </a:lvl9pPr>
+          </a:lstStyle>
+          <a:p>
+            <a:fld id="{E35A9342-8D2C-4F03-BE33-2A71AE2A9EC4}" type="datetime1">
+              <a:rPr lang="en-CA" smtClean="0">
+                <a:solidFill>
+                  <a:schemeClr val="bg1"/>
+                </a:solidFill>
+              </a:rPr>
+              <a:pPr/>
+              <a:t>2019-03-24</a:t>
+            </a:fld>
+            <a:endParaRPr lang="en-CA" dirty="0">
+              <a:solidFill>
+                <a:schemeClr val="bg1"/>
+              </a:solidFill>
+            </a:endParaRPr>
+          </a:p>
+        </p:txBody>
+      </p:sp>
+      <p:sp>
+        <p:nvSpPr>
+          <p:cNvPr id="7" name="Footer Placeholder 3">
+            <a:extLst>
+              <a:ext uri="{FF2B5EF4-FFF2-40B4-BE49-F238E27FC236}">
+                <a16:creationId xmlns:a16="http://schemas.microsoft.com/office/drawing/2014/main" id="{099A2DE6-9372-44F1-A841-744407BCBCC7}"/>
+              </a:ext>
+            </a:extLst>
+          </p:cNvPr>
+          <p:cNvSpPr txBox="1">
+            <a:spLocks/>
+          </p:cNvSpPr>
+          <p:nvPr/>
+        </p:nvSpPr>
+        <p:spPr>
+          <a:xfrm>
+            <a:off x="2057349" y="9019515"/>
+            <a:ext cx="8233240" cy="435247"/>
+          </a:xfrm>
+          <a:prstGeom prst="rect">
+            <a:avLst/>
+          </a:prstGeom>
+        </p:spPr>
+        <p:txBody>
+          <a:bodyPr vert="horz" lIns="91440" tIns="45720" rIns="91440" bIns="45720" rtlCol="0" anchor="ctr"/>
+          <a:lstStyle>
+            <a:defPPr>
+              <a:defRPr lang="en-US"/>
+            </a:defPPr>
+            <a:lvl1pPr marL="0" algn="l" defTabSz="457200" rtl="0" eaLnBrk="1" latinLnBrk="0" hangingPunct="1">
+              <a:defRPr sz="1417" kern="1200">
+                <a:solidFill>
+                  <a:schemeClr val="tx1">
+                    <a:tint val="75000"/>
+                  </a:schemeClr>
+                </a:solidFill>
+                <a:latin typeface="+mn-lt"/>
+                <a:ea typeface="+mn-ea"/>
+                <a:cs typeface="+mn-cs"/>
+              </a:defRPr>
+            </a:lvl1pPr>
+            <a:lvl2pPr marL="457200" algn="l" defTabSz="457200" rtl="0" eaLnBrk="1" latinLnBrk="0" hangingPunct="1">
+              <a:defRPr sz="1800" kern="1200">
+                <a:solidFill>
+                  <a:schemeClr val="tx1"/>
+                </a:solidFill>
+                <a:latin typeface="+mn-lt"/>
+                <a:ea typeface="+mn-ea"/>
+                <a:cs typeface="+mn-cs"/>
+              </a:defRPr>
+            </a:lvl2pPr>
+            <a:lvl3pPr marL="914400" algn="l" defTabSz="457200" rtl="0" eaLnBrk="1" latinLnBrk="0" hangingPunct="1">
+              <a:defRPr sz="1800" kern="1200">
+                <a:solidFill>
+                  <a:schemeClr val="tx1"/>
+                </a:solidFill>
+                <a:latin typeface="+mn-lt"/>
+                <a:ea typeface="+mn-ea"/>
+                <a:cs typeface="+mn-cs"/>
+              </a:defRPr>
+            </a:lvl3pPr>
+            <a:lvl4pPr marL="1371600" algn="l" defTabSz="457200" rtl="0" eaLnBrk="1" latinLnBrk="0" hangingPunct="1">
+              <a:defRPr sz="1800" kern="1200">
+                <a:solidFill>
+                  <a:schemeClr val="tx1"/>
+                </a:solidFill>
+                <a:latin typeface="+mn-lt"/>
+                <a:ea typeface="+mn-ea"/>
+                <a:cs typeface="+mn-cs"/>
+              </a:defRPr>
+            </a:lvl4pPr>
+            <a:lvl5pPr marL="1828800" algn="l" defTabSz="457200" rtl="0" eaLnBrk="1" latinLnBrk="0" hangingPunct="1">
+              <a:defRPr sz="1800" kern="1200">
+                <a:solidFill>
+                  <a:schemeClr val="tx1"/>
+                </a:solidFill>
+                <a:latin typeface="+mn-lt"/>
+                <a:ea typeface="+mn-ea"/>
+                <a:cs typeface="+mn-cs"/>
+              </a:defRPr>
+            </a:lvl5pPr>
+            <a:lvl6pPr marL="2286000" algn="l" defTabSz="457200" rtl="0" eaLnBrk="1" latinLnBrk="0" hangingPunct="1">
+              <a:defRPr sz="1800" kern="1200">
+                <a:solidFill>
+                  <a:schemeClr val="tx1"/>
+                </a:solidFill>
+                <a:latin typeface="+mn-lt"/>
+                <a:ea typeface="+mn-ea"/>
+                <a:cs typeface="+mn-cs"/>
+              </a:defRPr>
+            </a:lvl6pPr>
+            <a:lvl7pPr marL="2743200" algn="l" defTabSz="457200" rtl="0" eaLnBrk="1" latinLnBrk="0" hangingPunct="1">
+              <a:defRPr sz="1800" kern="1200">
+                <a:solidFill>
+                  <a:schemeClr val="tx1"/>
+                </a:solidFill>
+                <a:latin typeface="+mn-lt"/>
+                <a:ea typeface="+mn-ea"/>
+                <a:cs typeface="+mn-cs"/>
+              </a:defRPr>
+            </a:lvl7pPr>
+            <a:lvl8pPr marL="3200400" algn="l" defTabSz="457200" rtl="0" eaLnBrk="1" latinLnBrk="0" hangingPunct="1">
+              <a:defRPr sz="1800" kern="1200">
+                <a:solidFill>
+                  <a:schemeClr val="tx1"/>
+                </a:solidFill>
+                <a:latin typeface="+mn-lt"/>
+                <a:ea typeface="+mn-ea"/>
+                <a:cs typeface="+mn-cs"/>
+              </a:defRPr>
+            </a:lvl8pPr>
+            <a:lvl9pPr marL="3657600" algn="l" defTabSz="457200" rtl="0" eaLnBrk="1" latinLnBrk="0" hangingPunct="1">
+              <a:defRPr sz="1800" kern="1200">
+                <a:solidFill>
+                  <a:schemeClr val="tx1"/>
+                </a:solidFill>
+                <a:latin typeface="+mn-lt"/>
+                <a:ea typeface="+mn-ea"/>
+                <a:cs typeface="+mn-cs"/>
+              </a:defRPr>
+            </a:lvl9pPr>
+          </a:lstStyle>
+          <a:p>
+            <a:r>
+              <a:rPr lang="en-US" dirty="0">
+                <a:solidFill>
+                  <a:schemeClr val="bg1"/>
+                </a:solidFill>
+              </a:rPr>
+              <a:t>Decentralized Identifier URL Specification (did-url-spec)</a:t>
+            </a:r>
+            <a:endParaRPr lang="en-CA" dirty="0">
+              <a:solidFill>
+                <a:schemeClr val="bg1"/>
+              </a:solidFill>
+            </a:endParaRPr>
+          </a:p>
+        </p:txBody>
+      </p:sp>
+      <p:sp>
+        <p:nvSpPr>
+          <p:cNvPr id="4" name="Date Placeholder 3">
+            <a:extLst>
+              <a:ext uri="{FF2B5EF4-FFF2-40B4-BE49-F238E27FC236}">
+                <a16:creationId xmlns:a16="http://schemas.microsoft.com/office/drawing/2014/main" id="{12627571-E10F-4A7D-8B6F-343ABC2F7F36}"/>
+              </a:ext>
+            </a:extLst>
+          </p:cNvPr>
+          <p:cNvSpPr>
+            <a:spLocks noGrp="1"/>
+          </p:cNvSpPr>
+          <p:nvPr>
+            <p:ph type="dt" sz="half" idx="10"/>
+          </p:nvPr>
+        </p:nvSpPr>
+        <p:spPr/>
+        <p:txBody>
+          <a:bodyPr/>
+          <a:lstStyle/>
+          <a:p>
+            <a:fld id="{94467FF7-AC96-4527-AF8F-410347BEF122}" type="datetime1">
+              <a:rPr lang="en-CA" smtClean="0"/>
+              <a:t>2019-03-24</a:t>
+            </a:fld>
+            <a:endParaRPr lang="en-CA" dirty="0"/>
+          </a:p>
+        </p:txBody>
+      </p:sp>
+      <p:sp>
+        <p:nvSpPr>
+          <p:cNvPr id="5" name="Footer Placeholder 4">
+            <a:extLst>
+              <a:ext uri="{FF2B5EF4-FFF2-40B4-BE49-F238E27FC236}">
+                <a16:creationId xmlns:a16="http://schemas.microsoft.com/office/drawing/2014/main" id="{A724ADE8-993D-4348-A7B6-0BAE55354686}"/>
+              </a:ext>
+            </a:extLst>
+          </p:cNvPr>
+          <p:cNvSpPr>
+            <a:spLocks noGrp="1"/>
+          </p:cNvSpPr>
+          <p:nvPr>
+            <p:ph type="ftr" sz="quarter" idx="11"/>
+          </p:nvPr>
+        </p:nvSpPr>
+        <p:spPr/>
+        <p:txBody>
+          <a:bodyPr/>
+          <a:lstStyle/>
+          <a:p>
+            <a:r>
+              <a:rPr lang="en-US" dirty="0"/>
+              <a:t>Decentralized Identifier URL Specification (did-url-spec)</a:t>
+            </a:r>
+            <a:endParaRPr lang="en-CA" dirty="0"/>
+          </a:p>
+        </p:txBody>
+      </p:sp>
+    </p:spTree>
+    <p:extLst>
+      <p:ext uri="{BB962C8B-B14F-4D97-AF65-F5344CB8AC3E}">
+        <p14:creationId xmlns:p14="http://schemas.microsoft.com/office/powerpoint/2010/main" val="4168690779"/>
+      </p:ext>
+    </p:extLst>
+  </p:cSld>
+  <p:clrMapOvr>
+    <a:masterClrMapping/>
+  </p:clrMapOvr>
+</p:sld>
+</file>
+
+<file path=ppt/slides/slide41.xml><?xml version="1.0" encoding="utf-8"?>
+<p:sld xmlns:a="http://schemas.openxmlformats.org/drawingml/2006/main" xmlns:r="http://schemas.openxmlformats.org/officeDocument/2006/relationships" xmlns:p="http://schemas.openxmlformats.org/presentationml/2006/main">
+  <p:cSld>
+    <p:spTree>
+      <p:nvGrpSpPr>
+        <p:cNvPr id="1" name=""/>
+        <p:cNvGrpSpPr/>
+        <p:nvPr/>
+      </p:nvGrpSpPr>
+      <p:grpSpPr>
+        <a:xfrm>
+          <a:off x="0" y="0"/>
+          <a:ext cx="0" cy="0"/>
+          <a:chOff x="0" y="0"/>
+          <a:chExt cx="0" cy="0"/>
+        </a:xfrm>
+      </p:grpSpPr>
+      <p:sp>
+        <p:nvSpPr>
+          <p:cNvPr id="2" name="Title 1">
+            <a:extLst>
+              <a:ext uri="{FF2B5EF4-FFF2-40B4-BE49-F238E27FC236}">
                 <a16:creationId xmlns:a16="http://schemas.microsoft.com/office/drawing/2014/main" id="{57C072EA-CF34-4403-9DC0-CCC1BCFB395B}"/>
               </a:ext>
             </a:extLst>
@@ -26284,7 +28016,7 @@
 </p:sld>
 </file>
 
-<file path=ppt/slides/slide41.xml><?xml version="1.0" encoding="utf-8"?>
+<file path=ppt/slides/slide42.xml><?xml version="1.0" encoding="utf-8"?>
 <p:sld xmlns:a="http://schemas.openxmlformats.org/drawingml/2006/main" xmlns:r="http://schemas.openxmlformats.org/officeDocument/2006/relationships" xmlns:p="http://schemas.openxmlformats.org/presentationml/2006/main">
   <p:cSld>
     <p:spTree>
@@ -26431,7 +28163,7 @@
 </p:sld>
 </file>
 
-<file path=ppt/slides/slide42.xml><?xml version="1.0" encoding="utf-8"?>
+<file path=ppt/slides/slide43.xml><?xml version="1.0" encoding="utf-8"?>
 <p:sld xmlns:a="http://schemas.openxmlformats.org/drawingml/2006/main" xmlns:r="http://schemas.openxmlformats.org/officeDocument/2006/relationships" xmlns:p="http://schemas.openxmlformats.org/presentationml/2006/main">
   <p:cSld>
     <p:spTree>
@@ -26682,7 +28414,7 @@
 </p:sld>
 </file>
 
-<file path=ppt/slides/slide43.xml><?xml version="1.0" encoding="utf-8"?>
+<file path=ppt/slides/slide44.xml><?xml version="1.0" encoding="utf-8"?>
 <p:sld xmlns:a="http://schemas.openxmlformats.org/drawingml/2006/main" xmlns:r="http://schemas.openxmlformats.org/officeDocument/2006/relationships" xmlns:p="http://schemas.openxmlformats.org/presentationml/2006/main">
   <p:cSld>
     <p:spTree>
@@ -26800,7 +28532,7 @@
 </p:sld>
 </file>
 
-<file path=ppt/slides/slide44.xml><?xml version="1.0" encoding="utf-8"?>
+<file path=ppt/slides/slide45.xml><?xml version="1.0" encoding="utf-8"?>
 <p:sld xmlns:a="http://schemas.openxmlformats.org/drawingml/2006/main" xmlns:r="http://schemas.openxmlformats.org/officeDocument/2006/relationships" xmlns:p="http://schemas.openxmlformats.org/presentationml/2006/main">
   <p:cSld>
     <p:spTree>
@@ -26983,7 +28715,7 @@
 </p:sld>
 </file>
 
-<file path=ppt/slides/slide45.xml><?xml version="1.0" encoding="utf-8"?>
+<file path=ppt/slides/slide46.xml><?xml version="1.0" encoding="utf-8"?>
 <p:sld xmlns:a="http://schemas.openxmlformats.org/drawingml/2006/main" xmlns:r="http://schemas.openxmlformats.org/officeDocument/2006/relationships" xmlns:p="http://schemas.openxmlformats.org/presentationml/2006/main">
   <p:cSld>
     <p:spTree>
@@ -27151,7 +28883,7 @@
 </p:sld>
 </file>
 
-<file path=ppt/slides/slide46.xml><?xml version="1.0" encoding="utf-8"?>
+<file path=ppt/slides/slide47.xml><?xml version="1.0" encoding="utf-8"?>
 <p:sld xmlns:a="http://schemas.openxmlformats.org/drawingml/2006/main" xmlns:r="http://schemas.openxmlformats.org/officeDocument/2006/relationships" xmlns:p="http://schemas.openxmlformats.org/presentationml/2006/main">
   <p:cSld>
     <p:spTree>
@@ -27211,7 +28943,7 @@
 </p:sld>
 </file>
 
-<file path=ppt/slides/slide47.xml><?xml version="1.0" encoding="utf-8"?>
+<file path=ppt/slides/slide48.xml><?xml version="1.0" encoding="utf-8"?>
 <p:sld xmlns:a="http://schemas.openxmlformats.org/drawingml/2006/main" xmlns:r="http://schemas.openxmlformats.org/officeDocument/2006/relationships" xmlns:p="http://schemas.openxmlformats.org/presentationml/2006/main">
   <p:cSld>
     <p:spTree>
@@ -27379,7 +29111,7 @@
 </p:sld>
 </file>
 
-<file path=ppt/slides/slide48.xml><?xml version="1.0" encoding="utf-8"?>
+<file path=ppt/slides/slide49.xml><?xml version="1.0" encoding="utf-8"?>
 <p:sld xmlns:a="http://schemas.openxmlformats.org/drawingml/2006/main" xmlns:r="http://schemas.openxmlformats.org/officeDocument/2006/relationships" xmlns:p="http://schemas.openxmlformats.org/presentationml/2006/main">
   <p:cSld>
     <p:spTree>
@@ -27538,174 +29270,6 @@
     <p:extLst>
       <p:ext uri="{BB962C8B-B14F-4D97-AF65-F5344CB8AC3E}">
         <p14:creationId xmlns:p14="http://schemas.microsoft.com/office/powerpoint/2010/main" val="970985681"/>
-      </p:ext>
-    </p:extLst>
-  </p:cSld>
-  <p:clrMapOvr>
-    <a:masterClrMapping/>
-  </p:clrMapOvr>
-</p:sld>
-</file>
-
-<file path=ppt/slides/slide49.xml><?xml version="1.0" encoding="utf-8"?>
-<p:sld xmlns:a="http://schemas.openxmlformats.org/drawingml/2006/main" xmlns:r="http://schemas.openxmlformats.org/officeDocument/2006/relationships" xmlns:p="http://schemas.openxmlformats.org/presentationml/2006/main">
-  <p:cSld>
-    <p:spTree>
-      <p:nvGrpSpPr>
-        <p:cNvPr id="1" name=""/>
-        <p:cNvGrpSpPr/>
-        <p:nvPr/>
-      </p:nvGrpSpPr>
-      <p:grpSpPr>
-        <a:xfrm>
-          <a:off x="0" y="0"/>
-          <a:ext cx="0" cy="0"/>
-          <a:chOff x="0" y="0"/>
-          <a:chExt cx="0" cy="0"/>
-        </a:xfrm>
-      </p:grpSpPr>
-      <p:sp>
-        <p:nvSpPr>
-          <p:cNvPr id="5" name="Title 4">
-            <a:extLst>
-              <a:ext uri="{FF2B5EF4-FFF2-40B4-BE49-F238E27FC236}">
-                <a16:creationId xmlns:a16="http://schemas.microsoft.com/office/drawing/2014/main" id="{0A975E53-C813-4258-97E2-D4A58279D81E}"/>
-              </a:ext>
-            </a:extLst>
-          </p:cNvPr>
-          <p:cNvSpPr>
-            <a:spLocks noGrp="1"/>
-          </p:cNvSpPr>
-          <p:nvPr>
-            <p:ph type="title"/>
-          </p:nvPr>
-        </p:nvSpPr>
-        <p:spPr/>
-        <p:txBody>
-          <a:bodyPr/>
-          <a:lstStyle/>
-          <a:p>
-            <a:r>
-              <a:rPr lang="en-CA" dirty="0">
-                <a:solidFill>
-                  <a:srgbClr val="1D326D"/>
-                </a:solidFill>
-              </a:rPr>
-              <a:t>Lower-Level </a:t>
-            </a:r>
-            <a:r>
-              <a:rPr lang="en-CA" cap="none" dirty="0">
-                <a:solidFill>
-                  <a:srgbClr val="1D326D"/>
-                </a:solidFill>
-                <a:latin typeface="Consolas" panose="020B0609020204030204" pitchFamily="49" charset="0"/>
-              </a:rPr>
-              <a:t>did-url</a:t>
-            </a:r>
-            <a:r>
-              <a:rPr lang="en-CA" dirty="0">
-                <a:solidFill>
-                  <a:srgbClr val="1D326D"/>
-                </a:solidFill>
-              </a:rPr>
-              <a:t> Use Cases: G</a:t>
-            </a:r>
-            <a:endParaRPr lang="en-US" dirty="0"/>
-          </a:p>
-        </p:txBody>
-      </p:sp>
-      <p:sp>
-        <p:nvSpPr>
-          <p:cNvPr id="3" name="Date Placeholder 2">
-            <a:extLst>
-              <a:ext uri="{FF2B5EF4-FFF2-40B4-BE49-F238E27FC236}">
-                <a16:creationId xmlns:a16="http://schemas.microsoft.com/office/drawing/2014/main" id="{5BCF49CD-02FC-427B-AA56-84AD0C0120E0}"/>
-              </a:ext>
-            </a:extLst>
-          </p:cNvPr>
-          <p:cNvSpPr>
-            <a:spLocks noGrp="1"/>
-          </p:cNvSpPr>
-          <p:nvPr>
-            <p:ph type="dt" sz="half" idx="10"/>
-          </p:nvPr>
-        </p:nvSpPr>
-        <p:spPr/>
-        <p:txBody>
-          <a:bodyPr/>
-          <a:lstStyle/>
-          <a:p>
-            <a:fld id="{0931A9CC-AA68-41CD-BD48-60B56DE42684}" type="datetime1">
-              <a:rPr lang="en-CA" smtClean="0"/>
-              <a:t>2019-03-24</a:t>
-            </a:fld>
-            <a:endParaRPr lang="en-CA" dirty="0"/>
-          </a:p>
-        </p:txBody>
-      </p:sp>
-      <p:sp>
-        <p:nvSpPr>
-          <p:cNvPr id="4" name="Footer Placeholder 3">
-            <a:extLst>
-              <a:ext uri="{FF2B5EF4-FFF2-40B4-BE49-F238E27FC236}">
-                <a16:creationId xmlns:a16="http://schemas.microsoft.com/office/drawing/2014/main" id="{254BC70F-D643-4D0C-B9BA-E012984790D5}"/>
-              </a:ext>
-            </a:extLst>
-          </p:cNvPr>
-          <p:cNvSpPr>
-            <a:spLocks noGrp="1"/>
-          </p:cNvSpPr>
-          <p:nvPr>
-            <p:ph type="ftr" sz="quarter" idx="11"/>
-          </p:nvPr>
-        </p:nvSpPr>
-        <p:spPr/>
-        <p:txBody>
-          <a:bodyPr/>
-          <a:lstStyle/>
-          <a:p>
-            <a:r>
-              <a:rPr lang="en-US" dirty="0"/>
-              <a:t>Decentralized Identifier URL Specification (did-url-spec)</a:t>
-            </a:r>
-            <a:endParaRPr lang="en-CA" dirty="0"/>
-          </a:p>
-        </p:txBody>
-      </p:sp>
-      <p:pic>
-        <p:nvPicPr>
-          <p:cNvPr id="6" name="Picture 5">
-            <a:extLst>
-              <a:ext uri="{FF2B5EF4-FFF2-40B4-BE49-F238E27FC236}">
-                <a16:creationId xmlns:a16="http://schemas.microsoft.com/office/drawing/2014/main" id="{89ACFA24-0CA8-4153-86BE-1D126808DF34}"/>
-              </a:ext>
-            </a:extLst>
-          </p:cNvPr>
-          <p:cNvPicPr>
-            <a:picLocks noChangeAspect="1"/>
-          </p:cNvPicPr>
-          <p:nvPr/>
-        </p:nvPicPr>
-        <p:blipFill>
-          <a:blip r:embed="rId2"/>
-          <a:stretch>
-            <a:fillRect/>
-          </a:stretch>
-        </p:blipFill>
-        <p:spPr>
-          <a:xfrm>
-            <a:off x="-62" y="2036890"/>
-            <a:ext cx="17280000" cy="3864981"/>
-          </a:xfrm>
-          <a:prstGeom prst="rect">
-            <a:avLst/>
-          </a:prstGeom>
-        </p:spPr>
-      </p:pic>
-    </p:spTree>
-    <p:extLst>
-      <p:ext uri="{BB962C8B-B14F-4D97-AF65-F5344CB8AC3E}">
-        <p14:creationId xmlns:p14="http://schemas.microsoft.com/office/powerpoint/2010/main" val="237951367"/>
       </p:ext>
     </p:extLst>
   </p:cSld>
@@ -28004,6 +29568,174 @@
           <p:cNvPr id="5" name="Title 4">
             <a:extLst>
               <a:ext uri="{FF2B5EF4-FFF2-40B4-BE49-F238E27FC236}">
+                <a16:creationId xmlns:a16="http://schemas.microsoft.com/office/drawing/2014/main" id="{0A975E53-C813-4258-97E2-D4A58279D81E}"/>
+              </a:ext>
+            </a:extLst>
+          </p:cNvPr>
+          <p:cNvSpPr>
+            <a:spLocks noGrp="1"/>
+          </p:cNvSpPr>
+          <p:nvPr>
+            <p:ph type="title"/>
+          </p:nvPr>
+        </p:nvSpPr>
+        <p:spPr/>
+        <p:txBody>
+          <a:bodyPr/>
+          <a:lstStyle/>
+          <a:p>
+            <a:r>
+              <a:rPr lang="en-CA" dirty="0">
+                <a:solidFill>
+                  <a:srgbClr val="1D326D"/>
+                </a:solidFill>
+              </a:rPr>
+              <a:t>Lower-Level </a:t>
+            </a:r>
+            <a:r>
+              <a:rPr lang="en-CA" cap="none" dirty="0">
+                <a:solidFill>
+                  <a:srgbClr val="1D326D"/>
+                </a:solidFill>
+                <a:latin typeface="Consolas" panose="020B0609020204030204" pitchFamily="49" charset="0"/>
+              </a:rPr>
+              <a:t>did-url</a:t>
+            </a:r>
+            <a:r>
+              <a:rPr lang="en-CA" dirty="0">
+                <a:solidFill>
+                  <a:srgbClr val="1D326D"/>
+                </a:solidFill>
+              </a:rPr>
+              <a:t> Use Cases: G</a:t>
+            </a:r>
+            <a:endParaRPr lang="en-US" dirty="0"/>
+          </a:p>
+        </p:txBody>
+      </p:sp>
+      <p:sp>
+        <p:nvSpPr>
+          <p:cNvPr id="3" name="Date Placeholder 2">
+            <a:extLst>
+              <a:ext uri="{FF2B5EF4-FFF2-40B4-BE49-F238E27FC236}">
+                <a16:creationId xmlns:a16="http://schemas.microsoft.com/office/drawing/2014/main" id="{5BCF49CD-02FC-427B-AA56-84AD0C0120E0}"/>
+              </a:ext>
+            </a:extLst>
+          </p:cNvPr>
+          <p:cNvSpPr>
+            <a:spLocks noGrp="1"/>
+          </p:cNvSpPr>
+          <p:nvPr>
+            <p:ph type="dt" sz="half" idx="10"/>
+          </p:nvPr>
+        </p:nvSpPr>
+        <p:spPr/>
+        <p:txBody>
+          <a:bodyPr/>
+          <a:lstStyle/>
+          <a:p>
+            <a:fld id="{0931A9CC-AA68-41CD-BD48-60B56DE42684}" type="datetime1">
+              <a:rPr lang="en-CA" smtClean="0"/>
+              <a:t>2019-03-24</a:t>
+            </a:fld>
+            <a:endParaRPr lang="en-CA" dirty="0"/>
+          </a:p>
+        </p:txBody>
+      </p:sp>
+      <p:sp>
+        <p:nvSpPr>
+          <p:cNvPr id="4" name="Footer Placeholder 3">
+            <a:extLst>
+              <a:ext uri="{FF2B5EF4-FFF2-40B4-BE49-F238E27FC236}">
+                <a16:creationId xmlns:a16="http://schemas.microsoft.com/office/drawing/2014/main" id="{254BC70F-D643-4D0C-B9BA-E012984790D5}"/>
+              </a:ext>
+            </a:extLst>
+          </p:cNvPr>
+          <p:cNvSpPr>
+            <a:spLocks noGrp="1"/>
+          </p:cNvSpPr>
+          <p:nvPr>
+            <p:ph type="ftr" sz="quarter" idx="11"/>
+          </p:nvPr>
+        </p:nvSpPr>
+        <p:spPr/>
+        <p:txBody>
+          <a:bodyPr/>
+          <a:lstStyle/>
+          <a:p>
+            <a:r>
+              <a:rPr lang="en-US" dirty="0"/>
+              <a:t>Decentralized Identifier URL Specification (did-url-spec)</a:t>
+            </a:r>
+            <a:endParaRPr lang="en-CA" dirty="0"/>
+          </a:p>
+        </p:txBody>
+      </p:sp>
+      <p:pic>
+        <p:nvPicPr>
+          <p:cNvPr id="6" name="Picture 5">
+            <a:extLst>
+              <a:ext uri="{FF2B5EF4-FFF2-40B4-BE49-F238E27FC236}">
+                <a16:creationId xmlns:a16="http://schemas.microsoft.com/office/drawing/2014/main" id="{89ACFA24-0CA8-4153-86BE-1D126808DF34}"/>
+              </a:ext>
+            </a:extLst>
+          </p:cNvPr>
+          <p:cNvPicPr>
+            <a:picLocks noChangeAspect="1"/>
+          </p:cNvPicPr>
+          <p:nvPr/>
+        </p:nvPicPr>
+        <p:blipFill>
+          <a:blip r:embed="rId2"/>
+          <a:stretch>
+            <a:fillRect/>
+          </a:stretch>
+        </p:blipFill>
+        <p:spPr>
+          <a:xfrm>
+            <a:off x="-62" y="2036890"/>
+            <a:ext cx="17280000" cy="3864981"/>
+          </a:xfrm>
+          <a:prstGeom prst="rect">
+            <a:avLst/>
+          </a:prstGeom>
+        </p:spPr>
+      </p:pic>
+    </p:spTree>
+    <p:extLst>
+      <p:ext uri="{BB962C8B-B14F-4D97-AF65-F5344CB8AC3E}">
+        <p14:creationId xmlns:p14="http://schemas.microsoft.com/office/powerpoint/2010/main" val="237951367"/>
+      </p:ext>
+    </p:extLst>
+  </p:cSld>
+  <p:clrMapOvr>
+    <a:masterClrMapping/>
+  </p:clrMapOvr>
+</p:sld>
+</file>
+
+<file path=ppt/slides/slide51.xml><?xml version="1.0" encoding="utf-8"?>
+<p:sld xmlns:a="http://schemas.openxmlformats.org/drawingml/2006/main" xmlns:r="http://schemas.openxmlformats.org/officeDocument/2006/relationships" xmlns:p="http://schemas.openxmlformats.org/presentationml/2006/main">
+  <p:cSld>
+    <p:spTree>
+      <p:nvGrpSpPr>
+        <p:cNvPr id="1" name=""/>
+        <p:cNvGrpSpPr/>
+        <p:nvPr/>
+      </p:nvGrpSpPr>
+      <p:grpSpPr>
+        <a:xfrm>
+          <a:off x="0" y="0"/>
+          <a:ext cx="0" cy="0"/>
+          <a:chOff x="0" y="0"/>
+          <a:chExt cx="0" cy="0"/>
+        </a:xfrm>
+      </p:grpSpPr>
+      <p:sp>
+        <p:nvSpPr>
+          <p:cNvPr id="5" name="Title 4">
+            <a:extLst>
+              <a:ext uri="{FF2B5EF4-FFF2-40B4-BE49-F238E27FC236}">
                 <a16:creationId xmlns:a16="http://schemas.microsoft.com/office/drawing/2014/main" id="{46F76457-6AF4-4B91-8BB8-456A063E5BF7}"/>
               </a:ext>
             </a:extLst>
@@ -28141,174 +29873,6 @@
     <p:extLst>
       <p:ext uri="{BB962C8B-B14F-4D97-AF65-F5344CB8AC3E}">
         <p14:creationId xmlns:p14="http://schemas.microsoft.com/office/powerpoint/2010/main" val="4029751319"/>
-      </p:ext>
-    </p:extLst>
-  </p:cSld>
-  <p:clrMapOvr>
-    <a:masterClrMapping/>
-  </p:clrMapOvr>
-</p:sld>
-</file>
-
-<file path=ppt/slides/slide51.xml><?xml version="1.0" encoding="utf-8"?>
-<p:sld xmlns:a="http://schemas.openxmlformats.org/drawingml/2006/main" xmlns:r="http://schemas.openxmlformats.org/officeDocument/2006/relationships" xmlns:p="http://schemas.openxmlformats.org/presentationml/2006/main">
-  <p:cSld>
-    <p:spTree>
-      <p:nvGrpSpPr>
-        <p:cNvPr id="1" name=""/>
-        <p:cNvGrpSpPr/>
-        <p:nvPr/>
-      </p:nvGrpSpPr>
-      <p:grpSpPr>
-        <a:xfrm>
-          <a:off x="0" y="0"/>
-          <a:ext cx="0" cy="0"/>
-          <a:chOff x="0" y="0"/>
-          <a:chExt cx="0" cy="0"/>
-        </a:xfrm>
-      </p:grpSpPr>
-      <p:sp>
-        <p:nvSpPr>
-          <p:cNvPr id="5" name="Title 4">
-            <a:extLst>
-              <a:ext uri="{FF2B5EF4-FFF2-40B4-BE49-F238E27FC236}">
-                <a16:creationId xmlns:a16="http://schemas.microsoft.com/office/drawing/2014/main" id="{12E9AD5C-C34D-4C12-9745-045621599C2B}"/>
-              </a:ext>
-            </a:extLst>
-          </p:cNvPr>
-          <p:cNvSpPr>
-            <a:spLocks noGrp="1"/>
-          </p:cNvSpPr>
-          <p:nvPr>
-            <p:ph type="title"/>
-          </p:nvPr>
-        </p:nvSpPr>
-        <p:spPr/>
-        <p:txBody>
-          <a:bodyPr/>
-          <a:lstStyle/>
-          <a:p>
-            <a:r>
-              <a:rPr lang="en-CA" dirty="0">
-                <a:solidFill>
-                  <a:srgbClr val="1D326D"/>
-                </a:solidFill>
-              </a:rPr>
-              <a:t>Lower-Level </a:t>
-            </a:r>
-            <a:r>
-              <a:rPr lang="en-CA" cap="none" dirty="0">
-                <a:solidFill>
-                  <a:srgbClr val="1D326D"/>
-                </a:solidFill>
-                <a:latin typeface="Consolas" panose="020B0609020204030204" pitchFamily="49" charset="0"/>
-              </a:rPr>
-              <a:t>did-url</a:t>
-            </a:r>
-            <a:r>
-              <a:rPr lang="en-CA" dirty="0">
-                <a:solidFill>
-                  <a:srgbClr val="1D326D"/>
-                </a:solidFill>
-              </a:rPr>
-              <a:t> Use Cases: I</a:t>
-            </a:r>
-            <a:endParaRPr lang="en-US" dirty="0"/>
-          </a:p>
-        </p:txBody>
-      </p:sp>
-      <p:sp>
-        <p:nvSpPr>
-          <p:cNvPr id="3" name="Date Placeholder 2">
-            <a:extLst>
-              <a:ext uri="{FF2B5EF4-FFF2-40B4-BE49-F238E27FC236}">
-                <a16:creationId xmlns:a16="http://schemas.microsoft.com/office/drawing/2014/main" id="{5BCF49CD-02FC-427B-AA56-84AD0C0120E0}"/>
-              </a:ext>
-            </a:extLst>
-          </p:cNvPr>
-          <p:cNvSpPr>
-            <a:spLocks noGrp="1"/>
-          </p:cNvSpPr>
-          <p:nvPr>
-            <p:ph type="dt" sz="half" idx="10"/>
-          </p:nvPr>
-        </p:nvSpPr>
-        <p:spPr/>
-        <p:txBody>
-          <a:bodyPr/>
-          <a:lstStyle/>
-          <a:p>
-            <a:fld id="{81DEA5B8-3222-4DB1-B742-9324266986F7}" type="datetime1">
-              <a:rPr lang="en-CA" smtClean="0"/>
-              <a:t>2019-03-24</a:t>
-            </a:fld>
-            <a:endParaRPr lang="en-CA" dirty="0"/>
-          </a:p>
-        </p:txBody>
-      </p:sp>
-      <p:sp>
-        <p:nvSpPr>
-          <p:cNvPr id="4" name="Footer Placeholder 3">
-            <a:extLst>
-              <a:ext uri="{FF2B5EF4-FFF2-40B4-BE49-F238E27FC236}">
-                <a16:creationId xmlns:a16="http://schemas.microsoft.com/office/drawing/2014/main" id="{254BC70F-D643-4D0C-B9BA-E012984790D5}"/>
-              </a:ext>
-            </a:extLst>
-          </p:cNvPr>
-          <p:cNvSpPr>
-            <a:spLocks noGrp="1"/>
-          </p:cNvSpPr>
-          <p:nvPr>
-            <p:ph type="ftr" sz="quarter" idx="11"/>
-          </p:nvPr>
-        </p:nvSpPr>
-        <p:spPr/>
-        <p:txBody>
-          <a:bodyPr/>
-          <a:lstStyle/>
-          <a:p>
-            <a:r>
-              <a:rPr lang="en-US" dirty="0"/>
-              <a:t>Decentralized Identifier URL Specification (did-url-spec)</a:t>
-            </a:r>
-            <a:endParaRPr lang="en-CA" dirty="0"/>
-          </a:p>
-        </p:txBody>
-      </p:sp>
-      <p:pic>
-        <p:nvPicPr>
-          <p:cNvPr id="7" name="Picture 6">
-            <a:extLst>
-              <a:ext uri="{FF2B5EF4-FFF2-40B4-BE49-F238E27FC236}">
-                <a16:creationId xmlns:a16="http://schemas.microsoft.com/office/drawing/2014/main" id="{EF2D3FC3-8014-48C1-BE8B-74CAAB5BE887}"/>
-              </a:ext>
-            </a:extLst>
-          </p:cNvPr>
-          <p:cNvPicPr>
-            <a:picLocks noChangeAspect="1"/>
-          </p:cNvPicPr>
-          <p:nvPr/>
-        </p:nvPicPr>
-        <p:blipFill>
-          <a:blip r:embed="rId2"/>
-          <a:stretch>
-            <a:fillRect/>
-          </a:stretch>
-        </p:blipFill>
-        <p:spPr>
-          <a:xfrm>
-            <a:off x="0" y="2036890"/>
-            <a:ext cx="17280000" cy="3440259"/>
-          </a:xfrm>
-          <a:prstGeom prst="rect">
-            <a:avLst/>
-          </a:prstGeom>
-        </p:spPr>
-      </p:pic>
-    </p:spTree>
-    <p:extLst>
-      <p:ext uri="{BB962C8B-B14F-4D97-AF65-F5344CB8AC3E}">
-        <p14:creationId xmlns:p14="http://schemas.microsoft.com/office/powerpoint/2010/main" val="4147656119"/>
       </p:ext>
     </p:extLst>
   </p:cSld>
@@ -28379,6 +29943,174 @@
                   <a:srgbClr val="1D326D"/>
                 </a:solidFill>
               </a:rPr>
+              <a:t> Use Cases: I</a:t>
+            </a:r>
+            <a:endParaRPr lang="en-US" dirty="0"/>
+          </a:p>
+        </p:txBody>
+      </p:sp>
+      <p:sp>
+        <p:nvSpPr>
+          <p:cNvPr id="3" name="Date Placeholder 2">
+            <a:extLst>
+              <a:ext uri="{FF2B5EF4-FFF2-40B4-BE49-F238E27FC236}">
+                <a16:creationId xmlns:a16="http://schemas.microsoft.com/office/drawing/2014/main" id="{5BCF49CD-02FC-427B-AA56-84AD0C0120E0}"/>
+              </a:ext>
+            </a:extLst>
+          </p:cNvPr>
+          <p:cNvSpPr>
+            <a:spLocks noGrp="1"/>
+          </p:cNvSpPr>
+          <p:nvPr>
+            <p:ph type="dt" sz="half" idx="10"/>
+          </p:nvPr>
+        </p:nvSpPr>
+        <p:spPr/>
+        <p:txBody>
+          <a:bodyPr/>
+          <a:lstStyle/>
+          <a:p>
+            <a:fld id="{81DEA5B8-3222-4DB1-B742-9324266986F7}" type="datetime1">
+              <a:rPr lang="en-CA" smtClean="0"/>
+              <a:t>2019-03-24</a:t>
+            </a:fld>
+            <a:endParaRPr lang="en-CA" dirty="0"/>
+          </a:p>
+        </p:txBody>
+      </p:sp>
+      <p:sp>
+        <p:nvSpPr>
+          <p:cNvPr id="4" name="Footer Placeholder 3">
+            <a:extLst>
+              <a:ext uri="{FF2B5EF4-FFF2-40B4-BE49-F238E27FC236}">
+                <a16:creationId xmlns:a16="http://schemas.microsoft.com/office/drawing/2014/main" id="{254BC70F-D643-4D0C-B9BA-E012984790D5}"/>
+              </a:ext>
+            </a:extLst>
+          </p:cNvPr>
+          <p:cNvSpPr>
+            <a:spLocks noGrp="1"/>
+          </p:cNvSpPr>
+          <p:nvPr>
+            <p:ph type="ftr" sz="quarter" idx="11"/>
+          </p:nvPr>
+        </p:nvSpPr>
+        <p:spPr/>
+        <p:txBody>
+          <a:bodyPr/>
+          <a:lstStyle/>
+          <a:p>
+            <a:r>
+              <a:rPr lang="en-US" dirty="0"/>
+              <a:t>Decentralized Identifier URL Specification (did-url-spec)</a:t>
+            </a:r>
+            <a:endParaRPr lang="en-CA" dirty="0"/>
+          </a:p>
+        </p:txBody>
+      </p:sp>
+      <p:pic>
+        <p:nvPicPr>
+          <p:cNvPr id="7" name="Picture 6">
+            <a:extLst>
+              <a:ext uri="{FF2B5EF4-FFF2-40B4-BE49-F238E27FC236}">
+                <a16:creationId xmlns:a16="http://schemas.microsoft.com/office/drawing/2014/main" id="{EF2D3FC3-8014-48C1-BE8B-74CAAB5BE887}"/>
+              </a:ext>
+            </a:extLst>
+          </p:cNvPr>
+          <p:cNvPicPr>
+            <a:picLocks noChangeAspect="1"/>
+          </p:cNvPicPr>
+          <p:nvPr/>
+        </p:nvPicPr>
+        <p:blipFill>
+          <a:blip r:embed="rId2"/>
+          <a:stretch>
+            <a:fillRect/>
+          </a:stretch>
+        </p:blipFill>
+        <p:spPr>
+          <a:xfrm>
+            <a:off x="0" y="2036890"/>
+            <a:ext cx="17280000" cy="3440259"/>
+          </a:xfrm>
+          <a:prstGeom prst="rect">
+            <a:avLst/>
+          </a:prstGeom>
+        </p:spPr>
+      </p:pic>
+    </p:spTree>
+    <p:extLst>
+      <p:ext uri="{BB962C8B-B14F-4D97-AF65-F5344CB8AC3E}">
+        <p14:creationId xmlns:p14="http://schemas.microsoft.com/office/powerpoint/2010/main" val="4147656119"/>
+      </p:ext>
+    </p:extLst>
+  </p:cSld>
+  <p:clrMapOvr>
+    <a:masterClrMapping/>
+  </p:clrMapOvr>
+</p:sld>
+</file>
+
+<file path=ppt/slides/slide53.xml><?xml version="1.0" encoding="utf-8"?>
+<p:sld xmlns:a="http://schemas.openxmlformats.org/drawingml/2006/main" xmlns:r="http://schemas.openxmlformats.org/officeDocument/2006/relationships" xmlns:p="http://schemas.openxmlformats.org/presentationml/2006/main">
+  <p:cSld>
+    <p:spTree>
+      <p:nvGrpSpPr>
+        <p:cNvPr id="1" name=""/>
+        <p:cNvGrpSpPr/>
+        <p:nvPr/>
+      </p:nvGrpSpPr>
+      <p:grpSpPr>
+        <a:xfrm>
+          <a:off x="0" y="0"/>
+          <a:ext cx="0" cy="0"/>
+          <a:chOff x="0" y="0"/>
+          <a:chExt cx="0" cy="0"/>
+        </a:xfrm>
+      </p:grpSpPr>
+      <p:sp>
+        <p:nvSpPr>
+          <p:cNvPr id="5" name="Title 4">
+            <a:extLst>
+              <a:ext uri="{FF2B5EF4-FFF2-40B4-BE49-F238E27FC236}">
+                <a16:creationId xmlns:a16="http://schemas.microsoft.com/office/drawing/2014/main" id="{12E9AD5C-C34D-4C12-9745-045621599C2B}"/>
+              </a:ext>
+            </a:extLst>
+          </p:cNvPr>
+          <p:cNvSpPr>
+            <a:spLocks noGrp="1"/>
+          </p:cNvSpPr>
+          <p:nvPr>
+            <p:ph type="title"/>
+          </p:nvPr>
+        </p:nvSpPr>
+        <p:spPr/>
+        <p:txBody>
+          <a:bodyPr/>
+          <a:lstStyle/>
+          <a:p>
+            <a:r>
+              <a:rPr lang="en-CA" dirty="0">
+                <a:solidFill>
+                  <a:srgbClr val="1D326D"/>
+                </a:solidFill>
+              </a:rPr>
+              <a:t>Lower-Level </a:t>
+            </a:r>
+            <a:r>
+              <a:rPr lang="en-CA" cap="none" dirty="0">
+                <a:solidFill>
+                  <a:srgbClr val="1D326D"/>
+                </a:solidFill>
+                <a:latin typeface="Consolas" panose="020B0609020204030204" pitchFamily="49" charset="0"/>
+              </a:rPr>
+              <a:t>did-url</a:t>
+            </a:r>
+            <a:r>
+              <a:rPr lang="en-CA" dirty="0">
+                <a:solidFill>
+                  <a:srgbClr val="1D326D"/>
+                </a:solidFill>
+              </a:rPr>
               <a:t> Use Cases: J</a:t>
             </a:r>
             <a:endParaRPr lang="en-US" dirty="0"/>
@@ -28486,7 +30218,7 @@
 </p:sld>
 </file>
 
-<file path=ppt/slides/slide53.xml><?xml version="1.0" encoding="utf-8"?>
+<file path=ppt/slides/slide54.xml><?xml version="1.0" encoding="utf-8"?>
 <p:sld xmlns:a="http://schemas.openxmlformats.org/drawingml/2006/main" xmlns:r="http://schemas.openxmlformats.org/officeDocument/2006/relationships" xmlns:p="http://schemas.openxmlformats.org/presentationml/2006/main">
   <p:cSld>
     <p:spTree>
@@ -28654,7 +30386,7 @@
 </p:sld>
 </file>
 
-<file path=ppt/slides/slide54.xml><?xml version="1.0" encoding="utf-8"?>
+<file path=ppt/slides/slide55.xml><?xml version="1.0" encoding="utf-8"?>
 <p:sld xmlns:a="http://schemas.openxmlformats.org/drawingml/2006/main" xmlns:r="http://schemas.openxmlformats.org/officeDocument/2006/relationships" xmlns:p="http://schemas.openxmlformats.org/presentationml/2006/main">
   <p:cSld>
     <p:spTree>
@@ -28822,7 +30554,7 @@
 </p:sld>
 </file>
 
-<file path=ppt/slides/slide55.xml><?xml version="1.0" encoding="utf-8"?>
+<file path=ppt/slides/slide56.xml><?xml version="1.0" encoding="utf-8"?>
 <p:sld xmlns:a="http://schemas.openxmlformats.org/drawingml/2006/main" xmlns:r="http://schemas.openxmlformats.org/officeDocument/2006/relationships" xmlns:p="http://schemas.openxmlformats.org/presentationml/2006/main">
   <p:cSld>
     <p:spTree>
@@ -29290,7 +31022,7 @@
 </p:sld>
 </file>
 
-<file path=ppt/slides/slide56.xml><?xml version="1.0" encoding="utf-8"?>
+<file path=ppt/slides/slide57.xml><?xml version="1.0" encoding="utf-8"?>
 <p:sld xmlns:a="http://schemas.openxmlformats.org/drawingml/2006/main" xmlns:r="http://schemas.openxmlformats.org/officeDocument/2006/relationships" xmlns:p="http://schemas.openxmlformats.org/presentationml/2006/main">
   <p:cSld>
     <p:spTree>
@@ -29536,7 +31268,7 @@
 </p:sld>
 </file>
 
-<file path=ppt/slides/slide57.xml><?xml version="1.0" encoding="utf-8"?>
+<file path=ppt/slides/slide58.xml><?xml version="1.0" encoding="utf-8"?>
 <p:sld xmlns:a="http://schemas.openxmlformats.org/drawingml/2006/main" xmlns:r="http://schemas.openxmlformats.org/officeDocument/2006/relationships" xmlns:p="http://schemas.openxmlformats.org/presentationml/2006/main">
   <p:cSld>
     <p:spTree>
@@ -29785,7 +31517,7 @@
 </p:sld>
 </file>
 
-<file path=ppt/slides/slide58.xml><?xml version="1.0" encoding="utf-8"?>
+<file path=ppt/slides/slide59.xml><?xml version="1.0" encoding="utf-8"?>
 <p:sld xmlns:a="http://schemas.openxmlformats.org/drawingml/2006/main" xmlns:r="http://schemas.openxmlformats.org/officeDocument/2006/relationships" xmlns:p="http://schemas.openxmlformats.org/presentationml/2006/main">
   <p:cSld>
     <p:spTree>
@@ -29987,474 +31719,6 @@
     <p:extLst>
       <p:ext uri="{BB962C8B-B14F-4D97-AF65-F5344CB8AC3E}">
         <p14:creationId xmlns:p14="http://schemas.microsoft.com/office/powerpoint/2010/main" val="3888946156"/>
-      </p:ext>
-    </p:extLst>
-  </p:cSld>
-  <p:clrMapOvr>
-    <a:masterClrMapping/>
-  </p:clrMapOvr>
-</p:sld>
-</file>
-
-<file path=ppt/slides/slide59.xml><?xml version="1.0" encoding="utf-8"?>
-<p:sld xmlns:a="http://schemas.openxmlformats.org/drawingml/2006/main" xmlns:r="http://schemas.openxmlformats.org/officeDocument/2006/relationships" xmlns:p="http://schemas.openxmlformats.org/presentationml/2006/main">
-  <p:cSld>
-    <p:spTree>
-      <p:nvGrpSpPr>
-        <p:cNvPr id="1" name=""/>
-        <p:cNvGrpSpPr/>
-        <p:nvPr/>
-      </p:nvGrpSpPr>
-      <p:grpSpPr>
-        <a:xfrm>
-          <a:off x="0" y="0"/>
-          <a:ext cx="0" cy="0"/>
-          <a:chOff x="0" y="0"/>
-          <a:chExt cx="0" cy="0"/>
-        </a:xfrm>
-      </p:grpSpPr>
-      <p:sp>
-        <p:nvSpPr>
-          <p:cNvPr id="2" name="Title 1">
-            <a:extLst>
-              <a:ext uri="{FF2B5EF4-FFF2-40B4-BE49-F238E27FC236}">
-                <a16:creationId xmlns:a16="http://schemas.microsoft.com/office/drawing/2014/main" id="{C29FC834-6430-4E4A-83B7-97BA43C29D37}"/>
-              </a:ext>
-            </a:extLst>
-          </p:cNvPr>
-          <p:cNvSpPr>
-            <a:spLocks noGrp="1"/>
-          </p:cNvSpPr>
-          <p:nvPr>
-            <p:ph type="ctrTitle"/>
-          </p:nvPr>
-        </p:nvSpPr>
-        <p:spPr>
-          <a:xfrm>
-            <a:off x="723900" y="1137147"/>
-            <a:ext cx="16173450" cy="3602126"/>
-          </a:xfrm>
-        </p:spPr>
-        <p:txBody>
-          <a:bodyPr>
-            <a:normAutofit/>
-          </a:bodyPr>
-          <a:lstStyle/>
-          <a:p>
-            <a:r>
-              <a:rPr lang="en-CA" sz="6600" dirty="0">
-                <a:solidFill>
-                  <a:srgbClr val="1D326D"/>
-                </a:solidFill>
-                <a:sym typeface="Wingdings" panose="05000000000000000000" pitchFamily="2" charset="2"/>
-              </a:rPr>
-              <a:t></a:t>
-            </a:r>
-            <a:r>
-              <a:rPr lang="en-CA" sz="6600" dirty="0">
-                <a:solidFill>
-                  <a:srgbClr val="1D326D"/>
-                </a:solidFill>
-              </a:rPr>
-              <a:t> Wrapping UP…</a:t>
-            </a:r>
-            <a:endParaRPr lang="en-US" sz="6600" dirty="0">
-              <a:solidFill>
-                <a:srgbClr val="1D326D"/>
-              </a:solidFill>
-            </a:endParaRPr>
-          </a:p>
-        </p:txBody>
-      </p:sp>
-      <p:sp>
-        <p:nvSpPr>
-          <p:cNvPr id="3" name="Subtitle 2">
-            <a:extLst>
-              <a:ext uri="{FF2B5EF4-FFF2-40B4-BE49-F238E27FC236}">
-                <a16:creationId xmlns:a16="http://schemas.microsoft.com/office/drawing/2014/main" id="{C660EB17-2854-4658-9BE6-4D698F62714C}"/>
-              </a:ext>
-            </a:extLst>
-          </p:cNvPr>
-          <p:cNvSpPr>
-            <a:spLocks noGrp="1"/>
-          </p:cNvSpPr>
-          <p:nvPr>
-            <p:ph type="subTitle" idx="1"/>
-          </p:nvPr>
-        </p:nvSpPr>
-        <p:spPr>
-          <a:xfrm>
-            <a:off x="723900" y="5462192"/>
-            <a:ext cx="14944338" cy="1385642"/>
-          </a:xfrm>
-        </p:spPr>
-        <p:txBody>
-          <a:bodyPr>
-            <a:normAutofit fontScale="70000" lnSpcReduction="20000"/>
-          </a:bodyPr>
-          <a:lstStyle/>
-          <a:p>
-            <a:r>
-              <a:rPr lang="en-CA" dirty="0"/>
-              <a:t>Michael Herman</a:t>
-            </a:r>
-          </a:p>
-          <a:p>
-            <a:r>
-              <a:rPr lang="en-CA" dirty="0"/>
-              <a:t>Independent Blockchain Architect</a:t>
-            </a:r>
-          </a:p>
-          <a:p>
-            <a:r>
-              <a:rPr lang="en-CA" dirty="0"/>
-              <a:t>mwherman@parallelspace.net</a:t>
-            </a:r>
-            <a:endParaRPr lang="en-US" dirty="0"/>
-          </a:p>
-        </p:txBody>
-      </p:sp>
-      <p:sp>
-        <p:nvSpPr>
-          <p:cNvPr id="6" name="Date Placeholder 2">
-            <a:extLst>
-              <a:ext uri="{FF2B5EF4-FFF2-40B4-BE49-F238E27FC236}">
-                <a16:creationId xmlns:a16="http://schemas.microsoft.com/office/drawing/2014/main" id="{B7F5412E-5DEB-4BEC-9DBB-F1C88B73A0F0}"/>
-              </a:ext>
-            </a:extLst>
-          </p:cNvPr>
-          <p:cNvSpPr txBox="1">
-            <a:spLocks/>
-          </p:cNvSpPr>
-          <p:nvPr/>
-        </p:nvSpPr>
-        <p:spPr>
-          <a:xfrm>
-            <a:off x="10706614" y="9018020"/>
-            <a:ext cx="5868474" cy="436742"/>
-          </a:xfrm>
-          <a:prstGeom prst="rect">
-            <a:avLst/>
-          </a:prstGeom>
-        </p:spPr>
-        <p:txBody>
-          <a:bodyPr vert="horz" lIns="91440" tIns="45720" rIns="91440" bIns="45720" rtlCol="0" anchor="ctr"/>
-          <a:lstStyle>
-            <a:defPPr>
-              <a:defRPr lang="en-US"/>
-            </a:defPPr>
-            <a:lvl1pPr marL="0" algn="r" defTabSz="457200" rtl="0" eaLnBrk="1" latinLnBrk="0" hangingPunct="1">
-              <a:defRPr sz="1417" kern="1200">
-                <a:solidFill>
-                  <a:schemeClr val="tx1">
-                    <a:tint val="75000"/>
-                  </a:schemeClr>
-                </a:solidFill>
-                <a:latin typeface="+mn-lt"/>
-                <a:ea typeface="+mn-ea"/>
-                <a:cs typeface="+mn-cs"/>
-              </a:defRPr>
-            </a:lvl1pPr>
-            <a:lvl2pPr marL="457200" algn="l" defTabSz="457200" rtl="0" eaLnBrk="1" latinLnBrk="0" hangingPunct="1">
-              <a:defRPr sz="1800" kern="1200">
-                <a:solidFill>
-                  <a:schemeClr val="tx1"/>
-                </a:solidFill>
-                <a:latin typeface="+mn-lt"/>
-                <a:ea typeface="+mn-ea"/>
-                <a:cs typeface="+mn-cs"/>
-              </a:defRPr>
-            </a:lvl2pPr>
-            <a:lvl3pPr marL="914400" algn="l" defTabSz="457200" rtl="0" eaLnBrk="1" latinLnBrk="0" hangingPunct="1">
-              <a:defRPr sz="1800" kern="1200">
-                <a:solidFill>
-                  <a:schemeClr val="tx1"/>
-                </a:solidFill>
-                <a:latin typeface="+mn-lt"/>
-                <a:ea typeface="+mn-ea"/>
-                <a:cs typeface="+mn-cs"/>
-              </a:defRPr>
-            </a:lvl3pPr>
-            <a:lvl4pPr marL="1371600" algn="l" defTabSz="457200" rtl="0" eaLnBrk="1" latinLnBrk="0" hangingPunct="1">
-              <a:defRPr sz="1800" kern="1200">
-                <a:solidFill>
-                  <a:schemeClr val="tx1"/>
-                </a:solidFill>
-                <a:latin typeface="+mn-lt"/>
-                <a:ea typeface="+mn-ea"/>
-                <a:cs typeface="+mn-cs"/>
-              </a:defRPr>
-            </a:lvl4pPr>
-            <a:lvl5pPr marL="1828800" algn="l" defTabSz="457200" rtl="0" eaLnBrk="1" latinLnBrk="0" hangingPunct="1">
-              <a:defRPr sz="1800" kern="1200">
-                <a:solidFill>
-                  <a:schemeClr val="tx1"/>
-                </a:solidFill>
-                <a:latin typeface="+mn-lt"/>
-                <a:ea typeface="+mn-ea"/>
-                <a:cs typeface="+mn-cs"/>
-              </a:defRPr>
-            </a:lvl5pPr>
-            <a:lvl6pPr marL="2286000" algn="l" defTabSz="457200" rtl="0" eaLnBrk="1" latinLnBrk="0" hangingPunct="1">
-              <a:defRPr sz="1800" kern="1200">
-                <a:solidFill>
-                  <a:schemeClr val="tx1"/>
-                </a:solidFill>
-                <a:latin typeface="+mn-lt"/>
-                <a:ea typeface="+mn-ea"/>
-                <a:cs typeface="+mn-cs"/>
-              </a:defRPr>
-            </a:lvl6pPr>
-            <a:lvl7pPr marL="2743200" algn="l" defTabSz="457200" rtl="0" eaLnBrk="1" latinLnBrk="0" hangingPunct="1">
-              <a:defRPr sz="1800" kern="1200">
-                <a:solidFill>
-                  <a:schemeClr val="tx1"/>
-                </a:solidFill>
-                <a:latin typeface="+mn-lt"/>
-                <a:ea typeface="+mn-ea"/>
-                <a:cs typeface="+mn-cs"/>
-              </a:defRPr>
-            </a:lvl7pPr>
-            <a:lvl8pPr marL="3200400" algn="l" defTabSz="457200" rtl="0" eaLnBrk="1" latinLnBrk="0" hangingPunct="1">
-              <a:defRPr sz="1800" kern="1200">
-                <a:solidFill>
-                  <a:schemeClr val="tx1"/>
-                </a:solidFill>
-                <a:latin typeface="+mn-lt"/>
-                <a:ea typeface="+mn-ea"/>
-                <a:cs typeface="+mn-cs"/>
-              </a:defRPr>
-            </a:lvl8pPr>
-            <a:lvl9pPr marL="3657600" algn="l" defTabSz="457200" rtl="0" eaLnBrk="1" latinLnBrk="0" hangingPunct="1">
-              <a:defRPr sz="1800" kern="1200">
-                <a:solidFill>
-                  <a:schemeClr val="tx1"/>
-                </a:solidFill>
-                <a:latin typeface="+mn-lt"/>
-                <a:ea typeface="+mn-ea"/>
-                <a:cs typeface="+mn-cs"/>
-              </a:defRPr>
-            </a:lvl9pPr>
-          </a:lstStyle>
-          <a:p>
-            <a:fld id="{E35A9342-8D2C-4F03-BE33-2A71AE2A9EC4}" type="datetime1">
-              <a:rPr lang="en-CA" smtClean="0">
-                <a:solidFill>
-                  <a:schemeClr val="bg1"/>
-                </a:solidFill>
-              </a:rPr>
-              <a:pPr/>
-              <a:t>2019-03-24</a:t>
-            </a:fld>
-            <a:endParaRPr lang="en-CA" dirty="0">
-              <a:solidFill>
-                <a:schemeClr val="bg1"/>
-              </a:solidFill>
-            </a:endParaRPr>
-          </a:p>
-        </p:txBody>
-      </p:sp>
-      <p:sp>
-        <p:nvSpPr>
-          <p:cNvPr id="7" name="Footer Placeholder 3">
-            <a:extLst>
-              <a:ext uri="{FF2B5EF4-FFF2-40B4-BE49-F238E27FC236}">
-                <a16:creationId xmlns:a16="http://schemas.microsoft.com/office/drawing/2014/main" id="{758836FC-E93F-4D6D-85BC-748103EA3B0E}"/>
-              </a:ext>
-            </a:extLst>
-          </p:cNvPr>
-          <p:cNvSpPr txBox="1">
-            <a:spLocks/>
-          </p:cNvSpPr>
-          <p:nvPr/>
-        </p:nvSpPr>
-        <p:spPr>
-          <a:xfrm>
-            <a:off x="2057349" y="9019515"/>
-            <a:ext cx="8233240" cy="435247"/>
-          </a:xfrm>
-          <a:prstGeom prst="rect">
-            <a:avLst/>
-          </a:prstGeom>
-        </p:spPr>
-        <p:txBody>
-          <a:bodyPr vert="horz" lIns="91440" tIns="45720" rIns="91440" bIns="45720" rtlCol="0" anchor="ctr"/>
-          <a:lstStyle>
-            <a:defPPr>
-              <a:defRPr lang="en-US"/>
-            </a:defPPr>
-            <a:lvl1pPr marL="0" algn="l" defTabSz="457200" rtl="0" eaLnBrk="1" latinLnBrk="0" hangingPunct="1">
-              <a:defRPr sz="1417" kern="1200">
-                <a:solidFill>
-                  <a:schemeClr val="tx1">
-                    <a:tint val="75000"/>
-                  </a:schemeClr>
-                </a:solidFill>
-                <a:latin typeface="+mn-lt"/>
-                <a:ea typeface="+mn-ea"/>
-                <a:cs typeface="+mn-cs"/>
-              </a:defRPr>
-            </a:lvl1pPr>
-            <a:lvl2pPr marL="457200" algn="l" defTabSz="457200" rtl="0" eaLnBrk="1" latinLnBrk="0" hangingPunct="1">
-              <a:defRPr sz="1800" kern="1200">
-                <a:solidFill>
-                  <a:schemeClr val="tx1"/>
-                </a:solidFill>
-                <a:latin typeface="+mn-lt"/>
-                <a:ea typeface="+mn-ea"/>
-                <a:cs typeface="+mn-cs"/>
-              </a:defRPr>
-            </a:lvl2pPr>
-            <a:lvl3pPr marL="914400" algn="l" defTabSz="457200" rtl="0" eaLnBrk="1" latinLnBrk="0" hangingPunct="1">
-              <a:defRPr sz="1800" kern="1200">
-                <a:solidFill>
-                  <a:schemeClr val="tx1"/>
-                </a:solidFill>
-                <a:latin typeface="+mn-lt"/>
-                <a:ea typeface="+mn-ea"/>
-                <a:cs typeface="+mn-cs"/>
-              </a:defRPr>
-            </a:lvl3pPr>
-            <a:lvl4pPr marL="1371600" algn="l" defTabSz="457200" rtl="0" eaLnBrk="1" latinLnBrk="0" hangingPunct="1">
-              <a:defRPr sz="1800" kern="1200">
-                <a:solidFill>
-                  <a:schemeClr val="tx1"/>
-                </a:solidFill>
-                <a:latin typeface="+mn-lt"/>
-                <a:ea typeface="+mn-ea"/>
-                <a:cs typeface="+mn-cs"/>
-              </a:defRPr>
-            </a:lvl4pPr>
-            <a:lvl5pPr marL="1828800" algn="l" defTabSz="457200" rtl="0" eaLnBrk="1" latinLnBrk="0" hangingPunct="1">
-              <a:defRPr sz="1800" kern="1200">
-                <a:solidFill>
-                  <a:schemeClr val="tx1"/>
-                </a:solidFill>
-                <a:latin typeface="+mn-lt"/>
-                <a:ea typeface="+mn-ea"/>
-                <a:cs typeface="+mn-cs"/>
-              </a:defRPr>
-            </a:lvl5pPr>
-            <a:lvl6pPr marL="2286000" algn="l" defTabSz="457200" rtl="0" eaLnBrk="1" latinLnBrk="0" hangingPunct="1">
-              <a:defRPr sz="1800" kern="1200">
-                <a:solidFill>
-                  <a:schemeClr val="tx1"/>
-                </a:solidFill>
-                <a:latin typeface="+mn-lt"/>
-                <a:ea typeface="+mn-ea"/>
-                <a:cs typeface="+mn-cs"/>
-              </a:defRPr>
-            </a:lvl6pPr>
-            <a:lvl7pPr marL="2743200" algn="l" defTabSz="457200" rtl="0" eaLnBrk="1" latinLnBrk="0" hangingPunct="1">
-              <a:defRPr sz="1800" kern="1200">
-                <a:solidFill>
-                  <a:schemeClr val="tx1"/>
-                </a:solidFill>
-                <a:latin typeface="+mn-lt"/>
-                <a:ea typeface="+mn-ea"/>
-                <a:cs typeface="+mn-cs"/>
-              </a:defRPr>
-            </a:lvl7pPr>
-            <a:lvl8pPr marL="3200400" algn="l" defTabSz="457200" rtl="0" eaLnBrk="1" latinLnBrk="0" hangingPunct="1">
-              <a:defRPr sz="1800" kern="1200">
-                <a:solidFill>
-                  <a:schemeClr val="tx1"/>
-                </a:solidFill>
-                <a:latin typeface="+mn-lt"/>
-                <a:ea typeface="+mn-ea"/>
-                <a:cs typeface="+mn-cs"/>
-              </a:defRPr>
-            </a:lvl8pPr>
-            <a:lvl9pPr marL="3657600" algn="l" defTabSz="457200" rtl="0" eaLnBrk="1" latinLnBrk="0" hangingPunct="1">
-              <a:defRPr sz="1800" kern="1200">
-                <a:solidFill>
-                  <a:schemeClr val="tx1"/>
-                </a:solidFill>
-                <a:latin typeface="+mn-lt"/>
-                <a:ea typeface="+mn-ea"/>
-                <a:cs typeface="+mn-cs"/>
-              </a:defRPr>
-            </a:lvl9pPr>
-          </a:lstStyle>
-          <a:p>
-            <a:r>
-              <a:rPr lang="en-US" dirty="0">
-                <a:solidFill>
-                  <a:schemeClr val="bg1"/>
-                </a:solidFill>
-              </a:rPr>
-              <a:t>Decentralized Identifier URL Specification (did-url-spec)</a:t>
-            </a:r>
-            <a:endParaRPr lang="en-CA" dirty="0">
-              <a:solidFill>
-                <a:schemeClr val="bg1"/>
-              </a:solidFill>
-            </a:endParaRPr>
-          </a:p>
-        </p:txBody>
-      </p:sp>
-      <p:sp>
-        <p:nvSpPr>
-          <p:cNvPr id="4" name="Date Placeholder 3">
-            <a:extLst>
-              <a:ext uri="{FF2B5EF4-FFF2-40B4-BE49-F238E27FC236}">
-                <a16:creationId xmlns:a16="http://schemas.microsoft.com/office/drawing/2014/main" id="{4F746C27-A76B-4C8D-9FF3-60328BA74F49}"/>
-              </a:ext>
-            </a:extLst>
-          </p:cNvPr>
-          <p:cNvSpPr>
-            <a:spLocks noGrp="1"/>
-          </p:cNvSpPr>
-          <p:nvPr>
-            <p:ph type="dt" sz="half" idx="10"/>
-          </p:nvPr>
-        </p:nvSpPr>
-        <p:spPr/>
-        <p:txBody>
-          <a:bodyPr/>
-          <a:lstStyle/>
-          <a:p>
-            <a:fld id="{154602D0-7B20-4E03-8151-A87C6A811C84}" type="datetime1">
-              <a:rPr lang="en-CA" smtClean="0"/>
-              <a:t>2019-03-24</a:t>
-            </a:fld>
-            <a:endParaRPr lang="en-CA" dirty="0"/>
-          </a:p>
-        </p:txBody>
-      </p:sp>
-      <p:sp>
-        <p:nvSpPr>
-          <p:cNvPr id="5" name="Footer Placeholder 4">
-            <a:extLst>
-              <a:ext uri="{FF2B5EF4-FFF2-40B4-BE49-F238E27FC236}">
-                <a16:creationId xmlns:a16="http://schemas.microsoft.com/office/drawing/2014/main" id="{D23FF809-1F61-44DE-8D0B-0A224F51A9EA}"/>
-              </a:ext>
-            </a:extLst>
-          </p:cNvPr>
-          <p:cNvSpPr>
-            <a:spLocks noGrp="1"/>
-          </p:cNvSpPr>
-          <p:nvPr>
-            <p:ph type="ftr" sz="quarter" idx="11"/>
-          </p:nvPr>
-        </p:nvSpPr>
-        <p:spPr/>
-        <p:txBody>
-          <a:bodyPr/>
-          <a:lstStyle/>
-          <a:p>
-            <a:r>
-              <a:rPr lang="en-US" dirty="0"/>
-              <a:t>Decentralized Identifier URL Specification (did-url-spec)</a:t>
-            </a:r>
-            <a:endParaRPr lang="en-CA" dirty="0"/>
-          </a:p>
-        </p:txBody>
-      </p:sp>
-    </p:spTree>
-    <p:extLst>
-      <p:ext uri="{BB962C8B-B14F-4D97-AF65-F5344CB8AC3E}">
-        <p14:creationId xmlns:p14="http://schemas.microsoft.com/office/powerpoint/2010/main" val="3157589698"/>
       </p:ext>
     </p:extLst>
   </p:cSld>
@@ -30735,6 +31999,474 @@
           <p:cNvPr id="2" name="Title 1">
             <a:extLst>
               <a:ext uri="{FF2B5EF4-FFF2-40B4-BE49-F238E27FC236}">
+                <a16:creationId xmlns:a16="http://schemas.microsoft.com/office/drawing/2014/main" id="{C29FC834-6430-4E4A-83B7-97BA43C29D37}"/>
+              </a:ext>
+            </a:extLst>
+          </p:cNvPr>
+          <p:cNvSpPr>
+            <a:spLocks noGrp="1"/>
+          </p:cNvSpPr>
+          <p:nvPr>
+            <p:ph type="ctrTitle"/>
+          </p:nvPr>
+        </p:nvSpPr>
+        <p:spPr>
+          <a:xfrm>
+            <a:off x="723900" y="1137147"/>
+            <a:ext cx="16173450" cy="3602126"/>
+          </a:xfrm>
+        </p:spPr>
+        <p:txBody>
+          <a:bodyPr>
+            <a:normAutofit/>
+          </a:bodyPr>
+          <a:lstStyle/>
+          <a:p>
+            <a:r>
+              <a:rPr lang="en-CA" sz="6600" dirty="0">
+                <a:solidFill>
+                  <a:srgbClr val="1D326D"/>
+                </a:solidFill>
+                <a:sym typeface="Wingdings" panose="05000000000000000000" pitchFamily="2" charset="2"/>
+              </a:rPr>
+              <a:t></a:t>
+            </a:r>
+            <a:r>
+              <a:rPr lang="en-CA" sz="6600" dirty="0">
+                <a:solidFill>
+                  <a:srgbClr val="1D326D"/>
+                </a:solidFill>
+              </a:rPr>
+              <a:t> Wrapping UP…</a:t>
+            </a:r>
+            <a:endParaRPr lang="en-US" sz="6600" dirty="0">
+              <a:solidFill>
+                <a:srgbClr val="1D326D"/>
+              </a:solidFill>
+            </a:endParaRPr>
+          </a:p>
+        </p:txBody>
+      </p:sp>
+      <p:sp>
+        <p:nvSpPr>
+          <p:cNvPr id="3" name="Subtitle 2">
+            <a:extLst>
+              <a:ext uri="{FF2B5EF4-FFF2-40B4-BE49-F238E27FC236}">
+                <a16:creationId xmlns:a16="http://schemas.microsoft.com/office/drawing/2014/main" id="{C660EB17-2854-4658-9BE6-4D698F62714C}"/>
+              </a:ext>
+            </a:extLst>
+          </p:cNvPr>
+          <p:cNvSpPr>
+            <a:spLocks noGrp="1"/>
+          </p:cNvSpPr>
+          <p:nvPr>
+            <p:ph type="subTitle" idx="1"/>
+          </p:nvPr>
+        </p:nvSpPr>
+        <p:spPr>
+          <a:xfrm>
+            <a:off x="723900" y="5462192"/>
+            <a:ext cx="14944338" cy="1385642"/>
+          </a:xfrm>
+        </p:spPr>
+        <p:txBody>
+          <a:bodyPr>
+            <a:normAutofit fontScale="70000" lnSpcReduction="20000"/>
+          </a:bodyPr>
+          <a:lstStyle/>
+          <a:p>
+            <a:r>
+              <a:rPr lang="en-CA" dirty="0"/>
+              <a:t>Michael Herman</a:t>
+            </a:r>
+          </a:p>
+          <a:p>
+            <a:r>
+              <a:rPr lang="en-CA" dirty="0"/>
+              <a:t>Independent Blockchain Architect</a:t>
+            </a:r>
+          </a:p>
+          <a:p>
+            <a:r>
+              <a:rPr lang="en-CA" dirty="0"/>
+              <a:t>mwherman@parallelspace.net</a:t>
+            </a:r>
+            <a:endParaRPr lang="en-US" dirty="0"/>
+          </a:p>
+        </p:txBody>
+      </p:sp>
+      <p:sp>
+        <p:nvSpPr>
+          <p:cNvPr id="6" name="Date Placeholder 2">
+            <a:extLst>
+              <a:ext uri="{FF2B5EF4-FFF2-40B4-BE49-F238E27FC236}">
+                <a16:creationId xmlns:a16="http://schemas.microsoft.com/office/drawing/2014/main" id="{B7F5412E-5DEB-4BEC-9DBB-F1C88B73A0F0}"/>
+              </a:ext>
+            </a:extLst>
+          </p:cNvPr>
+          <p:cNvSpPr txBox="1">
+            <a:spLocks/>
+          </p:cNvSpPr>
+          <p:nvPr/>
+        </p:nvSpPr>
+        <p:spPr>
+          <a:xfrm>
+            <a:off x="10706614" y="9018020"/>
+            <a:ext cx="5868474" cy="436742"/>
+          </a:xfrm>
+          <a:prstGeom prst="rect">
+            <a:avLst/>
+          </a:prstGeom>
+        </p:spPr>
+        <p:txBody>
+          <a:bodyPr vert="horz" lIns="91440" tIns="45720" rIns="91440" bIns="45720" rtlCol="0" anchor="ctr"/>
+          <a:lstStyle>
+            <a:defPPr>
+              <a:defRPr lang="en-US"/>
+            </a:defPPr>
+            <a:lvl1pPr marL="0" algn="r" defTabSz="457200" rtl="0" eaLnBrk="1" latinLnBrk="0" hangingPunct="1">
+              <a:defRPr sz="1417" kern="1200">
+                <a:solidFill>
+                  <a:schemeClr val="tx1">
+                    <a:tint val="75000"/>
+                  </a:schemeClr>
+                </a:solidFill>
+                <a:latin typeface="+mn-lt"/>
+                <a:ea typeface="+mn-ea"/>
+                <a:cs typeface="+mn-cs"/>
+              </a:defRPr>
+            </a:lvl1pPr>
+            <a:lvl2pPr marL="457200" algn="l" defTabSz="457200" rtl="0" eaLnBrk="1" latinLnBrk="0" hangingPunct="1">
+              <a:defRPr sz="1800" kern="1200">
+                <a:solidFill>
+                  <a:schemeClr val="tx1"/>
+                </a:solidFill>
+                <a:latin typeface="+mn-lt"/>
+                <a:ea typeface="+mn-ea"/>
+                <a:cs typeface="+mn-cs"/>
+              </a:defRPr>
+            </a:lvl2pPr>
+            <a:lvl3pPr marL="914400" algn="l" defTabSz="457200" rtl="0" eaLnBrk="1" latinLnBrk="0" hangingPunct="1">
+              <a:defRPr sz="1800" kern="1200">
+                <a:solidFill>
+                  <a:schemeClr val="tx1"/>
+                </a:solidFill>
+                <a:latin typeface="+mn-lt"/>
+                <a:ea typeface="+mn-ea"/>
+                <a:cs typeface="+mn-cs"/>
+              </a:defRPr>
+            </a:lvl3pPr>
+            <a:lvl4pPr marL="1371600" algn="l" defTabSz="457200" rtl="0" eaLnBrk="1" latinLnBrk="0" hangingPunct="1">
+              <a:defRPr sz="1800" kern="1200">
+                <a:solidFill>
+                  <a:schemeClr val="tx1"/>
+                </a:solidFill>
+                <a:latin typeface="+mn-lt"/>
+                <a:ea typeface="+mn-ea"/>
+                <a:cs typeface="+mn-cs"/>
+              </a:defRPr>
+            </a:lvl4pPr>
+            <a:lvl5pPr marL="1828800" algn="l" defTabSz="457200" rtl="0" eaLnBrk="1" latinLnBrk="0" hangingPunct="1">
+              <a:defRPr sz="1800" kern="1200">
+                <a:solidFill>
+                  <a:schemeClr val="tx1"/>
+                </a:solidFill>
+                <a:latin typeface="+mn-lt"/>
+                <a:ea typeface="+mn-ea"/>
+                <a:cs typeface="+mn-cs"/>
+              </a:defRPr>
+            </a:lvl5pPr>
+            <a:lvl6pPr marL="2286000" algn="l" defTabSz="457200" rtl="0" eaLnBrk="1" latinLnBrk="0" hangingPunct="1">
+              <a:defRPr sz="1800" kern="1200">
+                <a:solidFill>
+                  <a:schemeClr val="tx1"/>
+                </a:solidFill>
+                <a:latin typeface="+mn-lt"/>
+                <a:ea typeface="+mn-ea"/>
+                <a:cs typeface="+mn-cs"/>
+              </a:defRPr>
+            </a:lvl6pPr>
+            <a:lvl7pPr marL="2743200" algn="l" defTabSz="457200" rtl="0" eaLnBrk="1" latinLnBrk="0" hangingPunct="1">
+              <a:defRPr sz="1800" kern="1200">
+                <a:solidFill>
+                  <a:schemeClr val="tx1"/>
+                </a:solidFill>
+                <a:latin typeface="+mn-lt"/>
+                <a:ea typeface="+mn-ea"/>
+                <a:cs typeface="+mn-cs"/>
+              </a:defRPr>
+            </a:lvl7pPr>
+            <a:lvl8pPr marL="3200400" algn="l" defTabSz="457200" rtl="0" eaLnBrk="1" latinLnBrk="0" hangingPunct="1">
+              <a:defRPr sz="1800" kern="1200">
+                <a:solidFill>
+                  <a:schemeClr val="tx1"/>
+                </a:solidFill>
+                <a:latin typeface="+mn-lt"/>
+                <a:ea typeface="+mn-ea"/>
+                <a:cs typeface="+mn-cs"/>
+              </a:defRPr>
+            </a:lvl8pPr>
+            <a:lvl9pPr marL="3657600" algn="l" defTabSz="457200" rtl="0" eaLnBrk="1" latinLnBrk="0" hangingPunct="1">
+              <a:defRPr sz="1800" kern="1200">
+                <a:solidFill>
+                  <a:schemeClr val="tx1"/>
+                </a:solidFill>
+                <a:latin typeface="+mn-lt"/>
+                <a:ea typeface="+mn-ea"/>
+                <a:cs typeface="+mn-cs"/>
+              </a:defRPr>
+            </a:lvl9pPr>
+          </a:lstStyle>
+          <a:p>
+            <a:fld id="{E35A9342-8D2C-4F03-BE33-2A71AE2A9EC4}" type="datetime1">
+              <a:rPr lang="en-CA" smtClean="0">
+                <a:solidFill>
+                  <a:schemeClr val="bg1"/>
+                </a:solidFill>
+              </a:rPr>
+              <a:pPr/>
+              <a:t>2019-03-24</a:t>
+            </a:fld>
+            <a:endParaRPr lang="en-CA" dirty="0">
+              <a:solidFill>
+                <a:schemeClr val="bg1"/>
+              </a:solidFill>
+            </a:endParaRPr>
+          </a:p>
+        </p:txBody>
+      </p:sp>
+      <p:sp>
+        <p:nvSpPr>
+          <p:cNvPr id="7" name="Footer Placeholder 3">
+            <a:extLst>
+              <a:ext uri="{FF2B5EF4-FFF2-40B4-BE49-F238E27FC236}">
+                <a16:creationId xmlns:a16="http://schemas.microsoft.com/office/drawing/2014/main" id="{758836FC-E93F-4D6D-85BC-748103EA3B0E}"/>
+              </a:ext>
+            </a:extLst>
+          </p:cNvPr>
+          <p:cNvSpPr txBox="1">
+            <a:spLocks/>
+          </p:cNvSpPr>
+          <p:nvPr/>
+        </p:nvSpPr>
+        <p:spPr>
+          <a:xfrm>
+            <a:off x="2057349" y="9019515"/>
+            <a:ext cx="8233240" cy="435247"/>
+          </a:xfrm>
+          <a:prstGeom prst="rect">
+            <a:avLst/>
+          </a:prstGeom>
+        </p:spPr>
+        <p:txBody>
+          <a:bodyPr vert="horz" lIns="91440" tIns="45720" rIns="91440" bIns="45720" rtlCol="0" anchor="ctr"/>
+          <a:lstStyle>
+            <a:defPPr>
+              <a:defRPr lang="en-US"/>
+            </a:defPPr>
+            <a:lvl1pPr marL="0" algn="l" defTabSz="457200" rtl="0" eaLnBrk="1" latinLnBrk="0" hangingPunct="1">
+              <a:defRPr sz="1417" kern="1200">
+                <a:solidFill>
+                  <a:schemeClr val="tx1">
+                    <a:tint val="75000"/>
+                  </a:schemeClr>
+                </a:solidFill>
+                <a:latin typeface="+mn-lt"/>
+                <a:ea typeface="+mn-ea"/>
+                <a:cs typeface="+mn-cs"/>
+              </a:defRPr>
+            </a:lvl1pPr>
+            <a:lvl2pPr marL="457200" algn="l" defTabSz="457200" rtl="0" eaLnBrk="1" latinLnBrk="0" hangingPunct="1">
+              <a:defRPr sz="1800" kern="1200">
+                <a:solidFill>
+                  <a:schemeClr val="tx1"/>
+                </a:solidFill>
+                <a:latin typeface="+mn-lt"/>
+                <a:ea typeface="+mn-ea"/>
+                <a:cs typeface="+mn-cs"/>
+              </a:defRPr>
+            </a:lvl2pPr>
+            <a:lvl3pPr marL="914400" algn="l" defTabSz="457200" rtl="0" eaLnBrk="1" latinLnBrk="0" hangingPunct="1">
+              <a:defRPr sz="1800" kern="1200">
+                <a:solidFill>
+                  <a:schemeClr val="tx1"/>
+                </a:solidFill>
+                <a:latin typeface="+mn-lt"/>
+                <a:ea typeface="+mn-ea"/>
+                <a:cs typeface="+mn-cs"/>
+              </a:defRPr>
+            </a:lvl3pPr>
+            <a:lvl4pPr marL="1371600" algn="l" defTabSz="457200" rtl="0" eaLnBrk="1" latinLnBrk="0" hangingPunct="1">
+              <a:defRPr sz="1800" kern="1200">
+                <a:solidFill>
+                  <a:schemeClr val="tx1"/>
+                </a:solidFill>
+                <a:latin typeface="+mn-lt"/>
+                <a:ea typeface="+mn-ea"/>
+                <a:cs typeface="+mn-cs"/>
+              </a:defRPr>
+            </a:lvl4pPr>
+            <a:lvl5pPr marL="1828800" algn="l" defTabSz="457200" rtl="0" eaLnBrk="1" latinLnBrk="0" hangingPunct="1">
+              <a:defRPr sz="1800" kern="1200">
+                <a:solidFill>
+                  <a:schemeClr val="tx1"/>
+                </a:solidFill>
+                <a:latin typeface="+mn-lt"/>
+                <a:ea typeface="+mn-ea"/>
+                <a:cs typeface="+mn-cs"/>
+              </a:defRPr>
+            </a:lvl5pPr>
+            <a:lvl6pPr marL="2286000" algn="l" defTabSz="457200" rtl="0" eaLnBrk="1" latinLnBrk="0" hangingPunct="1">
+              <a:defRPr sz="1800" kern="1200">
+                <a:solidFill>
+                  <a:schemeClr val="tx1"/>
+                </a:solidFill>
+                <a:latin typeface="+mn-lt"/>
+                <a:ea typeface="+mn-ea"/>
+                <a:cs typeface="+mn-cs"/>
+              </a:defRPr>
+            </a:lvl6pPr>
+            <a:lvl7pPr marL="2743200" algn="l" defTabSz="457200" rtl="0" eaLnBrk="1" latinLnBrk="0" hangingPunct="1">
+              <a:defRPr sz="1800" kern="1200">
+                <a:solidFill>
+                  <a:schemeClr val="tx1"/>
+                </a:solidFill>
+                <a:latin typeface="+mn-lt"/>
+                <a:ea typeface="+mn-ea"/>
+                <a:cs typeface="+mn-cs"/>
+              </a:defRPr>
+            </a:lvl7pPr>
+            <a:lvl8pPr marL="3200400" algn="l" defTabSz="457200" rtl="0" eaLnBrk="1" latinLnBrk="0" hangingPunct="1">
+              <a:defRPr sz="1800" kern="1200">
+                <a:solidFill>
+                  <a:schemeClr val="tx1"/>
+                </a:solidFill>
+                <a:latin typeface="+mn-lt"/>
+                <a:ea typeface="+mn-ea"/>
+                <a:cs typeface="+mn-cs"/>
+              </a:defRPr>
+            </a:lvl8pPr>
+            <a:lvl9pPr marL="3657600" algn="l" defTabSz="457200" rtl="0" eaLnBrk="1" latinLnBrk="0" hangingPunct="1">
+              <a:defRPr sz="1800" kern="1200">
+                <a:solidFill>
+                  <a:schemeClr val="tx1"/>
+                </a:solidFill>
+                <a:latin typeface="+mn-lt"/>
+                <a:ea typeface="+mn-ea"/>
+                <a:cs typeface="+mn-cs"/>
+              </a:defRPr>
+            </a:lvl9pPr>
+          </a:lstStyle>
+          <a:p>
+            <a:r>
+              <a:rPr lang="en-US" dirty="0">
+                <a:solidFill>
+                  <a:schemeClr val="bg1"/>
+                </a:solidFill>
+              </a:rPr>
+              <a:t>Decentralized Identifier URL Specification (did-url-spec)</a:t>
+            </a:r>
+            <a:endParaRPr lang="en-CA" dirty="0">
+              <a:solidFill>
+                <a:schemeClr val="bg1"/>
+              </a:solidFill>
+            </a:endParaRPr>
+          </a:p>
+        </p:txBody>
+      </p:sp>
+      <p:sp>
+        <p:nvSpPr>
+          <p:cNvPr id="4" name="Date Placeholder 3">
+            <a:extLst>
+              <a:ext uri="{FF2B5EF4-FFF2-40B4-BE49-F238E27FC236}">
+                <a16:creationId xmlns:a16="http://schemas.microsoft.com/office/drawing/2014/main" id="{4F746C27-A76B-4C8D-9FF3-60328BA74F49}"/>
+              </a:ext>
+            </a:extLst>
+          </p:cNvPr>
+          <p:cNvSpPr>
+            <a:spLocks noGrp="1"/>
+          </p:cNvSpPr>
+          <p:nvPr>
+            <p:ph type="dt" sz="half" idx="10"/>
+          </p:nvPr>
+        </p:nvSpPr>
+        <p:spPr/>
+        <p:txBody>
+          <a:bodyPr/>
+          <a:lstStyle/>
+          <a:p>
+            <a:fld id="{154602D0-7B20-4E03-8151-A87C6A811C84}" type="datetime1">
+              <a:rPr lang="en-CA" smtClean="0"/>
+              <a:t>2019-03-24</a:t>
+            </a:fld>
+            <a:endParaRPr lang="en-CA" dirty="0"/>
+          </a:p>
+        </p:txBody>
+      </p:sp>
+      <p:sp>
+        <p:nvSpPr>
+          <p:cNvPr id="5" name="Footer Placeholder 4">
+            <a:extLst>
+              <a:ext uri="{FF2B5EF4-FFF2-40B4-BE49-F238E27FC236}">
+                <a16:creationId xmlns:a16="http://schemas.microsoft.com/office/drawing/2014/main" id="{D23FF809-1F61-44DE-8D0B-0A224F51A9EA}"/>
+              </a:ext>
+            </a:extLst>
+          </p:cNvPr>
+          <p:cNvSpPr>
+            <a:spLocks noGrp="1"/>
+          </p:cNvSpPr>
+          <p:nvPr>
+            <p:ph type="ftr" sz="quarter" idx="11"/>
+          </p:nvPr>
+        </p:nvSpPr>
+        <p:spPr/>
+        <p:txBody>
+          <a:bodyPr/>
+          <a:lstStyle/>
+          <a:p>
+            <a:r>
+              <a:rPr lang="en-US" dirty="0"/>
+              <a:t>Decentralized Identifier URL Specification (did-url-spec)</a:t>
+            </a:r>
+            <a:endParaRPr lang="en-CA" dirty="0"/>
+          </a:p>
+        </p:txBody>
+      </p:sp>
+    </p:spTree>
+    <p:extLst>
+      <p:ext uri="{BB962C8B-B14F-4D97-AF65-F5344CB8AC3E}">
+        <p14:creationId xmlns:p14="http://schemas.microsoft.com/office/powerpoint/2010/main" val="3157589698"/>
+      </p:ext>
+    </p:extLst>
+  </p:cSld>
+  <p:clrMapOvr>
+    <a:masterClrMapping/>
+  </p:clrMapOvr>
+</p:sld>
+</file>
+
+<file path=ppt/slides/slide61.xml><?xml version="1.0" encoding="utf-8"?>
+<p:sld xmlns:a="http://schemas.openxmlformats.org/drawingml/2006/main" xmlns:r="http://schemas.openxmlformats.org/officeDocument/2006/relationships" xmlns:p="http://schemas.openxmlformats.org/presentationml/2006/main">
+  <p:cSld>
+    <p:spTree>
+      <p:nvGrpSpPr>
+        <p:cNvPr id="1" name=""/>
+        <p:cNvGrpSpPr/>
+        <p:nvPr/>
+      </p:nvGrpSpPr>
+      <p:grpSpPr>
+        <a:xfrm>
+          <a:off x="0" y="0"/>
+          <a:ext cx="0" cy="0"/>
+          <a:chOff x="0" y="0"/>
+          <a:chExt cx="0" cy="0"/>
+        </a:xfrm>
+      </p:grpSpPr>
+      <p:sp>
+        <p:nvSpPr>
+          <p:cNvPr id="2" name="Title 1">
+            <a:extLst>
+              <a:ext uri="{FF2B5EF4-FFF2-40B4-BE49-F238E27FC236}">
                 <a16:creationId xmlns:a16="http://schemas.microsoft.com/office/drawing/2014/main" id="{41617C9C-4708-46C8-9528-BA5AED5EE966}"/>
               </a:ext>
             </a:extLst>
@@ -31009,7 +32741,7 @@
 </p:sld>
 </file>
 
-<file path=ppt/slides/slide61.xml><?xml version="1.0" encoding="utf-8"?>
+<file path=ppt/slides/slide62.xml><?xml version="1.0" encoding="utf-8"?>
 <p:sld xmlns:a="http://schemas.openxmlformats.org/drawingml/2006/main" xmlns:r="http://schemas.openxmlformats.org/officeDocument/2006/relationships" xmlns:p="http://schemas.openxmlformats.org/presentationml/2006/main">
   <p:cSld>
     <p:spTree>
@@ -31469,7 +33201,7 @@
 </p:sld>
 </file>
 
-<file path=ppt/slides/slide62.xml><?xml version="1.0" encoding="utf-8"?>
+<file path=ppt/slides/slide63.xml><?xml version="1.0" encoding="utf-8"?>
 <p:sld xmlns:a="http://schemas.openxmlformats.org/drawingml/2006/main" xmlns:r="http://schemas.openxmlformats.org/officeDocument/2006/relationships" xmlns:p="http://schemas.openxmlformats.org/presentationml/2006/main">
   <p:cSld>
     <p:spTree>
@@ -31892,7 +33624,12 @@
             <p:ph idx="1"/>
           </p:nvPr>
         </p:nvSpPr>
-        <p:spPr/>
+        <p:spPr>
+          <a:xfrm>
+            <a:off x="704850" y="1995326"/>
+            <a:ext cx="15870238" cy="6648245"/>
+          </a:xfrm>
+        </p:spPr>
         <p:txBody>
           <a:bodyPr>
             <a:normAutofit fontScale="92500" lnSpcReduction="10000"/>
@@ -32110,7 +33847,7 @@
                 </a:solidFill>
                 <a:latin typeface="Koblenz Serial" panose="02000000000000000000" pitchFamily="50" charset="0"/>
               </a:rPr>
-              <a:t>DRIVERS</a:t>
+              <a:t>Motivation</a:t>
             </a:r>
             <a:endParaRPr lang="en-US" sz="5400" dirty="0">
               <a:solidFill>
@@ -32139,7 +33876,7 @@
         </p:nvSpPr>
         <p:spPr>
           <a:xfrm>
-            <a:off x="704850" y="1409700"/>
+            <a:off x="704850" y="1285008"/>
             <a:ext cx="15870238" cy="7779868"/>
           </a:xfrm>
         </p:spPr>
@@ -32399,7 +34136,12 @@
             <p:ph idx="1"/>
           </p:nvPr>
         </p:nvSpPr>
-        <p:spPr/>
+        <p:spPr>
+          <a:xfrm>
+            <a:off x="704850" y="1288474"/>
+            <a:ext cx="15870238" cy="7396662"/>
+          </a:xfrm>
+        </p:spPr>
         <p:txBody>
           <a:bodyPr>
             <a:normAutofit/>
